--- a/Capstone_presentation_Laboratory Earthquake Prediction.pptx
+++ b/Capstone_presentation_Laboratory Earthquake Prediction.pptx
@@ -4,8 +4,29 @@
   <p:sldMasterIdLst>
     <p:sldMasterId id="2147483648" r:id="rId1"/>
   </p:sldMasterIdLst>
+  <p:notesMasterIdLst>
+    <p:notesMasterId r:id="rId21"/>
+  </p:notesMasterIdLst>
   <p:sldIdLst>
     <p:sldId id="256" r:id="rId2"/>
+    <p:sldId id="262" r:id="rId3"/>
+    <p:sldId id="272" r:id="rId4"/>
+    <p:sldId id="258" r:id="rId5"/>
+    <p:sldId id="263" r:id="rId6"/>
+    <p:sldId id="257" r:id="rId7"/>
+    <p:sldId id="261" r:id="rId8"/>
+    <p:sldId id="260" r:id="rId9"/>
+    <p:sldId id="267" r:id="rId10"/>
+    <p:sldId id="273" r:id="rId11"/>
+    <p:sldId id="274" r:id="rId12"/>
+    <p:sldId id="269" r:id="rId13"/>
+    <p:sldId id="275" r:id="rId14"/>
+    <p:sldId id="266" r:id="rId15"/>
+    <p:sldId id="270" r:id="rId16"/>
+    <p:sldId id="271" r:id="rId17"/>
+    <p:sldId id="265" r:id="rId18"/>
+    <p:sldId id="268" r:id="rId19"/>
+    <p:sldId id="264" r:id="rId20"/>
   </p:sldIdLst>
   <p:sldSz cx="12192000" cy="6858000"/>
   <p:notesSz cx="6858000" cy="9144000"/>
@@ -104,7 +125,2180 @@
       </a:defRPr>
     </a:lvl9pPr>
   </p:defaultTextStyle>
+  <p:extLst>
+    <p:ext uri="{EFAFB233-063F-42B5-8137-9DF3F51BA10A}">
+      <p15:sldGuideLst xmlns:p15="http://schemas.microsoft.com/office/powerpoint/2012/main"/>
+    </p:ext>
+  </p:extLst>
 </p:presentation>
+</file>
+
+<file path=ppt/notesMasters/notesMaster1.xml><?xml version="1.0" encoding="utf-8"?>
+<p:notesMaster xmlns:a="http://schemas.openxmlformats.org/drawingml/2006/main" xmlns:r="http://schemas.openxmlformats.org/officeDocument/2006/relationships" xmlns:p="http://schemas.openxmlformats.org/presentationml/2006/main">
+  <p:cSld>
+    <p:bg>
+      <p:bgRef idx="1001">
+        <a:schemeClr val="bg1"/>
+      </p:bgRef>
+    </p:bg>
+    <p:spTree>
+      <p:nvGrpSpPr>
+        <p:cNvPr id="1" name=""/>
+        <p:cNvGrpSpPr/>
+        <p:nvPr/>
+      </p:nvGrpSpPr>
+      <p:grpSpPr>
+        <a:xfrm>
+          <a:off x="0" y="0"/>
+          <a:ext cx="0" cy="0"/>
+          <a:chOff x="0" y="0"/>
+          <a:chExt cx="0" cy="0"/>
+        </a:xfrm>
+      </p:grpSpPr>
+      <p:sp>
+        <p:nvSpPr>
+          <p:cNvPr id="2" name="Header Placeholder 1"/>
+          <p:cNvSpPr>
+            <a:spLocks noGrp="1"/>
+          </p:cNvSpPr>
+          <p:nvPr>
+            <p:ph type="hdr" sz="quarter"/>
+          </p:nvPr>
+        </p:nvSpPr>
+        <p:spPr>
+          <a:xfrm>
+            <a:off x="0" y="0"/>
+            <a:ext cx="2971800" cy="458788"/>
+          </a:xfrm>
+          <a:prstGeom prst="rect">
+            <a:avLst/>
+          </a:prstGeom>
+        </p:spPr>
+        <p:txBody>
+          <a:bodyPr vert="horz" lIns="91440" tIns="45720" rIns="91440" bIns="45720" rtlCol="0"/>
+          <a:lstStyle>
+            <a:lvl1pPr algn="l">
+              <a:defRPr sz="1200"/>
+            </a:lvl1pPr>
+          </a:lstStyle>
+          <a:p>
+            <a:endParaRPr lang="en-US"/>
+          </a:p>
+        </p:txBody>
+      </p:sp>
+      <p:sp>
+        <p:nvSpPr>
+          <p:cNvPr id="3" name="Date Placeholder 2"/>
+          <p:cNvSpPr>
+            <a:spLocks noGrp="1"/>
+          </p:cNvSpPr>
+          <p:nvPr>
+            <p:ph type="dt" idx="1"/>
+          </p:nvPr>
+        </p:nvSpPr>
+        <p:spPr>
+          <a:xfrm>
+            <a:off x="3884613" y="0"/>
+            <a:ext cx="2971800" cy="458788"/>
+          </a:xfrm>
+          <a:prstGeom prst="rect">
+            <a:avLst/>
+          </a:prstGeom>
+        </p:spPr>
+        <p:txBody>
+          <a:bodyPr vert="horz" lIns="91440" tIns="45720" rIns="91440" bIns="45720" rtlCol="0"/>
+          <a:lstStyle>
+            <a:lvl1pPr algn="r">
+              <a:defRPr sz="1200"/>
+            </a:lvl1pPr>
+          </a:lstStyle>
+          <a:p>
+            <a:fld id="{7FBEED9A-5CB8-4EF6-82CD-9891FBD08415}" type="datetimeFigureOut">
+              <a:rPr lang="en-US" smtClean="0"/>
+              <a:t>10/4/2022</a:t>
+            </a:fld>
+            <a:endParaRPr lang="en-US"/>
+          </a:p>
+        </p:txBody>
+      </p:sp>
+      <p:sp>
+        <p:nvSpPr>
+          <p:cNvPr id="4" name="Slide Image Placeholder 3"/>
+          <p:cNvSpPr>
+            <a:spLocks noGrp="1" noRot="1" noChangeAspect="1"/>
+          </p:cNvSpPr>
+          <p:nvPr>
+            <p:ph type="sldImg" idx="2"/>
+          </p:nvPr>
+        </p:nvSpPr>
+        <p:spPr>
+          <a:xfrm>
+            <a:off x="685800" y="1143000"/>
+            <a:ext cx="5486400" cy="3086100"/>
+          </a:xfrm>
+          <a:prstGeom prst="rect">
+            <a:avLst/>
+          </a:prstGeom>
+          <a:noFill/>
+          <a:ln w="12700">
+            <a:solidFill>
+              <a:prstClr val="black"/>
+            </a:solidFill>
+          </a:ln>
+        </p:spPr>
+        <p:txBody>
+          <a:bodyPr vert="horz" lIns="91440" tIns="45720" rIns="91440" bIns="45720" rtlCol="0" anchor="ctr"/>
+          <a:lstStyle/>
+          <a:p>
+            <a:endParaRPr lang="en-US"/>
+          </a:p>
+        </p:txBody>
+      </p:sp>
+      <p:sp>
+        <p:nvSpPr>
+          <p:cNvPr id="5" name="Notes Placeholder 4"/>
+          <p:cNvSpPr>
+            <a:spLocks noGrp="1"/>
+          </p:cNvSpPr>
+          <p:nvPr>
+            <p:ph type="body" sz="quarter" idx="3"/>
+          </p:nvPr>
+        </p:nvSpPr>
+        <p:spPr>
+          <a:xfrm>
+            <a:off x="685800" y="4400550"/>
+            <a:ext cx="5486400" cy="3600450"/>
+          </a:xfrm>
+          <a:prstGeom prst="rect">
+            <a:avLst/>
+          </a:prstGeom>
+        </p:spPr>
+        <p:txBody>
+          <a:bodyPr vert="horz" lIns="91440" tIns="45720" rIns="91440" bIns="45720" rtlCol="0"/>
+          <a:lstStyle/>
+          <a:p>
+            <a:pPr lvl="0"/>
+            <a:r>
+              <a:rPr lang="en-US"/>
+              <a:t>Click to edit Master text styles</a:t>
+            </a:r>
+          </a:p>
+          <a:p>
+            <a:pPr lvl="1"/>
+            <a:r>
+              <a:rPr lang="en-US"/>
+              <a:t>Second level</a:t>
+            </a:r>
+          </a:p>
+          <a:p>
+            <a:pPr lvl="2"/>
+            <a:r>
+              <a:rPr lang="en-US"/>
+              <a:t>Third level</a:t>
+            </a:r>
+          </a:p>
+          <a:p>
+            <a:pPr lvl="3"/>
+            <a:r>
+              <a:rPr lang="en-US"/>
+              <a:t>Fourth level</a:t>
+            </a:r>
+          </a:p>
+          <a:p>
+            <a:pPr lvl="4"/>
+            <a:r>
+              <a:rPr lang="en-US"/>
+              <a:t>Fifth level</a:t>
+            </a:r>
+          </a:p>
+        </p:txBody>
+      </p:sp>
+      <p:sp>
+        <p:nvSpPr>
+          <p:cNvPr id="6" name="Footer Placeholder 5"/>
+          <p:cNvSpPr>
+            <a:spLocks noGrp="1"/>
+          </p:cNvSpPr>
+          <p:nvPr>
+            <p:ph type="ftr" sz="quarter" idx="4"/>
+          </p:nvPr>
+        </p:nvSpPr>
+        <p:spPr>
+          <a:xfrm>
+            <a:off x="0" y="8685213"/>
+            <a:ext cx="2971800" cy="458787"/>
+          </a:xfrm>
+          <a:prstGeom prst="rect">
+            <a:avLst/>
+          </a:prstGeom>
+        </p:spPr>
+        <p:txBody>
+          <a:bodyPr vert="horz" lIns="91440" tIns="45720" rIns="91440" bIns="45720" rtlCol="0" anchor="b"/>
+          <a:lstStyle>
+            <a:lvl1pPr algn="l">
+              <a:defRPr sz="1200"/>
+            </a:lvl1pPr>
+          </a:lstStyle>
+          <a:p>
+            <a:endParaRPr lang="en-US"/>
+          </a:p>
+        </p:txBody>
+      </p:sp>
+      <p:sp>
+        <p:nvSpPr>
+          <p:cNvPr id="7" name="Slide Number Placeholder 6"/>
+          <p:cNvSpPr>
+            <a:spLocks noGrp="1"/>
+          </p:cNvSpPr>
+          <p:nvPr>
+            <p:ph type="sldNum" sz="quarter" idx="5"/>
+          </p:nvPr>
+        </p:nvSpPr>
+        <p:spPr>
+          <a:xfrm>
+            <a:off x="3884613" y="8685213"/>
+            <a:ext cx="2971800" cy="458787"/>
+          </a:xfrm>
+          <a:prstGeom prst="rect">
+            <a:avLst/>
+          </a:prstGeom>
+        </p:spPr>
+        <p:txBody>
+          <a:bodyPr vert="horz" lIns="91440" tIns="45720" rIns="91440" bIns="45720" rtlCol="0" anchor="b"/>
+          <a:lstStyle>
+            <a:lvl1pPr algn="r">
+              <a:defRPr sz="1200"/>
+            </a:lvl1pPr>
+          </a:lstStyle>
+          <a:p>
+            <a:fld id="{D09B9B78-9CB7-4BB8-B8EA-7B060E3CCB98}" type="slidenum">
+              <a:rPr lang="en-US" smtClean="0"/>
+              <a:t>‹#›</a:t>
+            </a:fld>
+            <a:endParaRPr lang="en-US"/>
+          </a:p>
+        </p:txBody>
+      </p:sp>
+    </p:spTree>
+    <p:extLst>
+      <p:ext uri="{BB962C8B-B14F-4D97-AF65-F5344CB8AC3E}">
+        <p14:creationId xmlns:p14="http://schemas.microsoft.com/office/powerpoint/2010/main" val="1792795441"/>
+      </p:ext>
+    </p:extLst>
+  </p:cSld>
+  <p:clrMap bg1="lt1" tx1="dk1" bg2="lt2" tx2="dk2" accent1="accent1" accent2="accent2" accent3="accent3" accent4="accent4" accent5="accent5" accent6="accent6" hlink="hlink" folHlink="folHlink"/>
+  <p:notesStyle>
+    <a:lvl1pPr marL="0" algn="l" defTabSz="914400" rtl="0" eaLnBrk="1" latinLnBrk="0" hangingPunct="1">
+      <a:defRPr sz="1200" kern="1200">
+        <a:solidFill>
+          <a:schemeClr val="tx1"/>
+        </a:solidFill>
+        <a:latin typeface="+mn-lt"/>
+        <a:ea typeface="+mn-ea"/>
+        <a:cs typeface="+mn-cs"/>
+      </a:defRPr>
+    </a:lvl1pPr>
+    <a:lvl2pPr marL="457200" algn="l" defTabSz="914400" rtl="0" eaLnBrk="1" latinLnBrk="0" hangingPunct="1">
+      <a:defRPr sz="1200" kern="1200">
+        <a:solidFill>
+          <a:schemeClr val="tx1"/>
+        </a:solidFill>
+        <a:latin typeface="+mn-lt"/>
+        <a:ea typeface="+mn-ea"/>
+        <a:cs typeface="+mn-cs"/>
+      </a:defRPr>
+    </a:lvl2pPr>
+    <a:lvl3pPr marL="914400" algn="l" defTabSz="914400" rtl="0" eaLnBrk="1" latinLnBrk="0" hangingPunct="1">
+      <a:defRPr sz="1200" kern="1200">
+        <a:solidFill>
+          <a:schemeClr val="tx1"/>
+        </a:solidFill>
+        <a:latin typeface="+mn-lt"/>
+        <a:ea typeface="+mn-ea"/>
+        <a:cs typeface="+mn-cs"/>
+      </a:defRPr>
+    </a:lvl3pPr>
+    <a:lvl4pPr marL="1371600" algn="l" defTabSz="914400" rtl="0" eaLnBrk="1" latinLnBrk="0" hangingPunct="1">
+      <a:defRPr sz="1200" kern="1200">
+        <a:solidFill>
+          <a:schemeClr val="tx1"/>
+        </a:solidFill>
+        <a:latin typeface="+mn-lt"/>
+        <a:ea typeface="+mn-ea"/>
+        <a:cs typeface="+mn-cs"/>
+      </a:defRPr>
+    </a:lvl4pPr>
+    <a:lvl5pPr marL="1828800" algn="l" defTabSz="914400" rtl="0" eaLnBrk="1" latinLnBrk="0" hangingPunct="1">
+      <a:defRPr sz="1200" kern="1200">
+        <a:solidFill>
+          <a:schemeClr val="tx1"/>
+        </a:solidFill>
+        <a:latin typeface="+mn-lt"/>
+        <a:ea typeface="+mn-ea"/>
+        <a:cs typeface="+mn-cs"/>
+      </a:defRPr>
+    </a:lvl5pPr>
+    <a:lvl6pPr marL="2286000" algn="l" defTabSz="914400" rtl="0" eaLnBrk="1" latinLnBrk="0" hangingPunct="1">
+      <a:defRPr sz="1200" kern="1200">
+        <a:solidFill>
+          <a:schemeClr val="tx1"/>
+        </a:solidFill>
+        <a:latin typeface="+mn-lt"/>
+        <a:ea typeface="+mn-ea"/>
+        <a:cs typeface="+mn-cs"/>
+      </a:defRPr>
+    </a:lvl6pPr>
+    <a:lvl7pPr marL="2743200" algn="l" defTabSz="914400" rtl="0" eaLnBrk="1" latinLnBrk="0" hangingPunct="1">
+      <a:defRPr sz="1200" kern="1200">
+        <a:solidFill>
+          <a:schemeClr val="tx1"/>
+        </a:solidFill>
+        <a:latin typeface="+mn-lt"/>
+        <a:ea typeface="+mn-ea"/>
+        <a:cs typeface="+mn-cs"/>
+      </a:defRPr>
+    </a:lvl7pPr>
+    <a:lvl8pPr marL="3200400" algn="l" defTabSz="914400" rtl="0" eaLnBrk="1" latinLnBrk="0" hangingPunct="1">
+      <a:defRPr sz="1200" kern="1200">
+        <a:solidFill>
+          <a:schemeClr val="tx1"/>
+        </a:solidFill>
+        <a:latin typeface="+mn-lt"/>
+        <a:ea typeface="+mn-ea"/>
+        <a:cs typeface="+mn-cs"/>
+      </a:defRPr>
+    </a:lvl8pPr>
+    <a:lvl9pPr marL="3657600" algn="l" defTabSz="914400" rtl="0" eaLnBrk="1" latinLnBrk="0" hangingPunct="1">
+      <a:defRPr sz="1200" kern="1200">
+        <a:solidFill>
+          <a:schemeClr val="tx1"/>
+        </a:solidFill>
+        <a:latin typeface="+mn-lt"/>
+        <a:ea typeface="+mn-ea"/>
+        <a:cs typeface="+mn-cs"/>
+      </a:defRPr>
+    </a:lvl9pPr>
+  </p:notesStyle>
+</p:notesMaster>
+</file>
+
+<file path=ppt/notesSlides/notesSlide1.xml><?xml version="1.0" encoding="utf-8"?>
+<p:notes xmlns:a="http://schemas.openxmlformats.org/drawingml/2006/main" xmlns:r="http://schemas.openxmlformats.org/officeDocument/2006/relationships" xmlns:p="http://schemas.openxmlformats.org/presentationml/2006/main">
+  <p:cSld>
+    <p:spTree>
+      <p:nvGrpSpPr>
+        <p:cNvPr id="1" name=""/>
+        <p:cNvGrpSpPr/>
+        <p:nvPr/>
+      </p:nvGrpSpPr>
+      <p:grpSpPr>
+        <a:xfrm>
+          <a:off x="0" y="0"/>
+          <a:ext cx="0" cy="0"/>
+          <a:chOff x="0" y="0"/>
+          <a:chExt cx="0" cy="0"/>
+        </a:xfrm>
+      </p:grpSpPr>
+      <p:sp>
+        <p:nvSpPr>
+          <p:cNvPr id="2" name="Slide Image Placeholder 1"/>
+          <p:cNvSpPr>
+            <a:spLocks noGrp="1" noRot="1" noChangeAspect="1"/>
+          </p:cNvSpPr>
+          <p:nvPr>
+            <p:ph type="sldImg"/>
+          </p:nvPr>
+        </p:nvSpPr>
+        <p:spPr/>
+      </p:sp>
+      <p:sp>
+        <p:nvSpPr>
+          <p:cNvPr id="3" name="Notes Placeholder 2"/>
+          <p:cNvSpPr>
+            <a:spLocks noGrp="1"/>
+          </p:cNvSpPr>
+          <p:nvPr>
+            <p:ph type="body" idx="1"/>
+          </p:nvPr>
+        </p:nvSpPr>
+        <p:spPr/>
+        <p:txBody>
+          <a:bodyPr/>
+          <a:lstStyle/>
+          <a:p>
+            <a:pPr marL="228600" indent="-228600">
+              <a:buAutoNum type="arabicPeriod"/>
+            </a:pPr>
+            <a:r>
+              <a:rPr lang="en-US" dirty="0"/>
+              <a:t>Earthquake can cause severe damage. Geoscientists have been striving studying the earthquake physics and trying to predict when and how large a earthquake will occur. However, geologists society and earthquake scientists have never predicted a major earthquake. </a:t>
+            </a:r>
+          </a:p>
+          <a:p>
+            <a:pPr marL="228600" indent="-228600">
+              <a:buAutoNum type="arabicPeriod"/>
+            </a:pPr>
+            <a:r>
+              <a:rPr lang="en-US" dirty="0"/>
+              <a:t>Traditional methods generally look for trends or patterns that lead to </a:t>
+            </a:r>
+            <a:r>
+              <a:rPr lang="en-US" dirty="0" err="1"/>
+              <a:t>probablilistic</a:t>
+            </a:r>
+            <a:r>
+              <a:rPr lang="en-US" dirty="0"/>
+              <a:t> estimation of earthquake happening</a:t>
+            </a:r>
+          </a:p>
+          <a:p>
+            <a:r>
+              <a:rPr lang="en-US" b="0" i="0" dirty="0">
+                <a:solidFill>
+                  <a:srgbClr val="202122"/>
+                </a:solidFill>
+                <a:effectLst/>
+                <a:latin typeface="Arial" panose="020B0604020202020204" pitchFamily="34" charset="0"/>
+              </a:rPr>
+              <a:t>3. </a:t>
+            </a:r>
+            <a:r>
+              <a:rPr lang="en-US" b="0" i="0" dirty="0">
+                <a:solidFill>
+                  <a:srgbClr val="000000"/>
+                </a:solidFill>
+                <a:effectLst/>
+                <a:latin typeface="open sans" panose="020B0606030504020204" pitchFamily="34" charset="0"/>
+              </a:rPr>
+              <a:t>Discovered only in the last 20 years, slow earthquakes are still a seismic puzzle. This type of earthquake seems can be predicted</a:t>
+            </a:r>
+            <a:endParaRPr lang="en-US" b="0" i="0" dirty="0">
+              <a:solidFill>
+                <a:srgbClr val="202122"/>
+              </a:solidFill>
+              <a:effectLst/>
+              <a:latin typeface="Arial" panose="020B0604020202020204" pitchFamily="34" charset="0"/>
+            </a:endParaRPr>
+          </a:p>
+          <a:p>
+            <a:r>
+              <a:rPr lang="en-US" b="0" i="0" dirty="0">
+                <a:solidFill>
+                  <a:srgbClr val="202122"/>
+                </a:solidFill>
+                <a:effectLst/>
+                <a:latin typeface="Arial" panose="020B0604020202020204" pitchFamily="34" charset="0"/>
+              </a:rPr>
+              <a:t>A </a:t>
+            </a:r>
+            <a:r>
+              <a:rPr lang="en-US" b="1" i="0" dirty="0">
+                <a:solidFill>
+                  <a:srgbClr val="202122"/>
+                </a:solidFill>
+                <a:effectLst/>
+                <a:latin typeface="Arial" panose="020B0604020202020204" pitchFamily="34" charset="0"/>
+              </a:rPr>
+              <a:t>slow earthquake</a:t>
+            </a:r>
+            <a:r>
+              <a:rPr lang="en-US" b="0" i="0" dirty="0">
+                <a:solidFill>
+                  <a:srgbClr val="202122"/>
+                </a:solidFill>
+                <a:effectLst/>
+                <a:latin typeface="Arial" panose="020B0604020202020204" pitchFamily="34" charset="0"/>
+              </a:rPr>
+              <a:t> is a discontinuous, </a:t>
+            </a:r>
+            <a:r>
+              <a:rPr lang="en-US" b="0" i="0" u="none" strike="noStrike" dirty="0">
+                <a:solidFill>
+                  <a:srgbClr val="0645AD"/>
+                </a:solidFill>
+                <a:effectLst/>
+                <a:latin typeface="Arial" panose="020B0604020202020204" pitchFamily="34" charset="0"/>
+                <a:hlinkClick r:id="rId3" tooltip="Earthquake"/>
+              </a:rPr>
+              <a:t>earthquake</a:t>
+            </a:r>
+            <a:r>
+              <a:rPr lang="en-US" b="0" i="0" dirty="0">
+                <a:solidFill>
+                  <a:srgbClr val="202122"/>
+                </a:solidFill>
+                <a:effectLst/>
+                <a:latin typeface="Arial" panose="020B0604020202020204" pitchFamily="34" charset="0"/>
+              </a:rPr>
+              <a:t>-like event that releases energy over a period of hours to months, rather than the seconds to minutes characteristic of a typical earthquake.</a:t>
+            </a:r>
+            <a:endParaRPr lang="en-US" dirty="0"/>
+          </a:p>
+          <a:p>
+            <a:r>
+              <a:rPr lang="en-US" b="0" i="0" dirty="0">
+                <a:solidFill>
+                  <a:srgbClr val="262626"/>
+                </a:solidFill>
+                <a:effectLst/>
+                <a:latin typeface="PT Serif" panose="020B0604020202020204" pitchFamily="18" charset="0"/>
+              </a:rPr>
+              <a:t>Slow earthquakes are characterized by a wide spectrum of fault slip behaviors and seismic radiation patterns that differ from those of traditional earthquakes. </a:t>
+            </a:r>
+            <a:r>
+              <a:rPr lang="en-US" b="0" i="0" dirty="0">
+                <a:solidFill>
+                  <a:srgbClr val="262626"/>
+                </a:solidFill>
+                <a:effectLst/>
+                <a:latin typeface="PT Serif" panose="020A0603040505020204" pitchFamily="18" charset="0"/>
+              </a:rPr>
+              <a:t>However, slow earthquakes and huge megathrust earthquakes can have common slip mechanisms and are located in neighboring regions of the </a:t>
+            </a:r>
+            <a:r>
+              <a:rPr lang="en-US" b="0" i="0" dirty="0" err="1">
+                <a:solidFill>
+                  <a:srgbClr val="262626"/>
+                </a:solidFill>
+                <a:effectLst/>
+                <a:latin typeface="PT Serif" panose="020A0603040505020204" pitchFamily="18" charset="0"/>
+              </a:rPr>
+              <a:t>seismogenic</a:t>
+            </a:r>
+            <a:r>
+              <a:rPr lang="en-US" b="0" i="0" dirty="0">
+                <a:solidFill>
+                  <a:srgbClr val="262626"/>
+                </a:solidFill>
+                <a:effectLst/>
+                <a:latin typeface="PT Serif" panose="020A0603040505020204" pitchFamily="18" charset="0"/>
+              </a:rPr>
+              <a:t> zone. The frequent occurrence of slow earthquakes may help to reveal the physics underlying megathrust events as useful analogs. Understanding the slow earthquakes helps to better predict the other earthquakes.</a:t>
+            </a:r>
+          </a:p>
+        </p:txBody>
+      </p:sp>
+      <p:sp>
+        <p:nvSpPr>
+          <p:cNvPr id="4" name="Slide Number Placeholder 3"/>
+          <p:cNvSpPr>
+            <a:spLocks noGrp="1"/>
+          </p:cNvSpPr>
+          <p:nvPr>
+            <p:ph type="sldNum" sz="quarter" idx="5"/>
+          </p:nvPr>
+        </p:nvSpPr>
+        <p:spPr/>
+        <p:txBody>
+          <a:bodyPr/>
+          <a:lstStyle/>
+          <a:p>
+            <a:fld id="{D09B9B78-9CB7-4BB8-B8EA-7B060E3CCB98}" type="slidenum">
+              <a:rPr lang="en-US" smtClean="0"/>
+              <a:t>2</a:t>
+            </a:fld>
+            <a:endParaRPr lang="en-US"/>
+          </a:p>
+        </p:txBody>
+      </p:sp>
+    </p:spTree>
+    <p:extLst>
+      <p:ext uri="{BB962C8B-B14F-4D97-AF65-F5344CB8AC3E}">
+        <p14:creationId xmlns:p14="http://schemas.microsoft.com/office/powerpoint/2010/main" val="1568661478"/>
+      </p:ext>
+    </p:extLst>
+  </p:cSld>
+  <p:clrMapOvr>
+    <a:masterClrMapping/>
+  </p:clrMapOvr>
+</p:notes>
+</file>
+
+<file path=ppt/notesSlides/notesSlide10.xml><?xml version="1.0" encoding="utf-8"?>
+<p:notes xmlns:a="http://schemas.openxmlformats.org/drawingml/2006/main" xmlns:r="http://schemas.openxmlformats.org/officeDocument/2006/relationships" xmlns:p="http://schemas.openxmlformats.org/presentationml/2006/main">
+  <p:cSld>
+    <p:spTree>
+      <p:nvGrpSpPr>
+        <p:cNvPr id="1" name=""/>
+        <p:cNvGrpSpPr/>
+        <p:nvPr/>
+      </p:nvGrpSpPr>
+      <p:grpSpPr>
+        <a:xfrm>
+          <a:off x="0" y="0"/>
+          <a:ext cx="0" cy="0"/>
+          <a:chOff x="0" y="0"/>
+          <a:chExt cx="0" cy="0"/>
+        </a:xfrm>
+      </p:grpSpPr>
+      <p:sp>
+        <p:nvSpPr>
+          <p:cNvPr id="2" name="Slide Image Placeholder 1"/>
+          <p:cNvSpPr>
+            <a:spLocks noGrp="1" noRot="1" noChangeAspect="1"/>
+          </p:cNvSpPr>
+          <p:nvPr>
+            <p:ph type="sldImg"/>
+          </p:nvPr>
+        </p:nvSpPr>
+        <p:spPr/>
+      </p:sp>
+      <p:sp>
+        <p:nvSpPr>
+          <p:cNvPr id="3" name="Notes Placeholder 2"/>
+          <p:cNvSpPr>
+            <a:spLocks noGrp="1"/>
+          </p:cNvSpPr>
+          <p:nvPr>
+            <p:ph type="body" idx="1"/>
+          </p:nvPr>
+        </p:nvSpPr>
+        <p:spPr/>
+        <p:txBody>
+          <a:bodyPr/>
+          <a:lstStyle/>
+          <a:p>
+            <a:pPr marL="0" marR="0" lvl="0" indent="0" algn="l" defTabSz="914400" rtl="0" eaLnBrk="1" fontAlgn="auto" latinLnBrk="0" hangingPunct="1">
+              <a:lnSpc>
+                <a:spcPct val="100000"/>
+              </a:lnSpc>
+              <a:spcBef>
+                <a:spcPts val="0"/>
+              </a:spcBef>
+              <a:spcAft>
+                <a:spcPts val="0"/>
+              </a:spcAft>
+              <a:buClrTx/>
+              <a:buSzTx/>
+              <a:buFontTx/>
+              <a:buNone/>
+              <a:tabLst/>
+              <a:defRPr/>
+            </a:pPr>
+            <a:r>
+              <a:rPr lang="en-US" b="1" i="0" dirty="0">
+                <a:solidFill>
+                  <a:srgbClr val="292929"/>
+                </a:solidFill>
+                <a:effectLst/>
+                <a:latin typeface="source-serif-pro"/>
+              </a:rPr>
+              <a:t>Bagging </a:t>
+            </a:r>
+            <a:r>
+              <a:rPr lang="en-US" b="0" i="0" dirty="0">
+                <a:solidFill>
+                  <a:srgbClr val="292929"/>
+                </a:solidFill>
+                <a:effectLst/>
+                <a:latin typeface="source-serif-pro"/>
+              </a:rPr>
+              <a:t>is a simple </a:t>
+            </a:r>
+            <a:r>
+              <a:rPr lang="en-US" b="0" i="0" dirty="0" err="1">
+                <a:solidFill>
+                  <a:srgbClr val="292929"/>
+                </a:solidFill>
+                <a:effectLst/>
+                <a:latin typeface="source-serif-pro"/>
+              </a:rPr>
+              <a:t>ensembling</a:t>
+            </a:r>
+            <a:r>
+              <a:rPr lang="en-US" b="0" i="0" dirty="0">
+                <a:solidFill>
+                  <a:srgbClr val="292929"/>
+                </a:solidFill>
+                <a:effectLst/>
+                <a:latin typeface="source-serif-pro"/>
+              </a:rPr>
+              <a:t> technique . </a:t>
+            </a:r>
+            <a:r>
+              <a:rPr lang="en-US" b="0" i="0" dirty="0">
+                <a:effectLst/>
+                <a:latin typeface="-apple-system"/>
+              </a:rPr>
+              <a:t>The Random Forest algorithm Generate bootstrap training samples and searches for the best feature among a random subset of features; </a:t>
+            </a:r>
+            <a:r>
+              <a:rPr lang="en-US" b="0" i="0" dirty="0">
+                <a:solidFill>
+                  <a:srgbClr val="292929"/>
+                </a:solidFill>
+                <a:effectLst/>
+                <a:latin typeface="source-serif-pro"/>
+              </a:rPr>
+              <a:t>Resample the data or features to train many tree models. Use model averaging, such as majority vote or </a:t>
+            </a:r>
+            <a:r>
+              <a:rPr lang="en-US" b="0" i="0" dirty="0" err="1">
+                <a:solidFill>
+                  <a:srgbClr val="292929"/>
+                </a:solidFill>
+                <a:effectLst/>
+                <a:latin typeface="source-serif-pro"/>
+              </a:rPr>
+              <a:t>nomal</a:t>
+            </a:r>
+            <a:r>
+              <a:rPr lang="en-US" b="0" i="0" dirty="0">
+                <a:solidFill>
+                  <a:srgbClr val="292929"/>
+                </a:solidFill>
+                <a:effectLst/>
+                <a:latin typeface="source-serif-pro"/>
+              </a:rPr>
+              <a:t> average. </a:t>
+            </a:r>
+            <a:r>
+              <a:rPr lang="en-US" b="0" i="0" dirty="0">
+                <a:effectLst/>
+                <a:latin typeface="-apple-system"/>
+              </a:rPr>
+              <a:t>This results in a greater tree diversity, which (once again) trades </a:t>
+            </a:r>
+            <a:r>
+              <a:rPr lang="en-US" b="1" i="0" dirty="0">
+                <a:effectLst/>
+                <a:latin typeface="-apple-system"/>
+              </a:rPr>
+              <a:t>a higher bias for a lower variance</a:t>
+            </a:r>
+            <a:r>
+              <a:rPr lang="en-US" b="0" i="0" dirty="0">
+                <a:effectLst/>
+                <a:latin typeface="-apple-system"/>
+              </a:rPr>
+              <a:t>, generally yielding an overall better model.</a:t>
+            </a:r>
+          </a:p>
+          <a:p>
+            <a:r>
+              <a:rPr lang="en-US" b="0" i="0" dirty="0">
+                <a:effectLst/>
+                <a:latin typeface="-apple-system"/>
+              </a:rPr>
+              <a:t>The popularity of random forest is primarily due to how well it performs in a multitude of data situations. It tends to handle highly correlated features well, where as a linear regression model would not. </a:t>
+            </a:r>
+          </a:p>
+          <a:p>
+            <a:r>
+              <a:rPr lang="en-US" b="0" i="0" dirty="0">
+                <a:solidFill>
+                  <a:srgbClr val="292929"/>
+                </a:solidFill>
+                <a:effectLst/>
+                <a:latin typeface="source-serif-pro"/>
+              </a:rPr>
+              <a:t> </a:t>
+            </a:r>
+            <a:endParaRPr lang="en-US" b="0" i="0" dirty="0">
+              <a:solidFill>
+                <a:srgbClr val="000000"/>
+              </a:solidFill>
+              <a:effectLst/>
+              <a:latin typeface="Roboto" panose="02000000000000000000" pitchFamily="2" charset="0"/>
+            </a:endParaRPr>
+          </a:p>
+          <a:p>
+            <a:r>
+              <a:rPr lang="en-US" b="0" i="0" dirty="0">
+                <a:solidFill>
+                  <a:srgbClr val="000000"/>
+                </a:solidFill>
+                <a:effectLst/>
+                <a:latin typeface="Roboto" panose="02000000000000000000" pitchFamily="2" charset="0"/>
+              </a:rPr>
+              <a:t>'Boosting' is the term for an ensemble method in which new models replace incorrect predecessors until no further improvements can be made. Gradient boosting, on the other hand, is a technique that makes new models to predict the error of previous ones, before collating the results for an ultimate prediction.</a:t>
+            </a:r>
+          </a:p>
+          <a:p>
+            <a:r>
+              <a:rPr lang="en-US" b="0" i="0" dirty="0">
+                <a:effectLst/>
+                <a:latin typeface="-apple-system"/>
+              </a:rPr>
+              <a:t>Gradient boosting: Each time we run a decision tree, we extract the residuals. Then we run a new decision tree, using those residuals as the outcome to be predicted. After reaching a stopping point, we add together the predicted values from all of the decision trees to create the final gradient boosted prediction.</a:t>
+            </a:r>
+          </a:p>
+          <a:p>
+            <a:pPr algn="l"/>
+            <a:r>
+              <a:rPr lang="en-US" b="1" i="0" u="none" strike="noStrike" dirty="0" err="1">
+                <a:effectLst/>
+                <a:latin typeface="-apple-system"/>
+                <a:hlinkClick r:id="rId3"/>
+              </a:rPr>
+              <a:t>LightGBM</a:t>
+            </a:r>
+            <a:r>
+              <a:rPr lang="en-US" b="1" i="0" dirty="0">
+                <a:effectLst/>
+                <a:latin typeface="-apple-system"/>
+              </a:rPr>
+              <a:t> is a gradient boosting framework that uses tree-based learning algorithms. It is designed to be distributed and efficient with the following advantages:</a:t>
+            </a:r>
+          </a:p>
+          <a:p>
+            <a:pPr algn="l">
+              <a:buFont typeface="Arial" panose="020B0604020202020204" pitchFamily="34" charset="0"/>
+              <a:buChar char="•"/>
+            </a:pPr>
+            <a:r>
+              <a:rPr lang="en-US" b="0" i="0" dirty="0">
+                <a:effectLst/>
+                <a:latin typeface="-apple-system"/>
+              </a:rPr>
+              <a:t>Faster training speed and higher efficiency.</a:t>
+            </a:r>
+          </a:p>
+          <a:p>
+            <a:pPr algn="l">
+              <a:buFont typeface="Arial" panose="020B0604020202020204" pitchFamily="34" charset="0"/>
+              <a:buChar char="•"/>
+            </a:pPr>
+            <a:r>
+              <a:rPr lang="en-US" b="0" i="0" dirty="0">
+                <a:effectLst/>
+                <a:latin typeface="-apple-system"/>
+              </a:rPr>
+              <a:t>Lower memory usage.</a:t>
+            </a:r>
+          </a:p>
+          <a:p>
+            <a:pPr algn="l">
+              <a:buFont typeface="Arial" panose="020B0604020202020204" pitchFamily="34" charset="0"/>
+              <a:buChar char="•"/>
+            </a:pPr>
+            <a:r>
+              <a:rPr lang="en-US" b="0" i="0" dirty="0">
+                <a:effectLst/>
+                <a:latin typeface="-apple-system"/>
+              </a:rPr>
+              <a:t>Better accuracy.</a:t>
+            </a:r>
+          </a:p>
+          <a:p>
+            <a:pPr algn="l">
+              <a:buFont typeface="Arial" panose="020B0604020202020204" pitchFamily="34" charset="0"/>
+              <a:buChar char="•"/>
+            </a:pPr>
+            <a:r>
+              <a:rPr lang="en-US" b="0" i="0" dirty="0">
+                <a:effectLst/>
+                <a:latin typeface="-apple-system"/>
+              </a:rPr>
+              <a:t>Support of parallel and GPU learning.</a:t>
+            </a:r>
+          </a:p>
+          <a:p>
+            <a:pPr algn="l">
+              <a:buFont typeface="Arial" panose="020B0604020202020204" pitchFamily="34" charset="0"/>
+              <a:buChar char="•"/>
+            </a:pPr>
+            <a:r>
+              <a:rPr lang="en-US" b="0" i="0" dirty="0">
+                <a:effectLst/>
+                <a:latin typeface="-apple-system"/>
+              </a:rPr>
+              <a:t>Capable of handling large-scale data.</a:t>
+            </a:r>
+          </a:p>
+          <a:p>
+            <a:pPr algn="l">
+              <a:buFont typeface="Arial" panose="020B0604020202020204" pitchFamily="34" charset="0"/>
+              <a:buNone/>
+            </a:pPr>
+            <a:endParaRPr lang="en-US" b="0" i="0" dirty="0">
+              <a:effectLst/>
+              <a:latin typeface="-apple-system"/>
+            </a:endParaRPr>
+          </a:p>
+          <a:p>
+            <a:r>
+              <a:rPr lang="en-US" dirty="0"/>
+              <a:t>Tree based models</a:t>
+            </a:r>
+          </a:p>
+          <a:p>
+            <a:pPr lvl="1"/>
+            <a:r>
+              <a:rPr lang="en-US" dirty="0"/>
+              <a:t>Decision Trees: Fast to train (using only one feature at a time), intuitive, interpretable</a:t>
+            </a:r>
+          </a:p>
+          <a:p>
+            <a:pPr algn="l">
+              <a:buFont typeface="Arial" panose="020B0604020202020204" pitchFamily="34" charset="0"/>
+              <a:buNone/>
+            </a:pPr>
+            <a:endParaRPr lang="en-US" b="0" i="0" dirty="0">
+              <a:effectLst/>
+              <a:latin typeface="-apple-system"/>
+            </a:endParaRPr>
+          </a:p>
+          <a:p>
+            <a:endParaRPr lang="en-US" dirty="0"/>
+          </a:p>
+        </p:txBody>
+      </p:sp>
+      <p:sp>
+        <p:nvSpPr>
+          <p:cNvPr id="4" name="Slide Number Placeholder 3"/>
+          <p:cNvSpPr>
+            <a:spLocks noGrp="1"/>
+          </p:cNvSpPr>
+          <p:nvPr>
+            <p:ph type="sldNum" sz="quarter" idx="5"/>
+          </p:nvPr>
+        </p:nvSpPr>
+        <p:spPr/>
+        <p:txBody>
+          <a:bodyPr/>
+          <a:lstStyle/>
+          <a:p>
+            <a:fld id="{D09B9B78-9CB7-4BB8-B8EA-7B060E3CCB98}" type="slidenum">
+              <a:rPr lang="en-US" smtClean="0"/>
+              <a:t>11</a:t>
+            </a:fld>
+            <a:endParaRPr lang="en-US"/>
+          </a:p>
+        </p:txBody>
+      </p:sp>
+    </p:spTree>
+    <p:extLst>
+      <p:ext uri="{BB962C8B-B14F-4D97-AF65-F5344CB8AC3E}">
+        <p14:creationId xmlns:p14="http://schemas.microsoft.com/office/powerpoint/2010/main" val="207163681"/>
+      </p:ext>
+    </p:extLst>
+  </p:cSld>
+  <p:clrMapOvr>
+    <a:masterClrMapping/>
+  </p:clrMapOvr>
+</p:notes>
+</file>
+
+<file path=ppt/notesSlides/notesSlide11.xml><?xml version="1.0" encoding="utf-8"?>
+<p:notes xmlns:a="http://schemas.openxmlformats.org/drawingml/2006/main" xmlns:r="http://schemas.openxmlformats.org/officeDocument/2006/relationships" xmlns:p="http://schemas.openxmlformats.org/presentationml/2006/main">
+  <p:cSld>
+    <p:spTree>
+      <p:nvGrpSpPr>
+        <p:cNvPr id="1" name=""/>
+        <p:cNvGrpSpPr/>
+        <p:nvPr/>
+      </p:nvGrpSpPr>
+      <p:grpSpPr>
+        <a:xfrm>
+          <a:off x="0" y="0"/>
+          <a:ext cx="0" cy="0"/>
+          <a:chOff x="0" y="0"/>
+          <a:chExt cx="0" cy="0"/>
+        </a:xfrm>
+      </p:grpSpPr>
+      <p:sp>
+        <p:nvSpPr>
+          <p:cNvPr id="2" name="Slide Image Placeholder 1"/>
+          <p:cNvSpPr>
+            <a:spLocks noGrp="1" noRot="1" noChangeAspect="1"/>
+          </p:cNvSpPr>
+          <p:nvPr>
+            <p:ph type="sldImg"/>
+          </p:nvPr>
+        </p:nvSpPr>
+        <p:spPr/>
+      </p:sp>
+      <p:sp>
+        <p:nvSpPr>
+          <p:cNvPr id="3" name="Notes Placeholder 2"/>
+          <p:cNvSpPr>
+            <a:spLocks noGrp="1"/>
+          </p:cNvSpPr>
+          <p:nvPr>
+            <p:ph type="body" idx="1"/>
+          </p:nvPr>
+        </p:nvSpPr>
+        <p:spPr/>
+        <p:txBody>
+          <a:bodyPr/>
+          <a:lstStyle/>
+          <a:p>
+            <a:r>
+              <a:rPr lang="en-US" dirty="0"/>
+              <a:t>Tuned </a:t>
+            </a:r>
+            <a:r>
+              <a:rPr lang="en-US" dirty="0" err="1"/>
+              <a:t>lightgbm</a:t>
+            </a:r>
+            <a:endParaRPr lang="en-US" dirty="0"/>
+          </a:p>
+        </p:txBody>
+      </p:sp>
+      <p:sp>
+        <p:nvSpPr>
+          <p:cNvPr id="4" name="Slide Number Placeholder 3"/>
+          <p:cNvSpPr>
+            <a:spLocks noGrp="1"/>
+          </p:cNvSpPr>
+          <p:nvPr>
+            <p:ph type="sldNum" sz="quarter" idx="5"/>
+          </p:nvPr>
+        </p:nvSpPr>
+        <p:spPr/>
+        <p:txBody>
+          <a:bodyPr/>
+          <a:lstStyle/>
+          <a:p>
+            <a:fld id="{D09B9B78-9CB7-4BB8-B8EA-7B060E3CCB98}" type="slidenum">
+              <a:rPr lang="en-US" smtClean="0"/>
+              <a:t>12</a:t>
+            </a:fld>
+            <a:endParaRPr lang="en-US"/>
+          </a:p>
+        </p:txBody>
+      </p:sp>
+    </p:spTree>
+    <p:extLst>
+      <p:ext uri="{BB962C8B-B14F-4D97-AF65-F5344CB8AC3E}">
+        <p14:creationId xmlns:p14="http://schemas.microsoft.com/office/powerpoint/2010/main" val="2229974345"/>
+      </p:ext>
+    </p:extLst>
+  </p:cSld>
+  <p:clrMapOvr>
+    <a:masterClrMapping/>
+  </p:clrMapOvr>
+</p:notes>
+</file>
+
+<file path=ppt/notesSlides/notesSlide12.xml><?xml version="1.0" encoding="utf-8"?>
+<p:notes xmlns:a="http://schemas.openxmlformats.org/drawingml/2006/main" xmlns:r="http://schemas.openxmlformats.org/officeDocument/2006/relationships" xmlns:p="http://schemas.openxmlformats.org/presentationml/2006/main">
+  <p:cSld>
+    <p:spTree>
+      <p:nvGrpSpPr>
+        <p:cNvPr id="1" name=""/>
+        <p:cNvGrpSpPr/>
+        <p:nvPr/>
+      </p:nvGrpSpPr>
+      <p:grpSpPr>
+        <a:xfrm>
+          <a:off x="0" y="0"/>
+          <a:ext cx="0" cy="0"/>
+          <a:chOff x="0" y="0"/>
+          <a:chExt cx="0" cy="0"/>
+        </a:xfrm>
+      </p:grpSpPr>
+      <p:sp>
+        <p:nvSpPr>
+          <p:cNvPr id="2" name="Slide Image Placeholder 1"/>
+          <p:cNvSpPr>
+            <a:spLocks noGrp="1" noRot="1" noChangeAspect="1"/>
+          </p:cNvSpPr>
+          <p:nvPr>
+            <p:ph type="sldImg"/>
+          </p:nvPr>
+        </p:nvSpPr>
+        <p:spPr/>
+      </p:sp>
+      <p:sp>
+        <p:nvSpPr>
+          <p:cNvPr id="3" name="Notes Placeholder 2"/>
+          <p:cNvSpPr>
+            <a:spLocks noGrp="1"/>
+          </p:cNvSpPr>
+          <p:nvPr>
+            <p:ph type="body" idx="1"/>
+          </p:nvPr>
+        </p:nvSpPr>
+        <p:spPr/>
+        <p:txBody>
+          <a:bodyPr/>
+          <a:lstStyle/>
+          <a:p>
+            <a:r>
+              <a:rPr lang="en-US" b="0" i="0" dirty="0">
+                <a:solidFill>
+                  <a:srgbClr val="212529"/>
+                </a:solidFill>
+                <a:effectLst/>
+                <a:latin typeface="-apple-system"/>
+              </a:rPr>
+              <a:t>A voting regressor is an ensemble meta-estimator that fits several base regressors, each on the whole dataset. Then it averages the individual predictions to form a final prediction.</a:t>
+            </a:r>
+            <a:endParaRPr lang="en-US" dirty="0"/>
+          </a:p>
+        </p:txBody>
+      </p:sp>
+      <p:sp>
+        <p:nvSpPr>
+          <p:cNvPr id="4" name="Slide Number Placeholder 3"/>
+          <p:cNvSpPr>
+            <a:spLocks noGrp="1"/>
+          </p:cNvSpPr>
+          <p:nvPr>
+            <p:ph type="sldNum" sz="quarter" idx="5"/>
+          </p:nvPr>
+        </p:nvSpPr>
+        <p:spPr/>
+        <p:txBody>
+          <a:bodyPr/>
+          <a:lstStyle/>
+          <a:p>
+            <a:fld id="{D09B9B78-9CB7-4BB8-B8EA-7B060E3CCB98}" type="slidenum">
+              <a:rPr lang="en-US" smtClean="0"/>
+              <a:t>13</a:t>
+            </a:fld>
+            <a:endParaRPr lang="en-US"/>
+          </a:p>
+        </p:txBody>
+      </p:sp>
+    </p:spTree>
+    <p:extLst>
+      <p:ext uri="{BB962C8B-B14F-4D97-AF65-F5344CB8AC3E}">
+        <p14:creationId xmlns:p14="http://schemas.microsoft.com/office/powerpoint/2010/main" val="1747853747"/>
+      </p:ext>
+    </p:extLst>
+  </p:cSld>
+  <p:clrMapOvr>
+    <a:masterClrMapping/>
+  </p:clrMapOvr>
+</p:notes>
+</file>
+
+<file path=ppt/notesSlides/notesSlide13.xml><?xml version="1.0" encoding="utf-8"?>
+<p:notes xmlns:a="http://schemas.openxmlformats.org/drawingml/2006/main" xmlns:r="http://schemas.openxmlformats.org/officeDocument/2006/relationships" xmlns:p="http://schemas.openxmlformats.org/presentationml/2006/main">
+  <p:cSld>
+    <p:spTree>
+      <p:nvGrpSpPr>
+        <p:cNvPr id="1" name=""/>
+        <p:cNvGrpSpPr/>
+        <p:nvPr/>
+      </p:nvGrpSpPr>
+      <p:grpSpPr>
+        <a:xfrm>
+          <a:off x="0" y="0"/>
+          <a:ext cx="0" cy="0"/>
+          <a:chOff x="0" y="0"/>
+          <a:chExt cx="0" cy="0"/>
+        </a:xfrm>
+      </p:grpSpPr>
+      <p:sp>
+        <p:nvSpPr>
+          <p:cNvPr id="2" name="Slide Image Placeholder 1"/>
+          <p:cNvSpPr>
+            <a:spLocks noGrp="1" noRot="1" noChangeAspect="1"/>
+          </p:cNvSpPr>
+          <p:nvPr>
+            <p:ph type="sldImg"/>
+          </p:nvPr>
+        </p:nvSpPr>
+        <p:spPr/>
+      </p:sp>
+      <p:sp>
+        <p:nvSpPr>
+          <p:cNvPr id="3" name="Notes Placeholder 2"/>
+          <p:cNvSpPr>
+            <a:spLocks noGrp="1"/>
+          </p:cNvSpPr>
+          <p:nvPr>
+            <p:ph type="body" idx="1"/>
+          </p:nvPr>
+        </p:nvSpPr>
+        <p:spPr/>
+        <p:txBody>
+          <a:bodyPr/>
+          <a:lstStyle/>
+          <a:p>
+            <a:r>
+              <a:rPr lang="en-US" dirty="0"/>
+              <a:t>Blender</a:t>
+            </a:r>
+          </a:p>
+        </p:txBody>
+      </p:sp>
+      <p:sp>
+        <p:nvSpPr>
+          <p:cNvPr id="4" name="Slide Number Placeholder 3"/>
+          <p:cNvSpPr>
+            <a:spLocks noGrp="1"/>
+          </p:cNvSpPr>
+          <p:nvPr>
+            <p:ph type="sldNum" sz="quarter" idx="5"/>
+          </p:nvPr>
+        </p:nvSpPr>
+        <p:spPr/>
+        <p:txBody>
+          <a:bodyPr/>
+          <a:lstStyle/>
+          <a:p>
+            <a:fld id="{D09B9B78-9CB7-4BB8-B8EA-7B060E3CCB98}" type="slidenum">
+              <a:rPr lang="en-US" smtClean="0"/>
+              <a:t>15</a:t>
+            </a:fld>
+            <a:endParaRPr lang="en-US"/>
+          </a:p>
+        </p:txBody>
+      </p:sp>
+    </p:spTree>
+    <p:extLst>
+      <p:ext uri="{BB962C8B-B14F-4D97-AF65-F5344CB8AC3E}">
+        <p14:creationId xmlns:p14="http://schemas.microsoft.com/office/powerpoint/2010/main" val="2647169828"/>
+      </p:ext>
+    </p:extLst>
+  </p:cSld>
+  <p:clrMapOvr>
+    <a:masterClrMapping/>
+  </p:clrMapOvr>
+</p:notes>
+</file>
+
+<file path=ppt/notesSlides/notesSlide2.xml><?xml version="1.0" encoding="utf-8"?>
+<p:notes xmlns:a="http://schemas.openxmlformats.org/drawingml/2006/main" xmlns:r="http://schemas.openxmlformats.org/officeDocument/2006/relationships" xmlns:p="http://schemas.openxmlformats.org/presentationml/2006/main">
+  <p:cSld>
+    <p:spTree>
+      <p:nvGrpSpPr>
+        <p:cNvPr id="1" name=""/>
+        <p:cNvGrpSpPr/>
+        <p:nvPr/>
+      </p:nvGrpSpPr>
+      <p:grpSpPr>
+        <a:xfrm>
+          <a:off x="0" y="0"/>
+          <a:ext cx="0" cy="0"/>
+          <a:chOff x="0" y="0"/>
+          <a:chExt cx="0" cy="0"/>
+        </a:xfrm>
+      </p:grpSpPr>
+      <p:sp>
+        <p:nvSpPr>
+          <p:cNvPr id="2" name="Slide Image Placeholder 1"/>
+          <p:cNvSpPr>
+            <a:spLocks noGrp="1" noRot="1" noChangeAspect="1"/>
+          </p:cNvSpPr>
+          <p:nvPr>
+            <p:ph type="sldImg"/>
+          </p:nvPr>
+        </p:nvSpPr>
+        <p:spPr/>
+      </p:sp>
+      <p:sp>
+        <p:nvSpPr>
+          <p:cNvPr id="3" name="Notes Placeholder 2"/>
+          <p:cNvSpPr>
+            <a:spLocks noGrp="1"/>
+          </p:cNvSpPr>
+          <p:nvPr>
+            <p:ph type="body" idx="1"/>
+          </p:nvPr>
+        </p:nvSpPr>
+        <p:spPr/>
+        <p:txBody>
+          <a:bodyPr/>
+          <a:lstStyle/>
+          <a:p>
+            <a:r>
+              <a:rPr lang="en-US" b="0" i="0" dirty="0">
+                <a:solidFill>
+                  <a:srgbClr val="000000"/>
+                </a:solidFill>
+                <a:effectLst/>
+                <a:latin typeface="open sans" panose="020B0606030504020204" pitchFamily="34" charset="0"/>
+              </a:rPr>
+              <a:t>two quieter earthquakes began slowly creeping along the Japan Trench toward the point where the massive, megathrust quake would erupt a month later.</a:t>
+            </a:r>
+          </a:p>
+          <a:p>
+            <a:r>
+              <a:rPr lang="en-US" b="0" i="0" dirty="0">
+                <a:solidFill>
+                  <a:srgbClr val="000000"/>
+                </a:solidFill>
+                <a:effectLst/>
+                <a:latin typeface="open sans" panose="020B0606030504020204" pitchFamily="34" charset="0"/>
+              </a:rPr>
+              <a:t>Image how many people’s lives and economic lost can be saved?</a:t>
+            </a:r>
+            <a:endParaRPr lang="en-US" dirty="0"/>
+          </a:p>
+        </p:txBody>
+      </p:sp>
+      <p:sp>
+        <p:nvSpPr>
+          <p:cNvPr id="4" name="Slide Number Placeholder 3"/>
+          <p:cNvSpPr>
+            <a:spLocks noGrp="1"/>
+          </p:cNvSpPr>
+          <p:nvPr>
+            <p:ph type="sldNum" sz="quarter" idx="5"/>
+          </p:nvPr>
+        </p:nvSpPr>
+        <p:spPr/>
+        <p:txBody>
+          <a:bodyPr/>
+          <a:lstStyle/>
+          <a:p>
+            <a:fld id="{D09B9B78-9CB7-4BB8-B8EA-7B060E3CCB98}" type="slidenum">
+              <a:rPr lang="en-US" smtClean="0"/>
+              <a:t>3</a:t>
+            </a:fld>
+            <a:endParaRPr lang="en-US"/>
+          </a:p>
+        </p:txBody>
+      </p:sp>
+    </p:spTree>
+    <p:extLst>
+      <p:ext uri="{BB962C8B-B14F-4D97-AF65-F5344CB8AC3E}">
+        <p14:creationId xmlns:p14="http://schemas.microsoft.com/office/powerpoint/2010/main" val="2495129362"/>
+      </p:ext>
+    </p:extLst>
+  </p:cSld>
+  <p:clrMapOvr>
+    <a:masterClrMapping/>
+  </p:clrMapOvr>
+</p:notes>
+</file>
+
+<file path=ppt/notesSlides/notesSlide3.xml><?xml version="1.0" encoding="utf-8"?>
+<p:notes xmlns:a="http://schemas.openxmlformats.org/drawingml/2006/main" xmlns:r="http://schemas.openxmlformats.org/officeDocument/2006/relationships" xmlns:p="http://schemas.openxmlformats.org/presentationml/2006/main">
+  <p:cSld>
+    <p:spTree>
+      <p:nvGrpSpPr>
+        <p:cNvPr id="1" name=""/>
+        <p:cNvGrpSpPr/>
+        <p:nvPr/>
+      </p:nvGrpSpPr>
+      <p:grpSpPr>
+        <a:xfrm>
+          <a:off x="0" y="0"/>
+          <a:ext cx="0" cy="0"/>
+          <a:chOff x="0" y="0"/>
+          <a:chExt cx="0" cy="0"/>
+        </a:xfrm>
+      </p:grpSpPr>
+      <p:sp>
+        <p:nvSpPr>
+          <p:cNvPr id="2" name="Slide Image Placeholder 1"/>
+          <p:cNvSpPr>
+            <a:spLocks noGrp="1" noRot="1" noChangeAspect="1"/>
+          </p:cNvSpPr>
+          <p:nvPr>
+            <p:ph type="sldImg"/>
+          </p:nvPr>
+        </p:nvSpPr>
+        <p:spPr/>
+      </p:sp>
+      <p:sp>
+        <p:nvSpPr>
+          <p:cNvPr id="3" name="Notes Placeholder 2"/>
+          <p:cNvSpPr>
+            <a:spLocks noGrp="1"/>
+          </p:cNvSpPr>
+          <p:nvPr>
+            <p:ph type="body" idx="1"/>
+          </p:nvPr>
+        </p:nvSpPr>
+        <p:spPr/>
+        <p:txBody>
+          <a:bodyPr/>
+          <a:lstStyle/>
+          <a:p>
+            <a:r>
+              <a:rPr lang="en-US" dirty="0"/>
+              <a:t>The map shows the global Earthquake belt, such as the pacific rim. There exist large amounts of population and heavy economic activity, such as California, Japan, and Indonesia.</a:t>
+            </a:r>
+          </a:p>
+          <a:p>
+            <a:r>
+              <a:rPr lang="en-US" dirty="0"/>
+              <a:t>an earthquake costs huge damage in people’s property, health and lives.. Due to the long-period earth’s activity and complex geomaterials’ properties.</a:t>
+            </a:r>
+          </a:p>
+          <a:p>
+            <a:r>
+              <a:rPr lang="en-US" dirty="0"/>
+              <a:t>With the rapid development in </a:t>
+            </a:r>
+            <a:r>
+              <a:rPr lang="en-US" dirty="0" err="1"/>
+              <a:t>machin</a:t>
+            </a:r>
+            <a:r>
+              <a:rPr lang="en-US" dirty="0"/>
+              <a:t> learning and data science, forecasting a specific mechanism-related earthquake, becomes possible. </a:t>
+            </a:r>
+          </a:p>
+          <a:p>
+            <a:endParaRPr lang="en-US" dirty="0"/>
+          </a:p>
+        </p:txBody>
+      </p:sp>
+      <p:sp>
+        <p:nvSpPr>
+          <p:cNvPr id="4" name="Slide Number Placeholder 3"/>
+          <p:cNvSpPr>
+            <a:spLocks noGrp="1"/>
+          </p:cNvSpPr>
+          <p:nvPr>
+            <p:ph type="sldNum" sz="quarter" idx="5"/>
+          </p:nvPr>
+        </p:nvSpPr>
+        <p:spPr/>
+        <p:txBody>
+          <a:bodyPr/>
+          <a:lstStyle/>
+          <a:p>
+            <a:fld id="{D09B9B78-9CB7-4BB8-B8EA-7B060E3CCB98}" type="slidenum">
+              <a:rPr lang="en-US" smtClean="0"/>
+              <a:t>4</a:t>
+            </a:fld>
+            <a:endParaRPr lang="en-US"/>
+          </a:p>
+        </p:txBody>
+      </p:sp>
+    </p:spTree>
+    <p:extLst>
+      <p:ext uri="{BB962C8B-B14F-4D97-AF65-F5344CB8AC3E}">
+        <p14:creationId xmlns:p14="http://schemas.microsoft.com/office/powerpoint/2010/main" val="2119860865"/>
+      </p:ext>
+    </p:extLst>
+  </p:cSld>
+  <p:clrMapOvr>
+    <a:masterClrMapping/>
+  </p:clrMapOvr>
+</p:notes>
+</file>
+
+<file path=ppt/notesSlides/notesSlide4.xml><?xml version="1.0" encoding="utf-8"?>
+<p:notes xmlns:a="http://schemas.openxmlformats.org/drawingml/2006/main" xmlns:r="http://schemas.openxmlformats.org/officeDocument/2006/relationships" xmlns:p="http://schemas.openxmlformats.org/presentationml/2006/main">
+  <p:cSld>
+    <p:spTree>
+      <p:nvGrpSpPr>
+        <p:cNvPr id="1" name=""/>
+        <p:cNvGrpSpPr/>
+        <p:nvPr/>
+      </p:nvGrpSpPr>
+      <p:grpSpPr>
+        <a:xfrm>
+          <a:off x="0" y="0"/>
+          <a:ext cx="0" cy="0"/>
+          <a:chOff x="0" y="0"/>
+          <a:chExt cx="0" cy="0"/>
+        </a:xfrm>
+      </p:grpSpPr>
+      <p:sp>
+        <p:nvSpPr>
+          <p:cNvPr id="2" name="Slide Image Placeholder 1"/>
+          <p:cNvSpPr>
+            <a:spLocks noGrp="1" noRot="1" noChangeAspect="1"/>
+          </p:cNvSpPr>
+          <p:nvPr>
+            <p:ph type="sldImg"/>
+          </p:nvPr>
+        </p:nvSpPr>
+        <p:spPr/>
+      </p:sp>
+      <p:sp>
+        <p:nvSpPr>
+          <p:cNvPr id="3" name="Notes Placeholder 2"/>
+          <p:cNvSpPr>
+            <a:spLocks noGrp="1"/>
+          </p:cNvSpPr>
+          <p:nvPr>
+            <p:ph type="body" idx="1"/>
+          </p:nvPr>
+        </p:nvSpPr>
+        <p:spPr/>
+        <p:txBody>
+          <a:bodyPr/>
+          <a:lstStyle/>
+          <a:p>
+            <a:r>
+              <a:rPr lang="en-US" b="0" i="0" dirty="0">
+                <a:solidFill>
+                  <a:srgbClr val="202122"/>
+                </a:solidFill>
+                <a:effectLst/>
+                <a:latin typeface="Arial" panose="020B0604020202020204" pitchFamily="34" charset="0"/>
+              </a:rPr>
+              <a:t>previously assumed to be statistical noise, reflects the increasing emission of energy before its sudden release during a slip event. </a:t>
+            </a:r>
+            <a:endParaRPr lang="en-US" dirty="0"/>
+          </a:p>
+        </p:txBody>
+      </p:sp>
+      <p:sp>
+        <p:nvSpPr>
+          <p:cNvPr id="4" name="Slide Number Placeholder 3"/>
+          <p:cNvSpPr>
+            <a:spLocks noGrp="1"/>
+          </p:cNvSpPr>
+          <p:nvPr>
+            <p:ph type="sldNum" sz="quarter" idx="5"/>
+          </p:nvPr>
+        </p:nvSpPr>
+        <p:spPr/>
+        <p:txBody>
+          <a:bodyPr/>
+          <a:lstStyle/>
+          <a:p>
+            <a:fld id="{D09B9B78-9CB7-4BB8-B8EA-7B060E3CCB98}" type="slidenum">
+              <a:rPr lang="en-US" smtClean="0"/>
+              <a:t>5</a:t>
+            </a:fld>
+            <a:endParaRPr lang="en-US"/>
+          </a:p>
+        </p:txBody>
+      </p:sp>
+    </p:spTree>
+    <p:extLst>
+      <p:ext uri="{BB962C8B-B14F-4D97-AF65-F5344CB8AC3E}">
+        <p14:creationId xmlns:p14="http://schemas.microsoft.com/office/powerpoint/2010/main" val="3271061074"/>
+      </p:ext>
+    </p:extLst>
+  </p:cSld>
+  <p:clrMapOvr>
+    <a:masterClrMapping/>
+  </p:clrMapOvr>
+</p:notes>
+</file>
+
+<file path=ppt/notesSlides/notesSlide5.xml><?xml version="1.0" encoding="utf-8"?>
+<p:notes xmlns:a="http://schemas.openxmlformats.org/drawingml/2006/main" xmlns:r="http://schemas.openxmlformats.org/officeDocument/2006/relationships" xmlns:p="http://schemas.openxmlformats.org/presentationml/2006/main">
+  <p:cSld>
+    <p:spTree>
+      <p:nvGrpSpPr>
+        <p:cNvPr id="1" name=""/>
+        <p:cNvGrpSpPr/>
+        <p:nvPr/>
+      </p:nvGrpSpPr>
+      <p:grpSpPr>
+        <a:xfrm>
+          <a:off x="0" y="0"/>
+          <a:ext cx="0" cy="0"/>
+          <a:chOff x="0" y="0"/>
+          <a:chExt cx="0" cy="0"/>
+        </a:xfrm>
+      </p:grpSpPr>
+      <p:sp>
+        <p:nvSpPr>
+          <p:cNvPr id="2" name="Slide Image Placeholder 1"/>
+          <p:cNvSpPr>
+            <a:spLocks noGrp="1" noRot="1" noChangeAspect="1"/>
+          </p:cNvSpPr>
+          <p:nvPr>
+            <p:ph type="sldImg"/>
+          </p:nvPr>
+        </p:nvSpPr>
+        <p:spPr/>
+      </p:sp>
+      <p:sp>
+        <p:nvSpPr>
+          <p:cNvPr id="3" name="Notes Placeholder 2"/>
+          <p:cNvSpPr>
+            <a:spLocks noGrp="1"/>
+          </p:cNvSpPr>
+          <p:nvPr>
+            <p:ph type="body" idx="1"/>
+          </p:nvPr>
+        </p:nvSpPr>
+        <p:spPr/>
+        <p:txBody>
+          <a:bodyPr/>
+          <a:lstStyle/>
+          <a:p>
+            <a:r>
+              <a:rPr lang="en-US" b="0" i="0" dirty="0">
+                <a:solidFill>
+                  <a:srgbClr val="202122"/>
+                </a:solidFill>
+                <a:effectLst/>
+                <a:latin typeface="Arial" panose="020B0604020202020204" pitchFamily="34" charset="0"/>
+              </a:rPr>
+              <a:t>slow earthquakes are caused by a variety of </a:t>
+            </a:r>
+            <a:r>
+              <a:rPr lang="en-US" b="0" i="0" u="none" strike="noStrike" dirty="0">
+                <a:solidFill>
+                  <a:srgbClr val="0645AD"/>
+                </a:solidFill>
+                <a:effectLst/>
+                <a:latin typeface="Arial" panose="020B0604020202020204" pitchFamily="34" charset="0"/>
+                <a:hlinkClick r:id="rId3" tooltip="Stick-slip phenomenon"/>
+              </a:rPr>
+              <a:t>stick-slip</a:t>
+            </a:r>
+            <a:r>
+              <a:rPr lang="en-US" b="0" i="0" dirty="0">
+                <a:solidFill>
+                  <a:srgbClr val="202122"/>
+                </a:solidFill>
+                <a:effectLst/>
+                <a:latin typeface="Arial" panose="020B0604020202020204" pitchFamily="34" charset="0"/>
+              </a:rPr>
+              <a:t> and creep processes intermediated between asperity-controlled </a:t>
+            </a:r>
+            <a:r>
+              <a:rPr lang="en-US" b="0" i="0" u="none" strike="noStrike" dirty="0">
+                <a:solidFill>
+                  <a:srgbClr val="0645AD"/>
+                </a:solidFill>
+                <a:effectLst/>
+                <a:latin typeface="Arial" panose="020B0604020202020204" pitchFamily="34" charset="0"/>
+                <a:hlinkClick r:id="rId4" tooltip="Fracture (geology)"/>
+              </a:rPr>
+              <a:t>brittle and ductile fracture</a:t>
+            </a:r>
+            <a:r>
+              <a:rPr lang="en-US" b="0" i="0" dirty="0">
+                <a:solidFill>
+                  <a:srgbClr val="202122"/>
+                </a:solidFill>
+                <a:effectLst/>
+                <a:latin typeface="Arial" panose="020B0604020202020204" pitchFamily="34" charset="0"/>
+              </a:rPr>
+              <a:t>.</a:t>
+            </a:r>
+            <a:r>
+              <a:rPr lang="en-US" b="0" i="0" baseline="30000" dirty="0">
+                <a:solidFill>
+                  <a:srgbClr val="202122"/>
+                </a:solidFill>
+                <a:effectLst/>
+                <a:latin typeface="Arial" panose="020B0604020202020204" pitchFamily="34" charset="0"/>
+              </a:rPr>
+              <a:t>[</a:t>
+            </a:r>
+            <a:r>
+              <a:rPr lang="en-US" b="0" i="0" u="none" strike="noStrike" dirty="0">
+                <a:solidFill>
+                  <a:srgbClr val="0645AD"/>
+                </a:solidFill>
+                <a:effectLst/>
+                <a:latin typeface="Arial" panose="020B0604020202020204" pitchFamily="34" charset="0"/>
+                <a:hlinkClick r:id="rId5" tooltip="Asperity (materials science)"/>
+              </a:rPr>
+              <a:t>Asperities</a:t>
+            </a:r>
+            <a:r>
+              <a:rPr lang="en-US" b="0" i="0" dirty="0">
+                <a:solidFill>
+                  <a:srgbClr val="202122"/>
+                </a:solidFill>
+                <a:effectLst/>
+                <a:latin typeface="Arial" panose="020B0604020202020204" pitchFamily="34" charset="0"/>
+              </a:rPr>
+              <a:t> are tiny bumps and protrusions along the faces of fractures. They are best documented from intermediate crustal levels of certain </a:t>
+            </a:r>
+            <a:r>
+              <a:rPr lang="en-US" b="0" i="0" u="none" strike="noStrike" dirty="0">
+                <a:solidFill>
+                  <a:srgbClr val="0645AD"/>
+                </a:solidFill>
+                <a:effectLst/>
+                <a:latin typeface="Arial" panose="020B0604020202020204" pitchFamily="34" charset="0"/>
+                <a:hlinkClick r:id="rId6" tooltip="Subduction zones"/>
+              </a:rPr>
+              <a:t>subduction zones</a:t>
+            </a:r>
+            <a:r>
+              <a:rPr lang="en-US" b="0" i="0" dirty="0">
+                <a:solidFill>
+                  <a:srgbClr val="202122"/>
+                </a:solidFill>
+                <a:effectLst/>
+                <a:latin typeface="Arial" panose="020B0604020202020204" pitchFamily="34" charset="0"/>
+              </a:rPr>
+              <a:t> (especially those that dip shallowly — SW Japan, Cascadia,</a:t>
+            </a:r>
+            <a:r>
+              <a:rPr lang="en-US" b="0" i="0" u="none" strike="noStrike" baseline="30000" dirty="0">
+                <a:solidFill>
+                  <a:srgbClr val="0645AD"/>
+                </a:solidFill>
+                <a:effectLst/>
+                <a:latin typeface="Arial" panose="020B0604020202020204" pitchFamily="34" charset="0"/>
+                <a:hlinkClick r:id="rId7"/>
+              </a:rPr>
+              <a:t>[6]</a:t>
+            </a:r>
+            <a:r>
+              <a:rPr lang="en-US" b="0" i="0" dirty="0">
+                <a:solidFill>
+                  <a:srgbClr val="202122"/>
+                </a:solidFill>
+                <a:effectLst/>
+                <a:latin typeface="Arial" panose="020B0604020202020204" pitchFamily="34" charset="0"/>
+              </a:rPr>
+              <a:t> Chile)</a:t>
+            </a:r>
+          </a:p>
+          <a:p>
+            <a:pPr marL="0" marR="0" lvl="0" indent="0" algn="l" defTabSz="914400" rtl="0" eaLnBrk="1" fontAlgn="auto" latinLnBrk="0" hangingPunct="1">
+              <a:lnSpc>
+                <a:spcPct val="100000"/>
+              </a:lnSpc>
+              <a:spcBef>
+                <a:spcPts val="0"/>
+              </a:spcBef>
+              <a:spcAft>
+                <a:spcPts val="0"/>
+              </a:spcAft>
+              <a:buClrTx/>
+              <a:buSzTx/>
+              <a:buFontTx/>
+              <a:buNone/>
+              <a:tabLst/>
+              <a:defRPr/>
+            </a:pPr>
+            <a:r>
+              <a:rPr lang="en-US" b="0" i="0" dirty="0">
+                <a:effectLst/>
+                <a:latin typeface="Arial" panose="020B0604020202020204" pitchFamily="34" charset="0"/>
+                <a:cs typeface="Arial" panose="020B0604020202020204" pitchFamily="34" charset="0"/>
+              </a:rPr>
+              <a:t>Two fault gouge layers are sheared simultaneously while subjected to a constant normal load and a prescribed shear velocity. The laboratory faults fail in repetitive cycles of stick and slip that is meant to mimic the cycle of loading and failure on tectonic faults.</a:t>
+            </a:r>
+            <a:endParaRPr lang="en-US" dirty="0">
+              <a:latin typeface="Arial" panose="020B0604020202020204" pitchFamily="34" charset="0"/>
+              <a:cs typeface="Arial" panose="020B0604020202020204" pitchFamily="34" charset="0"/>
+            </a:endParaRPr>
+          </a:p>
+          <a:p>
+            <a:endParaRPr lang="en-US" dirty="0"/>
+          </a:p>
+        </p:txBody>
+      </p:sp>
+      <p:sp>
+        <p:nvSpPr>
+          <p:cNvPr id="4" name="Slide Number Placeholder 3"/>
+          <p:cNvSpPr>
+            <a:spLocks noGrp="1"/>
+          </p:cNvSpPr>
+          <p:nvPr>
+            <p:ph type="sldNum" sz="quarter" idx="5"/>
+          </p:nvPr>
+        </p:nvSpPr>
+        <p:spPr/>
+        <p:txBody>
+          <a:bodyPr/>
+          <a:lstStyle/>
+          <a:p>
+            <a:fld id="{D09B9B78-9CB7-4BB8-B8EA-7B060E3CCB98}" type="slidenum">
+              <a:rPr lang="en-US" smtClean="0"/>
+              <a:t>6</a:t>
+            </a:fld>
+            <a:endParaRPr lang="en-US"/>
+          </a:p>
+        </p:txBody>
+      </p:sp>
+    </p:spTree>
+    <p:extLst>
+      <p:ext uri="{BB962C8B-B14F-4D97-AF65-F5344CB8AC3E}">
+        <p14:creationId xmlns:p14="http://schemas.microsoft.com/office/powerpoint/2010/main" val="1324703995"/>
+      </p:ext>
+    </p:extLst>
+  </p:cSld>
+  <p:clrMapOvr>
+    <a:masterClrMapping/>
+  </p:clrMapOvr>
+</p:notes>
+</file>
+
+<file path=ppt/notesSlides/notesSlide6.xml><?xml version="1.0" encoding="utf-8"?>
+<p:notes xmlns:a="http://schemas.openxmlformats.org/drawingml/2006/main" xmlns:r="http://schemas.openxmlformats.org/officeDocument/2006/relationships" xmlns:p="http://schemas.openxmlformats.org/presentationml/2006/main">
+  <p:cSld>
+    <p:spTree>
+      <p:nvGrpSpPr>
+        <p:cNvPr id="1" name=""/>
+        <p:cNvGrpSpPr/>
+        <p:nvPr/>
+      </p:nvGrpSpPr>
+      <p:grpSpPr>
+        <a:xfrm>
+          <a:off x="0" y="0"/>
+          <a:ext cx="0" cy="0"/>
+          <a:chOff x="0" y="0"/>
+          <a:chExt cx="0" cy="0"/>
+        </a:xfrm>
+      </p:grpSpPr>
+      <p:sp>
+        <p:nvSpPr>
+          <p:cNvPr id="2" name="Slide Image Placeholder 1"/>
+          <p:cNvSpPr>
+            <a:spLocks noGrp="1" noRot="1" noChangeAspect="1"/>
+          </p:cNvSpPr>
+          <p:nvPr>
+            <p:ph type="sldImg"/>
+          </p:nvPr>
+        </p:nvSpPr>
+        <p:spPr/>
+      </p:sp>
+      <p:sp>
+        <p:nvSpPr>
+          <p:cNvPr id="3" name="Notes Placeholder 2"/>
+          <p:cNvSpPr>
+            <a:spLocks noGrp="1"/>
+          </p:cNvSpPr>
+          <p:nvPr>
+            <p:ph type="body" idx="1"/>
+          </p:nvPr>
+        </p:nvSpPr>
+        <p:spPr/>
+        <p:txBody>
+          <a:bodyPr/>
+          <a:lstStyle/>
+          <a:p>
+            <a:r>
+              <a:rPr lang="en-US" dirty="0"/>
+              <a:t>We need to split the single file into </a:t>
+            </a:r>
+          </a:p>
+          <a:p>
+            <a:r>
+              <a:rPr lang="en-US" dirty="0"/>
+              <a:t>After split the dataset, we create about 8400 labels, </a:t>
+            </a:r>
+          </a:p>
+          <a:p>
+            <a:r>
+              <a:rPr lang="en-US" dirty="0"/>
+              <a:t>Assume each label is irrelevant, shuffle.</a:t>
+            </a:r>
+          </a:p>
+        </p:txBody>
+      </p:sp>
+      <p:sp>
+        <p:nvSpPr>
+          <p:cNvPr id="4" name="Slide Number Placeholder 3"/>
+          <p:cNvSpPr>
+            <a:spLocks noGrp="1"/>
+          </p:cNvSpPr>
+          <p:nvPr>
+            <p:ph type="sldNum" sz="quarter" idx="5"/>
+          </p:nvPr>
+        </p:nvSpPr>
+        <p:spPr/>
+        <p:txBody>
+          <a:bodyPr/>
+          <a:lstStyle/>
+          <a:p>
+            <a:fld id="{D09B9B78-9CB7-4BB8-B8EA-7B060E3CCB98}" type="slidenum">
+              <a:rPr lang="en-US" smtClean="0"/>
+              <a:t>7</a:t>
+            </a:fld>
+            <a:endParaRPr lang="en-US"/>
+          </a:p>
+        </p:txBody>
+      </p:sp>
+    </p:spTree>
+    <p:extLst>
+      <p:ext uri="{BB962C8B-B14F-4D97-AF65-F5344CB8AC3E}">
+        <p14:creationId xmlns:p14="http://schemas.microsoft.com/office/powerpoint/2010/main" val="3940045733"/>
+      </p:ext>
+    </p:extLst>
+  </p:cSld>
+  <p:clrMapOvr>
+    <a:masterClrMapping/>
+  </p:clrMapOvr>
+</p:notes>
+</file>
+
+<file path=ppt/notesSlides/notesSlide7.xml><?xml version="1.0" encoding="utf-8"?>
+<p:notes xmlns:a="http://schemas.openxmlformats.org/drawingml/2006/main" xmlns:r="http://schemas.openxmlformats.org/officeDocument/2006/relationships" xmlns:p="http://schemas.openxmlformats.org/presentationml/2006/main">
+  <p:cSld>
+    <p:spTree>
+      <p:nvGrpSpPr>
+        <p:cNvPr id="1" name=""/>
+        <p:cNvGrpSpPr/>
+        <p:nvPr/>
+      </p:nvGrpSpPr>
+      <p:grpSpPr>
+        <a:xfrm>
+          <a:off x="0" y="0"/>
+          <a:ext cx="0" cy="0"/>
+          <a:chOff x="0" y="0"/>
+          <a:chExt cx="0" cy="0"/>
+        </a:xfrm>
+      </p:grpSpPr>
+      <p:sp>
+        <p:nvSpPr>
+          <p:cNvPr id="2" name="Slide Image Placeholder 1"/>
+          <p:cNvSpPr>
+            <a:spLocks noGrp="1" noRot="1" noChangeAspect="1"/>
+          </p:cNvSpPr>
+          <p:nvPr>
+            <p:ph type="sldImg"/>
+          </p:nvPr>
+        </p:nvSpPr>
+        <p:spPr/>
+      </p:sp>
+      <p:sp>
+        <p:nvSpPr>
+          <p:cNvPr id="3" name="Notes Placeholder 2"/>
+          <p:cNvSpPr>
+            <a:spLocks noGrp="1"/>
+          </p:cNvSpPr>
+          <p:nvPr>
+            <p:ph type="body" idx="1"/>
+          </p:nvPr>
+        </p:nvSpPr>
+        <p:spPr/>
+        <p:txBody>
+          <a:bodyPr/>
+          <a:lstStyle/>
+          <a:p>
+            <a:r>
+              <a:rPr lang="en-US" dirty="0"/>
+              <a:t>Using a series features to represent 150 k points of signal in time-domain.</a:t>
+            </a:r>
+          </a:p>
+          <a:p>
+            <a:endParaRPr lang="en-US" dirty="0"/>
+          </a:p>
+          <a:p>
+            <a:r>
+              <a:rPr lang="en-US" b="0" i="0" dirty="0">
+                <a:solidFill>
+                  <a:srgbClr val="202124"/>
+                </a:solidFill>
+                <a:effectLst/>
+                <a:latin typeface="Roboto" panose="02000000000000000000" pitchFamily="2" charset="0"/>
+              </a:rPr>
+              <a:t>refers to the degree of correlation of the same variables between two successive time intervals.</a:t>
+            </a:r>
+            <a:endParaRPr lang="en-US" dirty="0"/>
+          </a:p>
+        </p:txBody>
+      </p:sp>
+      <p:sp>
+        <p:nvSpPr>
+          <p:cNvPr id="4" name="Slide Number Placeholder 3"/>
+          <p:cNvSpPr>
+            <a:spLocks noGrp="1"/>
+          </p:cNvSpPr>
+          <p:nvPr>
+            <p:ph type="sldNum" sz="quarter" idx="5"/>
+          </p:nvPr>
+        </p:nvSpPr>
+        <p:spPr/>
+        <p:txBody>
+          <a:bodyPr/>
+          <a:lstStyle/>
+          <a:p>
+            <a:fld id="{D09B9B78-9CB7-4BB8-B8EA-7B060E3CCB98}" type="slidenum">
+              <a:rPr lang="en-US" smtClean="0"/>
+              <a:t>8</a:t>
+            </a:fld>
+            <a:endParaRPr lang="en-US"/>
+          </a:p>
+        </p:txBody>
+      </p:sp>
+    </p:spTree>
+    <p:extLst>
+      <p:ext uri="{BB962C8B-B14F-4D97-AF65-F5344CB8AC3E}">
+        <p14:creationId xmlns:p14="http://schemas.microsoft.com/office/powerpoint/2010/main" val="3698136240"/>
+      </p:ext>
+    </p:extLst>
+  </p:cSld>
+  <p:clrMapOvr>
+    <a:masterClrMapping/>
+  </p:clrMapOvr>
+</p:notes>
+</file>
+
+<file path=ppt/notesSlides/notesSlide8.xml><?xml version="1.0" encoding="utf-8"?>
+<p:notes xmlns:a="http://schemas.openxmlformats.org/drawingml/2006/main" xmlns:r="http://schemas.openxmlformats.org/officeDocument/2006/relationships" xmlns:p="http://schemas.openxmlformats.org/presentationml/2006/main">
+  <p:cSld>
+    <p:spTree>
+      <p:nvGrpSpPr>
+        <p:cNvPr id="1" name=""/>
+        <p:cNvGrpSpPr/>
+        <p:nvPr/>
+      </p:nvGrpSpPr>
+      <p:grpSpPr>
+        <a:xfrm>
+          <a:off x="0" y="0"/>
+          <a:ext cx="0" cy="0"/>
+          <a:chOff x="0" y="0"/>
+          <a:chExt cx="0" cy="0"/>
+        </a:xfrm>
+      </p:grpSpPr>
+      <p:sp>
+        <p:nvSpPr>
+          <p:cNvPr id="2" name="Slide Image Placeholder 1"/>
+          <p:cNvSpPr>
+            <a:spLocks noGrp="1" noRot="1" noChangeAspect="1"/>
+          </p:cNvSpPr>
+          <p:nvPr>
+            <p:ph type="sldImg"/>
+          </p:nvPr>
+        </p:nvSpPr>
+        <p:spPr/>
+      </p:sp>
+      <p:sp>
+        <p:nvSpPr>
+          <p:cNvPr id="3" name="Notes Placeholder 2"/>
+          <p:cNvSpPr>
+            <a:spLocks noGrp="1"/>
+          </p:cNvSpPr>
+          <p:nvPr>
+            <p:ph type="body" idx="1"/>
+          </p:nvPr>
+        </p:nvSpPr>
+        <p:spPr/>
+        <p:txBody>
+          <a:bodyPr/>
+          <a:lstStyle/>
+          <a:p>
+            <a:r>
+              <a:rPr lang="en-US" dirty="0"/>
+              <a:t>blender</a:t>
+            </a:r>
+          </a:p>
+        </p:txBody>
+      </p:sp>
+      <p:sp>
+        <p:nvSpPr>
+          <p:cNvPr id="4" name="Slide Number Placeholder 3"/>
+          <p:cNvSpPr>
+            <a:spLocks noGrp="1"/>
+          </p:cNvSpPr>
+          <p:nvPr>
+            <p:ph type="sldNum" sz="quarter" idx="5"/>
+          </p:nvPr>
+        </p:nvSpPr>
+        <p:spPr/>
+        <p:txBody>
+          <a:bodyPr/>
+          <a:lstStyle/>
+          <a:p>
+            <a:fld id="{D09B9B78-9CB7-4BB8-B8EA-7B060E3CCB98}" type="slidenum">
+              <a:rPr lang="en-US" smtClean="0"/>
+              <a:t>9</a:t>
+            </a:fld>
+            <a:endParaRPr lang="en-US"/>
+          </a:p>
+        </p:txBody>
+      </p:sp>
+    </p:spTree>
+    <p:extLst>
+      <p:ext uri="{BB962C8B-B14F-4D97-AF65-F5344CB8AC3E}">
+        <p14:creationId xmlns:p14="http://schemas.microsoft.com/office/powerpoint/2010/main" val="3615708672"/>
+      </p:ext>
+    </p:extLst>
+  </p:cSld>
+  <p:clrMapOvr>
+    <a:masterClrMapping/>
+  </p:clrMapOvr>
+</p:notes>
+</file>
+
+<file path=ppt/notesSlides/notesSlide9.xml><?xml version="1.0" encoding="utf-8"?>
+<p:notes xmlns:a="http://schemas.openxmlformats.org/drawingml/2006/main" xmlns:r="http://schemas.openxmlformats.org/officeDocument/2006/relationships" xmlns:p="http://schemas.openxmlformats.org/presentationml/2006/main">
+  <p:cSld>
+    <p:spTree>
+      <p:nvGrpSpPr>
+        <p:cNvPr id="1" name=""/>
+        <p:cNvGrpSpPr/>
+        <p:nvPr/>
+      </p:nvGrpSpPr>
+      <p:grpSpPr>
+        <a:xfrm>
+          <a:off x="0" y="0"/>
+          <a:ext cx="0" cy="0"/>
+          <a:chOff x="0" y="0"/>
+          <a:chExt cx="0" cy="0"/>
+        </a:xfrm>
+      </p:grpSpPr>
+      <p:sp>
+        <p:nvSpPr>
+          <p:cNvPr id="2" name="Slide Image Placeholder 1"/>
+          <p:cNvSpPr>
+            <a:spLocks noGrp="1" noRot="1" noChangeAspect="1"/>
+          </p:cNvSpPr>
+          <p:nvPr>
+            <p:ph type="sldImg"/>
+          </p:nvPr>
+        </p:nvSpPr>
+        <p:spPr/>
+      </p:sp>
+      <p:sp>
+        <p:nvSpPr>
+          <p:cNvPr id="3" name="Notes Placeholder 2"/>
+          <p:cNvSpPr>
+            <a:spLocks noGrp="1"/>
+          </p:cNvSpPr>
+          <p:nvPr>
+            <p:ph type="body" idx="1"/>
+          </p:nvPr>
+        </p:nvSpPr>
+        <p:spPr/>
+        <p:txBody>
+          <a:bodyPr/>
+          <a:lstStyle/>
+          <a:p>
+            <a:pPr marL="0" marR="0" lvl="0" indent="0" algn="l" defTabSz="914400" rtl="0" eaLnBrk="1" fontAlgn="auto" latinLnBrk="0" hangingPunct="1">
+              <a:lnSpc>
+                <a:spcPct val="100000"/>
+              </a:lnSpc>
+              <a:spcBef>
+                <a:spcPts val="0"/>
+              </a:spcBef>
+              <a:spcAft>
+                <a:spcPts val="0"/>
+              </a:spcAft>
+              <a:buClrTx/>
+              <a:buSzTx/>
+              <a:buFontTx/>
+              <a:buNone/>
+              <a:tabLst/>
+              <a:defRPr/>
+            </a:pPr>
+            <a:r>
+              <a:rPr lang="en-US" dirty="0"/>
+              <a:t>Correlation between a single feature and the label ranges from –0.6 to 0.6</a:t>
+            </a:r>
+          </a:p>
+          <a:p>
+            <a:endParaRPr lang="en-US" dirty="0"/>
+          </a:p>
+        </p:txBody>
+      </p:sp>
+      <p:sp>
+        <p:nvSpPr>
+          <p:cNvPr id="4" name="Slide Number Placeholder 3"/>
+          <p:cNvSpPr>
+            <a:spLocks noGrp="1"/>
+          </p:cNvSpPr>
+          <p:nvPr>
+            <p:ph type="sldNum" sz="quarter" idx="5"/>
+          </p:nvPr>
+        </p:nvSpPr>
+        <p:spPr/>
+        <p:txBody>
+          <a:bodyPr/>
+          <a:lstStyle/>
+          <a:p>
+            <a:fld id="{D09B9B78-9CB7-4BB8-B8EA-7B060E3CCB98}" type="slidenum">
+              <a:rPr lang="en-US" smtClean="0"/>
+              <a:t>10</a:t>
+            </a:fld>
+            <a:endParaRPr lang="en-US"/>
+          </a:p>
+        </p:txBody>
+      </p:sp>
+    </p:spTree>
+    <p:extLst>
+      <p:ext uri="{BB962C8B-B14F-4D97-AF65-F5344CB8AC3E}">
+        <p14:creationId xmlns:p14="http://schemas.microsoft.com/office/powerpoint/2010/main" val="1546233132"/>
+      </p:ext>
+    </p:extLst>
+  </p:cSld>
+  <p:clrMapOvr>
+    <a:masterClrMapping/>
+  </p:clrMapOvr>
+</p:notes>
 </file>
 
 <file path=ppt/slideLayouts/slideLayout1.xml><?xml version="1.0" encoding="utf-8"?>
@@ -252,9 +2446,9 @@
           <a:bodyPr/>
           <a:lstStyle/>
           <a:p>
-            <a:fld id="{17FE69EE-54FA-4112-A2E0-8738E714472A}" type="datetimeFigureOut">
+            <a:fld id="{BF8A6F9E-1D50-4216-BCC6-681CDBB3D516}" type="datetime1">
               <a:rPr lang="en-US" smtClean="0"/>
-              <a:t>9/25/2022</a:t>
+              <a:t>10/4/2022</a:t>
             </a:fld>
             <a:endParaRPr lang="en-US"/>
           </a:p>
@@ -450,9 +2644,9 @@
           <a:bodyPr/>
           <a:lstStyle/>
           <a:p>
-            <a:fld id="{17FE69EE-54FA-4112-A2E0-8738E714472A}" type="datetimeFigureOut">
+            <a:fld id="{6CBFA9DE-870D-41F3-94F4-323830A26413}" type="datetime1">
               <a:rPr lang="en-US" smtClean="0"/>
-              <a:t>9/25/2022</a:t>
+              <a:t>10/4/2022</a:t>
             </a:fld>
             <a:endParaRPr lang="en-US"/>
           </a:p>
@@ -658,9 +2852,9 @@
           <a:bodyPr/>
           <a:lstStyle/>
           <a:p>
-            <a:fld id="{17FE69EE-54FA-4112-A2E0-8738E714472A}" type="datetimeFigureOut">
+            <a:fld id="{53538E60-54A6-4A23-84A6-612AE560DAF1}" type="datetime1">
               <a:rPr lang="en-US" smtClean="0"/>
-              <a:t>9/25/2022</a:t>
+              <a:t>10/4/2022</a:t>
             </a:fld>
             <a:endParaRPr lang="en-US"/>
           </a:p>
@@ -769,7 +2963,14 @@
         <p:spPr/>
         <p:txBody>
           <a:bodyPr/>
-          <a:lstStyle/>
+          <a:lstStyle>
+            <a:lvl1pPr>
+              <a:defRPr>
+                <a:latin typeface="Arial" panose="020B0604020202020204" pitchFamily="34" charset="0"/>
+                <a:cs typeface="Arial" panose="020B0604020202020204" pitchFamily="34" charset="0"/>
+              </a:defRPr>
+            </a:lvl1pPr>
+          </a:lstStyle>
           <a:p>
             <a:r>
               <a:rPr lang="en-US"/>
@@ -797,7 +2998,38 @@
         <p:spPr/>
         <p:txBody>
           <a:bodyPr/>
-          <a:lstStyle/>
+          <a:lstStyle>
+            <a:lvl1pPr>
+              <a:defRPr>
+                <a:latin typeface="Arial" panose="020B0604020202020204" pitchFamily="34" charset="0"/>
+                <a:cs typeface="Arial" panose="020B0604020202020204" pitchFamily="34" charset="0"/>
+              </a:defRPr>
+            </a:lvl1pPr>
+            <a:lvl2pPr>
+              <a:defRPr>
+                <a:latin typeface="Arial" panose="020B0604020202020204" pitchFamily="34" charset="0"/>
+                <a:cs typeface="Arial" panose="020B0604020202020204" pitchFamily="34" charset="0"/>
+              </a:defRPr>
+            </a:lvl2pPr>
+            <a:lvl3pPr>
+              <a:defRPr>
+                <a:latin typeface="Arial" panose="020B0604020202020204" pitchFamily="34" charset="0"/>
+                <a:cs typeface="Arial" panose="020B0604020202020204" pitchFamily="34" charset="0"/>
+              </a:defRPr>
+            </a:lvl3pPr>
+            <a:lvl4pPr>
+              <a:defRPr>
+                <a:latin typeface="Arial" panose="020B0604020202020204" pitchFamily="34" charset="0"/>
+                <a:cs typeface="Arial" panose="020B0604020202020204" pitchFamily="34" charset="0"/>
+              </a:defRPr>
+            </a:lvl4pPr>
+            <a:lvl5pPr>
+              <a:defRPr>
+                <a:latin typeface="Arial" panose="020B0604020202020204" pitchFamily="34" charset="0"/>
+                <a:cs typeface="Arial" panose="020B0604020202020204" pitchFamily="34" charset="0"/>
+              </a:defRPr>
+            </a:lvl5pPr>
+          </a:lstStyle>
           <a:p>
             <a:pPr lvl="0"/>
             <a:r>
@@ -854,11 +3086,18 @@
         <p:spPr/>
         <p:txBody>
           <a:bodyPr/>
-          <a:lstStyle/>
-          <a:p>
-            <a:fld id="{17FE69EE-54FA-4112-A2E0-8738E714472A}" type="datetimeFigureOut">
+          <a:lstStyle>
+            <a:lvl1pPr>
+              <a:defRPr>
+                <a:latin typeface="Arial" panose="020B0604020202020204" pitchFamily="34" charset="0"/>
+                <a:cs typeface="Arial" panose="020B0604020202020204" pitchFamily="34" charset="0"/>
+              </a:defRPr>
+            </a:lvl1pPr>
+          </a:lstStyle>
+          <a:p>
+            <a:fld id="{A626FA12-7B62-44C2-AD05-C1EBBCF7C357}" type="datetime1">
               <a:rPr lang="en-US" smtClean="0"/>
-              <a:t>9/25/2022</a:t>
+              <a:t>10/4/2022</a:t>
             </a:fld>
             <a:endParaRPr lang="en-US"/>
           </a:p>
@@ -883,7 +3122,14 @@
         <p:spPr/>
         <p:txBody>
           <a:bodyPr/>
-          <a:lstStyle/>
+          <a:lstStyle>
+            <a:lvl1pPr>
+              <a:defRPr>
+                <a:latin typeface="Arial" panose="020B0604020202020204" pitchFamily="34" charset="0"/>
+                <a:cs typeface="Arial" panose="020B0604020202020204" pitchFamily="34" charset="0"/>
+              </a:defRPr>
+            </a:lvl1pPr>
+          </a:lstStyle>
           <a:p>
             <a:endParaRPr lang="en-US"/>
           </a:p>
@@ -908,10 +3154,18 @@
         <p:spPr/>
         <p:txBody>
           <a:bodyPr/>
-          <a:lstStyle/>
+          <a:lstStyle>
+            <a:lvl1pPr>
+              <a:defRPr>
+                <a:latin typeface="Arial" panose="020B0604020202020204" pitchFamily="34" charset="0"/>
+                <a:cs typeface="Arial" panose="020B0604020202020204" pitchFamily="34" charset="0"/>
+              </a:defRPr>
+            </a:lvl1pPr>
+          </a:lstStyle>
           <a:p>
             <a:fld id="{49F5416C-8930-4BBD-885C-EB544461BEF4}" type="slidenum">
               <a:rPr lang="en-US" smtClean="0"/>
+              <a:pPr/>
               <a:t>‹#›</a:t>
             </a:fld>
             <a:endParaRPr lang="en-US"/>
@@ -1131,9 +3385,9 @@
           <a:bodyPr/>
           <a:lstStyle/>
           <a:p>
-            <a:fld id="{17FE69EE-54FA-4112-A2E0-8738E714472A}" type="datetimeFigureOut">
+            <a:fld id="{9B93A993-C215-41E9-8C4F-02E398E181A0}" type="datetime1">
               <a:rPr lang="en-US" smtClean="0"/>
-              <a:t>9/25/2022</a:t>
+              <a:t>10/4/2022</a:t>
             </a:fld>
             <a:endParaRPr lang="en-US"/>
           </a:p>
@@ -1396,9 +3650,9 @@
           <a:bodyPr/>
           <a:lstStyle/>
           <a:p>
-            <a:fld id="{17FE69EE-54FA-4112-A2E0-8738E714472A}" type="datetimeFigureOut">
+            <a:fld id="{5093AF4E-D3A1-46A3-BEA3-760A8E479379}" type="datetime1">
               <a:rPr lang="en-US" smtClean="0"/>
-              <a:t>9/25/2022</a:t>
+              <a:t>10/4/2022</a:t>
             </a:fld>
             <a:endParaRPr lang="en-US"/>
           </a:p>
@@ -1808,9 +4062,9 @@
           <a:bodyPr/>
           <a:lstStyle/>
           <a:p>
-            <a:fld id="{17FE69EE-54FA-4112-A2E0-8738E714472A}" type="datetimeFigureOut">
+            <a:fld id="{459D1ABA-3FFC-4D22-BDB3-72919F00C409}" type="datetime1">
               <a:rPr lang="en-US" smtClean="0"/>
-              <a:t>9/25/2022</a:t>
+              <a:t>10/4/2022</a:t>
             </a:fld>
             <a:endParaRPr lang="en-US"/>
           </a:p>
@@ -1949,9 +4203,9 @@
           <a:bodyPr/>
           <a:lstStyle/>
           <a:p>
-            <a:fld id="{17FE69EE-54FA-4112-A2E0-8738E714472A}" type="datetimeFigureOut">
+            <a:fld id="{DB3B2D57-C699-4F04-B976-88AD9572EA47}" type="datetime1">
               <a:rPr lang="en-US" smtClean="0"/>
-              <a:t>9/25/2022</a:t>
+              <a:t>10/4/2022</a:t>
             </a:fld>
             <a:endParaRPr lang="en-US"/>
           </a:p>
@@ -2062,9 +4316,9 @@
           <a:bodyPr/>
           <a:lstStyle/>
           <a:p>
-            <a:fld id="{17FE69EE-54FA-4112-A2E0-8738E714472A}" type="datetimeFigureOut">
+            <a:fld id="{B8126837-E981-4FEA-8F2F-C0E59F6F29CB}" type="datetime1">
               <a:rPr lang="en-US" smtClean="0"/>
-              <a:t>9/25/2022</a:t>
+              <a:t>10/4/2022</a:t>
             </a:fld>
             <a:endParaRPr lang="en-US"/>
           </a:p>
@@ -2373,9 +4627,9 @@
           <a:bodyPr/>
           <a:lstStyle/>
           <a:p>
-            <a:fld id="{17FE69EE-54FA-4112-A2E0-8738E714472A}" type="datetimeFigureOut">
+            <a:fld id="{8B455284-9BE5-49DA-8FF2-EE450A1531B9}" type="datetime1">
               <a:rPr lang="en-US" smtClean="0"/>
-              <a:t>9/25/2022</a:t>
+              <a:t>10/4/2022</a:t>
             </a:fld>
             <a:endParaRPr lang="en-US"/>
           </a:p>
@@ -2661,9 +4915,9 @@
           <a:bodyPr/>
           <a:lstStyle/>
           <a:p>
-            <a:fld id="{17FE69EE-54FA-4112-A2E0-8738E714472A}" type="datetimeFigureOut">
+            <a:fld id="{BBF9386C-6855-4E79-83CF-F8D5192A6690}" type="datetime1">
               <a:rPr lang="en-US" smtClean="0"/>
-              <a:t>9/25/2022</a:t>
+              <a:t>10/4/2022</a:t>
             </a:fld>
             <a:endParaRPr lang="en-US"/>
           </a:p>
@@ -2902,9 +5156,9 @@
             </a:lvl1pPr>
           </a:lstStyle>
           <a:p>
-            <a:fld id="{17FE69EE-54FA-4112-A2E0-8738E714472A}" type="datetimeFigureOut">
+            <a:fld id="{E5505A47-A0AB-4343-9568-1058AF8E1321}" type="datetime1">
               <a:rPr lang="en-US" smtClean="0"/>
-              <a:t>9/25/2022</a:t>
+              <a:t>10/4/2022</a:t>
             </a:fld>
             <a:endParaRPr lang="en-US"/>
           </a:p>
@@ -3021,6 +5275,7 @@
     <p:sldLayoutId id="2147483658" r:id="rId10"/>
     <p:sldLayoutId id="2147483659" r:id="rId11"/>
   </p:sldLayoutIdLst>
+  <p:hf hdr="0" ftr="0" dt="0"/>
   <p:txStyles>
     <p:titleStyle>
       <a:lvl1pPr algn="l" defTabSz="914400" rtl="0" eaLnBrk="1" latinLnBrk="0" hangingPunct="1">
@@ -3339,12 +5594,14 @@
         </p:nvSpPr>
         <p:spPr/>
         <p:txBody>
-          <a:bodyPr/>
+          <a:bodyPr>
+            <a:normAutofit fontScale="90000"/>
+          </a:bodyPr>
           <a:lstStyle/>
           <a:p>
             <a:r>
               <a:rPr lang="en-US" dirty="0"/>
-              <a:t>Laboratory Earthquake Prediction</a:t>
+              <a:t>Predicting Time Remaining of Laboratory Earthquake using Machine Learning</a:t>
             </a:r>
           </a:p>
         </p:txBody>
@@ -3367,13 +5624,61 @@
         </p:nvSpPr>
         <p:spPr/>
         <p:txBody>
-          <a:bodyPr/>
+          <a:bodyPr anchor="b"/>
           <a:lstStyle/>
           <a:p>
             <a:r>
               <a:rPr lang="en-US" dirty="0"/>
               <a:t>Xuan Qin, Ph. D.</a:t>
             </a:r>
+          </a:p>
+          <a:p>
+            <a:r>
+              <a:rPr lang="en-US" dirty="0"/>
+              <a:t>Mentor: </a:t>
+            </a:r>
+            <a:r>
+              <a:rPr lang="en-US" dirty="0" err="1"/>
+              <a:t>Raghunandan</a:t>
+            </a:r>
+            <a:r>
+              <a:rPr lang="en-US" dirty="0"/>
+              <a:t> </a:t>
+            </a:r>
+            <a:r>
+              <a:rPr lang="en-US" dirty="0" err="1"/>
+              <a:t>Patthar</a:t>
+            </a:r>
+            <a:endParaRPr lang="en-US" dirty="0"/>
+          </a:p>
+        </p:txBody>
+      </p:sp>
+      <p:sp>
+        <p:nvSpPr>
+          <p:cNvPr id="4" name="Slide Number Placeholder 3">
+            <a:extLst>
+              <a:ext uri="{FF2B5EF4-FFF2-40B4-BE49-F238E27FC236}">
+                <a16:creationId xmlns:a16="http://schemas.microsoft.com/office/drawing/2014/main" id="{E1F9828A-C0F8-4DA2-B7C9-2ABD71B7487F}"/>
+              </a:ext>
+            </a:extLst>
+          </p:cNvPr>
+          <p:cNvSpPr>
+            <a:spLocks noGrp="1"/>
+          </p:cNvSpPr>
+          <p:nvPr>
+            <p:ph type="sldNum" sz="quarter" idx="12"/>
+          </p:nvPr>
+        </p:nvSpPr>
+        <p:spPr/>
+        <p:txBody>
+          <a:bodyPr/>
+          <a:lstStyle/>
+          <a:p>
+            <a:fld id="{49F5416C-8930-4BBD-885C-EB544461BEF4}" type="slidenum">
+              <a:rPr lang="en-US" smtClean="0"/>
+              <a:t>1</a:t>
+            </a:fld>
+            <a:endParaRPr lang="en-US"/>
           </a:p>
         </p:txBody>
       </p:sp>
@@ -3381,6 +5686,5884 @@
     <p:extLst>
       <p:ext uri="{BB962C8B-B14F-4D97-AF65-F5344CB8AC3E}">
         <p14:creationId xmlns:p14="http://schemas.microsoft.com/office/powerpoint/2010/main" val="2445731704"/>
+      </p:ext>
+    </p:extLst>
+  </p:cSld>
+  <p:clrMapOvr>
+    <a:masterClrMapping/>
+  </p:clrMapOvr>
+</p:sld>
+</file>
+
+<file path=ppt/slides/slide10.xml><?xml version="1.0" encoding="utf-8"?>
+<p:sld xmlns:a="http://schemas.openxmlformats.org/drawingml/2006/main" xmlns:r="http://schemas.openxmlformats.org/officeDocument/2006/relationships" xmlns:p="http://schemas.openxmlformats.org/presentationml/2006/main">
+  <p:cSld>
+    <p:spTree>
+      <p:nvGrpSpPr>
+        <p:cNvPr id="1" name=""/>
+        <p:cNvGrpSpPr/>
+        <p:nvPr/>
+      </p:nvGrpSpPr>
+      <p:grpSpPr>
+        <a:xfrm>
+          <a:off x="0" y="0"/>
+          <a:ext cx="0" cy="0"/>
+          <a:chOff x="0" y="0"/>
+          <a:chExt cx="0" cy="0"/>
+        </a:xfrm>
+      </p:grpSpPr>
+      <p:sp>
+        <p:nvSpPr>
+          <p:cNvPr id="2" name="Title 1">
+            <a:extLst>
+              <a:ext uri="{FF2B5EF4-FFF2-40B4-BE49-F238E27FC236}">
+                <a16:creationId xmlns:a16="http://schemas.microsoft.com/office/drawing/2014/main" id="{FDED9546-4EAE-4BB8-966B-A241467360D2}"/>
+              </a:ext>
+            </a:extLst>
+          </p:cNvPr>
+          <p:cNvSpPr>
+            <a:spLocks noGrp="1"/>
+          </p:cNvSpPr>
+          <p:nvPr>
+            <p:ph type="title"/>
+          </p:nvPr>
+        </p:nvSpPr>
+        <p:spPr/>
+        <p:txBody>
+          <a:bodyPr/>
+          <a:lstStyle/>
+          <a:p>
+            <a:r>
+              <a:rPr lang="en-US" dirty="0"/>
+              <a:t>Selected feature’s correlation with labels</a:t>
+            </a:r>
+          </a:p>
+        </p:txBody>
+      </p:sp>
+      <p:sp>
+        <p:nvSpPr>
+          <p:cNvPr id="3" name="Content Placeholder 2">
+            <a:extLst>
+              <a:ext uri="{FF2B5EF4-FFF2-40B4-BE49-F238E27FC236}">
+                <a16:creationId xmlns:a16="http://schemas.microsoft.com/office/drawing/2014/main" id="{8600344B-3B9C-4A72-B127-01F8E3122367}"/>
+              </a:ext>
+            </a:extLst>
+          </p:cNvPr>
+          <p:cNvSpPr>
+            <a:spLocks noGrp="1"/>
+          </p:cNvSpPr>
+          <p:nvPr>
+            <p:ph idx="1"/>
+          </p:nvPr>
+        </p:nvSpPr>
+        <p:spPr/>
+        <p:txBody>
+          <a:bodyPr/>
+          <a:lstStyle/>
+          <a:p>
+            <a:endParaRPr lang="en-US" dirty="0"/>
+          </a:p>
+        </p:txBody>
+      </p:sp>
+      <p:sp>
+        <p:nvSpPr>
+          <p:cNvPr id="4" name="Slide Number Placeholder 3">
+            <a:extLst>
+              <a:ext uri="{FF2B5EF4-FFF2-40B4-BE49-F238E27FC236}">
+                <a16:creationId xmlns:a16="http://schemas.microsoft.com/office/drawing/2014/main" id="{BA7CCAB7-C75C-4484-B950-E6712D5C274A}"/>
+              </a:ext>
+            </a:extLst>
+          </p:cNvPr>
+          <p:cNvSpPr>
+            <a:spLocks noGrp="1"/>
+          </p:cNvSpPr>
+          <p:nvPr>
+            <p:ph type="sldNum" sz="quarter" idx="12"/>
+          </p:nvPr>
+        </p:nvSpPr>
+        <p:spPr/>
+        <p:txBody>
+          <a:bodyPr/>
+          <a:lstStyle/>
+          <a:p>
+            <a:fld id="{49F5416C-8930-4BBD-885C-EB544461BEF4}" type="slidenum">
+              <a:rPr lang="en-US" smtClean="0"/>
+              <a:pPr/>
+              <a:t>10</a:t>
+            </a:fld>
+            <a:endParaRPr lang="en-US"/>
+          </a:p>
+        </p:txBody>
+      </p:sp>
+      <p:pic>
+        <p:nvPicPr>
+          <p:cNvPr id="5" name="Picture 4">
+            <a:extLst>
+              <a:ext uri="{FF2B5EF4-FFF2-40B4-BE49-F238E27FC236}">
+                <a16:creationId xmlns:a16="http://schemas.microsoft.com/office/drawing/2014/main" id="{75484540-AE02-4721-8AF1-877991AAF53F}"/>
+              </a:ext>
+            </a:extLst>
+          </p:cNvPr>
+          <p:cNvPicPr>
+            <a:picLocks noChangeAspect="1"/>
+          </p:cNvPicPr>
+          <p:nvPr/>
+        </p:nvPicPr>
+        <p:blipFill>
+          <a:blip r:embed="rId3"/>
+          <a:stretch>
+            <a:fillRect/>
+          </a:stretch>
+        </p:blipFill>
+        <p:spPr>
+          <a:xfrm>
+            <a:off x="1468121" y="1825625"/>
+            <a:ext cx="5454978" cy="4937760"/>
+          </a:xfrm>
+          <a:prstGeom prst="rect">
+            <a:avLst/>
+          </a:prstGeom>
+        </p:spPr>
+      </p:pic>
+      <p:sp>
+        <p:nvSpPr>
+          <p:cNvPr id="7" name="TextBox 6">
+            <a:extLst>
+              <a:ext uri="{FF2B5EF4-FFF2-40B4-BE49-F238E27FC236}">
+                <a16:creationId xmlns:a16="http://schemas.microsoft.com/office/drawing/2014/main" id="{BC6C88A6-9EC5-4750-9086-A4D994EBAAED}"/>
+              </a:ext>
+            </a:extLst>
+          </p:cNvPr>
+          <p:cNvSpPr txBox="1"/>
+          <p:nvPr/>
+        </p:nvSpPr>
+        <p:spPr>
+          <a:xfrm>
+            <a:off x="7675880" y="2782669"/>
+            <a:ext cx="3573368" cy="923330"/>
+          </a:xfrm>
+          <a:prstGeom prst="rect">
+            <a:avLst/>
+          </a:prstGeom>
+          <a:noFill/>
+        </p:spPr>
+        <p:txBody>
+          <a:bodyPr wrap="square">
+            <a:spAutoFit/>
+          </a:bodyPr>
+          <a:lstStyle/>
+          <a:p>
+            <a:r>
+              <a:rPr lang="en-US" dirty="0">
+                <a:latin typeface="Arial" panose="020B0604020202020204" pitchFamily="34" charset="0"/>
+                <a:cs typeface="Arial" panose="020B0604020202020204" pitchFamily="34" charset="0"/>
+              </a:rPr>
+              <a:t>The correlation between a single feature and the label ranges from -0.6 to 0.6</a:t>
+            </a:r>
+          </a:p>
+        </p:txBody>
+      </p:sp>
+      <p:sp>
+        <p:nvSpPr>
+          <p:cNvPr id="8" name="TextBox 7">
+            <a:extLst>
+              <a:ext uri="{FF2B5EF4-FFF2-40B4-BE49-F238E27FC236}">
+                <a16:creationId xmlns:a16="http://schemas.microsoft.com/office/drawing/2014/main" id="{EB09B2A9-AFFE-46FC-AB7F-D2F9F8156B64}"/>
+              </a:ext>
+            </a:extLst>
+          </p:cNvPr>
+          <p:cNvSpPr txBox="1"/>
+          <p:nvPr/>
+        </p:nvSpPr>
+        <p:spPr>
+          <a:xfrm>
+            <a:off x="7675880" y="4201378"/>
+            <a:ext cx="3573368" cy="646331"/>
+          </a:xfrm>
+          <a:prstGeom prst="rect">
+            <a:avLst/>
+          </a:prstGeom>
+          <a:noFill/>
+        </p:spPr>
+        <p:txBody>
+          <a:bodyPr wrap="square">
+            <a:spAutoFit/>
+          </a:bodyPr>
+          <a:lstStyle/>
+          <a:p>
+            <a:r>
+              <a:rPr lang="en-US" dirty="0">
+                <a:latin typeface="Arial" panose="020B0604020202020204" pitchFamily="34" charset="0"/>
+                <a:cs typeface="Arial" panose="020B0604020202020204" pitchFamily="34" charset="0"/>
+              </a:rPr>
+              <a:t>How to build a model to enhance the correlation?</a:t>
+            </a:r>
+          </a:p>
+        </p:txBody>
+      </p:sp>
+      <p:sp>
+        <p:nvSpPr>
+          <p:cNvPr id="9" name="Oval 8">
+            <a:extLst>
+              <a:ext uri="{FF2B5EF4-FFF2-40B4-BE49-F238E27FC236}">
+                <a16:creationId xmlns:a16="http://schemas.microsoft.com/office/drawing/2014/main" id="{D4E36AC4-7884-4EB3-8F56-525A346CDD4C}"/>
+              </a:ext>
+            </a:extLst>
+          </p:cNvPr>
+          <p:cNvSpPr/>
+          <p:nvPr/>
+        </p:nvSpPr>
+        <p:spPr>
+          <a:xfrm>
+            <a:off x="2597532" y="5669537"/>
+            <a:ext cx="297711" cy="223284"/>
+          </a:xfrm>
+          <a:prstGeom prst="ellipse">
+            <a:avLst/>
+          </a:prstGeom>
+          <a:noFill/>
+          <a:ln>
+            <a:solidFill>
+              <a:schemeClr val="tx1"/>
+            </a:solidFill>
+          </a:ln>
+        </p:spPr>
+        <p:style>
+          <a:lnRef idx="2">
+            <a:schemeClr val="accent1">
+              <a:shade val="50000"/>
+            </a:schemeClr>
+          </a:lnRef>
+          <a:fillRef idx="1">
+            <a:schemeClr val="accent1"/>
+          </a:fillRef>
+          <a:effectRef idx="0">
+            <a:schemeClr val="accent1"/>
+          </a:effectRef>
+          <a:fontRef idx="minor">
+            <a:schemeClr val="lt1"/>
+          </a:fontRef>
+        </p:style>
+        <p:txBody>
+          <a:bodyPr rtlCol="0" anchor="ctr"/>
+          <a:lstStyle/>
+          <a:p>
+            <a:pPr algn="ctr"/>
+            <a:endParaRPr lang="en-US">
+              <a:latin typeface="Arial" panose="020B0604020202020204" pitchFamily="34" charset="0"/>
+              <a:cs typeface="Arial" panose="020B0604020202020204" pitchFamily="34" charset="0"/>
+            </a:endParaRPr>
+          </a:p>
+        </p:txBody>
+      </p:sp>
+      <p:cxnSp>
+        <p:nvCxnSpPr>
+          <p:cNvPr id="10" name="Straight Arrow Connector 9">
+            <a:extLst>
+              <a:ext uri="{FF2B5EF4-FFF2-40B4-BE49-F238E27FC236}">
+                <a16:creationId xmlns:a16="http://schemas.microsoft.com/office/drawing/2014/main" id="{6B7E203B-1FAC-432B-8103-5332A0F95EA8}"/>
+              </a:ext>
+            </a:extLst>
+          </p:cNvPr>
+          <p:cNvCxnSpPr>
+            <a:cxnSpLocks/>
+            <a:stCxn id="9" idx="4"/>
+            <a:endCxn id="11" idx="0"/>
+          </p:cNvCxnSpPr>
+          <p:nvPr/>
+        </p:nvCxnSpPr>
+        <p:spPr>
+          <a:xfrm flipH="1">
+            <a:off x="1842583" y="5892821"/>
+            <a:ext cx="903805" cy="415388"/>
+          </a:xfrm>
+          <a:prstGeom prst="straightConnector1">
+            <a:avLst/>
+          </a:prstGeom>
+          <a:ln>
+            <a:tailEnd type="triangle"/>
+          </a:ln>
+        </p:spPr>
+        <p:style>
+          <a:lnRef idx="1">
+            <a:schemeClr val="dk1"/>
+          </a:lnRef>
+          <a:fillRef idx="0">
+            <a:schemeClr val="dk1"/>
+          </a:fillRef>
+          <a:effectRef idx="0">
+            <a:schemeClr val="dk1"/>
+          </a:effectRef>
+          <a:fontRef idx="minor">
+            <a:schemeClr val="tx1"/>
+          </a:fontRef>
+        </p:style>
+      </p:cxnSp>
+      <p:sp>
+        <p:nvSpPr>
+          <p:cNvPr id="11" name="TextBox 10">
+            <a:extLst>
+              <a:ext uri="{FF2B5EF4-FFF2-40B4-BE49-F238E27FC236}">
+                <a16:creationId xmlns:a16="http://schemas.microsoft.com/office/drawing/2014/main" id="{73202F88-4D97-42B8-8EAD-810E2197417B}"/>
+              </a:ext>
+            </a:extLst>
+          </p:cNvPr>
+          <p:cNvSpPr txBox="1"/>
+          <p:nvPr/>
+        </p:nvSpPr>
+        <p:spPr>
+          <a:xfrm>
+            <a:off x="1468121" y="6308209"/>
+            <a:ext cx="748923" cy="369332"/>
+          </a:xfrm>
+          <a:prstGeom prst="rect">
+            <a:avLst/>
+          </a:prstGeom>
+          <a:noFill/>
+        </p:spPr>
+        <p:txBody>
+          <a:bodyPr wrap="none" rtlCol="0">
+            <a:spAutoFit/>
+          </a:bodyPr>
+          <a:lstStyle/>
+          <a:p>
+            <a:r>
+              <a:rPr lang="en-US" dirty="0">
+                <a:latin typeface="Arial" panose="020B0604020202020204" pitchFamily="34" charset="0"/>
+                <a:cs typeface="Arial" panose="020B0604020202020204" pitchFamily="34" charset="0"/>
+              </a:rPr>
+              <a:t>Label</a:t>
+            </a:r>
+          </a:p>
+        </p:txBody>
+      </p:sp>
+    </p:spTree>
+    <p:extLst>
+      <p:ext uri="{BB962C8B-B14F-4D97-AF65-F5344CB8AC3E}">
+        <p14:creationId xmlns:p14="http://schemas.microsoft.com/office/powerpoint/2010/main" val="676091330"/>
+      </p:ext>
+    </p:extLst>
+  </p:cSld>
+  <p:clrMapOvr>
+    <a:masterClrMapping/>
+  </p:clrMapOvr>
+  <p:timing>
+    <p:tnLst>
+      <p:par>
+        <p:cTn id="1" dur="indefinite" restart="never" nodeType="tmRoot">
+          <p:childTnLst>
+            <p:seq concurrent="1" nextAc="seek">
+              <p:cTn id="2" dur="indefinite" nodeType="mainSeq">
+                <p:childTnLst>
+                  <p:par>
+                    <p:cTn id="3" fill="hold">
+                      <p:stCondLst>
+                        <p:cond delay="indefinite"/>
+                      </p:stCondLst>
+                      <p:childTnLst>
+                        <p:par>
+                          <p:cTn id="4" fill="hold">
+                            <p:stCondLst>
+                              <p:cond delay="0"/>
+                            </p:stCondLst>
+                            <p:childTnLst>
+                              <p:par>
+                                <p:cTn id="5" presetID="10" presetClass="entr" presetSubtype="0" fill="hold" grpId="0" nodeType="clickEffect">
+                                  <p:stCondLst>
+                                    <p:cond delay="0"/>
+                                  </p:stCondLst>
+                                  <p:childTnLst>
+                                    <p:set>
+                                      <p:cBhvr>
+                                        <p:cTn id="6" dur="1" fill="hold">
+                                          <p:stCondLst>
+                                            <p:cond delay="0"/>
+                                          </p:stCondLst>
+                                        </p:cTn>
+                                        <p:tgtEl>
+                                          <p:spTgt spid="8"/>
+                                        </p:tgtEl>
+                                        <p:attrNameLst>
+                                          <p:attrName>style.visibility</p:attrName>
+                                        </p:attrNameLst>
+                                      </p:cBhvr>
+                                      <p:to>
+                                        <p:strVal val="visible"/>
+                                      </p:to>
+                                    </p:set>
+                                    <p:animEffect transition="in" filter="fade">
+                                      <p:cBhvr>
+                                        <p:cTn id="7" dur="500"/>
+                                        <p:tgtEl>
+                                          <p:spTgt spid="8"/>
+                                        </p:tgtEl>
+                                      </p:cBhvr>
+                                    </p:animEffect>
+                                  </p:childTnLst>
+                                </p:cTn>
+                              </p:par>
+                            </p:childTnLst>
+                          </p:cTn>
+                        </p:par>
+                      </p:childTnLst>
+                    </p:cTn>
+                  </p:par>
+                </p:childTnLst>
+              </p:cTn>
+              <p:prevCondLst>
+                <p:cond evt="onPrev" delay="0">
+                  <p:tgtEl>
+                    <p:sldTgt/>
+                  </p:tgtEl>
+                </p:cond>
+              </p:prevCondLst>
+              <p:nextCondLst>
+                <p:cond evt="onNext" delay="0">
+                  <p:tgtEl>
+                    <p:sldTgt/>
+                  </p:tgtEl>
+                </p:cond>
+              </p:nextCondLst>
+            </p:seq>
+          </p:childTnLst>
+        </p:cTn>
+      </p:par>
+    </p:tnLst>
+    <p:bldLst>
+      <p:bldP spid="8" grpId="0"/>
+    </p:bldLst>
+  </p:timing>
+</p:sld>
+</file>
+
+<file path=ppt/slides/slide11.xml><?xml version="1.0" encoding="utf-8"?>
+<p:sld xmlns:a="http://schemas.openxmlformats.org/drawingml/2006/main" xmlns:r="http://schemas.openxmlformats.org/officeDocument/2006/relationships" xmlns:p="http://schemas.openxmlformats.org/presentationml/2006/main">
+  <p:cSld>
+    <p:spTree>
+      <p:nvGrpSpPr>
+        <p:cNvPr id="1" name=""/>
+        <p:cNvGrpSpPr/>
+        <p:nvPr/>
+      </p:nvGrpSpPr>
+      <p:grpSpPr>
+        <a:xfrm>
+          <a:off x="0" y="0"/>
+          <a:ext cx="0" cy="0"/>
+          <a:chOff x="0" y="0"/>
+          <a:chExt cx="0" cy="0"/>
+        </a:xfrm>
+      </p:grpSpPr>
+      <p:sp>
+        <p:nvSpPr>
+          <p:cNvPr id="2" name="Title 1">
+            <a:extLst>
+              <a:ext uri="{FF2B5EF4-FFF2-40B4-BE49-F238E27FC236}">
+                <a16:creationId xmlns:a16="http://schemas.microsoft.com/office/drawing/2014/main" id="{8CEC4452-0DCC-48A7-86E5-56CF7A6743D7}"/>
+              </a:ext>
+            </a:extLst>
+          </p:cNvPr>
+          <p:cNvSpPr>
+            <a:spLocks noGrp="1"/>
+          </p:cNvSpPr>
+          <p:nvPr>
+            <p:ph type="title"/>
+          </p:nvPr>
+        </p:nvSpPr>
+        <p:spPr/>
+        <p:txBody>
+          <a:bodyPr/>
+          <a:lstStyle/>
+          <a:p>
+            <a:r>
+              <a:rPr lang="en-US" dirty="0"/>
+              <a:t>Ensemble methods</a:t>
+            </a:r>
+          </a:p>
+        </p:txBody>
+      </p:sp>
+      <p:sp>
+        <p:nvSpPr>
+          <p:cNvPr id="4" name="Slide Number Placeholder 3">
+            <a:extLst>
+              <a:ext uri="{FF2B5EF4-FFF2-40B4-BE49-F238E27FC236}">
+                <a16:creationId xmlns:a16="http://schemas.microsoft.com/office/drawing/2014/main" id="{5BA2656D-C0FA-4298-BE5B-DC8CA2E4C78F}"/>
+              </a:ext>
+            </a:extLst>
+          </p:cNvPr>
+          <p:cNvSpPr>
+            <a:spLocks noGrp="1"/>
+          </p:cNvSpPr>
+          <p:nvPr>
+            <p:ph type="sldNum" sz="quarter" idx="12"/>
+          </p:nvPr>
+        </p:nvSpPr>
+        <p:spPr/>
+        <p:txBody>
+          <a:bodyPr/>
+          <a:lstStyle/>
+          <a:p>
+            <a:fld id="{49F5416C-8930-4BBD-885C-EB544461BEF4}" type="slidenum">
+              <a:rPr lang="en-US" smtClean="0"/>
+              <a:pPr/>
+              <a:t>11</a:t>
+            </a:fld>
+            <a:endParaRPr lang="en-US"/>
+          </a:p>
+        </p:txBody>
+      </p:sp>
+      <p:sp>
+        <p:nvSpPr>
+          <p:cNvPr id="5" name="TextBox 4">
+            <a:extLst>
+              <a:ext uri="{FF2B5EF4-FFF2-40B4-BE49-F238E27FC236}">
+                <a16:creationId xmlns:a16="http://schemas.microsoft.com/office/drawing/2014/main" id="{D8BE402C-43D0-4957-AC6D-DF1531F00975}"/>
+              </a:ext>
+            </a:extLst>
+          </p:cNvPr>
+          <p:cNvSpPr txBox="1"/>
+          <p:nvPr/>
+        </p:nvSpPr>
+        <p:spPr>
+          <a:xfrm>
+            <a:off x="2231675" y="1616569"/>
+            <a:ext cx="3749040" cy="2031325"/>
+          </a:xfrm>
+          <a:prstGeom prst="rect">
+            <a:avLst/>
+          </a:prstGeom>
+        </p:spPr>
+        <p:style>
+          <a:lnRef idx="2">
+            <a:schemeClr val="dk1"/>
+          </a:lnRef>
+          <a:fillRef idx="1">
+            <a:schemeClr val="lt1"/>
+          </a:fillRef>
+          <a:effectRef idx="0">
+            <a:schemeClr val="dk1"/>
+          </a:effectRef>
+          <a:fontRef idx="minor">
+            <a:schemeClr val="dk1"/>
+          </a:fontRef>
+        </p:style>
+        <p:txBody>
+          <a:bodyPr wrap="square" rtlCol="0">
+            <a:spAutoFit/>
+          </a:bodyPr>
+          <a:lstStyle/>
+          <a:p>
+            <a:r>
+              <a:rPr lang="en-US" dirty="0">
+                <a:latin typeface="Arial" panose="020B0604020202020204" pitchFamily="34" charset="0"/>
+                <a:cs typeface="Arial" panose="020B0604020202020204" pitchFamily="34" charset="0"/>
+              </a:rPr>
+              <a:t>Bagging</a:t>
+            </a:r>
+          </a:p>
+          <a:p>
+            <a:pPr marL="285750" indent="-285750">
+              <a:buFont typeface="Arial" panose="020B0604020202020204" pitchFamily="34" charset="0"/>
+              <a:buChar char="•"/>
+            </a:pPr>
+            <a:r>
+              <a:rPr lang="en-US" dirty="0">
+                <a:latin typeface="Arial" panose="020B0604020202020204" pitchFamily="34" charset="0"/>
+                <a:cs typeface="Arial" panose="020B0604020202020204" pitchFamily="34" charset="0"/>
+              </a:rPr>
+              <a:t>Build each tree from a random subset of features</a:t>
+            </a:r>
+          </a:p>
+          <a:p>
+            <a:pPr marL="285750" indent="-285750">
+              <a:buFont typeface="Arial" panose="020B0604020202020204" pitchFamily="34" charset="0"/>
+              <a:buChar char="•"/>
+            </a:pPr>
+            <a:r>
+              <a:rPr lang="en-US" dirty="0">
+                <a:latin typeface="Arial" panose="020B0604020202020204" pitchFamily="34" charset="0"/>
+                <a:cs typeface="Arial" panose="020B0604020202020204" pitchFamily="34" charset="0"/>
+              </a:rPr>
+              <a:t>Trade high bias for a low variance</a:t>
+            </a:r>
+          </a:p>
+          <a:p>
+            <a:pPr marL="285750" indent="-285750">
+              <a:buFont typeface="Arial" panose="020B0604020202020204" pitchFamily="34" charset="0"/>
+              <a:buChar char="•"/>
+            </a:pPr>
+            <a:r>
+              <a:rPr lang="en-US" dirty="0">
+                <a:latin typeface="Arial" panose="020B0604020202020204" pitchFamily="34" charset="0"/>
+                <a:cs typeface="Arial" panose="020B0604020202020204" pitchFamily="34" charset="0"/>
+              </a:rPr>
+              <a:t>Handle highly correlated features well</a:t>
+            </a:r>
+          </a:p>
+        </p:txBody>
+      </p:sp>
+      <p:sp>
+        <p:nvSpPr>
+          <p:cNvPr id="8" name="TextBox 7">
+            <a:extLst>
+              <a:ext uri="{FF2B5EF4-FFF2-40B4-BE49-F238E27FC236}">
+                <a16:creationId xmlns:a16="http://schemas.microsoft.com/office/drawing/2014/main" id="{97D5A088-111A-451F-884D-C8D838C51C0C}"/>
+              </a:ext>
+            </a:extLst>
+          </p:cNvPr>
+          <p:cNvSpPr txBox="1"/>
+          <p:nvPr/>
+        </p:nvSpPr>
+        <p:spPr>
+          <a:xfrm>
+            <a:off x="7374190" y="1493897"/>
+            <a:ext cx="3749040" cy="2308324"/>
+          </a:xfrm>
+          <a:prstGeom prst="rect">
+            <a:avLst/>
+          </a:prstGeom>
+        </p:spPr>
+        <p:style>
+          <a:lnRef idx="2">
+            <a:schemeClr val="dk1"/>
+          </a:lnRef>
+          <a:fillRef idx="1">
+            <a:schemeClr val="lt1"/>
+          </a:fillRef>
+          <a:effectRef idx="0">
+            <a:schemeClr val="dk1"/>
+          </a:effectRef>
+          <a:fontRef idx="minor">
+            <a:schemeClr val="dk1"/>
+          </a:fontRef>
+        </p:style>
+        <p:txBody>
+          <a:bodyPr wrap="square" rtlCol="0">
+            <a:spAutoFit/>
+          </a:bodyPr>
+          <a:lstStyle/>
+          <a:p>
+            <a:r>
+              <a:rPr lang="en-US" dirty="0">
+                <a:latin typeface="Arial" panose="020B0604020202020204" pitchFamily="34" charset="0"/>
+                <a:cs typeface="Arial" panose="020B0604020202020204" pitchFamily="34" charset="0"/>
+              </a:rPr>
+              <a:t>Boosting</a:t>
+            </a:r>
+          </a:p>
+          <a:p>
+            <a:pPr marL="285750" indent="-285750">
+              <a:buFont typeface="Arial" panose="020B0604020202020204" pitchFamily="34" charset="0"/>
+              <a:buChar char="•"/>
+            </a:pPr>
+            <a:r>
+              <a:rPr lang="en-US" dirty="0">
+                <a:latin typeface="Arial" panose="020B0604020202020204" pitchFamily="34" charset="0"/>
+                <a:cs typeface="Arial" panose="020B0604020202020204" pitchFamily="34" charset="0"/>
+              </a:rPr>
+              <a:t>Train and get residuals</a:t>
+            </a:r>
+          </a:p>
+          <a:p>
+            <a:pPr marL="285750" indent="-285750">
+              <a:buFont typeface="Arial" panose="020B0604020202020204" pitchFamily="34" charset="0"/>
+              <a:buChar char="•"/>
+            </a:pPr>
+            <a:r>
+              <a:rPr lang="en-US" dirty="0">
+                <a:latin typeface="Arial" panose="020B0604020202020204" pitchFamily="34" charset="0"/>
+                <a:cs typeface="Arial" panose="020B0604020202020204" pitchFamily="34" charset="0"/>
+              </a:rPr>
+              <a:t>Leverage the patterns in residuals </a:t>
+            </a:r>
+          </a:p>
+          <a:p>
+            <a:r>
+              <a:rPr lang="en-US" dirty="0">
+                <a:latin typeface="Arial" panose="020B0604020202020204" pitchFamily="34" charset="0"/>
+                <a:cs typeface="Arial" panose="020B0604020202020204" pitchFamily="34" charset="0"/>
+              </a:rPr>
+              <a:t>Light GBM</a:t>
+            </a:r>
+          </a:p>
+          <a:p>
+            <a:pPr marL="285750" indent="-285750">
+              <a:buFont typeface="Arial" panose="020B0604020202020204" pitchFamily="34" charset="0"/>
+              <a:buChar char="•"/>
+            </a:pPr>
+            <a:r>
+              <a:rPr lang="en-US" dirty="0">
+                <a:latin typeface="Arial" panose="020B0604020202020204" pitchFamily="34" charset="0"/>
+                <a:cs typeface="Arial" panose="020B0604020202020204" pitchFamily="34" charset="0"/>
+              </a:rPr>
+              <a:t>Better accuracy</a:t>
+            </a:r>
+          </a:p>
+          <a:p>
+            <a:pPr marL="285750" indent="-285750">
+              <a:buFont typeface="Arial" panose="020B0604020202020204" pitchFamily="34" charset="0"/>
+              <a:buChar char="•"/>
+            </a:pPr>
+            <a:r>
+              <a:rPr lang="en-US" dirty="0">
+                <a:latin typeface="Arial" panose="020B0604020202020204" pitchFamily="34" charset="0"/>
+                <a:cs typeface="Arial" panose="020B0604020202020204" pitchFamily="34" charset="0"/>
+              </a:rPr>
+              <a:t>Lower memory usage &amp; faster training speed</a:t>
+            </a:r>
+          </a:p>
+        </p:txBody>
+      </p:sp>
+      <p:pic>
+        <p:nvPicPr>
+          <p:cNvPr id="16" name="Picture 2">
+            <a:extLst>
+              <a:ext uri="{FF2B5EF4-FFF2-40B4-BE49-F238E27FC236}">
+                <a16:creationId xmlns:a16="http://schemas.microsoft.com/office/drawing/2014/main" id="{27BA6475-96AC-49DA-9601-4A173DB10FAB}"/>
+              </a:ext>
+            </a:extLst>
+          </p:cNvPr>
+          <p:cNvPicPr>
+            <a:picLocks noChangeAspect="1" noChangeArrowheads="1"/>
+          </p:cNvPicPr>
+          <p:nvPr/>
+        </p:nvPicPr>
+        <p:blipFill>
+          <a:blip r:embed="rId3">
+            <a:duotone>
+              <a:schemeClr val="accent5">
+                <a:shade val="45000"/>
+                <a:satMod val="135000"/>
+              </a:schemeClr>
+              <a:prstClr val="white"/>
+            </a:duotone>
+            <a:extLst>
+              <a:ext uri="{28A0092B-C50C-407E-A947-70E740481C1C}">
+                <a14:useLocalDpi xmlns:a14="http://schemas.microsoft.com/office/drawing/2010/main" val="0"/>
+              </a:ext>
+            </a:extLst>
+          </a:blip>
+          <a:srcRect/>
+          <a:stretch>
+            <a:fillRect/>
+          </a:stretch>
+        </p:blipFill>
+        <p:spPr bwMode="auto">
+          <a:xfrm>
+            <a:off x="2977116" y="3864780"/>
+            <a:ext cx="7785802" cy="2998646"/>
+          </a:xfrm>
+          <a:prstGeom prst="rect">
+            <a:avLst/>
+          </a:prstGeom>
+          <a:noFill/>
+          <a:extLst>
+            <a:ext uri="{909E8E84-426E-40DD-AFC4-6F175D3DCCD1}">
+              <a14:hiddenFill xmlns:a14="http://schemas.microsoft.com/office/drawing/2010/main">
+                <a:solidFill>
+                  <a:srgbClr val="FFFFFF"/>
+                </a:solidFill>
+              </a14:hiddenFill>
+            </a:ext>
+          </a:extLst>
+        </p:spPr>
+      </p:pic>
+      <p:sp>
+        <p:nvSpPr>
+          <p:cNvPr id="17" name="TextBox 16">
+            <a:extLst>
+              <a:ext uri="{FF2B5EF4-FFF2-40B4-BE49-F238E27FC236}">
+                <a16:creationId xmlns:a16="http://schemas.microsoft.com/office/drawing/2014/main" id="{9EE8E764-A88D-4453-8D15-EA13C6D73212}"/>
+              </a:ext>
+            </a:extLst>
+          </p:cNvPr>
+          <p:cNvSpPr txBox="1"/>
+          <p:nvPr/>
+        </p:nvSpPr>
+        <p:spPr>
+          <a:xfrm>
+            <a:off x="95693" y="4529469"/>
+            <a:ext cx="2999539" cy="1200329"/>
+          </a:xfrm>
+          <a:prstGeom prst="rect">
+            <a:avLst/>
+          </a:prstGeom>
+          <a:noFill/>
+        </p:spPr>
+        <p:txBody>
+          <a:bodyPr wrap="none" rtlCol="0">
+            <a:spAutoFit/>
+          </a:bodyPr>
+          <a:lstStyle/>
+          <a:p>
+            <a:r>
+              <a:rPr lang="en-US" dirty="0">
+                <a:latin typeface="Arial" panose="020B0604020202020204" pitchFamily="34" charset="0"/>
+                <a:cs typeface="Arial" panose="020B0604020202020204" pitchFamily="34" charset="0"/>
+              </a:rPr>
+              <a:t>Single Tree</a:t>
+            </a:r>
+          </a:p>
+          <a:p>
+            <a:pPr marL="285750" indent="-285750">
+              <a:buFont typeface="Arial" panose="020B0604020202020204" pitchFamily="34" charset="0"/>
+              <a:buChar char="•"/>
+            </a:pPr>
+            <a:r>
+              <a:rPr lang="en-US" dirty="0">
+                <a:latin typeface="Arial" panose="020B0604020202020204" pitchFamily="34" charset="0"/>
+                <a:cs typeface="Arial" panose="020B0604020202020204" pitchFamily="34" charset="0"/>
+              </a:rPr>
+              <a:t>Easy to understand</a:t>
+            </a:r>
+          </a:p>
+          <a:p>
+            <a:pPr marL="285750" indent="-285750">
+              <a:buFont typeface="Arial" panose="020B0604020202020204" pitchFamily="34" charset="0"/>
+              <a:buChar char="•"/>
+            </a:pPr>
+            <a:r>
+              <a:rPr lang="en-US" dirty="0">
+                <a:latin typeface="Arial" panose="020B0604020202020204" pitchFamily="34" charset="0"/>
+                <a:cs typeface="Arial" panose="020B0604020202020204" pitchFamily="34" charset="0"/>
+              </a:rPr>
+              <a:t>Handle nonlinearity</a:t>
+            </a:r>
+          </a:p>
+          <a:p>
+            <a:pPr marL="285750" indent="-285750">
+              <a:buFont typeface="Arial" panose="020B0604020202020204" pitchFamily="34" charset="0"/>
+              <a:buChar char="•"/>
+            </a:pPr>
+            <a:r>
+              <a:rPr lang="en-US" dirty="0">
+                <a:latin typeface="Arial" panose="020B0604020202020204" pitchFamily="34" charset="0"/>
+                <a:cs typeface="Arial" panose="020B0604020202020204" pitchFamily="34" charset="0"/>
+              </a:rPr>
+              <a:t>Poor predictive accuracy</a:t>
+            </a:r>
+          </a:p>
+        </p:txBody>
+      </p:sp>
+    </p:spTree>
+    <p:extLst>
+      <p:ext uri="{BB962C8B-B14F-4D97-AF65-F5344CB8AC3E}">
+        <p14:creationId xmlns:p14="http://schemas.microsoft.com/office/powerpoint/2010/main" val="1069806257"/>
+      </p:ext>
+    </p:extLst>
+  </p:cSld>
+  <p:clrMapOvr>
+    <a:masterClrMapping/>
+  </p:clrMapOvr>
+</p:sld>
+</file>
+
+<file path=ppt/slides/slide12.xml><?xml version="1.0" encoding="utf-8"?>
+<p:sld xmlns:a="http://schemas.openxmlformats.org/drawingml/2006/main" xmlns:r="http://schemas.openxmlformats.org/officeDocument/2006/relationships" xmlns:p="http://schemas.openxmlformats.org/presentationml/2006/main">
+  <p:cSld>
+    <p:spTree>
+      <p:nvGrpSpPr>
+        <p:cNvPr id="1" name=""/>
+        <p:cNvGrpSpPr/>
+        <p:nvPr/>
+      </p:nvGrpSpPr>
+      <p:grpSpPr>
+        <a:xfrm>
+          <a:off x="0" y="0"/>
+          <a:ext cx="0" cy="0"/>
+          <a:chOff x="0" y="0"/>
+          <a:chExt cx="0" cy="0"/>
+        </a:xfrm>
+      </p:grpSpPr>
+      <p:sp>
+        <p:nvSpPr>
+          <p:cNvPr id="2" name="Title 1">
+            <a:extLst>
+              <a:ext uri="{FF2B5EF4-FFF2-40B4-BE49-F238E27FC236}">
+                <a16:creationId xmlns:a16="http://schemas.microsoft.com/office/drawing/2014/main" id="{BFADAE04-B5FD-4BAA-BCA0-005FFD8C4C21}"/>
+              </a:ext>
+            </a:extLst>
+          </p:cNvPr>
+          <p:cNvSpPr>
+            <a:spLocks noGrp="1"/>
+          </p:cNvSpPr>
+          <p:nvPr>
+            <p:ph type="title"/>
+          </p:nvPr>
+        </p:nvSpPr>
+        <p:spPr/>
+        <p:txBody>
+          <a:bodyPr/>
+          <a:lstStyle/>
+          <a:p>
+            <a:r>
+              <a:rPr lang="en-US" dirty="0"/>
+              <a:t>Feature importance</a:t>
+            </a:r>
+          </a:p>
+        </p:txBody>
+      </p:sp>
+      <p:pic>
+        <p:nvPicPr>
+          <p:cNvPr id="1026" name="Picture 2">
+            <a:extLst>
+              <a:ext uri="{FF2B5EF4-FFF2-40B4-BE49-F238E27FC236}">
+                <a16:creationId xmlns:a16="http://schemas.microsoft.com/office/drawing/2014/main" id="{83ECC2C0-FFEA-47F6-A2CD-43DA5AFD7E18}"/>
+              </a:ext>
+            </a:extLst>
+          </p:cNvPr>
+          <p:cNvPicPr>
+            <a:picLocks noGrp="1" noChangeAspect="1" noChangeArrowheads="1"/>
+          </p:cNvPicPr>
+          <p:nvPr>
+            <p:ph idx="1"/>
+          </p:nvPr>
+        </p:nvPicPr>
+        <p:blipFill>
+          <a:blip r:embed="rId3">
+            <a:extLst>
+              <a:ext uri="{28A0092B-C50C-407E-A947-70E740481C1C}">
+                <a14:useLocalDpi xmlns:a14="http://schemas.microsoft.com/office/drawing/2010/main" val="0"/>
+              </a:ext>
+            </a:extLst>
+          </a:blip>
+          <a:srcRect/>
+          <a:stretch>
+            <a:fillRect/>
+          </a:stretch>
+        </p:blipFill>
+        <p:spPr bwMode="auto">
+          <a:xfrm>
+            <a:off x="838200" y="4344035"/>
+            <a:ext cx="4432836" cy="2377440"/>
+          </a:xfrm>
+          <a:prstGeom prst="rect">
+            <a:avLst/>
+          </a:prstGeom>
+          <a:noFill/>
+          <a:extLst>
+            <a:ext uri="{909E8E84-426E-40DD-AFC4-6F175D3DCCD1}">
+              <a14:hiddenFill xmlns:a14="http://schemas.microsoft.com/office/drawing/2010/main">
+                <a:solidFill>
+                  <a:srgbClr val="FFFFFF"/>
+                </a:solidFill>
+              </a14:hiddenFill>
+            </a:ext>
+          </a:extLst>
+        </p:spPr>
+      </p:pic>
+      <p:sp>
+        <p:nvSpPr>
+          <p:cNvPr id="4" name="Slide Number Placeholder 3">
+            <a:extLst>
+              <a:ext uri="{FF2B5EF4-FFF2-40B4-BE49-F238E27FC236}">
+                <a16:creationId xmlns:a16="http://schemas.microsoft.com/office/drawing/2014/main" id="{3A6313FB-C7F9-480D-BEFB-1407713D0C5D}"/>
+              </a:ext>
+            </a:extLst>
+          </p:cNvPr>
+          <p:cNvSpPr>
+            <a:spLocks noGrp="1"/>
+          </p:cNvSpPr>
+          <p:nvPr>
+            <p:ph type="sldNum" sz="quarter" idx="12"/>
+          </p:nvPr>
+        </p:nvSpPr>
+        <p:spPr/>
+        <p:txBody>
+          <a:bodyPr/>
+          <a:lstStyle/>
+          <a:p>
+            <a:fld id="{49F5416C-8930-4BBD-885C-EB544461BEF4}" type="slidenum">
+              <a:rPr lang="en-US" smtClean="0"/>
+              <a:pPr/>
+              <a:t>12</a:t>
+            </a:fld>
+            <a:endParaRPr lang="en-US"/>
+          </a:p>
+        </p:txBody>
+      </p:sp>
+      <p:pic>
+        <p:nvPicPr>
+          <p:cNvPr id="4098" name="Picture 2">
+            <a:extLst>
+              <a:ext uri="{FF2B5EF4-FFF2-40B4-BE49-F238E27FC236}">
+                <a16:creationId xmlns:a16="http://schemas.microsoft.com/office/drawing/2014/main" id="{A35D1254-F4CC-466B-93AA-1F90C66DA22A}"/>
+              </a:ext>
+            </a:extLst>
+          </p:cNvPr>
+          <p:cNvPicPr>
+            <a:picLocks noChangeAspect="1" noChangeArrowheads="1"/>
+          </p:cNvPicPr>
+          <p:nvPr/>
+        </p:nvPicPr>
+        <p:blipFill rotWithShape="1">
+          <a:blip r:embed="rId4">
+            <a:extLst>
+              <a:ext uri="{28A0092B-C50C-407E-A947-70E740481C1C}">
+                <a14:useLocalDpi xmlns:a14="http://schemas.microsoft.com/office/drawing/2010/main" val="0"/>
+              </a:ext>
+            </a:extLst>
+          </a:blip>
+          <a:srcRect l="-1411"/>
+          <a:stretch/>
+        </p:blipFill>
+        <p:spPr bwMode="auto">
+          <a:xfrm>
+            <a:off x="707373" y="1688212"/>
+            <a:ext cx="4668272" cy="2468880"/>
+          </a:xfrm>
+          <a:prstGeom prst="rect">
+            <a:avLst/>
+          </a:prstGeom>
+          <a:noFill/>
+          <a:extLst>
+            <a:ext uri="{909E8E84-426E-40DD-AFC4-6F175D3DCCD1}">
+              <a14:hiddenFill xmlns:a14="http://schemas.microsoft.com/office/drawing/2010/main">
+                <a:solidFill>
+                  <a:srgbClr val="FFFFFF"/>
+                </a:solidFill>
+              </a14:hiddenFill>
+            </a:ext>
+          </a:extLst>
+        </p:spPr>
+      </p:pic>
+      <p:pic>
+        <p:nvPicPr>
+          <p:cNvPr id="4100" name="Picture 4">
+            <a:extLst>
+              <a:ext uri="{FF2B5EF4-FFF2-40B4-BE49-F238E27FC236}">
+                <a16:creationId xmlns:a16="http://schemas.microsoft.com/office/drawing/2014/main" id="{6E6ECF65-5E5E-49F4-B658-671869A2E7F5}"/>
+              </a:ext>
+            </a:extLst>
+          </p:cNvPr>
+          <p:cNvPicPr>
+            <a:picLocks noChangeAspect="1" noChangeArrowheads="1"/>
+          </p:cNvPicPr>
+          <p:nvPr/>
+        </p:nvPicPr>
+        <p:blipFill rotWithShape="1">
+          <a:blip r:embed="rId5">
+            <a:extLst>
+              <a:ext uri="{28A0092B-C50C-407E-A947-70E740481C1C}">
+                <a14:useLocalDpi xmlns:a14="http://schemas.microsoft.com/office/drawing/2010/main" val="0"/>
+              </a:ext>
+            </a:extLst>
+          </a:blip>
+          <a:srcRect l="-22"/>
+          <a:stretch/>
+        </p:blipFill>
+        <p:spPr bwMode="auto">
+          <a:xfrm>
+            <a:off x="5943600" y="1690688"/>
+            <a:ext cx="4668272" cy="2468880"/>
+          </a:xfrm>
+          <a:prstGeom prst="rect">
+            <a:avLst/>
+          </a:prstGeom>
+          <a:noFill/>
+          <a:extLst>
+            <a:ext uri="{909E8E84-426E-40DD-AFC4-6F175D3DCCD1}">
+              <a14:hiddenFill xmlns:a14="http://schemas.microsoft.com/office/drawing/2010/main">
+                <a:solidFill>
+                  <a:srgbClr val="FFFFFF"/>
+                </a:solidFill>
+              </a14:hiddenFill>
+            </a:ext>
+          </a:extLst>
+        </p:spPr>
+      </p:pic>
+      <p:sp>
+        <p:nvSpPr>
+          <p:cNvPr id="8" name="TextBox 7">
+            <a:extLst>
+              <a:ext uri="{FF2B5EF4-FFF2-40B4-BE49-F238E27FC236}">
+                <a16:creationId xmlns:a16="http://schemas.microsoft.com/office/drawing/2014/main" id="{9BA5CB4B-AB24-4FC3-8E29-4E7EF29E48EE}"/>
+              </a:ext>
+            </a:extLst>
+          </p:cNvPr>
+          <p:cNvSpPr txBox="1"/>
+          <p:nvPr/>
+        </p:nvSpPr>
+        <p:spPr>
+          <a:xfrm>
+            <a:off x="3054618" y="3304798"/>
+            <a:ext cx="1815509" cy="369332"/>
+          </a:xfrm>
+          <a:prstGeom prst="rect">
+            <a:avLst/>
+          </a:prstGeom>
+          <a:noFill/>
+        </p:spPr>
+        <p:txBody>
+          <a:bodyPr wrap="square">
+            <a:spAutoFit/>
+          </a:bodyPr>
+          <a:lstStyle/>
+          <a:p>
+            <a:r>
+              <a:rPr lang="en-US" dirty="0">
+                <a:latin typeface="Arial" panose="020B0604020202020204" pitchFamily="34" charset="0"/>
+                <a:cs typeface="Arial" panose="020B0604020202020204" pitchFamily="34" charset="0"/>
+              </a:rPr>
+              <a:t>Random Forest</a:t>
+            </a:r>
+          </a:p>
+        </p:txBody>
+      </p:sp>
+      <p:sp>
+        <p:nvSpPr>
+          <p:cNvPr id="9" name="TextBox 8">
+            <a:extLst>
+              <a:ext uri="{FF2B5EF4-FFF2-40B4-BE49-F238E27FC236}">
+                <a16:creationId xmlns:a16="http://schemas.microsoft.com/office/drawing/2014/main" id="{0BC3ECB7-A4CD-4601-AF24-99A8D4688271}"/>
+              </a:ext>
+            </a:extLst>
+          </p:cNvPr>
+          <p:cNvSpPr txBox="1"/>
+          <p:nvPr/>
+        </p:nvSpPr>
+        <p:spPr>
+          <a:xfrm>
+            <a:off x="8442512" y="3244334"/>
+            <a:ext cx="1815509" cy="369332"/>
+          </a:xfrm>
+          <a:prstGeom prst="rect">
+            <a:avLst/>
+          </a:prstGeom>
+          <a:noFill/>
+        </p:spPr>
+        <p:txBody>
+          <a:bodyPr wrap="square">
+            <a:spAutoFit/>
+          </a:bodyPr>
+          <a:lstStyle/>
+          <a:p>
+            <a:r>
+              <a:rPr lang="en-US" dirty="0">
+                <a:latin typeface="Arial" panose="020B0604020202020204" pitchFamily="34" charset="0"/>
+                <a:cs typeface="Arial" panose="020B0604020202020204" pitchFamily="34" charset="0"/>
+              </a:rPr>
+              <a:t>Gradient boost</a:t>
+            </a:r>
+          </a:p>
+        </p:txBody>
+      </p:sp>
+      <p:sp>
+        <p:nvSpPr>
+          <p:cNvPr id="10" name="TextBox 9">
+            <a:extLst>
+              <a:ext uri="{FF2B5EF4-FFF2-40B4-BE49-F238E27FC236}">
+                <a16:creationId xmlns:a16="http://schemas.microsoft.com/office/drawing/2014/main" id="{3EA1F33D-66A7-4246-A468-C00DB41F5B5A}"/>
+              </a:ext>
+            </a:extLst>
+          </p:cNvPr>
+          <p:cNvSpPr txBox="1"/>
+          <p:nvPr/>
+        </p:nvSpPr>
+        <p:spPr>
+          <a:xfrm>
+            <a:off x="4467890" y="5791807"/>
+            <a:ext cx="1815509" cy="369332"/>
+          </a:xfrm>
+          <a:prstGeom prst="rect">
+            <a:avLst/>
+          </a:prstGeom>
+          <a:noFill/>
+        </p:spPr>
+        <p:txBody>
+          <a:bodyPr wrap="square">
+            <a:spAutoFit/>
+          </a:bodyPr>
+          <a:lstStyle/>
+          <a:p>
+            <a:r>
+              <a:rPr lang="en-US" dirty="0">
+                <a:latin typeface="Arial" panose="020B0604020202020204" pitchFamily="34" charset="0"/>
+                <a:cs typeface="Arial" panose="020B0604020202020204" pitchFamily="34" charset="0"/>
+              </a:rPr>
+              <a:t>Light GBM</a:t>
+            </a:r>
+          </a:p>
+        </p:txBody>
+      </p:sp>
+      <p:sp>
+        <p:nvSpPr>
+          <p:cNvPr id="5" name="TextBox 4">
+            <a:extLst>
+              <a:ext uri="{FF2B5EF4-FFF2-40B4-BE49-F238E27FC236}">
+                <a16:creationId xmlns:a16="http://schemas.microsoft.com/office/drawing/2014/main" id="{7D10ABA5-1F06-4BED-920B-7728296EF376}"/>
+              </a:ext>
+            </a:extLst>
+          </p:cNvPr>
+          <p:cNvSpPr txBox="1"/>
+          <p:nvPr/>
+        </p:nvSpPr>
+        <p:spPr>
+          <a:xfrm>
+            <a:off x="5697399" y="4681230"/>
+            <a:ext cx="6320961" cy="646331"/>
+          </a:xfrm>
+          <a:prstGeom prst="rect">
+            <a:avLst/>
+          </a:prstGeom>
+          <a:noFill/>
+        </p:spPr>
+        <p:txBody>
+          <a:bodyPr wrap="none" rtlCol="0">
+            <a:spAutoFit/>
+          </a:bodyPr>
+          <a:lstStyle/>
+          <a:p>
+            <a:pPr marL="285750" indent="-285750">
+              <a:buFont typeface="Arial" panose="020B0604020202020204" pitchFamily="34" charset="0"/>
+              <a:buChar char="•"/>
+            </a:pPr>
+            <a:r>
+              <a:rPr lang="en-US" dirty="0">
+                <a:latin typeface="Arial" panose="020B0604020202020204" pitchFamily="34" charset="0"/>
+                <a:cs typeface="Arial" panose="020B0604020202020204" pitchFamily="34" charset="0"/>
+              </a:rPr>
+              <a:t>RF and GB use similar features: Std after median filtering</a:t>
+            </a:r>
+          </a:p>
+          <a:p>
+            <a:pPr marL="285750" indent="-285750">
+              <a:buFont typeface="Arial" panose="020B0604020202020204" pitchFamily="34" charset="0"/>
+              <a:buChar char="•"/>
+            </a:pPr>
+            <a:r>
+              <a:rPr lang="en-US" dirty="0">
+                <a:latin typeface="Arial" panose="020B0604020202020204" pitchFamily="34" charset="0"/>
+                <a:cs typeface="Arial" panose="020B0604020202020204" pitchFamily="34" charset="0"/>
+              </a:rPr>
+              <a:t>Light GBM adopts a variety of features</a:t>
+            </a:r>
+          </a:p>
+        </p:txBody>
+      </p:sp>
+    </p:spTree>
+    <p:extLst>
+      <p:ext uri="{BB962C8B-B14F-4D97-AF65-F5344CB8AC3E}">
+        <p14:creationId xmlns:p14="http://schemas.microsoft.com/office/powerpoint/2010/main" val="2001358054"/>
+      </p:ext>
+    </p:extLst>
+  </p:cSld>
+  <p:clrMapOvr>
+    <a:masterClrMapping/>
+  </p:clrMapOvr>
+</p:sld>
+</file>
+
+<file path=ppt/slides/slide13.xml><?xml version="1.0" encoding="utf-8"?>
+<p:sld xmlns:a="http://schemas.openxmlformats.org/drawingml/2006/main" xmlns:r="http://schemas.openxmlformats.org/officeDocument/2006/relationships" xmlns:p="http://schemas.openxmlformats.org/presentationml/2006/main">
+  <p:cSld>
+    <p:spTree>
+      <p:nvGrpSpPr>
+        <p:cNvPr id="1" name=""/>
+        <p:cNvGrpSpPr/>
+        <p:nvPr/>
+      </p:nvGrpSpPr>
+      <p:grpSpPr>
+        <a:xfrm>
+          <a:off x="0" y="0"/>
+          <a:ext cx="0" cy="0"/>
+          <a:chOff x="0" y="0"/>
+          <a:chExt cx="0" cy="0"/>
+        </a:xfrm>
+      </p:grpSpPr>
+      <p:sp>
+        <p:nvSpPr>
+          <p:cNvPr id="2" name="Title 1">
+            <a:extLst>
+              <a:ext uri="{FF2B5EF4-FFF2-40B4-BE49-F238E27FC236}">
+                <a16:creationId xmlns:a16="http://schemas.microsoft.com/office/drawing/2014/main" id="{4774FE13-253C-40E5-9FE6-0173A274F42B}"/>
+              </a:ext>
+            </a:extLst>
+          </p:cNvPr>
+          <p:cNvSpPr>
+            <a:spLocks noGrp="1"/>
+          </p:cNvSpPr>
+          <p:nvPr>
+            <p:ph type="title"/>
+          </p:nvPr>
+        </p:nvSpPr>
+        <p:spPr/>
+        <p:txBody>
+          <a:bodyPr/>
+          <a:lstStyle/>
+          <a:p>
+            <a:r>
+              <a:rPr lang="en-US" dirty="0"/>
+              <a:t>Voting regressor </a:t>
+            </a:r>
+          </a:p>
+        </p:txBody>
+      </p:sp>
+      <p:sp>
+        <p:nvSpPr>
+          <p:cNvPr id="3" name="Content Placeholder 2">
+            <a:extLst>
+              <a:ext uri="{FF2B5EF4-FFF2-40B4-BE49-F238E27FC236}">
+                <a16:creationId xmlns:a16="http://schemas.microsoft.com/office/drawing/2014/main" id="{A98E03DB-5C53-4169-9031-E6EF3ED1DFBB}"/>
+              </a:ext>
+            </a:extLst>
+          </p:cNvPr>
+          <p:cNvSpPr>
+            <a:spLocks noGrp="1"/>
+          </p:cNvSpPr>
+          <p:nvPr>
+            <p:ph idx="1"/>
+          </p:nvPr>
+        </p:nvSpPr>
+        <p:spPr/>
+        <p:txBody>
+          <a:bodyPr/>
+          <a:lstStyle/>
+          <a:p>
+            <a:r>
+              <a:rPr lang="en-US" dirty="0"/>
+              <a:t>Further implementing the wisdom of crowds</a:t>
+            </a:r>
+          </a:p>
+        </p:txBody>
+      </p:sp>
+      <p:sp>
+        <p:nvSpPr>
+          <p:cNvPr id="4" name="Slide Number Placeholder 3">
+            <a:extLst>
+              <a:ext uri="{FF2B5EF4-FFF2-40B4-BE49-F238E27FC236}">
+                <a16:creationId xmlns:a16="http://schemas.microsoft.com/office/drawing/2014/main" id="{31B1F78B-31EF-45DE-BB33-5773852CE9C3}"/>
+              </a:ext>
+            </a:extLst>
+          </p:cNvPr>
+          <p:cNvSpPr>
+            <a:spLocks noGrp="1"/>
+          </p:cNvSpPr>
+          <p:nvPr>
+            <p:ph type="sldNum" sz="quarter" idx="12"/>
+          </p:nvPr>
+        </p:nvSpPr>
+        <p:spPr/>
+        <p:txBody>
+          <a:bodyPr/>
+          <a:lstStyle/>
+          <a:p>
+            <a:fld id="{49F5416C-8930-4BBD-885C-EB544461BEF4}" type="slidenum">
+              <a:rPr lang="en-US" smtClean="0"/>
+              <a:pPr/>
+              <a:t>13</a:t>
+            </a:fld>
+            <a:endParaRPr lang="en-US"/>
+          </a:p>
+        </p:txBody>
+      </p:sp>
+      <p:grpSp>
+        <p:nvGrpSpPr>
+          <p:cNvPr id="13" name="Group 12">
+            <a:extLst>
+              <a:ext uri="{FF2B5EF4-FFF2-40B4-BE49-F238E27FC236}">
+                <a16:creationId xmlns:a16="http://schemas.microsoft.com/office/drawing/2014/main" id="{AB8337E1-571E-442F-939F-9898929CFE78}"/>
+              </a:ext>
+            </a:extLst>
+          </p:cNvPr>
+          <p:cNvGrpSpPr/>
+          <p:nvPr/>
+        </p:nvGrpSpPr>
+        <p:grpSpPr>
+          <a:xfrm>
+            <a:off x="655896" y="2839244"/>
+            <a:ext cx="5746676" cy="2324100"/>
+            <a:chOff x="701749" y="3149929"/>
+            <a:chExt cx="5746676" cy="2324100"/>
+          </a:xfrm>
+        </p:grpSpPr>
+        <p:grpSp>
+          <p:nvGrpSpPr>
+            <p:cNvPr id="12" name="Group 11">
+              <a:extLst>
+                <a:ext uri="{FF2B5EF4-FFF2-40B4-BE49-F238E27FC236}">
+                  <a16:creationId xmlns:a16="http://schemas.microsoft.com/office/drawing/2014/main" id="{BD924395-34F6-400A-86DD-4F9D8C6E0DBC}"/>
+                </a:ext>
+              </a:extLst>
+            </p:cNvPr>
+            <p:cNvGrpSpPr/>
+            <p:nvPr/>
+          </p:nvGrpSpPr>
+          <p:grpSpPr>
+            <a:xfrm>
+              <a:off x="838200" y="3149929"/>
+              <a:ext cx="5610225" cy="2324100"/>
+              <a:chOff x="838200" y="3149929"/>
+              <a:chExt cx="5610225" cy="2324100"/>
+            </a:xfrm>
+          </p:grpSpPr>
+          <p:pic>
+            <p:nvPicPr>
+              <p:cNvPr id="8" name="Picture 7">
+                <a:extLst>
+                  <a:ext uri="{FF2B5EF4-FFF2-40B4-BE49-F238E27FC236}">
+                    <a16:creationId xmlns:a16="http://schemas.microsoft.com/office/drawing/2014/main" id="{37EACFE4-4A6A-41EC-B255-0298C094E456}"/>
+                  </a:ext>
+                </a:extLst>
+              </p:cNvPr>
+              <p:cNvPicPr>
+                <a:picLocks noChangeAspect="1"/>
+              </p:cNvPicPr>
+              <p:nvPr/>
+            </p:nvPicPr>
+            <p:blipFill>
+              <a:blip r:embed="rId3"/>
+              <a:stretch>
+                <a:fillRect/>
+              </a:stretch>
+            </p:blipFill>
+            <p:spPr>
+              <a:xfrm>
+                <a:off x="838200" y="3149929"/>
+                <a:ext cx="5610225" cy="1533525"/>
+              </a:xfrm>
+              <a:prstGeom prst="rect">
+                <a:avLst/>
+              </a:prstGeom>
+            </p:spPr>
+          </p:pic>
+          <p:pic>
+            <p:nvPicPr>
+              <p:cNvPr id="10" name="Picture 9">
+                <a:extLst>
+                  <a:ext uri="{FF2B5EF4-FFF2-40B4-BE49-F238E27FC236}">
+                    <a16:creationId xmlns:a16="http://schemas.microsoft.com/office/drawing/2014/main" id="{D08AA16E-CCF3-421F-B6A9-5010BC5CA998}"/>
+                  </a:ext>
+                </a:extLst>
+              </p:cNvPr>
+              <p:cNvPicPr>
+                <a:picLocks noChangeAspect="1"/>
+              </p:cNvPicPr>
+              <p:nvPr/>
+            </p:nvPicPr>
+            <p:blipFill>
+              <a:blip r:embed="rId4"/>
+              <a:stretch>
+                <a:fillRect/>
+              </a:stretch>
+            </p:blipFill>
+            <p:spPr>
+              <a:xfrm>
+                <a:off x="3105150" y="4683454"/>
+                <a:ext cx="3343275" cy="790575"/>
+              </a:xfrm>
+              <a:prstGeom prst="rect">
+                <a:avLst/>
+              </a:prstGeom>
+            </p:spPr>
+          </p:pic>
+        </p:grpSp>
+        <p:sp>
+          <p:nvSpPr>
+            <p:cNvPr id="11" name="TextBox 10">
+              <a:extLst>
+                <a:ext uri="{FF2B5EF4-FFF2-40B4-BE49-F238E27FC236}">
+                  <a16:creationId xmlns:a16="http://schemas.microsoft.com/office/drawing/2014/main" id="{D2DFB3F2-8426-41F2-A6FE-3E7F2B8289AD}"/>
+                </a:ext>
+              </a:extLst>
+            </p:cNvPr>
+            <p:cNvSpPr txBox="1"/>
+            <p:nvPr/>
+          </p:nvSpPr>
+          <p:spPr>
+            <a:xfrm>
+              <a:off x="701749" y="4783877"/>
+              <a:ext cx="2743200" cy="646331"/>
+            </a:xfrm>
+            <a:prstGeom prst="rect">
+              <a:avLst/>
+            </a:prstGeom>
+            <a:noFill/>
+          </p:spPr>
+          <p:txBody>
+            <a:bodyPr wrap="square" rtlCol="0">
+              <a:spAutoFit/>
+            </a:bodyPr>
+            <a:lstStyle/>
+            <a:p>
+              <a:r>
+                <a:rPr lang="en-US" dirty="0">
+                  <a:latin typeface="Arial" panose="020B0604020202020204" pitchFamily="34" charset="0"/>
+                  <a:cs typeface="Arial" panose="020B0604020202020204" pitchFamily="34" charset="0"/>
+                </a:rPr>
+                <a:t>Voting regressor cross validation score</a:t>
+              </a:r>
+            </a:p>
+          </p:txBody>
+        </p:sp>
+      </p:grpSp>
+      <p:pic>
+        <p:nvPicPr>
+          <p:cNvPr id="15" name="Picture 14">
+            <a:extLst>
+              <a:ext uri="{FF2B5EF4-FFF2-40B4-BE49-F238E27FC236}">
+                <a16:creationId xmlns:a16="http://schemas.microsoft.com/office/drawing/2014/main" id="{0770CC47-7566-4361-BEDA-954A193F7DAD}"/>
+              </a:ext>
+            </a:extLst>
+          </p:cNvPr>
+          <p:cNvPicPr>
+            <a:picLocks noChangeAspect="1"/>
+          </p:cNvPicPr>
+          <p:nvPr/>
+        </p:nvPicPr>
+        <p:blipFill>
+          <a:blip r:embed="rId5"/>
+          <a:stretch>
+            <a:fillRect/>
+          </a:stretch>
+        </p:blipFill>
+        <p:spPr>
+          <a:xfrm>
+            <a:off x="6624414" y="2839243"/>
+            <a:ext cx="5493442" cy="2200589"/>
+          </a:xfrm>
+          <a:prstGeom prst="rect">
+            <a:avLst/>
+          </a:prstGeom>
+        </p:spPr>
+      </p:pic>
+    </p:spTree>
+    <p:extLst>
+      <p:ext uri="{BB962C8B-B14F-4D97-AF65-F5344CB8AC3E}">
+        <p14:creationId xmlns:p14="http://schemas.microsoft.com/office/powerpoint/2010/main" val="567991520"/>
+      </p:ext>
+    </p:extLst>
+  </p:cSld>
+  <p:clrMapOvr>
+    <a:masterClrMapping/>
+  </p:clrMapOvr>
+</p:sld>
+</file>
+
+<file path=ppt/slides/slide14.xml><?xml version="1.0" encoding="utf-8"?>
+<p:sld xmlns:a="http://schemas.openxmlformats.org/drawingml/2006/main" xmlns:r="http://schemas.openxmlformats.org/officeDocument/2006/relationships" xmlns:p="http://schemas.openxmlformats.org/presentationml/2006/main">
+  <p:cSld>
+    <p:spTree>
+      <p:nvGrpSpPr>
+        <p:cNvPr id="1" name=""/>
+        <p:cNvGrpSpPr/>
+        <p:nvPr/>
+      </p:nvGrpSpPr>
+      <p:grpSpPr>
+        <a:xfrm>
+          <a:off x="0" y="0"/>
+          <a:ext cx="0" cy="0"/>
+          <a:chOff x="0" y="0"/>
+          <a:chExt cx="0" cy="0"/>
+        </a:xfrm>
+      </p:grpSpPr>
+      <p:sp>
+        <p:nvSpPr>
+          <p:cNvPr id="2" name="Title 1">
+            <a:extLst>
+              <a:ext uri="{FF2B5EF4-FFF2-40B4-BE49-F238E27FC236}">
+                <a16:creationId xmlns:a16="http://schemas.microsoft.com/office/drawing/2014/main" id="{67A22EBA-C175-4CF7-B6BC-4EED4F60D8C4}"/>
+              </a:ext>
+            </a:extLst>
+          </p:cNvPr>
+          <p:cNvSpPr>
+            <a:spLocks noGrp="1"/>
+          </p:cNvSpPr>
+          <p:nvPr>
+            <p:ph type="title"/>
+          </p:nvPr>
+        </p:nvSpPr>
+        <p:spPr/>
+        <p:txBody>
+          <a:bodyPr/>
+          <a:lstStyle/>
+          <a:p>
+            <a:r>
+              <a:rPr lang="en-US" dirty="0"/>
+              <a:t>Predicted training</a:t>
+            </a:r>
+          </a:p>
+        </p:txBody>
+      </p:sp>
+      <p:sp>
+        <p:nvSpPr>
+          <p:cNvPr id="3" name="Content Placeholder 2">
+            <a:extLst>
+              <a:ext uri="{FF2B5EF4-FFF2-40B4-BE49-F238E27FC236}">
+                <a16:creationId xmlns:a16="http://schemas.microsoft.com/office/drawing/2014/main" id="{576F5313-1AC3-4440-89EB-399AB5143A79}"/>
+              </a:ext>
+            </a:extLst>
+          </p:cNvPr>
+          <p:cNvSpPr>
+            <a:spLocks noGrp="1"/>
+          </p:cNvSpPr>
+          <p:nvPr>
+            <p:ph idx="1"/>
+          </p:nvPr>
+        </p:nvSpPr>
+        <p:spPr/>
+        <p:txBody>
+          <a:bodyPr/>
+          <a:lstStyle/>
+          <a:p>
+            <a:endParaRPr lang="en-US"/>
+          </a:p>
+        </p:txBody>
+      </p:sp>
+      <p:sp>
+        <p:nvSpPr>
+          <p:cNvPr id="4" name="Slide Number Placeholder 3">
+            <a:extLst>
+              <a:ext uri="{FF2B5EF4-FFF2-40B4-BE49-F238E27FC236}">
+                <a16:creationId xmlns:a16="http://schemas.microsoft.com/office/drawing/2014/main" id="{B15C6CE0-A70E-4886-A4AA-6FB0ECAB7BFE}"/>
+              </a:ext>
+            </a:extLst>
+          </p:cNvPr>
+          <p:cNvSpPr>
+            <a:spLocks noGrp="1"/>
+          </p:cNvSpPr>
+          <p:nvPr>
+            <p:ph type="sldNum" sz="quarter" idx="12"/>
+          </p:nvPr>
+        </p:nvSpPr>
+        <p:spPr/>
+        <p:txBody>
+          <a:bodyPr/>
+          <a:lstStyle/>
+          <a:p>
+            <a:fld id="{49F5416C-8930-4BBD-885C-EB544461BEF4}" type="slidenum">
+              <a:rPr lang="en-US" smtClean="0"/>
+              <a:pPr/>
+              <a:t>14</a:t>
+            </a:fld>
+            <a:endParaRPr lang="en-US"/>
+          </a:p>
+        </p:txBody>
+      </p:sp>
+      <p:pic>
+        <p:nvPicPr>
+          <p:cNvPr id="5" name="Picture 4">
+            <a:extLst>
+              <a:ext uri="{FF2B5EF4-FFF2-40B4-BE49-F238E27FC236}">
+                <a16:creationId xmlns:a16="http://schemas.microsoft.com/office/drawing/2014/main" id="{23C018C4-86D2-4CC5-999D-199420F5973A}"/>
+              </a:ext>
+            </a:extLst>
+          </p:cNvPr>
+          <p:cNvPicPr>
+            <a:picLocks noChangeAspect="1"/>
+          </p:cNvPicPr>
+          <p:nvPr/>
+        </p:nvPicPr>
+        <p:blipFill>
+          <a:blip r:embed="rId2"/>
+          <a:stretch>
+            <a:fillRect/>
+          </a:stretch>
+        </p:blipFill>
+        <p:spPr>
+          <a:xfrm>
+            <a:off x="838200" y="1825625"/>
+            <a:ext cx="7055004" cy="4277360"/>
+          </a:xfrm>
+          <a:prstGeom prst="rect">
+            <a:avLst/>
+          </a:prstGeom>
+        </p:spPr>
+      </p:pic>
+      <p:sp>
+        <p:nvSpPr>
+          <p:cNvPr id="6" name="TextBox 5">
+            <a:extLst>
+              <a:ext uri="{FF2B5EF4-FFF2-40B4-BE49-F238E27FC236}">
+                <a16:creationId xmlns:a16="http://schemas.microsoft.com/office/drawing/2014/main" id="{2E3001D5-F7F2-4CAB-ADFF-1DF573AE06DF}"/>
+              </a:ext>
+            </a:extLst>
+          </p:cNvPr>
+          <p:cNvSpPr txBox="1"/>
+          <p:nvPr/>
+        </p:nvSpPr>
+        <p:spPr>
+          <a:xfrm>
+            <a:off x="7848119" y="3059668"/>
+            <a:ext cx="4343881" cy="1200329"/>
+          </a:xfrm>
+          <a:prstGeom prst="rect">
+            <a:avLst/>
+          </a:prstGeom>
+          <a:noFill/>
+        </p:spPr>
+        <p:txBody>
+          <a:bodyPr wrap="square" rtlCol="0">
+            <a:spAutoFit/>
+          </a:bodyPr>
+          <a:lstStyle/>
+          <a:p>
+            <a:r>
+              <a:rPr lang="en-US" dirty="0">
+                <a:latin typeface="Arial" panose="020B0604020202020204" pitchFamily="34" charset="0"/>
+                <a:cs typeface="Arial" panose="020B0604020202020204" pitchFamily="34" charset="0"/>
+              </a:rPr>
+              <a:t>Training performance for 8400 segments</a:t>
+            </a:r>
+          </a:p>
+          <a:p>
+            <a:pPr marL="285750" indent="-285750">
+              <a:buFont typeface="Arial" panose="020B0604020202020204" pitchFamily="34" charset="0"/>
+              <a:buChar char="•"/>
+            </a:pPr>
+            <a:r>
+              <a:rPr lang="en-US" dirty="0">
+                <a:latin typeface="Arial" panose="020B0604020202020204" pitchFamily="34" charset="0"/>
+                <a:cs typeface="Arial" panose="020B0604020202020204" pitchFamily="34" charset="0"/>
+              </a:rPr>
+              <a:t>Overall trend captured</a:t>
+            </a:r>
+          </a:p>
+          <a:p>
+            <a:pPr marL="285750" indent="-285750">
+              <a:buFont typeface="Arial" panose="020B0604020202020204" pitchFamily="34" charset="0"/>
+              <a:buChar char="•"/>
+            </a:pPr>
+            <a:r>
+              <a:rPr lang="en-US" dirty="0">
+                <a:latin typeface="Arial" panose="020B0604020202020204" pitchFamily="34" charset="0"/>
+                <a:cs typeface="Arial" panose="020B0604020202020204" pitchFamily="34" charset="0"/>
+              </a:rPr>
+              <a:t>Deterministic values are challenging to capture</a:t>
+            </a:r>
+          </a:p>
+        </p:txBody>
+      </p:sp>
+    </p:spTree>
+    <p:extLst>
+      <p:ext uri="{BB962C8B-B14F-4D97-AF65-F5344CB8AC3E}">
+        <p14:creationId xmlns:p14="http://schemas.microsoft.com/office/powerpoint/2010/main" val="3906479641"/>
+      </p:ext>
+    </p:extLst>
+  </p:cSld>
+  <p:clrMapOvr>
+    <a:masterClrMapping/>
+  </p:clrMapOvr>
+</p:sld>
+</file>
+
+<file path=ppt/slides/slide15.xml><?xml version="1.0" encoding="utf-8"?>
+<p:sld xmlns:a="http://schemas.openxmlformats.org/drawingml/2006/main" xmlns:r="http://schemas.openxmlformats.org/officeDocument/2006/relationships" xmlns:p="http://schemas.openxmlformats.org/presentationml/2006/main">
+  <p:cSld>
+    <p:spTree>
+      <p:nvGrpSpPr>
+        <p:cNvPr id="1" name=""/>
+        <p:cNvGrpSpPr/>
+        <p:nvPr/>
+      </p:nvGrpSpPr>
+      <p:grpSpPr>
+        <a:xfrm>
+          <a:off x="0" y="0"/>
+          <a:ext cx="0" cy="0"/>
+          <a:chOff x="0" y="0"/>
+          <a:chExt cx="0" cy="0"/>
+        </a:xfrm>
+      </p:grpSpPr>
+      <p:sp>
+        <p:nvSpPr>
+          <p:cNvPr id="2" name="Title 1">
+            <a:extLst>
+              <a:ext uri="{FF2B5EF4-FFF2-40B4-BE49-F238E27FC236}">
+                <a16:creationId xmlns:a16="http://schemas.microsoft.com/office/drawing/2014/main" id="{5BCA16E6-84DA-40BC-BC39-ACEA7DFDB431}"/>
+              </a:ext>
+            </a:extLst>
+          </p:cNvPr>
+          <p:cNvSpPr>
+            <a:spLocks noGrp="1"/>
+          </p:cNvSpPr>
+          <p:nvPr>
+            <p:ph type="title"/>
+          </p:nvPr>
+        </p:nvSpPr>
+        <p:spPr/>
+        <p:txBody>
+          <a:bodyPr/>
+          <a:lstStyle/>
+          <a:p>
+            <a:r>
+              <a:rPr lang="en-US" dirty="0"/>
+              <a:t>Errors</a:t>
+            </a:r>
+          </a:p>
+        </p:txBody>
+      </p:sp>
+      <p:pic>
+        <p:nvPicPr>
+          <p:cNvPr id="2050" name="Picture 2">
+            <a:extLst>
+              <a:ext uri="{FF2B5EF4-FFF2-40B4-BE49-F238E27FC236}">
+                <a16:creationId xmlns:a16="http://schemas.microsoft.com/office/drawing/2014/main" id="{D526E4F8-D011-43F4-AC1B-07DB3525717C}"/>
+              </a:ext>
+            </a:extLst>
+          </p:cNvPr>
+          <p:cNvPicPr>
+            <a:picLocks noGrp="1" noChangeAspect="1" noChangeArrowheads="1"/>
+          </p:cNvPicPr>
+          <p:nvPr>
+            <p:ph idx="1"/>
+          </p:nvPr>
+        </p:nvPicPr>
+        <p:blipFill>
+          <a:blip r:embed="rId3">
+            <a:extLst>
+              <a:ext uri="{28A0092B-C50C-407E-A947-70E740481C1C}">
+                <a14:useLocalDpi xmlns:a14="http://schemas.microsoft.com/office/drawing/2010/main" val="0"/>
+              </a:ext>
+            </a:extLst>
+          </a:blip>
+          <a:srcRect/>
+          <a:stretch>
+            <a:fillRect/>
+          </a:stretch>
+        </p:blipFill>
+        <p:spPr bwMode="auto">
+          <a:xfrm>
+            <a:off x="5355266" y="1556494"/>
+            <a:ext cx="6470600" cy="4351338"/>
+          </a:xfrm>
+          <a:prstGeom prst="rect">
+            <a:avLst/>
+          </a:prstGeom>
+          <a:noFill/>
+          <a:extLst>
+            <a:ext uri="{909E8E84-426E-40DD-AFC4-6F175D3DCCD1}">
+              <a14:hiddenFill xmlns:a14="http://schemas.microsoft.com/office/drawing/2010/main">
+                <a:solidFill>
+                  <a:srgbClr val="FFFFFF"/>
+                </a:solidFill>
+              </a14:hiddenFill>
+            </a:ext>
+          </a:extLst>
+        </p:spPr>
+      </p:pic>
+      <p:sp>
+        <p:nvSpPr>
+          <p:cNvPr id="4" name="Slide Number Placeholder 3">
+            <a:extLst>
+              <a:ext uri="{FF2B5EF4-FFF2-40B4-BE49-F238E27FC236}">
+                <a16:creationId xmlns:a16="http://schemas.microsoft.com/office/drawing/2014/main" id="{8375E0D8-0018-4FC5-AEE6-BAF8B976EAF9}"/>
+              </a:ext>
+            </a:extLst>
+          </p:cNvPr>
+          <p:cNvSpPr>
+            <a:spLocks noGrp="1"/>
+          </p:cNvSpPr>
+          <p:nvPr>
+            <p:ph type="sldNum" sz="quarter" idx="12"/>
+          </p:nvPr>
+        </p:nvSpPr>
+        <p:spPr/>
+        <p:txBody>
+          <a:bodyPr/>
+          <a:lstStyle/>
+          <a:p>
+            <a:fld id="{49F5416C-8930-4BBD-885C-EB544461BEF4}" type="slidenum">
+              <a:rPr lang="en-US" smtClean="0"/>
+              <a:pPr/>
+              <a:t>15</a:t>
+            </a:fld>
+            <a:endParaRPr lang="en-US"/>
+          </a:p>
+        </p:txBody>
+      </p:sp>
+      <p:pic>
+        <p:nvPicPr>
+          <p:cNvPr id="5" name="Picture 4">
+            <a:extLst>
+              <a:ext uri="{FF2B5EF4-FFF2-40B4-BE49-F238E27FC236}">
+                <a16:creationId xmlns:a16="http://schemas.microsoft.com/office/drawing/2014/main" id="{0978CE08-D780-4EC5-8B83-41D15C1A3634}"/>
+              </a:ext>
+            </a:extLst>
+          </p:cNvPr>
+          <p:cNvPicPr>
+            <a:picLocks noChangeAspect="1"/>
+          </p:cNvPicPr>
+          <p:nvPr/>
+        </p:nvPicPr>
+        <p:blipFill>
+          <a:blip r:embed="rId4"/>
+          <a:stretch>
+            <a:fillRect/>
+          </a:stretch>
+        </p:blipFill>
+        <p:spPr>
+          <a:xfrm>
+            <a:off x="457200" y="1556494"/>
+            <a:ext cx="4517066" cy="4619727"/>
+          </a:xfrm>
+          <a:prstGeom prst="rect">
+            <a:avLst/>
+          </a:prstGeom>
+        </p:spPr>
+      </p:pic>
+      <p:sp>
+        <p:nvSpPr>
+          <p:cNvPr id="6" name="TextBox 5">
+            <a:extLst>
+              <a:ext uri="{FF2B5EF4-FFF2-40B4-BE49-F238E27FC236}">
+                <a16:creationId xmlns:a16="http://schemas.microsoft.com/office/drawing/2014/main" id="{CD301EA1-DA91-47F2-93E2-A3C535AC5DD9}"/>
+              </a:ext>
+            </a:extLst>
+          </p:cNvPr>
+          <p:cNvSpPr txBox="1"/>
+          <p:nvPr/>
+        </p:nvSpPr>
+        <p:spPr>
+          <a:xfrm rot="16200000">
+            <a:off x="48241" y="4252616"/>
+            <a:ext cx="1210588" cy="369332"/>
+          </a:xfrm>
+          <a:prstGeom prst="rect">
+            <a:avLst/>
+          </a:prstGeom>
+          <a:noFill/>
+        </p:spPr>
+        <p:txBody>
+          <a:bodyPr wrap="none" rtlCol="0">
+            <a:spAutoFit/>
+          </a:bodyPr>
+          <a:lstStyle/>
+          <a:p>
+            <a:r>
+              <a:rPr lang="en-US" dirty="0">
+                <a:latin typeface="Arial" panose="020B0604020202020204" pitchFamily="34" charset="0"/>
+                <a:cs typeface="Arial" panose="020B0604020202020204" pitchFamily="34" charset="0"/>
+              </a:rPr>
+              <a:t>Prediction</a:t>
+            </a:r>
+          </a:p>
+        </p:txBody>
+      </p:sp>
+      <p:sp>
+        <p:nvSpPr>
+          <p:cNvPr id="8" name="TextBox 7">
+            <a:extLst>
+              <a:ext uri="{FF2B5EF4-FFF2-40B4-BE49-F238E27FC236}">
+                <a16:creationId xmlns:a16="http://schemas.microsoft.com/office/drawing/2014/main" id="{4EB2535F-D3D9-47D9-B94A-131DE2F6D6D0}"/>
+              </a:ext>
+            </a:extLst>
+          </p:cNvPr>
+          <p:cNvSpPr txBox="1"/>
+          <p:nvPr/>
+        </p:nvSpPr>
+        <p:spPr>
+          <a:xfrm>
+            <a:off x="1937956" y="5806889"/>
+            <a:ext cx="825867" cy="369332"/>
+          </a:xfrm>
+          <a:prstGeom prst="rect">
+            <a:avLst/>
+          </a:prstGeom>
+          <a:noFill/>
+        </p:spPr>
+        <p:txBody>
+          <a:bodyPr wrap="none" rtlCol="0">
+            <a:spAutoFit/>
+          </a:bodyPr>
+          <a:lstStyle/>
+          <a:p>
+            <a:r>
+              <a:rPr lang="en-US" dirty="0">
+                <a:latin typeface="Arial" panose="020B0604020202020204" pitchFamily="34" charset="0"/>
+                <a:cs typeface="Arial" panose="020B0604020202020204" pitchFamily="34" charset="0"/>
+              </a:rPr>
+              <a:t>Actual</a:t>
+            </a:r>
+          </a:p>
+        </p:txBody>
+      </p:sp>
+    </p:spTree>
+    <p:extLst>
+      <p:ext uri="{BB962C8B-B14F-4D97-AF65-F5344CB8AC3E}">
+        <p14:creationId xmlns:p14="http://schemas.microsoft.com/office/powerpoint/2010/main" val="2541837118"/>
+      </p:ext>
+    </p:extLst>
+  </p:cSld>
+  <p:clrMapOvr>
+    <a:masterClrMapping/>
+  </p:clrMapOvr>
+</p:sld>
+</file>
+
+<file path=ppt/slides/slide16.xml><?xml version="1.0" encoding="utf-8"?>
+<p:sld xmlns:a="http://schemas.openxmlformats.org/drawingml/2006/main" xmlns:r="http://schemas.openxmlformats.org/officeDocument/2006/relationships" xmlns:p="http://schemas.openxmlformats.org/presentationml/2006/main">
+  <p:cSld>
+    <p:spTree>
+      <p:nvGrpSpPr>
+        <p:cNvPr id="1" name=""/>
+        <p:cNvGrpSpPr/>
+        <p:nvPr/>
+      </p:nvGrpSpPr>
+      <p:grpSpPr>
+        <a:xfrm>
+          <a:off x="0" y="0"/>
+          <a:ext cx="0" cy="0"/>
+          <a:chOff x="0" y="0"/>
+          <a:chExt cx="0" cy="0"/>
+        </a:xfrm>
+      </p:grpSpPr>
+      <p:sp>
+        <p:nvSpPr>
+          <p:cNvPr id="2" name="Title 1">
+            <a:extLst>
+              <a:ext uri="{FF2B5EF4-FFF2-40B4-BE49-F238E27FC236}">
+                <a16:creationId xmlns:a16="http://schemas.microsoft.com/office/drawing/2014/main" id="{FEECFF2B-5B29-48D9-B2ED-38C67F117607}"/>
+              </a:ext>
+            </a:extLst>
+          </p:cNvPr>
+          <p:cNvSpPr>
+            <a:spLocks noGrp="1"/>
+          </p:cNvSpPr>
+          <p:nvPr>
+            <p:ph type="title"/>
+          </p:nvPr>
+        </p:nvSpPr>
+        <p:spPr/>
+        <p:txBody>
+          <a:bodyPr/>
+          <a:lstStyle/>
+          <a:p>
+            <a:r>
+              <a:rPr lang="en-US" dirty="0"/>
+              <a:t>Future work</a:t>
+            </a:r>
+          </a:p>
+        </p:txBody>
+      </p:sp>
+      <p:sp>
+        <p:nvSpPr>
+          <p:cNvPr id="3" name="Content Placeholder 2">
+            <a:extLst>
+              <a:ext uri="{FF2B5EF4-FFF2-40B4-BE49-F238E27FC236}">
+                <a16:creationId xmlns:a16="http://schemas.microsoft.com/office/drawing/2014/main" id="{895CFE86-4CE3-4459-B124-316B013C995C}"/>
+              </a:ext>
+            </a:extLst>
+          </p:cNvPr>
+          <p:cNvSpPr>
+            <a:spLocks noGrp="1"/>
+          </p:cNvSpPr>
+          <p:nvPr>
+            <p:ph idx="1"/>
+          </p:nvPr>
+        </p:nvSpPr>
+        <p:spPr/>
+        <p:txBody>
+          <a:bodyPr/>
+          <a:lstStyle/>
+          <a:p>
+            <a:r>
+              <a:rPr lang="en-US" dirty="0"/>
+              <a:t>Improve feature engineering</a:t>
+            </a:r>
+          </a:p>
+          <a:p>
+            <a:r>
+              <a:rPr lang="en-US" dirty="0"/>
+              <a:t>Deep/Recurrent neural network</a:t>
+            </a:r>
+          </a:p>
+          <a:p>
+            <a:r>
+              <a:rPr lang="en-US" dirty="0"/>
+              <a:t>Potential application</a:t>
+            </a:r>
+          </a:p>
+          <a:p>
+            <a:pPr lvl="1"/>
+            <a:r>
+              <a:rPr lang="en-US" dirty="0"/>
+              <a:t>Cell phone app for the science lovers</a:t>
+            </a:r>
+          </a:p>
+          <a:p>
+            <a:pPr lvl="1"/>
+            <a:r>
+              <a:rPr lang="en-US" dirty="0"/>
+              <a:t>Monitor storage site safety: nuclear waste, CO</a:t>
+            </a:r>
+            <a:r>
+              <a:rPr lang="en-US" baseline="-25000" dirty="0"/>
+              <a:t>2</a:t>
+            </a:r>
+            <a:r>
+              <a:rPr lang="en-US" dirty="0"/>
+              <a:t> reservoir</a:t>
+            </a:r>
+          </a:p>
+          <a:p>
+            <a:pPr lvl="1"/>
+            <a:endParaRPr lang="en-US" dirty="0"/>
+          </a:p>
+        </p:txBody>
+      </p:sp>
+      <p:sp>
+        <p:nvSpPr>
+          <p:cNvPr id="4" name="Slide Number Placeholder 3">
+            <a:extLst>
+              <a:ext uri="{FF2B5EF4-FFF2-40B4-BE49-F238E27FC236}">
+                <a16:creationId xmlns:a16="http://schemas.microsoft.com/office/drawing/2014/main" id="{5440C170-1DE6-4C05-8881-B8C7D45DCF2C}"/>
+              </a:ext>
+            </a:extLst>
+          </p:cNvPr>
+          <p:cNvSpPr>
+            <a:spLocks noGrp="1"/>
+          </p:cNvSpPr>
+          <p:nvPr>
+            <p:ph type="sldNum" sz="quarter" idx="12"/>
+          </p:nvPr>
+        </p:nvSpPr>
+        <p:spPr/>
+        <p:txBody>
+          <a:bodyPr/>
+          <a:lstStyle/>
+          <a:p>
+            <a:fld id="{49F5416C-8930-4BBD-885C-EB544461BEF4}" type="slidenum">
+              <a:rPr lang="en-US" smtClean="0"/>
+              <a:pPr/>
+              <a:t>16</a:t>
+            </a:fld>
+            <a:endParaRPr lang="en-US"/>
+          </a:p>
+        </p:txBody>
+      </p:sp>
+    </p:spTree>
+    <p:extLst>
+      <p:ext uri="{BB962C8B-B14F-4D97-AF65-F5344CB8AC3E}">
+        <p14:creationId xmlns:p14="http://schemas.microsoft.com/office/powerpoint/2010/main" val="3494109170"/>
+      </p:ext>
+    </p:extLst>
+  </p:cSld>
+  <p:clrMapOvr>
+    <a:masterClrMapping/>
+  </p:clrMapOvr>
+</p:sld>
+</file>
+
+<file path=ppt/slides/slide17.xml><?xml version="1.0" encoding="utf-8"?>
+<p:sld xmlns:a="http://schemas.openxmlformats.org/drawingml/2006/main" xmlns:r="http://schemas.openxmlformats.org/officeDocument/2006/relationships" xmlns:p="http://schemas.openxmlformats.org/presentationml/2006/main">
+  <p:cSld>
+    <p:spTree>
+      <p:nvGrpSpPr>
+        <p:cNvPr id="1" name=""/>
+        <p:cNvGrpSpPr/>
+        <p:nvPr/>
+      </p:nvGrpSpPr>
+      <p:grpSpPr>
+        <a:xfrm>
+          <a:off x="0" y="0"/>
+          <a:ext cx="0" cy="0"/>
+          <a:chOff x="0" y="0"/>
+          <a:chExt cx="0" cy="0"/>
+        </a:xfrm>
+      </p:grpSpPr>
+      <p:sp>
+        <p:nvSpPr>
+          <p:cNvPr id="2" name="Title 1">
+            <a:extLst>
+              <a:ext uri="{FF2B5EF4-FFF2-40B4-BE49-F238E27FC236}">
+                <a16:creationId xmlns:a16="http://schemas.microsoft.com/office/drawing/2014/main" id="{0BC0547C-B14A-408C-8CF2-4607049B1F24}"/>
+              </a:ext>
+            </a:extLst>
+          </p:cNvPr>
+          <p:cNvSpPr>
+            <a:spLocks noGrp="1"/>
+          </p:cNvSpPr>
+          <p:nvPr>
+            <p:ph type="title"/>
+          </p:nvPr>
+        </p:nvSpPr>
+        <p:spPr/>
+        <p:txBody>
+          <a:bodyPr/>
+          <a:lstStyle/>
+          <a:p>
+            <a:r>
+              <a:rPr lang="en-US" dirty="0"/>
+              <a:t>Conclusions</a:t>
+            </a:r>
+          </a:p>
+        </p:txBody>
+      </p:sp>
+      <p:sp>
+        <p:nvSpPr>
+          <p:cNvPr id="3" name="Content Placeholder 2">
+            <a:extLst>
+              <a:ext uri="{FF2B5EF4-FFF2-40B4-BE49-F238E27FC236}">
+                <a16:creationId xmlns:a16="http://schemas.microsoft.com/office/drawing/2014/main" id="{FF574E90-8DA5-4829-A940-8986E3C44CDD}"/>
+              </a:ext>
+            </a:extLst>
+          </p:cNvPr>
+          <p:cNvSpPr>
+            <a:spLocks noGrp="1"/>
+          </p:cNvSpPr>
+          <p:nvPr>
+            <p:ph idx="1"/>
+          </p:nvPr>
+        </p:nvSpPr>
+        <p:spPr/>
+        <p:txBody>
+          <a:bodyPr/>
+          <a:lstStyle/>
+          <a:p>
+            <a:r>
+              <a:rPr lang="en-US" dirty="0"/>
+              <a:t>Engineered data from the acoustic data assist the prediction of the upcoming laboratory earthquake</a:t>
+            </a:r>
+          </a:p>
+          <a:p>
+            <a:r>
+              <a:rPr lang="en-US" dirty="0"/>
+              <a:t>Tree-based model and ensemble methods predict the trend of time-to-failure with a mean </a:t>
+            </a:r>
+            <a:r>
+              <a:rPr lang="en-US" i="1" dirty="0"/>
+              <a:t>MAE</a:t>
+            </a:r>
+            <a:r>
+              <a:rPr lang="en-US" dirty="0"/>
+              <a:t> of 1.970 s through learning the nonlinear relationship between the features and targets</a:t>
+            </a:r>
+          </a:p>
+          <a:p>
+            <a:r>
+              <a:rPr lang="en-US" dirty="0"/>
+              <a:t>Blending regressor further improve the tested </a:t>
+            </a:r>
+            <a:r>
+              <a:rPr lang="en-US" i="1" dirty="0"/>
+              <a:t>MAE</a:t>
+            </a:r>
+            <a:r>
+              <a:rPr lang="en-US" dirty="0"/>
+              <a:t> and </a:t>
+            </a:r>
+            <a:r>
+              <a:rPr lang="en-US" i="1" dirty="0"/>
+              <a:t>R</a:t>
+            </a:r>
+            <a:r>
+              <a:rPr lang="en-US" i="1" baseline="30000" dirty="0"/>
+              <a:t>2</a:t>
+            </a:r>
+          </a:p>
+        </p:txBody>
+      </p:sp>
+      <p:sp>
+        <p:nvSpPr>
+          <p:cNvPr id="4" name="Slide Number Placeholder 3">
+            <a:extLst>
+              <a:ext uri="{FF2B5EF4-FFF2-40B4-BE49-F238E27FC236}">
+                <a16:creationId xmlns:a16="http://schemas.microsoft.com/office/drawing/2014/main" id="{DEE97015-DDF5-4971-8F67-A2ED252915E2}"/>
+              </a:ext>
+            </a:extLst>
+          </p:cNvPr>
+          <p:cNvSpPr>
+            <a:spLocks noGrp="1"/>
+          </p:cNvSpPr>
+          <p:nvPr>
+            <p:ph type="sldNum" sz="quarter" idx="12"/>
+          </p:nvPr>
+        </p:nvSpPr>
+        <p:spPr/>
+        <p:txBody>
+          <a:bodyPr/>
+          <a:lstStyle/>
+          <a:p>
+            <a:fld id="{49F5416C-8930-4BBD-885C-EB544461BEF4}" type="slidenum">
+              <a:rPr lang="en-US" smtClean="0"/>
+              <a:pPr/>
+              <a:t>17</a:t>
+            </a:fld>
+            <a:endParaRPr lang="en-US"/>
+          </a:p>
+        </p:txBody>
+      </p:sp>
+    </p:spTree>
+    <p:extLst>
+      <p:ext uri="{BB962C8B-B14F-4D97-AF65-F5344CB8AC3E}">
+        <p14:creationId xmlns:p14="http://schemas.microsoft.com/office/powerpoint/2010/main" val="763533692"/>
+      </p:ext>
+    </p:extLst>
+  </p:cSld>
+  <p:clrMapOvr>
+    <a:masterClrMapping/>
+  </p:clrMapOvr>
+</p:sld>
+</file>
+
+<file path=ppt/slides/slide18.xml><?xml version="1.0" encoding="utf-8"?>
+<p:sld xmlns:a="http://schemas.openxmlformats.org/drawingml/2006/main" xmlns:r="http://schemas.openxmlformats.org/officeDocument/2006/relationships" xmlns:p="http://schemas.openxmlformats.org/presentationml/2006/main">
+  <p:cSld>
+    <p:spTree>
+      <p:nvGrpSpPr>
+        <p:cNvPr id="1" name=""/>
+        <p:cNvGrpSpPr/>
+        <p:nvPr/>
+      </p:nvGrpSpPr>
+      <p:grpSpPr>
+        <a:xfrm>
+          <a:off x="0" y="0"/>
+          <a:ext cx="0" cy="0"/>
+          <a:chOff x="0" y="0"/>
+          <a:chExt cx="0" cy="0"/>
+        </a:xfrm>
+      </p:grpSpPr>
+      <p:sp>
+        <p:nvSpPr>
+          <p:cNvPr id="2" name="Title 1">
+            <a:extLst>
+              <a:ext uri="{FF2B5EF4-FFF2-40B4-BE49-F238E27FC236}">
+                <a16:creationId xmlns:a16="http://schemas.microsoft.com/office/drawing/2014/main" id="{495DD602-D6BC-4A03-90C9-EBCE1CF65827}"/>
+              </a:ext>
+            </a:extLst>
+          </p:cNvPr>
+          <p:cNvSpPr>
+            <a:spLocks noGrp="1"/>
+          </p:cNvSpPr>
+          <p:nvPr>
+            <p:ph type="title"/>
+          </p:nvPr>
+        </p:nvSpPr>
+        <p:spPr/>
+        <p:txBody>
+          <a:bodyPr/>
+          <a:lstStyle/>
+          <a:p>
+            <a:r>
+              <a:rPr lang="en-US" dirty="0"/>
+              <a:t>Acknowledgements</a:t>
+            </a:r>
+          </a:p>
+        </p:txBody>
+      </p:sp>
+      <p:sp>
+        <p:nvSpPr>
+          <p:cNvPr id="3" name="Content Placeholder 2">
+            <a:extLst>
+              <a:ext uri="{FF2B5EF4-FFF2-40B4-BE49-F238E27FC236}">
+                <a16:creationId xmlns:a16="http://schemas.microsoft.com/office/drawing/2014/main" id="{6E58903D-216E-4285-BAD8-91BD2DC6EA48}"/>
+              </a:ext>
+            </a:extLst>
+          </p:cNvPr>
+          <p:cNvSpPr>
+            <a:spLocks noGrp="1"/>
+          </p:cNvSpPr>
+          <p:nvPr>
+            <p:ph idx="1"/>
+          </p:nvPr>
+        </p:nvSpPr>
+        <p:spPr/>
+        <p:txBody>
+          <a:bodyPr/>
+          <a:lstStyle/>
+          <a:p>
+            <a:r>
+              <a:rPr lang="en-US" dirty="0"/>
+              <a:t>Los Alamos National Laboratory</a:t>
+            </a:r>
+          </a:p>
+          <a:p>
+            <a:r>
+              <a:rPr lang="en-US" dirty="0"/>
+              <a:t>Kaggle platform</a:t>
+            </a:r>
+          </a:p>
+        </p:txBody>
+      </p:sp>
+      <p:sp>
+        <p:nvSpPr>
+          <p:cNvPr id="4" name="Slide Number Placeholder 3">
+            <a:extLst>
+              <a:ext uri="{FF2B5EF4-FFF2-40B4-BE49-F238E27FC236}">
+                <a16:creationId xmlns:a16="http://schemas.microsoft.com/office/drawing/2014/main" id="{5A3367DD-768B-49A0-80C2-901BBF7B72C0}"/>
+              </a:ext>
+            </a:extLst>
+          </p:cNvPr>
+          <p:cNvSpPr>
+            <a:spLocks noGrp="1"/>
+          </p:cNvSpPr>
+          <p:nvPr>
+            <p:ph type="sldNum" sz="quarter" idx="12"/>
+          </p:nvPr>
+        </p:nvSpPr>
+        <p:spPr/>
+        <p:txBody>
+          <a:bodyPr/>
+          <a:lstStyle/>
+          <a:p>
+            <a:fld id="{49F5416C-8930-4BBD-885C-EB544461BEF4}" type="slidenum">
+              <a:rPr lang="en-US" smtClean="0"/>
+              <a:pPr/>
+              <a:t>18</a:t>
+            </a:fld>
+            <a:endParaRPr lang="en-US"/>
+          </a:p>
+        </p:txBody>
+      </p:sp>
+    </p:spTree>
+    <p:extLst>
+      <p:ext uri="{BB962C8B-B14F-4D97-AF65-F5344CB8AC3E}">
+        <p14:creationId xmlns:p14="http://schemas.microsoft.com/office/powerpoint/2010/main" val="3945264273"/>
+      </p:ext>
+    </p:extLst>
+  </p:cSld>
+  <p:clrMapOvr>
+    <a:masterClrMapping/>
+  </p:clrMapOvr>
+</p:sld>
+</file>
+
+<file path=ppt/slides/slide19.xml><?xml version="1.0" encoding="utf-8"?>
+<p:sld xmlns:a="http://schemas.openxmlformats.org/drawingml/2006/main" xmlns:r="http://schemas.openxmlformats.org/officeDocument/2006/relationships" xmlns:p="http://schemas.openxmlformats.org/presentationml/2006/main" show="0">
+  <p:cSld>
+    <p:spTree>
+      <p:nvGrpSpPr>
+        <p:cNvPr id="1" name=""/>
+        <p:cNvGrpSpPr/>
+        <p:nvPr/>
+      </p:nvGrpSpPr>
+      <p:grpSpPr>
+        <a:xfrm>
+          <a:off x="0" y="0"/>
+          <a:ext cx="0" cy="0"/>
+          <a:chOff x="0" y="0"/>
+          <a:chExt cx="0" cy="0"/>
+        </a:xfrm>
+      </p:grpSpPr>
+      <p:sp>
+        <p:nvSpPr>
+          <p:cNvPr id="2" name="Title 1">
+            <a:extLst>
+              <a:ext uri="{FF2B5EF4-FFF2-40B4-BE49-F238E27FC236}">
+                <a16:creationId xmlns:a16="http://schemas.microsoft.com/office/drawing/2014/main" id="{D1C9BC4A-98F0-420A-B224-1BA775AF195D}"/>
+              </a:ext>
+            </a:extLst>
+          </p:cNvPr>
+          <p:cNvSpPr>
+            <a:spLocks noGrp="1"/>
+          </p:cNvSpPr>
+          <p:nvPr>
+            <p:ph type="title"/>
+          </p:nvPr>
+        </p:nvSpPr>
+        <p:spPr/>
+        <p:txBody>
+          <a:bodyPr/>
+          <a:lstStyle/>
+          <a:p>
+            <a:r>
+              <a:rPr lang="en-US" dirty="0"/>
+              <a:t>Workflow</a:t>
+            </a:r>
+          </a:p>
+        </p:txBody>
+      </p:sp>
+      <p:sp>
+        <p:nvSpPr>
+          <p:cNvPr id="3" name="Content Placeholder 2">
+            <a:extLst>
+              <a:ext uri="{FF2B5EF4-FFF2-40B4-BE49-F238E27FC236}">
+                <a16:creationId xmlns:a16="http://schemas.microsoft.com/office/drawing/2014/main" id="{A3DFEB71-4CEE-48F9-9DC8-16A71F8206C7}"/>
+              </a:ext>
+            </a:extLst>
+          </p:cNvPr>
+          <p:cNvSpPr>
+            <a:spLocks noGrp="1"/>
+          </p:cNvSpPr>
+          <p:nvPr>
+            <p:ph idx="1"/>
+          </p:nvPr>
+        </p:nvSpPr>
+        <p:spPr/>
+        <p:txBody>
+          <a:bodyPr/>
+          <a:lstStyle/>
+          <a:p>
+            <a:r>
+              <a:rPr lang="en-US" dirty="0"/>
+              <a:t>Data Wrangling</a:t>
+            </a:r>
+          </a:p>
+          <a:p>
+            <a:r>
+              <a:rPr lang="en-US" dirty="0"/>
+              <a:t>Exploratory Data Analysis</a:t>
+            </a:r>
+          </a:p>
+          <a:p>
+            <a:r>
+              <a:rPr lang="en-US" dirty="0"/>
+              <a:t>Training</a:t>
+            </a:r>
+          </a:p>
+          <a:p>
+            <a:pPr lvl="1"/>
+            <a:r>
+              <a:rPr lang="en-US" dirty="0"/>
+              <a:t> Tree-based model</a:t>
+            </a:r>
+          </a:p>
+          <a:p>
+            <a:pPr lvl="1"/>
+            <a:r>
+              <a:rPr lang="en-US" dirty="0"/>
+              <a:t>Linear regression</a:t>
+            </a:r>
+          </a:p>
+          <a:p>
+            <a:r>
+              <a:rPr lang="en-US" dirty="0"/>
+              <a:t>Modeling</a:t>
+            </a:r>
+          </a:p>
+        </p:txBody>
+      </p:sp>
+      <p:sp>
+        <p:nvSpPr>
+          <p:cNvPr id="4" name="Slide Number Placeholder 3">
+            <a:extLst>
+              <a:ext uri="{FF2B5EF4-FFF2-40B4-BE49-F238E27FC236}">
+                <a16:creationId xmlns:a16="http://schemas.microsoft.com/office/drawing/2014/main" id="{33F75303-5FBE-4F06-88B9-8420E8FCD70C}"/>
+              </a:ext>
+            </a:extLst>
+          </p:cNvPr>
+          <p:cNvSpPr>
+            <a:spLocks noGrp="1"/>
+          </p:cNvSpPr>
+          <p:nvPr>
+            <p:ph type="sldNum" sz="quarter" idx="12"/>
+          </p:nvPr>
+        </p:nvSpPr>
+        <p:spPr/>
+        <p:txBody>
+          <a:bodyPr/>
+          <a:lstStyle/>
+          <a:p>
+            <a:fld id="{49F5416C-8930-4BBD-885C-EB544461BEF4}" type="slidenum">
+              <a:rPr lang="en-US" smtClean="0"/>
+              <a:pPr/>
+              <a:t>19</a:t>
+            </a:fld>
+            <a:endParaRPr lang="en-US"/>
+          </a:p>
+        </p:txBody>
+      </p:sp>
+      <p:pic>
+        <p:nvPicPr>
+          <p:cNvPr id="5" name="Picture 2">
+            <a:extLst>
+              <a:ext uri="{FF2B5EF4-FFF2-40B4-BE49-F238E27FC236}">
+                <a16:creationId xmlns:a16="http://schemas.microsoft.com/office/drawing/2014/main" id="{760DAAA6-B6B0-4170-83DA-F0609855C7F3}"/>
+              </a:ext>
+            </a:extLst>
+          </p:cNvPr>
+          <p:cNvPicPr>
+            <a:picLocks noChangeAspect="1" noChangeArrowheads="1"/>
+          </p:cNvPicPr>
+          <p:nvPr/>
+        </p:nvPicPr>
+        <p:blipFill>
+          <a:blip r:embed="rId2">
+            <a:extLst>
+              <a:ext uri="{28A0092B-C50C-407E-A947-70E740481C1C}">
+                <a14:useLocalDpi xmlns:a14="http://schemas.microsoft.com/office/drawing/2010/main" val="0"/>
+              </a:ext>
+            </a:extLst>
+          </a:blip>
+          <a:srcRect/>
+          <a:stretch>
+            <a:fillRect/>
+          </a:stretch>
+        </p:blipFill>
+        <p:spPr bwMode="auto">
+          <a:xfrm>
+            <a:off x="6072526" y="204729"/>
+            <a:ext cx="5076148" cy="3796565"/>
+          </a:xfrm>
+          <a:prstGeom prst="rect">
+            <a:avLst/>
+          </a:prstGeom>
+          <a:noFill/>
+          <a:extLst>
+            <a:ext uri="{909E8E84-426E-40DD-AFC4-6F175D3DCCD1}">
+              <a14:hiddenFill xmlns:a14="http://schemas.microsoft.com/office/drawing/2010/main">
+                <a:solidFill>
+                  <a:srgbClr val="FFFFFF"/>
+                </a:solidFill>
+              </a14:hiddenFill>
+            </a:ext>
+          </a:extLst>
+        </p:spPr>
+      </p:pic>
+      <p:pic>
+        <p:nvPicPr>
+          <p:cNvPr id="7" name="Picture 6">
+            <a:extLst>
+              <a:ext uri="{FF2B5EF4-FFF2-40B4-BE49-F238E27FC236}">
+                <a16:creationId xmlns:a16="http://schemas.microsoft.com/office/drawing/2014/main" id="{84E72833-984D-4940-AC29-A65240DCA6A3}"/>
+              </a:ext>
+            </a:extLst>
+          </p:cNvPr>
+          <p:cNvPicPr>
+            <a:picLocks noChangeAspect="1"/>
+          </p:cNvPicPr>
+          <p:nvPr/>
+        </p:nvPicPr>
+        <p:blipFill>
+          <a:blip r:embed="rId3"/>
+          <a:stretch>
+            <a:fillRect/>
+          </a:stretch>
+        </p:blipFill>
+        <p:spPr>
+          <a:xfrm>
+            <a:off x="7755927" y="4001294"/>
+            <a:ext cx="2682517" cy="2585605"/>
+          </a:xfrm>
+          <a:prstGeom prst="rect">
+            <a:avLst/>
+          </a:prstGeom>
+        </p:spPr>
+      </p:pic>
+      <p:pic>
+        <p:nvPicPr>
+          <p:cNvPr id="8" name="Picture 7">
+            <a:extLst>
+              <a:ext uri="{FF2B5EF4-FFF2-40B4-BE49-F238E27FC236}">
+                <a16:creationId xmlns:a16="http://schemas.microsoft.com/office/drawing/2014/main" id="{B3459C2C-E201-4511-8F0F-8F3EF096574D}"/>
+              </a:ext>
+            </a:extLst>
+          </p:cNvPr>
+          <p:cNvPicPr>
+            <a:picLocks noChangeAspect="1"/>
+          </p:cNvPicPr>
+          <p:nvPr/>
+        </p:nvPicPr>
+        <p:blipFill>
+          <a:blip r:embed="rId4"/>
+          <a:stretch>
+            <a:fillRect/>
+          </a:stretch>
+        </p:blipFill>
+        <p:spPr>
+          <a:xfrm>
+            <a:off x="126428" y="4156718"/>
+            <a:ext cx="4120205" cy="2430181"/>
+          </a:xfrm>
+          <a:prstGeom prst="rect">
+            <a:avLst/>
+          </a:prstGeom>
+        </p:spPr>
+      </p:pic>
+    </p:spTree>
+    <p:extLst>
+      <p:ext uri="{BB962C8B-B14F-4D97-AF65-F5344CB8AC3E}">
+        <p14:creationId xmlns:p14="http://schemas.microsoft.com/office/powerpoint/2010/main" val="2155221554"/>
+      </p:ext>
+    </p:extLst>
+  </p:cSld>
+  <p:clrMapOvr>
+    <a:masterClrMapping/>
+  </p:clrMapOvr>
+</p:sld>
+</file>
+
+<file path=ppt/slides/slide2.xml><?xml version="1.0" encoding="utf-8"?>
+<p:sld xmlns:a="http://schemas.openxmlformats.org/drawingml/2006/main" xmlns:r="http://schemas.openxmlformats.org/officeDocument/2006/relationships" xmlns:p="http://schemas.openxmlformats.org/presentationml/2006/main">
+  <p:cSld>
+    <p:spTree>
+      <p:nvGrpSpPr>
+        <p:cNvPr id="1" name=""/>
+        <p:cNvGrpSpPr/>
+        <p:nvPr/>
+      </p:nvGrpSpPr>
+      <p:grpSpPr>
+        <a:xfrm>
+          <a:off x="0" y="0"/>
+          <a:ext cx="0" cy="0"/>
+          <a:chOff x="0" y="0"/>
+          <a:chExt cx="0" cy="0"/>
+        </a:xfrm>
+      </p:grpSpPr>
+      <p:sp>
+        <p:nvSpPr>
+          <p:cNvPr id="2" name="Title 1">
+            <a:extLst>
+              <a:ext uri="{FF2B5EF4-FFF2-40B4-BE49-F238E27FC236}">
+                <a16:creationId xmlns:a16="http://schemas.microsoft.com/office/drawing/2014/main" id="{734ABD27-F5EF-43E0-8602-596865853C78}"/>
+              </a:ext>
+            </a:extLst>
+          </p:cNvPr>
+          <p:cNvSpPr>
+            <a:spLocks noGrp="1"/>
+          </p:cNvSpPr>
+          <p:nvPr>
+            <p:ph type="title"/>
+          </p:nvPr>
+        </p:nvSpPr>
+        <p:spPr/>
+        <p:txBody>
+          <a:bodyPr/>
+          <a:lstStyle/>
+          <a:p>
+            <a:r>
+              <a:rPr lang="en-US" dirty="0"/>
+              <a:t>Background</a:t>
+            </a:r>
+          </a:p>
+        </p:txBody>
+      </p:sp>
+      <p:sp>
+        <p:nvSpPr>
+          <p:cNvPr id="3" name="Content Placeholder 2">
+            <a:extLst>
+              <a:ext uri="{FF2B5EF4-FFF2-40B4-BE49-F238E27FC236}">
+                <a16:creationId xmlns:a16="http://schemas.microsoft.com/office/drawing/2014/main" id="{5A0F386B-6AAF-45FD-AA7C-013C760BADE3}"/>
+              </a:ext>
+            </a:extLst>
+          </p:cNvPr>
+          <p:cNvSpPr>
+            <a:spLocks noGrp="1"/>
+          </p:cNvSpPr>
+          <p:nvPr>
+            <p:ph idx="1"/>
+          </p:nvPr>
+        </p:nvSpPr>
+        <p:spPr>
+          <a:xfrm>
+            <a:off x="838200" y="1825625"/>
+            <a:ext cx="6172200" cy="4351338"/>
+          </a:xfrm>
+        </p:spPr>
+        <p:txBody>
+          <a:bodyPr/>
+          <a:lstStyle/>
+          <a:p>
+            <a:r>
+              <a:rPr lang="en-US" dirty="0"/>
+              <a:t>Earthquake forecast is difficult</a:t>
+            </a:r>
+          </a:p>
+          <a:p>
+            <a:r>
+              <a:rPr lang="en-US" dirty="0"/>
+              <a:t>Empirical analysis versus physical principles</a:t>
+            </a:r>
+          </a:p>
+          <a:p>
+            <a:r>
+              <a:rPr lang="en-US" dirty="0"/>
+              <a:t>Slow earthquake</a:t>
+            </a:r>
+          </a:p>
+          <a:p>
+            <a:pPr lvl="1"/>
+            <a:r>
+              <a:rPr lang="en-US" dirty="0"/>
+              <a:t>Found in recent twenty years</a:t>
+            </a:r>
+          </a:p>
+          <a:p>
+            <a:pPr lvl="1"/>
+            <a:r>
+              <a:rPr lang="en-US" dirty="0"/>
+              <a:t>Releasing energy slowly</a:t>
+            </a:r>
+          </a:p>
+          <a:p>
+            <a:pPr lvl="1"/>
+            <a:r>
+              <a:rPr lang="en-US" dirty="0"/>
+              <a:t>A wide spectrum of stick-slip </a:t>
+            </a:r>
+          </a:p>
+          <a:p>
+            <a:pPr lvl="1"/>
+            <a:r>
+              <a:rPr lang="en-US" dirty="0"/>
+              <a:t>Providing insights into traditional earthquakes</a:t>
+            </a:r>
+          </a:p>
+        </p:txBody>
+      </p:sp>
+      <p:sp>
+        <p:nvSpPr>
+          <p:cNvPr id="14" name="Slide Number Placeholder 13">
+            <a:extLst>
+              <a:ext uri="{FF2B5EF4-FFF2-40B4-BE49-F238E27FC236}">
+                <a16:creationId xmlns:a16="http://schemas.microsoft.com/office/drawing/2014/main" id="{C2551F39-AE29-48BD-A8C9-50D69832C169}"/>
+              </a:ext>
+            </a:extLst>
+          </p:cNvPr>
+          <p:cNvSpPr>
+            <a:spLocks noGrp="1"/>
+          </p:cNvSpPr>
+          <p:nvPr>
+            <p:ph type="sldNum" sz="quarter" idx="12"/>
+          </p:nvPr>
+        </p:nvSpPr>
+        <p:spPr/>
+        <p:txBody>
+          <a:bodyPr/>
+          <a:lstStyle/>
+          <a:p>
+            <a:fld id="{49F5416C-8930-4BBD-885C-EB544461BEF4}" type="slidenum">
+              <a:rPr lang="en-US" smtClean="0"/>
+              <a:pPr/>
+              <a:t>2</a:t>
+            </a:fld>
+            <a:endParaRPr lang="en-US" dirty="0"/>
+          </a:p>
+        </p:txBody>
+      </p:sp>
+      <p:pic>
+        <p:nvPicPr>
+          <p:cNvPr id="19" name="Picture 18">
+            <a:extLst>
+              <a:ext uri="{FF2B5EF4-FFF2-40B4-BE49-F238E27FC236}">
+                <a16:creationId xmlns:a16="http://schemas.microsoft.com/office/drawing/2014/main" id="{7D6FAF4D-A634-4AC6-B340-561C0747C064}"/>
+              </a:ext>
+            </a:extLst>
+          </p:cNvPr>
+          <p:cNvPicPr>
+            <a:picLocks noChangeAspect="1"/>
+          </p:cNvPicPr>
+          <p:nvPr/>
+        </p:nvPicPr>
+        <p:blipFill>
+          <a:blip r:embed="rId3"/>
+          <a:stretch>
+            <a:fillRect/>
+          </a:stretch>
+        </p:blipFill>
+        <p:spPr>
+          <a:xfrm>
+            <a:off x="7010400" y="2281238"/>
+            <a:ext cx="4858738" cy="2733040"/>
+          </a:xfrm>
+          <a:prstGeom prst="rect">
+            <a:avLst/>
+          </a:prstGeom>
+        </p:spPr>
+      </p:pic>
+      <p:sp>
+        <p:nvSpPr>
+          <p:cNvPr id="20" name="TextBox 19">
+            <a:extLst>
+              <a:ext uri="{FF2B5EF4-FFF2-40B4-BE49-F238E27FC236}">
+                <a16:creationId xmlns:a16="http://schemas.microsoft.com/office/drawing/2014/main" id="{C63FC3B2-D6B1-4526-B139-97918594CE07}"/>
+              </a:ext>
+            </a:extLst>
+          </p:cNvPr>
+          <p:cNvSpPr txBox="1"/>
+          <p:nvPr/>
+        </p:nvSpPr>
+        <p:spPr>
+          <a:xfrm>
+            <a:off x="8229600" y="5041622"/>
+            <a:ext cx="2005677" cy="369332"/>
+          </a:xfrm>
+          <a:prstGeom prst="rect">
+            <a:avLst/>
+          </a:prstGeom>
+          <a:noFill/>
+        </p:spPr>
+        <p:txBody>
+          <a:bodyPr wrap="none" rtlCol="0">
+            <a:spAutoFit/>
+          </a:bodyPr>
+          <a:lstStyle/>
+          <a:p>
+            <a:r>
+              <a:rPr lang="en-US" dirty="0">
+                <a:latin typeface="Arial" panose="020B0604020202020204" pitchFamily="34" charset="0"/>
+                <a:cs typeface="Arial" panose="020B0604020202020204" pitchFamily="34" charset="0"/>
+              </a:rPr>
+              <a:t>So hard to predict</a:t>
+            </a:r>
+          </a:p>
+        </p:txBody>
+      </p:sp>
+    </p:spTree>
+    <p:extLst>
+      <p:ext uri="{BB962C8B-B14F-4D97-AF65-F5344CB8AC3E}">
+        <p14:creationId xmlns:p14="http://schemas.microsoft.com/office/powerpoint/2010/main" val="1227073797"/>
+      </p:ext>
+    </p:extLst>
+  </p:cSld>
+  <p:clrMapOvr>
+    <a:masterClrMapping/>
+  </p:clrMapOvr>
+</p:sld>
+</file>
+
+<file path=ppt/slides/slide3.xml><?xml version="1.0" encoding="utf-8"?>
+<p:sld xmlns:a="http://schemas.openxmlformats.org/drawingml/2006/main" xmlns:r="http://schemas.openxmlformats.org/officeDocument/2006/relationships" xmlns:p="http://schemas.openxmlformats.org/presentationml/2006/main">
+  <p:cSld>
+    <p:spTree>
+      <p:nvGrpSpPr>
+        <p:cNvPr id="1" name=""/>
+        <p:cNvGrpSpPr/>
+        <p:nvPr/>
+      </p:nvGrpSpPr>
+      <p:grpSpPr>
+        <a:xfrm>
+          <a:off x="0" y="0"/>
+          <a:ext cx="0" cy="0"/>
+          <a:chOff x="0" y="0"/>
+          <a:chExt cx="0" cy="0"/>
+        </a:xfrm>
+      </p:grpSpPr>
+      <p:sp>
+        <p:nvSpPr>
+          <p:cNvPr id="2" name="Title 1">
+            <a:extLst>
+              <a:ext uri="{FF2B5EF4-FFF2-40B4-BE49-F238E27FC236}">
+                <a16:creationId xmlns:a16="http://schemas.microsoft.com/office/drawing/2014/main" id="{42A6A010-D056-4A15-BD17-425D1D0BCE49}"/>
+              </a:ext>
+            </a:extLst>
+          </p:cNvPr>
+          <p:cNvSpPr>
+            <a:spLocks noGrp="1"/>
+          </p:cNvSpPr>
+          <p:nvPr>
+            <p:ph type="title"/>
+          </p:nvPr>
+        </p:nvSpPr>
+        <p:spPr/>
+        <p:txBody>
+          <a:bodyPr/>
+          <a:lstStyle/>
+          <a:p>
+            <a:r>
+              <a:rPr lang="en-US" dirty="0"/>
+              <a:t>A precursor?</a:t>
+            </a:r>
+          </a:p>
+        </p:txBody>
+      </p:sp>
+      <p:sp>
+        <p:nvSpPr>
+          <p:cNvPr id="3" name="Content Placeholder 2">
+            <a:extLst>
+              <a:ext uri="{FF2B5EF4-FFF2-40B4-BE49-F238E27FC236}">
+                <a16:creationId xmlns:a16="http://schemas.microsoft.com/office/drawing/2014/main" id="{A6349163-AFBA-47F8-9575-66BA8C4D21F8}"/>
+              </a:ext>
+            </a:extLst>
+          </p:cNvPr>
+          <p:cNvSpPr>
+            <a:spLocks noGrp="1"/>
+          </p:cNvSpPr>
+          <p:nvPr>
+            <p:ph idx="1"/>
+          </p:nvPr>
+        </p:nvSpPr>
+        <p:spPr/>
+        <p:txBody>
+          <a:bodyPr/>
+          <a:lstStyle/>
+          <a:p>
+            <a:endParaRPr lang="en-US"/>
+          </a:p>
+        </p:txBody>
+      </p:sp>
+      <p:sp>
+        <p:nvSpPr>
+          <p:cNvPr id="4" name="Slide Number Placeholder 3">
+            <a:extLst>
+              <a:ext uri="{FF2B5EF4-FFF2-40B4-BE49-F238E27FC236}">
+                <a16:creationId xmlns:a16="http://schemas.microsoft.com/office/drawing/2014/main" id="{9B6B88E0-A8E9-46A3-B408-4C7376C01EE6}"/>
+              </a:ext>
+            </a:extLst>
+          </p:cNvPr>
+          <p:cNvSpPr>
+            <a:spLocks noGrp="1"/>
+          </p:cNvSpPr>
+          <p:nvPr>
+            <p:ph type="sldNum" sz="quarter" idx="12"/>
+          </p:nvPr>
+        </p:nvSpPr>
+        <p:spPr/>
+        <p:txBody>
+          <a:bodyPr/>
+          <a:lstStyle/>
+          <a:p>
+            <a:fld id="{49F5416C-8930-4BBD-885C-EB544461BEF4}" type="slidenum">
+              <a:rPr lang="en-US" smtClean="0"/>
+              <a:pPr/>
+              <a:t>3</a:t>
+            </a:fld>
+            <a:endParaRPr lang="en-US"/>
+          </a:p>
+        </p:txBody>
+      </p:sp>
+      <p:pic>
+        <p:nvPicPr>
+          <p:cNvPr id="5" name="Picture 4">
+            <a:extLst>
+              <a:ext uri="{FF2B5EF4-FFF2-40B4-BE49-F238E27FC236}">
+                <a16:creationId xmlns:a16="http://schemas.microsoft.com/office/drawing/2014/main" id="{0AF97CAE-0DD8-441C-8CF6-C1912D95C921}"/>
+              </a:ext>
+            </a:extLst>
+          </p:cNvPr>
+          <p:cNvPicPr>
+            <a:picLocks noChangeAspect="1"/>
+          </p:cNvPicPr>
+          <p:nvPr/>
+        </p:nvPicPr>
+        <p:blipFill>
+          <a:blip r:embed="rId3"/>
+          <a:stretch>
+            <a:fillRect/>
+          </a:stretch>
+        </p:blipFill>
+        <p:spPr>
+          <a:xfrm>
+            <a:off x="838200" y="1794773"/>
+            <a:ext cx="4413972" cy="3986469"/>
+          </a:xfrm>
+          <a:prstGeom prst="rect">
+            <a:avLst/>
+          </a:prstGeom>
+        </p:spPr>
+      </p:pic>
+      <p:sp>
+        <p:nvSpPr>
+          <p:cNvPr id="7" name="Rectangle 6">
+            <a:extLst>
+              <a:ext uri="{FF2B5EF4-FFF2-40B4-BE49-F238E27FC236}">
+                <a16:creationId xmlns:a16="http://schemas.microsoft.com/office/drawing/2014/main" id="{45BF59C2-D268-4C9B-B161-B863C36198CD}"/>
+              </a:ext>
+            </a:extLst>
+          </p:cNvPr>
+          <p:cNvSpPr/>
+          <p:nvPr/>
+        </p:nvSpPr>
+        <p:spPr>
+          <a:xfrm>
+            <a:off x="5685025" y="1825625"/>
+            <a:ext cx="5929958" cy="2308324"/>
+          </a:xfrm>
+          <a:prstGeom prst="rect">
+            <a:avLst/>
+          </a:prstGeom>
+          <a:noFill/>
+        </p:spPr>
+        <p:txBody>
+          <a:bodyPr wrap="none" lIns="91440" tIns="45720" rIns="91440" bIns="45720">
+            <a:spAutoFit/>
+          </a:bodyPr>
+          <a:lstStyle/>
+          <a:p>
+            <a:pPr algn="ctr"/>
+            <a:r>
+              <a:rPr lang="en-US" sz="3600" dirty="0">
+                <a:ln w="0"/>
+                <a:gradFill>
+                  <a:gsLst>
+                    <a:gs pos="21000">
+                      <a:srgbClr val="53575C"/>
+                    </a:gs>
+                    <a:gs pos="88000">
+                      <a:srgbClr val="C5C7CA"/>
+                    </a:gs>
+                  </a:gsLst>
+                  <a:lin ang="5400000"/>
+                </a:gradFill>
+                <a:latin typeface="Arial" panose="020B0604020202020204" pitchFamily="34" charset="0"/>
+                <a:cs typeface="Arial" panose="020B0604020202020204" pitchFamily="34" charset="0"/>
+              </a:rPr>
+              <a:t>Magnitude: 9.0</a:t>
+            </a:r>
+          </a:p>
+          <a:p>
+            <a:pPr algn="ctr"/>
+            <a:r>
+              <a:rPr lang="en-US" sz="3600" dirty="0">
+                <a:ln w="0"/>
+                <a:gradFill>
+                  <a:gsLst>
+                    <a:gs pos="21000">
+                      <a:srgbClr val="53575C"/>
+                    </a:gs>
+                    <a:gs pos="88000">
+                      <a:srgbClr val="C5C7CA"/>
+                    </a:gs>
+                  </a:gsLst>
+                  <a:lin ang="5400000"/>
+                </a:gradFill>
+                <a:latin typeface="Arial" panose="020B0604020202020204" pitchFamily="34" charset="0"/>
+                <a:cs typeface="Arial" panose="020B0604020202020204" pitchFamily="34" charset="0"/>
+              </a:rPr>
+              <a:t>Duration: 6 minutes</a:t>
+            </a:r>
+          </a:p>
+          <a:p>
+            <a:pPr algn="ctr"/>
+            <a:r>
+              <a:rPr lang="en-US" sz="3600" dirty="0">
+                <a:ln w="0"/>
+                <a:gradFill>
+                  <a:gsLst>
+                    <a:gs pos="21000">
+                      <a:srgbClr val="53575C"/>
+                    </a:gs>
+                    <a:gs pos="88000">
+                      <a:srgbClr val="C5C7CA"/>
+                    </a:gs>
+                  </a:gsLst>
+                  <a:lin ang="5400000"/>
+                </a:gradFill>
+                <a:latin typeface="Arial" panose="020B0604020202020204" pitchFamily="34" charset="0"/>
+                <a:cs typeface="Arial" panose="020B0604020202020204" pitchFamily="34" charset="0"/>
+              </a:rPr>
+              <a:t>Tsunami &amp; Nuclear disaster!</a:t>
+            </a:r>
+          </a:p>
+          <a:p>
+            <a:pPr algn="ctr"/>
+            <a:r>
+              <a:rPr lang="en-US" sz="3600" dirty="0">
+                <a:ln w="0"/>
+                <a:gradFill>
+                  <a:gsLst>
+                    <a:gs pos="21000">
+                      <a:srgbClr val="53575C"/>
+                    </a:gs>
+                    <a:gs pos="88000">
+                      <a:srgbClr val="C5C7CA"/>
+                    </a:gs>
+                  </a:gsLst>
+                  <a:lin ang="5400000"/>
+                </a:gradFill>
+                <a:latin typeface="Arial" panose="020B0604020202020204" pitchFamily="34" charset="0"/>
+                <a:cs typeface="Arial" panose="020B0604020202020204" pitchFamily="34" charset="0"/>
+              </a:rPr>
+              <a:t>Nearly 20,000 killed!</a:t>
+            </a:r>
+          </a:p>
+        </p:txBody>
+      </p:sp>
+      <p:sp>
+        <p:nvSpPr>
+          <p:cNvPr id="8" name="TextBox 7">
+            <a:extLst>
+              <a:ext uri="{FF2B5EF4-FFF2-40B4-BE49-F238E27FC236}">
+                <a16:creationId xmlns:a16="http://schemas.microsoft.com/office/drawing/2014/main" id="{318E6057-532B-49F4-A9CC-7F74A317CC4A}"/>
+              </a:ext>
+            </a:extLst>
+          </p:cNvPr>
+          <p:cNvSpPr txBox="1"/>
+          <p:nvPr/>
+        </p:nvSpPr>
+        <p:spPr>
+          <a:xfrm>
+            <a:off x="5890351" y="4921984"/>
+            <a:ext cx="6101628" cy="1200329"/>
+          </a:xfrm>
+          <a:prstGeom prst="rect">
+            <a:avLst/>
+          </a:prstGeom>
+          <a:noFill/>
+        </p:spPr>
+        <p:txBody>
+          <a:bodyPr wrap="square" rtlCol="0">
+            <a:spAutoFit/>
+          </a:bodyPr>
+          <a:lstStyle/>
+          <a:p>
+            <a:r>
+              <a:rPr lang="en-US" sz="2400" dirty="0">
+                <a:latin typeface="Arial" panose="020B0604020202020204" pitchFamily="34" charset="0"/>
+                <a:cs typeface="Arial" panose="020B0604020202020204" pitchFamily="34" charset="0"/>
+              </a:rPr>
+              <a:t>However, two slow earthquakes nearby were observed in February 2011, one month ahead of the megathrust. </a:t>
+            </a:r>
+          </a:p>
+        </p:txBody>
+      </p:sp>
+      <p:sp>
+        <p:nvSpPr>
+          <p:cNvPr id="10" name="TextBox 9">
+            <a:extLst>
+              <a:ext uri="{FF2B5EF4-FFF2-40B4-BE49-F238E27FC236}">
+                <a16:creationId xmlns:a16="http://schemas.microsoft.com/office/drawing/2014/main" id="{1A88C0AA-0506-49B4-9460-FD4D1309E9AF}"/>
+              </a:ext>
+            </a:extLst>
+          </p:cNvPr>
+          <p:cNvSpPr txBox="1"/>
+          <p:nvPr/>
+        </p:nvSpPr>
+        <p:spPr>
+          <a:xfrm>
+            <a:off x="1300480" y="5794436"/>
+            <a:ext cx="3464560" cy="369332"/>
+          </a:xfrm>
+          <a:prstGeom prst="rect">
+            <a:avLst/>
+          </a:prstGeom>
+          <a:noFill/>
+        </p:spPr>
+        <p:txBody>
+          <a:bodyPr wrap="square">
+            <a:spAutoFit/>
+          </a:bodyPr>
+          <a:lstStyle/>
+          <a:p>
+            <a:pPr algn="l"/>
+            <a:r>
+              <a:rPr lang="en-US" dirty="0">
+                <a:solidFill>
+                  <a:srgbClr val="333333"/>
+                </a:solidFill>
+                <a:effectLst/>
+                <a:latin typeface="Arial" panose="020B0604020202020204" pitchFamily="34" charset="0"/>
+                <a:cs typeface="Arial" panose="020B0604020202020204" pitchFamily="34" charset="0"/>
+              </a:rPr>
+              <a:t>Tohoku Earthquake (3/11/2011)</a:t>
+            </a:r>
+          </a:p>
+        </p:txBody>
+      </p:sp>
+    </p:spTree>
+    <p:extLst>
+      <p:ext uri="{BB962C8B-B14F-4D97-AF65-F5344CB8AC3E}">
+        <p14:creationId xmlns:p14="http://schemas.microsoft.com/office/powerpoint/2010/main" val="3802997281"/>
+      </p:ext>
+    </p:extLst>
+  </p:cSld>
+  <p:clrMapOvr>
+    <a:masterClrMapping/>
+  </p:clrMapOvr>
+</p:sld>
+</file>
+
+<file path=ppt/slides/slide4.xml><?xml version="1.0" encoding="utf-8"?>
+<p:sld xmlns:a="http://schemas.openxmlformats.org/drawingml/2006/main" xmlns:r="http://schemas.openxmlformats.org/officeDocument/2006/relationships" xmlns:p="http://schemas.openxmlformats.org/presentationml/2006/main">
+  <p:cSld>
+    <p:spTree>
+      <p:nvGrpSpPr>
+        <p:cNvPr id="1" name=""/>
+        <p:cNvGrpSpPr/>
+        <p:nvPr/>
+      </p:nvGrpSpPr>
+      <p:grpSpPr>
+        <a:xfrm>
+          <a:off x="0" y="0"/>
+          <a:ext cx="0" cy="0"/>
+          <a:chOff x="0" y="0"/>
+          <a:chExt cx="0" cy="0"/>
+        </a:xfrm>
+      </p:grpSpPr>
+      <p:sp>
+        <p:nvSpPr>
+          <p:cNvPr id="2" name="Title 1">
+            <a:extLst>
+              <a:ext uri="{FF2B5EF4-FFF2-40B4-BE49-F238E27FC236}">
+                <a16:creationId xmlns:a16="http://schemas.microsoft.com/office/drawing/2014/main" id="{BD5CCCB7-0344-4162-87CA-84FDEB8A58E4}"/>
+              </a:ext>
+            </a:extLst>
+          </p:cNvPr>
+          <p:cNvSpPr>
+            <a:spLocks noGrp="1"/>
+          </p:cNvSpPr>
+          <p:nvPr>
+            <p:ph type="title"/>
+          </p:nvPr>
+        </p:nvSpPr>
+        <p:spPr/>
+        <p:txBody>
+          <a:bodyPr/>
+          <a:lstStyle/>
+          <a:p>
+            <a:r>
+              <a:rPr lang="en-US" dirty="0"/>
+              <a:t>Who should concern?</a:t>
+            </a:r>
+          </a:p>
+        </p:txBody>
+      </p:sp>
+      <p:sp>
+        <p:nvSpPr>
+          <p:cNvPr id="3" name="Content Placeholder 2">
+            <a:extLst>
+              <a:ext uri="{FF2B5EF4-FFF2-40B4-BE49-F238E27FC236}">
+                <a16:creationId xmlns:a16="http://schemas.microsoft.com/office/drawing/2014/main" id="{E4441A59-07A1-4592-AF39-5D1102060CDB}"/>
+              </a:ext>
+            </a:extLst>
+          </p:cNvPr>
+          <p:cNvSpPr>
+            <a:spLocks noGrp="1"/>
+          </p:cNvSpPr>
+          <p:nvPr>
+            <p:ph idx="1"/>
+          </p:nvPr>
+        </p:nvSpPr>
+        <p:spPr>
+          <a:xfrm>
+            <a:off x="838200" y="1825625"/>
+            <a:ext cx="5176520" cy="4351338"/>
+          </a:xfrm>
+        </p:spPr>
+        <p:txBody>
+          <a:bodyPr/>
+          <a:lstStyle/>
+          <a:p>
+            <a:r>
+              <a:rPr lang="en-US" altLang="zh-CN" dirty="0"/>
+              <a:t>Geoscientists and </a:t>
+            </a:r>
+            <a:r>
+              <a:rPr lang="en-US" dirty="0"/>
+              <a:t>National Geological Survey</a:t>
+            </a:r>
+          </a:p>
+          <a:p>
+            <a:r>
+              <a:rPr lang="en-US" dirty="0"/>
+              <a:t>Residents near the fault zone</a:t>
+            </a:r>
+          </a:p>
+          <a:p>
+            <a:r>
+              <a:rPr lang="en-US" dirty="0"/>
+              <a:t>Oil/gas companies prevent from hazardous events during exploration and production</a:t>
+            </a:r>
+          </a:p>
+        </p:txBody>
+      </p:sp>
+      <p:sp>
+        <p:nvSpPr>
+          <p:cNvPr id="7" name="Slide Number Placeholder 6">
+            <a:extLst>
+              <a:ext uri="{FF2B5EF4-FFF2-40B4-BE49-F238E27FC236}">
+                <a16:creationId xmlns:a16="http://schemas.microsoft.com/office/drawing/2014/main" id="{60965B8C-1609-4F70-9CD9-42B9B743BF1B}"/>
+              </a:ext>
+            </a:extLst>
+          </p:cNvPr>
+          <p:cNvSpPr>
+            <a:spLocks noGrp="1"/>
+          </p:cNvSpPr>
+          <p:nvPr>
+            <p:ph type="sldNum" sz="quarter" idx="12"/>
+          </p:nvPr>
+        </p:nvSpPr>
+        <p:spPr/>
+        <p:txBody>
+          <a:bodyPr/>
+          <a:lstStyle/>
+          <a:p>
+            <a:fld id="{49F5416C-8930-4BBD-885C-EB544461BEF4}" type="slidenum">
+              <a:rPr lang="en-US" smtClean="0"/>
+              <a:pPr/>
+              <a:t>4</a:t>
+            </a:fld>
+            <a:endParaRPr lang="en-US"/>
+          </a:p>
+        </p:txBody>
+      </p:sp>
+      <p:sp>
+        <p:nvSpPr>
+          <p:cNvPr id="9" name="TextBox 8">
+            <a:extLst>
+              <a:ext uri="{FF2B5EF4-FFF2-40B4-BE49-F238E27FC236}">
+                <a16:creationId xmlns:a16="http://schemas.microsoft.com/office/drawing/2014/main" id="{6B062196-9300-4958-93D0-9428C304966A}"/>
+              </a:ext>
+            </a:extLst>
+          </p:cNvPr>
+          <p:cNvSpPr txBox="1"/>
+          <p:nvPr/>
+        </p:nvSpPr>
+        <p:spPr>
+          <a:xfrm>
+            <a:off x="7639784" y="5293597"/>
+            <a:ext cx="3819094" cy="369332"/>
+          </a:xfrm>
+          <a:prstGeom prst="rect">
+            <a:avLst/>
+          </a:prstGeom>
+          <a:noFill/>
+        </p:spPr>
+        <p:txBody>
+          <a:bodyPr wrap="square">
+            <a:spAutoFit/>
+          </a:bodyPr>
+          <a:lstStyle/>
+          <a:p>
+            <a:r>
+              <a:rPr lang="en-US" dirty="0">
+                <a:latin typeface="Arial" panose="020B0604020202020204" pitchFamily="34" charset="0"/>
+                <a:cs typeface="Arial" panose="020B0604020202020204" pitchFamily="34" charset="0"/>
+              </a:rPr>
+              <a:t>(</a:t>
+            </a:r>
+            <a:r>
+              <a:rPr lang="en-US" dirty="0" err="1">
+                <a:latin typeface="Arial" panose="020B0604020202020204" pitchFamily="34" charset="0"/>
+                <a:cs typeface="Arial" panose="020B0604020202020204" pitchFamily="34" charset="0"/>
+              </a:rPr>
+              <a:t>Obara</a:t>
+            </a:r>
+            <a:r>
+              <a:rPr lang="en-US" dirty="0">
+                <a:latin typeface="Arial" panose="020B0604020202020204" pitchFamily="34" charset="0"/>
+                <a:cs typeface="Arial" panose="020B0604020202020204" pitchFamily="34" charset="0"/>
+              </a:rPr>
+              <a:t> and Kato, 2016, Science)</a:t>
+            </a:r>
+          </a:p>
+        </p:txBody>
+      </p:sp>
+      <p:sp>
+        <p:nvSpPr>
+          <p:cNvPr id="10" name="TextBox 9">
+            <a:extLst>
+              <a:ext uri="{FF2B5EF4-FFF2-40B4-BE49-F238E27FC236}">
+                <a16:creationId xmlns:a16="http://schemas.microsoft.com/office/drawing/2014/main" id="{25831E74-9EA5-493A-98CB-9531C051F766}"/>
+              </a:ext>
+            </a:extLst>
+          </p:cNvPr>
+          <p:cNvSpPr txBox="1"/>
+          <p:nvPr/>
+        </p:nvSpPr>
+        <p:spPr>
+          <a:xfrm>
+            <a:off x="6776720" y="5861216"/>
+            <a:ext cx="4878259" cy="369332"/>
+          </a:xfrm>
+          <a:prstGeom prst="rect">
+            <a:avLst/>
+          </a:prstGeom>
+          <a:noFill/>
+        </p:spPr>
+        <p:txBody>
+          <a:bodyPr wrap="none" rtlCol="0">
+            <a:spAutoFit/>
+          </a:bodyPr>
+          <a:lstStyle/>
+          <a:p>
+            <a:r>
+              <a:rPr lang="en-US" altLang="zh-CN" dirty="0">
+                <a:latin typeface="Arial" panose="020B0604020202020204" pitchFamily="34" charset="0"/>
+                <a:cs typeface="Arial" panose="020B0604020202020204" pitchFamily="34" charset="0"/>
+              </a:rPr>
+              <a:t>Slow earthquakes observed in the pacific rim</a:t>
+            </a:r>
+          </a:p>
+        </p:txBody>
+      </p:sp>
+      <p:pic>
+        <p:nvPicPr>
+          <p:cNvPr id="5" name="Picture 4">
+            <a:extLst>
+              <a:ext uri="{FF2B5EF4-FFF2-40B4-BE49-F238E27FC236}">
+                <a16:creationId xmlns:a16="http://schemas.microsoft.com/office/drawing/2014/main" id="{3A1BA3EC-743E-44D5-A6F5-29F1B87DB8F4}"/>
+              </a:ext>
+            </a:extLst>
+          </p:cNvPr>
+          <p:cNvPicPr>
+            <a:picLocks noChangeAspect="1"/>
+          </p:cNvPicPr>
+          <p:nvPr/>
+        </p:nvPicPr>
+        <p:blipFill>
+          <a:blip r:embed="rId3"/>
+          <a:stretch>
+            <a:fillRect/>
+          </a:stretch>
+        </p:blipFill>
+        <p:spPr>
+          <a:xfrm>
+            <a:off x="6014720" y="1690688"/>
+            <a:ext cx="6177280" cy="3336795"/>
+          </a:xfrm>
+          <a:prstGeom prst="rect">
+            <a:avLst/>
+          </a:prstGeom>
+        </p:spPr>
+      </p:pic>
+    </p:spTree>
+    <p:extLst>
+      <p:ext uri="{BB962C8B-B14F-4D97-AF65-F5344CB8AC3E}">
+        <p14:creationId xmlns:p14="http://schemas.microsoft.com/office/powerpoint/2010/main" val="348241286"/>
+      </p:ext>
+    </p:extLst>
+  </p:cSld>
+  <p:clrMapOvr>
+    <a:masterClrMapping/>
+  </p:clrMapOvr>
+</p:sld>
+</file>
+
+<file path=ppt/slides/slide5.xml><?xml version="1.0" encoding="utf-8"?>
+<p:sld xmlns:a="http://schemas.openxmlformats.org/drawingml/2006/main" xmlns:r="http://schemas.openxmlformats.org/officeDocument/2006/relationships" xmlns:p="http://schemas.openxmlformats.org/presentationml/2006/main">
+  <p:cSld>
+    <p:spTree>
+      <p:nvGrpSpPr>
+        <p:cNvPr id="1" name=""/>
+        <p:cNvGrpSpPr/>
+        <p:nvPr/>
+      </p:nvGrpSpPr>
+      <p:grpSpPr>
+        <a:xfrm>
+          <a:off x="0" y="0"/>
+          <a:ext cx="0" cy="0"/>
+          <a:chOff x="0" y="0"/>
+          <a:chExt cx="0" cy="0"/>
+        </a:xfrm>
+      </p:grpSpPr>
+      <p:sp>
+        <p:nvSpPr>
+          <p:cNvPr id="2" name="Title 1">
+            <a:extLst>
+              <a:ext uri="{FF2B5EF4-FFF2-40B4-BE49-F238E27FC236}">
+                <a16:creationId xmlns:a16="http://schemas.microsoft.com/office/drawing/2014/main" id="{A5DB3F8A-C7B3-4EFB-842D-554E59C00A3C}"/>
+              </a:ext>
+            </a:extLst>
+          </p:cNvPr>
+          <p:cNvSpPr>
+            <a:spLocks noGrp="1"/>
+          </p:cNvSpPr>
+          <p:nvPr>
+            <p:ph type="title"/>
+          </p:nvPr>
+        </p:nvSpPr>
+        <p:spPr/>
+        <p:txBody>
+          <a:bodyPr/>
+          <a:lstStyle/>
+          <a:p>
+            <a:r>
+              <a:rPr lang="en-US" dirty="0"/>
+              <a:t>Objective</a:t>
+            </a:r>
+          </a:p>
+        </p:txBody>
+      </p:sp>
+      <p:sp>
+        <p:nvSpPr>
+          <p:cNvPr id="3" name="Content Placeholder 2">
+            <a:extLst>
+              <a:ext uri="{FF2B5EF4-FFF2-40B4-BE49-F238E27FC236}">
+                <a16:creationId xmlns:a16="http://schemas.microsoft.com/office/drawing/2014/main" id="{1CE7DB9E-B10C-4305-A739-8C55D6FB5CF6}"/>
+              </a:ext>
+            </a:extLst>
+          </p:cNvPr>
+          <p:cNvSpPr>
+            <a:spLocks noGrp="1"/>
+          </p:cNvSpPr>
+          <p:nvPr>
+            <p:ph idx="1"/>
+          </p:nvPr>
+        </p:nvSpPr>
+        <p:spPr/>
+        <p:txBody>
+          <a:bodyPr/>
+          <a:lstStyle/>
+          <a:p>
+            <a:r>
+              <a:rPr lang="en-US" dirty="0"/>
+              <a:t>Using machine learning to forecast laboratory earthquake occurring time given a small piece of signal (~0.039 s)</a:t>
+            </a:r>
+          </a:p>
+        </p:txBody>
+      </p:sp>
+      <p:sp>
+        <p:nvSpPr>
+          <p:cNvPr id="4" name="Slide Number Placeholder 3">
+            <a:extLst>
+              <a:ext uri="{FF2B5EF4-FFF2-40B4-BE49-F238E27FC236}">
+                <a16:creationId xmlns:a16="http://schemas.microsoft.com/office/drawing/2014/main" id="{A377E575-8EF7-43DD-A595-DBA178821289}"/>
+              </a:ext>
+            </a:extLst>
+          </p:cNvPr>
+          <p:cNvSpPr>
+            <a:spLocks noGrp="1"/>
+          </p:cNvSpPr>
+          <p:nvPr>
+            <p:ph type="sldNum" sz="quarter" idx="12"/>
+          </p:nvPr>
+        </p:nvSpPr>
+        <p:spPr/>
+        <p:txBody>
+          <a:bodyPr/>
+          <a:lstStyle/>
+          <a:p>
+            <a:fld id="{49F5416C-8930-4BBD-885C-EB544461BEF4}" type="slidenum">
+              <a:rPr lang="en-US" smtClean="0"/>
+              <a:pPr/>
+              <a:t>5</a:t>
+            </a:fld>
+            <a:endParaRPr lang="en-US"/>
+          </a:p>
+        </p:txBody>
+      </p:sp>
+      <p:pic>
+        <p:nvPicPr>
+          <p:cNvPr id="5" name="Picture 4">
+            <a:extLst>
+              <a:ext uri="{FF2B5EF4-FFF2-40B4-BE49-F238E27FC236}">
+                <a16:creationId xmlns:a16="http://schemas.microsoft.com/office/drawing/2014/main" id="{A9AF541E-3372-4B85-9967-CD1AA17B9EB7}"/>
+              </a:ext>
+            </a:extLst>
+          </p:cNvPr>
+          <p:cNvPicPr>
+            <a:picLocks noChangeAspect="1"/>
+          </p:cNvPicPr>
+          <p:nvPr/>
+        </p:nvPicPr>
+        <p:blipFill>
+          <a:blip r:embed="rId3"/>
+          <a:stretch>
+            <a:fillRect/>
+          </a:stretch>
+        </p:blipFill>
+        <p:spPr>
+          <a:xfrm>
+            <a:off x="431800" y="3040854"/>
+            <a:ext cx="3657600" cy="2129051"/>
+          </a:xfrm>
+          <a:prstGeom prst="rect">
+            <a:avLst/>
+          </a:prstGeom>
+        </p:spPr>
+      </p:pic>
+      <p:pic>
+        <p:nvPicPr>
+          <p:cNvPr id="6" name="Picture 5">
+            <a:extLst>
+              <a:ext uri="{FF2B5EF4-FFF2-40B4-BE49-F238E27FC236}">
+                <a16:creationId xmlns:a16="http://schemas.microsoft.com/office/drawing/2014/main" id="{806A5393-EFB9-43C8-87F1-54A2EDAECC93}"/>
+              </a:ext>
+            </a:extLst>
+          </p:cNvPr>
+          <p:cNvPicPr>
+            <a:picLocks noChangeAspect="1"/>
+          </p:cNvPicPr>
+          <p:nvPr/>
+        </p:nvPicPr>
+        <p:blipFill>
+          <a:blip r:embed="rId4"/>
+          <a:stretch>
+            <a:fillRect/>
+          </a:stretch>
+        </p:blipFill>
+        <p:spPr>
+          <a:xfrm>
+            <a:off x="4267200" y="3043584"/>
+            <a:ext cx="3657600" cy="2126321"/>
+          </a:xfrm>
+          <a:prstGeom prst="rect">
+            <a:avLst/>
+          </a:prstGeom>
+        </p:spPr>
+      </p:pic>
+      <p:pic>
+        <p:nvPicPr>
+          <p:cNvPr id="7" name="Picture 6">
+            <a:extLst>
+              <a:ext uri="{FF2B5EF4-FFF2-40B4-BE49-F238E27FC236}">
+                <a16:creationId xmlns:a16="http://schemas.microsoft.com/office/drawing/2014/main" id="{6E658C46-55E7-4316-B766-F36FA72DA24D}"/>
+              </a:ext>
+            </a:extLst>
+          </p:cNvPr>
+          <p:cNvPicPr>
+            <a:picLocks noChangeAspect="1"/>
+          </p:cNvPicPr>
+          <p:nvPr/>
+        </p:nvPicPr>
+        <p:blipFill>
+          <a:blip r:embed="rId5"/>
+          <a:stretch>
+            <a:fillRect/>
+          </a:stretch>
+        </p:blipFill>
+        <p:spPr>
+          <a:xfrm>
+            <a:off x="8102600" y="3040854"/>
+            <a:ext cx="3657600" cy="2153153"/>
+          </a:xfrm>
+          <a:prstGeom prst="rect">
+            <a:avLst/>
+          </a:prstGeom>
+        </p:spPr>
+      </p:pic>
+      <p:sp>
+        <p:nvSpPr>
+          <p:cNvPr id="8" name="TextBox 7">
+            <a:extLst>
+              <a:ext uri="{FF2B5EF4-FFF2-40B4-BE49-F238E27FC236}">
+                <a16:creationId xmlns:a16="http://schemas.microsoft.com/office/drawing/2014/main" id="{EFD8D9E6-AE79-46CA-992D-BA5DD54E9185}"/>
+              </a:ext>
+            </a:extLst>
+          </p:cNvPr>
+          <p:cNvSpPr txBox="1"/>
+          <p:nvPr/>
+        </p:nvSpPr>
+        <p:spPr>
+          <a:xfrm>
+            <a:off x="4099300" y="5712659"/>
+            <a:ext cx="3993401" cy="369332"/>
+          </a:xfrm>
+          <a:prstGeom prst="rect">
+            <a:avLst/>
+          </a:prstGeom>
+          <a:noFill/>
+        </p:spPr>
+        <p:txBody>
+          <a:bodyPr wrap="none" rtlCol="0">
+            <a:spAutoFit/>
+          </a:bodyPr>
+          <a:lstStyle/>
+          <a:p>
+            <a:r>
+              <a:rPr lang="en-US" dirty="0">
+                <a:latin typeface="Arial" panose="020B0604020202020204" pitchFamily="34" charset="0"/>
+                <a:cs typeface="Arial" panose="020B0604020202020204" pitchFamily="34" charset="0"/>
+              </a:rPr>
+              <a:t>What is the remaining time to failure?</a:t>
+            </a:r>
+          </a:p>
+        </p:txBody>
+      </p:sp>
+      <p:cxnSp>
+        <p:nvCxnSpPr>
+          <p:cNvPr id="10" name="Straight Arrow Connector 9">
+            <a:extLst>
+              <a:ext uri="{FF2B5EF4-FFF2-40B4-BE49-F238E27FC236}">
+                <a16:creationId xmlns:a16="http://schemas.microsoft.com/office/drawing/2014/main" id="{BAE80324-FE49-401A-9A79-307A90BF6F40}"/>
+              </a:ext>
+            </a:extLst>
+          </p:cNvPr>
+          <p:cNvCxnSpPr>
+            <a:stCxn id="5" idx="2"/>
+            <a:endCxn id="8" idx="0"/>
+          </p:cNvCxnSpPr>
+          <p:nvPr/>
+        </p:nvCxnSpPr>
+        <p:spPr>
+          <a:xfrm>
+            <a:off x="2260600" y="5169905"/>
+            <a:ext cx="3835401" cy="542754"/>
+          </a:xfrm>
+          <a:prstGeom prst="straightConnector1">
+            <a:avLst/>
+          </a:prstGeom>
+          <a:ln>
+            <a:headEnd type="none" w="med" len="med"/>
+            <a:tailEnd type="none" w="med" len="med"/>
+          </a:ln>
+        </p:spPr>
+        <p:style>
+          <a:lnRef idx="1">
+            <a:schemeClr val="dk1"/>
+          </a:lnRef>
+          <a:fillRef idx="0">
+            <a:schemeClr val="dk1"/>
+          </a:fillRef>
+          <a:effectRef idx="0">
+            <a:schemeClr val="dk1"/>
+          </a:effectRef>
+          <a:fontRef idx="minor">
+            <a:schemeClr val="tx1"/>
+          </a:fontRef>
+        </p:style>
+      </p:cxnSp>
+      <p:cxnSp>
+        <p:nvCxnSpPr>
+          <p:cNvPr id="12" name="Straight Arrow Connector 11">
+            <a:extLst>
+              <a:ext uri="{FF2B5EF4-FFF2-40B4-BE49-F238E27FC236}">
+                <a16:creationId xmlns:a16="http://schemas.microsoft.com/office/drawing/2014/main" id="{FEA947C7-9185-48CF-9631-CD3FD3942FA5}"/>
+              </a:ext>
+            </a:extLst>
+          </p:cNvPr>
+          <p:cNvCxnSpPr>
+            <a:stCxn id="6" idx="2"/>
+            <a:endCxn id="8" idx="0"/>
+          </p:cNvCxnSpPr>
+          <p:nvPr/>
+        </p:nvCxnSpPr>
+        <p:spPr>
+          <a:xfrm>
+            <a:off x="6096000" y="5169905"/>
+            <a:ext cx="1" cy="542754"/>
+          </a:xfrm>
+          <a:prstGeom prst="straightConnector1">
+            <a:avLst/>
+          </a:prstGeom>
+          <a:ln>
+            <a:headEnd type="none" w="med" len="med"/>
+            <a:tailEnd type="none" w="med" len="med"/>
+          </a:ln>
+        </p:spPr>
+        <p:style>
+          <a:lnRef idx="1">
+            <a:schemeClr val="dk1"/>
+          </a:lnRef>
+          <a:fillRef idx="0">
+            <a:schemeClr val="dk1"/>
+          </a:fillRef>
+          <a:effectRef idx="0">
+            <a:schemeClr val="dk1"/>
+          </a:effectRef>
+          <a:fontRef idx="minor">
+            <a:schemeClr val="tx1"/>
+          </a:fontRef>
+        </p:style>
+      </p:cxnSp>
+      <p:cxnSp>
+        <p:nvCxnSpPr>
+          <p:cNvPr id="14" name="Straight Arrow Connector 13">
+            <a:extLst>
+              <a:ext uri="{FF2B5EF4-FFF2-40B4-BE49-F238E27FC236}">
+                <a16:creationId xmlns:a16="http://schemas.microsoft.com/office/drawing/2014/main" id="{E1F46A4E-36B7-40C0-B4B7-570DF3AAC2DC}"/>
+              </a:ext>
+            </a:extLst>
+          </p:cNvPr>
+          <p:cNvCxnSpPr>
+            <a:stCxn id="7" idx="2"/>
+            <a:endCxn id="8" idx="0"/>
+          </p:cNvCxnSpPr>
+          <p:nvPr/>
+        </p:nvCxnSpPr>
+        <p:spPr>
+          <a:xfrm flipH="1">
+            <a:off x="6096001" y="5194007"/>
+            <a:ext cx="3835399" cy="518652"/>
+          </a:xfrm>
+          <a:prstGeom prst="straightConnector1">
+            <a:avLst/>
+          </a:prstGeom>
+          <a:ln>
+            <a:headEnd type="none" w="med" len="med"/>
+            <a:tailEnd type="none" w="med" len="med"/>
+          </a:ln>
+        </p:spPr>
+        <p:style>
+          <a:lnRef idx="1">
+            <a:schemeClr val="dk1"/>
+          </a:lnRef>
+          <a:fillRef idx="0">
+            <a:schemeClr val="dk1"/>
+          </a:fillRef>
+          <a:effectRef idx="0">
+            <a:schemeClr val="dk1"/>
+          </a:effectRef>
+          <a:fontRef idx="minor">
+            <a:schemeClr val="tx1"/>
+          </a:fontRef>
+        </p:style>
+      </p:cxnSp>
+    </p:spTree>
+    <p:extLst>
+      <p:ext uri="{BB962C8B-B14F-4D97-AF65-F5344CB8AC3E}">
+        <p14:creationId xmlns:p14="http://schemas.microsoft.com/office/powerpoint/2010/main" val="789962410"/>
+      </p:ext>
+    </p:extLst>
+  </p:cSld>
+  <p:clrMapOvr>
+    <a:masterClrMapping/>
+  </p:clrMapOvr>
+  <p:timing>
+    <p:tnLst>
+      <p:par>
+        <p:cTn id="1" dur="indefinite" restart="never" nodeType="tmRoot">
+          <p:childTnLst>
+            <p:seq concurrent="1" nextAc="seek">
+              <p:cTn id="2" dur="indefinite" nodeType="mainSeq">
+                <p:childTnLst>
+                  <p:par>
+                    <p:cTn id="3" fill="hold">
+                      <p:stCondLst>
+                        <p:cond delay="indefinite"/>
+                      </p:stCondLst>
+                      <p:childTnLst>
+                        <p:par>
+                          <p:cTn id="4" fill="hold">
+                            <p:stCondLst>
+                              <p:cond delay="0"/>
+                            </p:stCondLst>
+                            <p:childTnLst>
+                              <p:par>
+                                <p:cTn id="5" presetID="10" presetClass="entr" presetSubtype="0" fill="hold" nodeType="clickEffect">
+                                  <p:stCondLst>
+                                    <p:cond delay="0"/>
+                                  </p:stCondLst>
+                                  <p:childTnLst>
+                                    <p:set>
+                                      <p:cBhvr>
+                                        <p:cTn id="6" dur="1" fill="hold">
+                                          <p:stCondLst>
+                                            <p:cond delay="0"/>
+                                          </p:stCondLst>
+                                        </p:cTn>
+                                        <p:tgtEl>
+                                          <p:spTgt spid="10"/>
+                                        </p:tgtEl>
+                                        <p:attrNameLst>
+                                          <p:attrName>style.visibility</p:attrName>
+                                        </p:attrNameLst>
+                                      </p:cBhvr>
+                                      <p:to>
+                                        <p:strVal val="visible"/>
+                                      </p:to>
+                                    </p:set>
+                                    <p:animEffect transition="in" filter="fade">
+                                      <p:cBhvr>
+                                        <p:cTn id="7" dur="500"/>
+                                        <p:tgtEl>
+                                          <p:spTgt spid="10"/>
+                                        </p:tgtEl>
+                                      </p:cBhvr>
+                                    </p:animEffect>
+                                  </p:childTnLst>
+                                </p:cTn>
+                              </p:par>
+                              <p:par>
+                                <p:cTn id="8" presetID="10" presetClass="entr" presetSubtype="0" fill="hold" nodeType="withEffect">
+                                  <p:stCondLst>
+                                    <p:cond delay="0"/>
+                                  </p:stCondLst>
+                                  <p:childTnLst>
+                                    <p:set>
+                                      <p:cBhvr>
+                                        <p:cTn id="9" dur="1" fill="hold">
+                                          <p:stCondLst>
+                                            <p:cond delay="0"/>
+                                          </p:stCondLst>
+                                        </p:cTn>
+                                        <p:tgtEl>
+                                          <p:spTgt spid="12"/>
+                                        </p:tgtEl>
+                                        <p:attrNameLst>
+                                          <p:attrName>style.visibility</p:attrName>
+                                        </p:attrNameLst>
+                                      </p:cBhvr>
+                                      <p:to>
+                                        <p:strVal val="visible"/>
+                                      </p:to>
+                                    </p:set>
+                                    <p:animEffect transition="in" filter="fade">
+                                      <p:cBhvr>
+                                        <p:cTn id="10" dur="500"/>
+                                        <p:tgtEl>
+                                          <p:spTgt spid="12"/>
+                                        </p:tgtEl>
+                                      </p:cBhvr>
+                                    </p:animEffect>
+                                  </p:childTnLst>
+                                </p:cTn>
+                              </p:par>
+                              <p:par>
+                                <p:cTn id="11" presetID="10" presetClass="entr" presetSubtype="0" fill="hold" nodeType="withEffect">
+                                  <p:stCondLst>
+                                    <p:cond delay="0"/>
+                                  </p:stCondLst>
+                                  <p:childTnLst>
+                                    <p:set>
+                                      <p:cBhvr>
+                                        <p:cTn id="12" dur="1" fill="hold">
+                                          <p:stCondLst>
+                                            <p:cond delay="0"/>
+                                          </p:stCondLst>
+                                        </p:cTn>
+                                        <p:tgtEl>
+                                          <p:spTgt spid="14"/>
+                                        </p:tgtEl>
+                                        <p:attrNameLst>
+                                          <p:attrName>style.visibility</p:attrName>
+                                        </p:attrNameLst>
+                                      </p:cBhvr>
+                                      <p:to>
+                                        <p:strVal val="visible"/>
+                                      </p:to>
+                                    </p:set>
+                                    <p:animEffect transition="in" filter="fade">
+                                      <p:cBhvr>
+                                        <p:cTn id="13" dur="500"/>
+                                        <p:tgtEl>
+                                          <p:spTgt spid="14"/>
+                                        </p:tgtEl>
+                                      </p:cBhvr>
+                                    </p:animEffect>
+                                  </p:childTnLst>
+                                </p:cTn>
+                              </p:par>
+                              <p:par>
+                                <p:cTn id="14" presetID="10" presetClass="entr" presetSubtype="0" fill="hold" grpId="0" nodeType="withEffect">
+                                  <p:stCondLst>
+                                    <p:cond delay="0"/>
+                                  </p:stCondLst>
+                                  <p:childTnLst>
+                                    <p:set>
+                                      <p:cBhvr>
+                                        <p:cTn id="15" dur="1" fill="hold">
+                                          <p:stCondLst>
+                                            <p:cond delay="0"/>
+                                          </p:stCondLst>
+                                        </p:cTn>
+                                        <p:tgtEl>
+                                          <p:spTgt spid="8"/>
+                                        </p:tgtEl>
+                                        <p:attrNameLst>
+                                          <p:attrName>style.visibility</p:attrName>
+                                        </p:attrNameLst>
+                                      </p:cBhvr>
+                                      <p:to>
+                                        <p:strVal val="visible"/>
+                                      </p:to>
+                                    </p:set>
+                                    <p:animEffect transition="in" filter="fade">
+                                      <p:cBhvr>
+                                        <p:cTn id="16" dur="500"/>
+                                        <p:tgtEl>
+                                          <p:spTgt spid="8"/>
+                                        </p:tgtEl>
+                                      </p:cBhvr>
+                                    </p:animEffect>
+                                  </p:childTnLst>
+                                </p:cTn>
+                              </p:par>
+                            </p:childTnLst>
+                          </p:cTn>
+                        </p:par>
+                      </p:childTnLst>
+                    </p:cTn>
+                  </p:par>
+                </p:childTnLst>
+              </p:cTn>
+              <p:prevCondLst>
+                <p:cond evt="onPrev" delay="0">
+                  <p:tgtEl>
+                    <p:sldTgt/>
+                  </p:tgtEl>
+                </p:cond>
+              </p:prevCondLst>
+              <p:nextCondLst>
+                <p:cond evt="onNext" delay="0">
+                  <p:tgtEl>
+                    <p:sldTgt/>
+                  </p:tgtEl>
+                </p:cond>
+              </p:nextCondLst>
+            </p:seq>
+          </p:childTnLst>
+        </p:cTn>
+      </p:par>
+    </p:tnLst>
+    <p:bldLst>
+      <p:bldP spid="8" grpId="0"/>
+    </p:bldLst>
+  </p:timing>
+</p:sld>
+</file>
+
+<file path=ppt/slides/slide6.xml><?xml version="1.0" encoding="utf-8"?>
+<p:sld xmlns:a="http://schemas.openxmlformats.org/drawingml/2006/main" xmlns:r="http://schemas.openxmlformats.org/officeDocument/2006/relationships" xmlns:p="http://schemas.openxmlformats.org/presentationml/2006/main">
+  <p:cSld>
+    <p:spTree>
+      <p:nvGrpSpPr>
+        <p:cNvPr id="1" name=""/>
+        <p:cNvGrpSpPr/>
+        <p:nvPr/>
+      </p:nvGrpSpPr>
+      <p:grpSpPr>
+        <a:xfrm>
+          <a:off x="0" y="0"/>
+          <a:ext cx="0" cy="0"/>
+          <a:chOff x="0" y="0"/>
+          <a:chExt cx="0" cy="0"/>
+        </a:xfrm>
+      </p:grpSpPr>
+      <p:sp>
+        <p:nvSpPr>
+          <p:cNvPr id="2" name="Title 1">
+            <a:extLst>
+              <a:ext uri="{FF2B5EF4-FFF2-40B4-BE49-F238E27FC236}">
+                <a16:creationId xmlns:a16="http://schemas.microsoft.com/office/drawing/2014/main" id="{34BED1ED-F913-4BA8-8AFF-8E039C43E5B0}"/>
+              </a:ext>
+            </a:extLst>
+          </p:cNvPr>
+          <p:cNvSpPr>
+            <a:spLocks noGrp="1"/>
+          </p:cNvSpPr>
+          <p:nvPr>
+            <p:ph type="title"/>
+          </p:nvPr>
+        </p:nvSpPr>
+        <p:spPr/>
+        <p:txBody>
+          <a:bodyPr/>
+          <a:lstStyle/>
+          <a:p>
+            <a:r>
+              <a:rPr lang="en-US" dirty="0"/>
+              <a:t>Experimental setting</a:t>
+            </a:r>
+          </a:p>
+        </p:txBody>
+      </p:sp>
+      <p:sp>
+        <p:nvSpPr>
+          <p:cNvPr id="3" name="Content Placeholder 2">
+            <a:extLst>
+              <a:ext uri="{FF2B5EF4-FFF2-40B4-BE49-F238E27FC236}">
+                <a16:creationId xmlns:a16="http://schemas.microsoft.com/office/drawing/2014/main" id="{2211BE88-0FD4-439D-985C-F636A749A94F}"/>
+              </a:ext>
+            </a:extLst>
+          </p:cNvPr>
+          <p:cNvSpPr>
+            <a:spLocks noGrp="1"/>
+          </p:cNvSpPr>
+          <p:nvPr>
+            <p:ph idx="1"/>
+          </p:nvPr>
+        </p:nvSpPr>
+        <p:spPr/>
+        <p:txBody>
+          <a:bodyPr/>
+          <a:lstStyle/>
+          <a:p>
+            <a:endParaRPr lang="en-US"/>
+          </a:p>
+        </p:txBody>
+      </p:sp>
+      <p:pic>
+        <p:nvPicPr>
+          <p:cNvPr id="4" name="Picture 3">
+            <a:extLst>
+              <a:ext uri="{FF2B5EF4-FFF2-40B4-BE49-F238E27FC236}">
+                <a16:creationId xmlns:a16="http://schemas.microsoft.com/office/drawing/2014/main" id="{1F0CC9C2-7621-4B2F-A56B-BBDFF04F33BB}"/>
+              </a:ext>
+            </a:extLst>
+          </p:cNvPr>
+          <p:cNvPicPr>
+            <a:picLocks noChangeAspect="1"/>
+          </p:cNvPicPr>
+          <p:nvPr/>
+        </p:nvPicPr>
+        <p:blipFill rotWithShape="1">
+          <a:blip r:embed="rId3"/>
+          <a:srcRect l="19506" b="56287"/>
+          <a:stretch/>
+        </p:blipFill>
+        <p:spPr>
+          <a:xfrm>
+            <a:off x="1587601" y="2204661"/>
+            <a:ext cx="4087791" cy="3414959"/>
+          </a:xfrm>
+          <a:prstGeom prst="rect">
+            <a:avLst/>
+          </a:prstGeom>
+        </p:spPr>
+      </p:pic>
+      <p:sp>
+        <p:nvSpPr>
+          <p:cNvPr id="5" name="AutoShape 2" descr="labquakes">
+            <a:extLst>
+              <a:ext uri="{FF2B5EF4-FFF2-40B4-BE49-F238E27FC236}">
+                <a16:creationId xmlns:a16="http://schemas.microsoft.com/office/drawing/2014/main" id="{12F72B3D-1878-40D3-9CF8-A1628CC5D3C7}"/>
+              </a:ext>
+            </a:extLst>
+          </p:cNvPr>
+          <p:cNvSpPr>
+            <a:spLocks noChangeAspect="1" noChangeArrowheads="1"/>
+          </p:cNvSpPr>
+          <p:nvPr/>
+        </p:nvSpPr>
+        <p:spPr bwMode="auto">
+          <a:xfrm>
+            <a:off x="5943600" y="3276600"/>
+            <a:ext cx="304800" cy="304800"/>
+          </a:xfrm>
+          <a:prstGeom prst="rect">
+            <a:avLst/>
+          </a:prstGeom>
+          <a:noFill/>
+          <a:extLst>
+            <a:ext uri="{909E8E84-426E-40DD-AFC4-6F175D3DCCD1}">
+              <a14:hiddenFill xmlns:a14="http://schemas.microsoft.com/office/drawing/2010/main">
+                <a:solidFill>
+                  <a:srgbClr val="FFFFFF"/>
+                </a:solidFill>
+              </a14:hiddenFill>
+            </a:ext>
+          </a:extLst>
+        </p:spPr>
+        <p:txBody>
+          <a:bodyPr vert="horz" wrap="square" lIns="91440" tIns="45720" rIns="91440" bIns="45720" numCol="1" anchor="t" anchorCtr="0" compatLnSpc="1">
+            <a:prstTxWarp prst="textNoShape">
+              <a:avLst/>
+            </a:prstTxWarp>
+          </a:bodyPr>
+          <a:lstStyle/>
+          <a:p>
+            <a:endParaRPr lang="en-US"/>
+          </a:p>
+        </p:txBody>
+      </p:sp>
+      <p:sp>
+        <p:nvSpPr>
+          <p:cNvPr id="6" name="AutoShape 4" descr="labquakes">
+            <a:extLst>
+              <a:ext uri="{FF2B5EF4-FFF2-40B4-BE49-F238E27FC236}">
+                <a16:creationId xmlns:a16="http://schemas.microsoft.com/office/drawing/2014/main" id="{8C241C43-7145-4BB0-B61A-8BD18D62E8DC}"/>
+              </a:ext>
+            </a:extLst>
+          </p:cNvPr>
+          <p:cNvSpPr>
+            <a:spLocks noChangeAspect="1" noChangeArrowheads="1"/>
+          </p:cNvSpPr>
+          <p:nvPr/>
+        </p:nvSpPr>
+        <p:spPr bwMode="auto">
+          <a:xfrm>
+            <a:off x="6096000" y="3429000"/>
+            <a:ext cx="304800" cy="304800"/>
+          </a:xfrm>
+          <a:prstGeom prst="rect">
+            <a:avLst/>
+          </a:prstGeom>
+          <a:noFill/>
+          <a:extLst>
+            <a:ext uri="{909E8E84-426E-40DD-AFC4-6F175D3DCCD1}">
+              <a14:hiddenFill xmlns:a14="http://schemas.microsoft.com/office/drawing/2010/main">
+                <a:solidFill>
+                  <a:srgbClr val="FFFFFF"/>
+                </a:solidFill>
+              </a14:hiddenFill>
+            </a:ext>
+          </a:extLst>
+        </p:spPr>
+        <p:txBody>
+          <a:bodyPr vert="horz" wrap="square" lIns="91440" tIns="45720" rIns="91440" bIns="45720" numCol="1" anchor="t" anchorCtr="0" compatLnSpc="1">
+            <a:prstTxWarp prst="textNoShape">
+              <a:avLst/>
+            </a:prstTxWarp>
+          </a:bodyPr>
+          <a:lstStyle/>
+          <a:p>
+            <a:endParaRPr lang="en-US"/>
+          </a:p>
+        </p:txBody>
+      </p:sp>
+      <p:sp>
+        <p:nvSpPr>
+          <p:cNvPr id="8" name="Slide Number Placeholder 7">
+            <a:extLst>
+              <a:ext uri="{FF2B5EF4-FFF2-40B4-BE49-F238E27FC236}">
+                <a16:creationId xmlns:a16="http://schemas.microsoft.com/office/drawing/2014/main" id="{53FD221D-55B9-4949-A9F5-7C515320BDC1}"/>
+              </a:ext>
+            </a:extLst>
+          </p:cNvPr>
+          <p:cNvSpPr>
+            <a:spLocks noGrp="1"/>
+          </p:cNvSpPr>
+          <p:nvPr>
+            <p:ph type="sldNum" sz="quarter" idx="12"/>
+          </p:nvPr>
+        </p:nvSpPr>
+        <p:spPr/>
+        <p:txBody>
+          <a:bodyPr/>
+          <a:lstStyle/>
+          <a:p>
+            <a:fld id="{49F5416C-8930-4BBD-885C-EB544461BEF4}" type="slidenum">
+              <a:rPr lang="en-US" smtClean="0"/>
+              <a:pPr/>
+              <a:t>6</a:t>
+            </a:fld>
+            <a:endParaRPr lang="en-US" dirty="0"/>
+          </a:p>
+        </p:txBody>
+      </p:sp>
+      <p:sp>
+        <p:nvSpPr>
+          <p:cNvPr id="10" name="TextBox 9">
+            <a:extLst>
+              <a:ext uri="{FF2B5EF4-FFF2-40B4-BE49-F238E27FC236}">
+                <a16:creationId xmlns:a16="http://schemas.microsoft.com/office/drawing/2014/main" id="{1E827BD2-6580-46EF-982B-F994B57B972D}"/>
+              </a:ext>
+            </a:extLst>
+          </p:cNvPr>
+          <p:cNvSpPr txBox="1"/>
+          <p:nvPr/>
+        </p:nvSpPr>
+        <p:spPr>
+          <a:xfrm>
+            <a:off x="838200" y="1775162"/>
+            <a:ext cx="5908040" cy="369332"/>
+          </a:xfrm>
+          <a:prstGeom prst="rect">
+            <a:avLst/>
+          </a:prstGeom>
+          <a:noFill/>
+        </p:spPr>
+        <p:txBody>
+          <a:bodyPr wrap="square">
+            <a:spAutoFit/>
+          </a:bodyPr>
+          <a:lstStyle/>
+          <a:p>
+            <a:r>
+              <a:rPr lang="en-US" b="0" i="0" dirty="0">
+                <a:effectLst/>
+                <a:latin typeface="Arial" panose="020B0604020202020204" pitchFamily="34" charset="0"/>
+                <a:cs typeface="Arial" panose="020B0604020202020204" pitchFamily="34" charset="0"/>
+              </a:rPr>
+              <a:t>Laboratory experiment simulating slow earthquakes</a:t>
+            </a:r>
+            <a:endParaRPr lang="en-US" dirty="0">
+              <a:latin typeface="Arial" panose="020B0604020202020204" pitchFamily="34" charset="0"/>
+              <a:cs typeface="Arial" panose="020B0604020202020204" pitchFamily="34" charset="0"/>
+            </a:endParaRPr>
+          </a:p>
+        </p:txBody>
+      </p:sp>
+      <p:pic>
+        <p:nvPicPr>
+          <p:cNvPr id="12" name="Picture 11">
+            <a:extLst>
+              <a:ext uri="{FF2B5EF4-FFF2-40B4-BE49-F238E27FC236}">
+                <a16:creationId xmlns:a16="http://schemas.microsoft.com/office/drawing/2014/main" id="{09596510-5814-4C59-A5A8-096729A4E895}"/>
+              </a:ext>
+            </a:extLst>
+          </p:cNvPr>
+          <p:cNvPicPr>
+            <a:picLocks noChangeAspect="1"/>
+          </p:cNvPicPr>
+          <p:nvPr/>
+        </p:nvPicPr>
+        <p:blipFill>
+          <a:blip r:embed="rId4"/>
+          <a:stretch>
+            <a:fillRect/>
+          </a:stretch>
+        </p:blipFill>
+        <p:spPr>
+          <a:xfrm>
+            <a:off x="6290479" y="2077085"/>
+            <a:ext cx="5076825" cy="2324100"/>
+          </a:xfrm>
+          <a:prstGeom prst="rect">
+            <a:avLst/>
+          </a:prstGeom>
+        </p:spPr>
+      </p:pic>
+      <p:sp>
+        <p:nvSpPr>
+          <p:cNvPr id="14" name="TextBox 13">
+            <a:extLst>
+              <a:ext uri="{FF2B5EF4-FFF2-40B4-BE49-F238E27FC236}">
+                <a16:creationId xmlns:a16="http://schemas.microsoft.com/office/drawing/2014/main" id="{5C24C147-5595-4EA1-B12C-DC0E0EC19CF1}"/>
+              </a:ext>
+            </a:extLst>
+          </p:cNvPr>
+          <p:cNvSpPr txBox="1"/>
+          <p:nvPr/>
+        </p:nvSpPr>
+        <p:spPr>
+          <a:xfrm>
+            <a:off x="7498080" y="4653973"/>
+            <a:ext cx="3494235" cy="369332"/>
+          </a:xfrm>
+          <a:prstGeom prst="rect">
+            <a:avLst/>
+          </a:prstGeom>
+          <a:noFill/>
+        </p:spPr>
+        <p:txBody>
+          <a:bodyPr wrap="square">
+            <a:spAutoFit/>
+          </a:bodyPr>
+          <a:lstStyle/>
+          <a:p>
+            <a:r>
+              <a:rPr lang="en-US" b="0" i="0" dirty="0">
+                <a:effectLst/>
+                <a:latin typeface="Arial" panose="020B0604020202020204" pitchFamily="34" charset="0"/>
+                <a:cs typeface="Arial" panose="020B0604020202020204" pitchFamily="34" charset="0"/>
+              </a:rPr>
+              <a:t>Measured stick and slip </a:t>
+            </a:r>
+            <a:endParaRPr lang="en-US" dirty="0"/>
+          </a:p>
+        </p:txBody>
+      </p:sp>
+      <p:sp>
+        <p:nvSpPr>
+          <p:cNvPr id="15" name="TextBox 14">
+            <a:extLst>
+              <a:ext uri="{FF2B5EF4-FFF2-40B4-BE49-F238E27FC236}">
+                <a16:creationId xmlns:a16="http://schemas.microsoft.com/office/drawing/2014/main" id="{575B3AB2-23D8-4E57-B57F-404F5B5D5BFC}"/>
+              </a:ext>
+            </a:extLst>
+          </p:cNvPr>
+          <p:cNvSpPr txBox="1"/>
+          <p:nvPr/>
+        </p:nvSpPr>
+        <p:spPr>
+          <a:xfrm>
+            <a:off x="9619946" y="4341454"/>
+            <a:ext cx="2167966" cy="369332"/>
+          </a:xfrm>
+          <a:prstGeom prst="rect">
+            <a:avLst/>
+          </a:prstGeom>
+          <a:noFill/>
+        </p:spPr>
+        <p:txBody>
+          <a:bodyPr wrap="none" rtlCol="0">
+            <a:spAutoFit/>
+          </a:bodyPr>
+          <a:lstStyle/>
+          <a:p>
+            <a:r>
+              <a:rPr lang="en-US" dirty="0"/>
+              <a:t>(Leeman et al., 2016)</a:t>
+            </a:r>
+          </a:p>
+        </p:txBody>
+      </p:sp>
+      <p:sp>
+        <p:nvSpPr>
+          <p:cNvPr id="16" name="TextBox 15">
+            <a:extLst>
+              <a:ext uri="{FF2B5EF4-FFF2-40B4-BE49-F238E27FC236}">
+                <a16:creationId xmlns:a16="http://schemas.microsoft.com/office/drawing/2014/main" id="{886D22A9-1239-4EE2-8A8D-959FD947BAD8}"/>
+              </a:ext>
+            </a:extLst>
+          </p:cNvPr>
+          <p:cNvSpPr txBox="1"/>
+          <p:nvPr/>
+        </p:nvSpPr>
+        <p:spPr>
+          <a:xfrm>
+            <a:off x="34146" y="5645425"/>
+            <a:ext cx="6712094" cy="369332"/>
+          </a:xfrm>
+          <a:prstGeom prst="rect">
+            <a:avLst/>
+          </a:prstGeom>
+          <a:noFill/>
+        </p:spPr>
+        <p:txBody>
+          <a:bodyPr wrap="none" rtlCol="0">
+            <a:spAutoFit/>
+          </a:bodyPr>
+          <a:lstStyle/>
+          <a:p>
+            <a:r>
+              <a:rPr lang="en-US" dirty="0">
+                <a:latin typeface="Arial" panose="020B0604020202020204" pitchFamily="34" charset="0"/>
+                <a:cs typeface="Arial" panose="020B0604020202020204" pitchFamily="34" charset="0"/>
+              </a:rPr>
+              <a:t>Repetitive stick and slip between granular layers and shear load</a:t>
+            </a:r>
+          </a:p>
+        </p:txBody>
+      </p:sp>
+    </p:spTree>
+    <p:extLst>
+      <p:ext uri="{BB962C8B-B14F-4D97-AF65-F5344CB8AC3E}">
+        <p14:creationId xmlns:p14="http://schemas.microsoft.com/office/powerpoint/2010/main" val="3806416638"/>
+      </p:ext>
+    </p:extLst>
+  </p:cSld>
+  <p:clrMapOvr>
+    <a:masterClrMapping/>
+  </p:clrMapOvr>
+</p:sld>
+</file>
+
+<file path=ppt/slides/slide7.xml><?xml version="1.0" encoding="utf-8"?>
+<p:sld xmlns:a="http://schemas.openxmlformats.org/drawingml/2006/main" xmlns:r="http://schemas.openxmlformats.org/officeDocument/2006/relationships" xmlns:p="http://schemas.openxmlformats.org/presentationml/2006/main">
+  <p:cSld>
+    <p:spTree>
+      <p:nvGrpSpPr>
+        <p:cNvPr id="1" name=""/>
+        <p:cNvGrpSpPr/>
+        <p:nvPr/>
+      </p:nvGrpSpPr>
+      <p:grpSpPr>
+        <a:xfrm>
+          <a:off x="0" y="0"/>
+          <a:ext cx="0" cy="0"/>
+          <a:chOff x="0" y="0"/>
+          <a:chExt cx="0" cy="0"/>
+        </a:xfrm>
+      </p:grpSpPr>
+      <p:sp>
+        <p:nvSpPr>
+          <p:cNvPr id="2" name="Title 1">
+            <a:extLst>
+              <a:ext uri="{FF2B5EF4-FFF2-40B4-BE49-F238E27FC236}">
+                <a16:creationId xmlns:a16="http://schemas.microsoft.com/office/drawing/2014/main" id="{FC016C50-1BCF-46C3-9CEC-7E034A77E439}"/>
+              </a:ext>
+            </a:extLst>
+          </p:cNvPr>
+          <p:cNvSpPr>
+            <a:spLocks noGrp="1"/>
+          </p:cNvSpPr>
+          <p:nvPr>
+            <p:ph type="title"/>
+          </p:nvPr>
+        </p:nvSpPr>
+        <p:spPr/>
+        <p:txBody>
+          <a:bodyPr/>
+          <a:lstStyle/>
+          <a:p>
+            <a:r>
+              <a:rPr lang="en-US" dirty="0"/>
+              <a:t>Raw data</a:t>
+            </a:r>
+          </a:p>
+        </p:txBody>
+      </p:sp>
+      <p:pic>
+        <p:nvPicPr>
+          <p:cNvPr id="2050" name="Picture 2">
+            <a:extLst>
+              <a:ext uri="{FF2B5EF4-FFF2-40B4-BE49-F238E27FC236}">
+                <a16:creationId xmlns:a16="http://schemas.microsoft.com/office/drawing/2014/main" id="{1FE74EA0-60A5-4F50-9ACF-09D6BDF484A7}"/>
+              </a:ext>
+            </a:extLst>
+          </p:cNvPr>
+          <p:cNvPicPr>
+            <a:picLocks noGrp="1" noChangeAspect="1" noChangeArrowheads="1"/>
+          </p:cNvPicPr>
+          <p:nvPr>
+            <p:ph idx="1"/>
+          </p:nvPr>
+        </p:nvPicPr>
+        <p:blipFill>
+          <a:blip r:embed="rId3">
+            <a:extLst>
+              <a:ext uri="{28A0092B-C50C-407E-A947-70E740481C1C}">
+                <a14:useLocalDpi xmlns:a14="http://schemas.microsoft.com/office/drawing/2010/main" val="0"/>
+              </a:ext>
+            </a:extLst>
+          </a:blip>
+          <a:srcRect/>
+          <a:stretch>
+            <a:fillRect/>
+          </a:stretch>
+        </p:blipFill>
+        <p:spPr bwMode="auto">
+          <a:xfrm>
+            <a:off x="2488255" y="1773998"/>
+            <a:ext cx="5486400" cy="3925950"/>
+          </a:xfrm>
+          <a:prstGeom prst="rect">
+            <a:avLst/>
+          </a:prstGeom>
+          <a:noFill/>
+          <a:extLst>
+            <a:ext uri="{909E8E84-426E-40DD-AFC4-6F175D3DCCD1}">
+              <a14:hiddenFill xmlns:a14="http://schemas.microsoft.com/office/drawing/2010/main">
+                <a:solidFill>
+                  <a:srgbClr val="FFFFFF"/>
+                </a:solidFill>
+              </a14:hiddenFill>
+            </a:ext>
+          </a:extLst>
+        </p:spPr>
+      </p:pic>
+      <p:sp>
+        <p:nvSpPr>
+          <p:cNvPr id="4" name="Oval 3">
+            <a:extLst>
+              <a:ext uri="{FF2B5EF4-FFF2-40B4-BE49-F238E27FC236}">
+                <a16:creationId xmlns:a16="http://schemas.microsoft.com/office/drawing/2014/main" id="{25FF9514-6995-446F-90C6-9EA52F74A454}"/>
+              </a:ext>
+            </a:extLst>
+          </p:cNvPr>
+          <p:cNvSpPr/>
+          <p:nvPr/>
+        </p:nvSpPr>
+        <p:spPr>
+          <a:xfrm>
+            <a:off x="3283807" y="5160488"/>
+            <a:ext cx="297711" cy="223284"/>
+          </a:xfrm>
+          <a:prstGeom prst="ellipse">
+            <a:avLst/>
+          </a:prstGeom>
+          <a:noFill/>
+          <a:ln>
+            <a:solidFill>
+              <a:schemeClr val="tx1"/>
+            </a:solidFill>
+          </a:ln>
+        </p:spPr>
+        <p:style>
+          <a:lnRef idx="2">
+            <a:schemeClr val="accent1">
+              <a:shade val="50000"/>
+            </a:schemeClr>
+          </a:lnRef>
+          <a:fillRef idx="1">
+            <a:schemeClr val="accent1"/>
+          </a:fillRef>
+          <a:effectRef idx="0">
+            <a:schemeClr val="accent1"/>
+          </a:effectRef>
+          <a:fontRef idx="minor">
+            <a:schemeClr val="lt1"/>
+          </a:fontRef>
+        </p:style>
+        <p:txBody>
+          <a:bodyPr rtlCol="0" anchor="ctr"/>
+          <a:lstStyle/>
+          <a:p>
+            <a:pPr algn="ctr"/>
+            <a:endParaRPr lang="en-US">
+              <a:latin typeface="Arial" panose="020B0604020202020204" pitchFamily="34" charset="0"/>
+              <a:cs typeface="Arial" panose="020B0604020202020204" pitchFamily="34" charset="0"/>
+            </a:endParaRPr>
+          </a:p>
+        </p:txBody>
+      </p:sp>
+      <p:cxnSp>
+        <p:nvCxnSpPr>
+          <p:cNvPr id="6" name="Straight Arrow Connector 5">
+            <a:extLst>
+              <a:ext uri="{FF2B5EF4-FFF2-40B4-BE49-F238E27FC236}">
+                <a16:creationId xmlns:a16="http://schemas.microsoft.com/office/drawing/2014/main" id="{0C0F25B8-22EF-471D-B7C1-B68348B9E7E9}"/>
+              </a:ext>
+            </a:extLst>
+          </p:cNvPr>
+          <p:cNvCxnSpPr>
+            <a:cxnSpLocks/>
+            <a:stCxn id="4" idx="4"/>
+            <a:endCxn id="7" idx="0"/>
+          </p:cNvCxnSpPr>
+          <p:nvPr/>
+        </p:nvCxnSpPr>
+        <p:spPr>
+          <a:xfrm flipH="1">
+            <a:off x="2998996" y="5383772"/>
+            <a:ext cx="433667" cy="362225"/>
+          </a:xfrm>
+          <a:prstGeom prst="straightConnector1">
+            <a:avLst/>
+          </a:prstGeom>
+          <a:ln>
+            <a:tailEnd type="triangle"/>
+          </a:ln>
+        </p:spPr>
+        <p:style>
+          <a:lnRef idx="1">
+            <a:schemeClr val="dk1"/>
+          </a:lnRef>
+          <a:fillRef idx="0">
+            <a:schemeClr val="dk1"/>
+          </a:fillRef>
+          <a:effectRef idx="0">
+            <a:schemeClr val="dk1"/>
+          </a:effectRef>
+          <a:fontRef idx="minor">
+            <a:schemeClr val="tx1"/>
+          </a:fontRef>
+        </p:style>
+      </p:cxnSp>
+      <p:sp>
+        <p:nvSpPr>
+          <p:cNvPr id="7" name="TextBox 6">
+            <a:extLst>
+              <a:ext uri="{FF2B5EF4-FFF2-40B4-BE49-F238E27FC236}">
+                <a16:creationId xmlns:a16="http://schemas.microsoft.com/office/drawing/2014/main" id="{235529D7-6001-4898-A2CE-F21F7033AABB}"/>
+              </a:ext>
+            </a:extLst>
+          </p:cNvPr>
+          <p:cNvSpPr txBox="1"/>
+          <p:nvPr/>
+        </p:nvSpPr>
+        <p:spPr>
+          <a:xfrm>
+            <a:off x="2175661" y="5745997"/>
+            <a:ext cx="1646669" cy="369332"/>
+          </a:xfrm>
+          <a:prstGeom prst="rect">
+            <a:avLst/>
+          </a:prstGeom>
+          <a:noFill/>
+        </p:spPr>
+        <p:txBody>
+          <a:bodyPr wrap="none" rtlCol="0">
+            <a:spAutoFit/>
+          </a:bodyPr>
+          <a:lstStyle/>
+          <a:p>
+            <a:r>
+              <a:rPr lang="en-US" dirty="0">
+                <a:latin typeface="Arial" panose="020B0604020202020204" pitchFamily="34" charset="0"/>
+                <a:cs typeface="Arial" panose="020B0604020202020204" pitchFamily="34" charset="0"/>
+              </a:rPr>
+              <a:t>A failure event</a:t>
+            </a:r>
+          </a:p>
+        </p:txBody>
+      </p:sp>
+      <p:sp>
+        <p:nvSpPr>
+          <p:cNvPr id="8" name="TextBox 7">
+            <a:extLst>
+              <a:ext uri="{FF2B5EF4-FFF2-40B4-BE49-F238E27FC236}">
+                <a16:creationId xmlns:a16="http://schemas.microsoft.com/office/drawing/2014/main" id="{653993F4-F13E-45F0-98FC-555E94690B2D}"/>
+              </a:ext>
+            </a:extLst>
+          </p:cNvPr>
+          <p:cNvSpPr txBox="1"/>
+          <p:nvPr/>
+        </p:nvSpPr>
+        <p:spPr>
+          <a:xfrm>
+            <a:off x="3581401" y="6115329"/>
+            <a:ext cx="5211683" cy="646331"/>
+          </a:xfrm>
+          <a:prstGeom prst="rect">
+            <a:avLst/>
+          </a:prstGeom>
+          <a:noFill/>
+        </p:spPr>
+        <p:txBody>
+          <a:bodyPr wrap="none" rtlCol="0">
+            <a:spAutoFit/>
+          </a:bodyPr>
+          <a:lstStyle/>
+          <a:p>
+            <a:r>
+              <a:rPr lang="en-US" dirty="0">
+                <a:latin typeface="Arial" panose="020B0604020202020204" pitchFamily="34" charset="0"/>
+                <a:cs typeface="Arial" panose="020B0604020202020204" pitchFamily="34" charset="0"/>
+              </a:rPr>
+              <a:t>Sixteen failure events in total;</a:t>
+            </a:r>
+          </a:p>
+          <a:p>
+            <a:r>
+              <a:rPr lang="en-US" altLang="zh-CN" b="0" i="0" dirty="0">
+                <a:effectLst/>
+                <a:latin typeface="Arial" panose="020B0604020202020204" pitchFamily="34" charset="0"/>
+                <a:cs typeface="Arial" panose="020B0604020202020204" pitchFamily="34" charset="0"/>
+              </a:rPr>
+              <a:t>C</a:t>
+            </a:r>
+            <a:r>
+              <a:rPr lang="en-US" b="0" i="0" dirty="0">
+                <a:effectLst/>
+                <a:latin typeface="Arial" panose="020B0604020202020204" pitchFamily="34" charset="0"/>
+                <a:cs typeface="Arial" panose="020B0604020202020204" pitchFamily="34" charset="0"/>
+              </a:rPr>
+              <a:t>onsiderably more aperiodic earthquake failures.</a:t>
+            </a:r>
+            <a:endParaRPr lang="en-US" dirty="0">
+              <a:latin typeface="Arial" panose="020B0604020202020204" pitchFamily="34" charset="0"/>
+              <a:cs typeface="Arial" panose="020B0604020202020204" pitchFamily="34" charset="0"/>
+            </a:endParaRPr>
+          </a:p>
+        </p:txBody>
+      </p:sp>
+      <p:sp>
+        <p:nvSpPr>
+          <p:cNvPr id="9" name="TextBox 8">
+            <a:extLst>
+              <a:ext uri="{FF2B5EF4-FFF2-40B4-BE49-F238E27FC236}">
+                <a16:creationId xmlns:a16="http://schemas.microsoft.com/office/drawing/2014/main" id="{BA904906-A60C-4E08-8216-2877008FDCA2}"/>
+              </a:ext>
+            </a:extLst>
+          </p:cNvPr>
+          <p:cNvSpPr txBox="1"/>
+          <p:nvPr/>
+        </p:nvSpPr>
+        <p:spPr>
+          <a:xfrm>
+            <a:off x="34466" y="2355503"/>
+            <a:ext cx="2698175" cy="369332"/>
+          </a:xfrm>
+          <a:prstGeom prst="rect">
+            <a:avLst/>
+          </a:prstGeom>
+          <a:noFill/>
+        </p:spPr>
+        <p:txBody>
+          <a:bodyPr wrap="none" rtlCol="0">
+            <a:spAutoFit/>
+          </a:bodyPr>
+          <a:lstStyle/>
+          <a:p>
+            <a:r>
+              <a:rPr lang="en-US" dirty="0">
+                <a:solidFill>
+                  <a:srgbClr val="FF0000"/>
+                </a:solidFill>
+                <a:latin typeface="Arial" panose="020B0604020202020204" pitchFamily="34" charset="0"/>
+                <a:cs typeface="Arial" panose="020B0604020202020204" pitchFamily="34" charset="0"/>
+              </a:rPr>
+              <a:t>Acoustic emission signal</a:t>
+            </a:r>
+          </a:p>
+        </p:txBody>
+      </p:sp>
+      <p:sp>
+        <p:nvSpPr>
+          <p:cNvPr id="11" name="TextBox 10">
+            <a:extLst>
+              <a:ext uri="{FF2B5EF4-FFF2-40B4-BE49-F238E27FC236}">
+                <a16:creationId xmlns:a16="http://schemas.microsoft.com/office/drawing/2014/main" id="{DED5A7AF-661C-4492-8510-87BC71A06891}"/>
+              </a:ext>
+            </a:extLst>
+          </p:cNvPr>
+          <p:cNvSpPr txBox="1"/>
+          <p:nvPr/>
+        </p:nvSpPr>
+        <p:spPr>
+          <a:xfrm>
+            <a:off x="5496348" y="5598592"/>
+            <a:ext cx="2326342" cy="369332"/>
+          </a:xfrm>
+          <a:prstGeom prst="rect">
+            <a:avLst/>
+          </a:prstGeom>
+          <a:noFill/>
+        </p:spPr>
+        <p:txBody>
+          <a:bodyPr wrap="none" rtlCol="0">
+            <a:spAutoFit/>
+          </a:bodyPr>
+          <a:lstStyle/>
+          <a:p>
+            <a:r>
+              <a:rPr lang="en-US" dirty="0">
+                <a:solidFill>
+                  <a:srgbClr val="0070C0"/>
+                </a:solidFill>
+                <a:latin typeface="Arial" panose="020B0604020202020204" pitchFamily="34" charset="0"/>
+                <a:cs typeface="Arial" panose="020B0604020202020204" pitchFamily="34" charset="0"/>
+              </a:rPr>
+              <a:t>Label: Time to failure</a:t>
+            </a:r>
+          </a:p>
+        </p:txBody>
+      </p:sp>
+      <p:sp>
+        <p:nvSpPr>
+          <p:cNvPr id="3" name="Slide Number Placeholder 2">
+            <a:extLst>
+              <a:ext uri="{FF2B5EF4-FFF2-40B4-BE49-F238E27FC236}">
+                <a16:creationId xmlns:a16="http://schemas.microsoft.com/office/drawing/2014/main" id="{FF581664-4455-48E3-808E-8D55A9AC05D7}"/>
+              </a:ext>
+            </a:extLst>
+          </p:cNvPr>
+          <p:cNvSpPr>
+            <a:spLocks noGrp="1"/>
+          </p:cNvSpPr>
+          <p:nvPr>
+            <p:ph type="sldNum" sz="quarter" idx="12"/>
+          </p:nvPr>
+        </p:nvSpPr>
+        <p:spPr/>
+        <p:txBody>
+          <a:bodyPr/>
+          <a:lstStyle/>
+          <a:p>
+            <a:fld id="{49F5416C-8930-4BBD-885C-EB544461BEF4}" type="slidenum">
+              <a:rPr lang="en-US" smtClean="0"/>
+              <a:pPr/>
+              <a:t>7</a:t>
+            </a:fld>
+            <a:endParaRPr lang="en-US"/>
+          </a:p>
+        </p:txBody>
+      </p:sp>
+      <p:pic>
+        <p:nvPicPr>
+          <p:cNvPr id="4098" name="Picture 2">
+            <a:extLst>
+              <a:ext uri="{FF2B5EF4-FFF2-40B4-BE49-F238E27FC236}">
+                <a16:creationId xmlns:a16="http://schemas.microsoft.com/office/drawing/2014/main" id="{D839CF7A-1412-4924-BF72-0EE498F847B7}"/>
+              </a:ext>
+            </a:extLst>
+          </p:cNvPr>
+          <p:cNvPicPr>
+            <a:picLocks noChangeAspect="1" noChangeArrowheads="1"/>
+          </p:cNvPicPr>
+          <p:nvPr/>
+        </p:nvPicPr>
+        <p:blipFill>
+          <a:blip r:embed="rId4">
+            <a:extLst>
+              <a:ext uri="{28A0092B-C50C-407E-A947-70E740481C1C}">
+                <a14:useLocalDpi xmlns:a14="http://schemas.microsoft.com/office/drawing/2010/main" val="0"/>
+              </a:ext>
+            </a:extLst>
+          </a:blip>
+          <a:srcRect/>
+          <a:stretch>
+            <a:fillRect/>
+          </a:stretch>
+        </p:blipFill>
+        <p:spPr bwMode="auto">
+          <a:xfrm>
+            <a:off x="8157866" y="2068125"/>
+            <a:ext cx="3663052" cy="2866737"/>
+          </a:xfrm>
+          <a:prstGeom prst="rect">
+            <a:avLst/>
+          </a:prstGeom>
+          <a:noFill/>
+          <a:extLst>
+            <a:ext uri="{909E8E84-426E-40DD-AFC4-6F175D3DCCD1}">
+              <a14:hiddenFill xmlns:a14="http://schemas.microsoft.com/office/drawing/2010/main">
+                <a:solidFill>
+                  <a:srgbClr val="FFFFFF"/>
+                </a:solidFill>
+              </a14:hiddenFill>
+            </a:ext>
+          </a:extLst>
+        </p:spPr>
+      </p:pic>
+      <p:sp>
+        <p:nvSpPr>
+          <p:cNvPr id="14" name="TextBox 13">
+            <a:extLst>
+              <a:ext uri="{FF2B5EF4-FFF2-40B4-BE49-F238E27FC236}">
+                <a16:creationId xmlns:a16="http://schemas.microsoft.com/office/drawing/2014/main" id="{30957514-C28D-4407-BD98-7351A4468173}"/>
+              </a:ext>
+            </a:extLst>
+          </p:cNvPr>
+          <p:cNvSpPr txBox="1"/>
+          <p:nvPr/>
+        </p:nvSpPr>
+        <p:spPr>
+          <a:xfrm>
+            <a:off x="9419593" y="5014440"/>
+            <a:ext cx="2198038" cy="369332"/>
+          </a:xfrm>
+          <a:prstGeom prst="rect">
+            <a:avLst/>
+          </a:prstGeom>
+          <a:noFill/>
+        </p:spPr>
+        <p:txBody>
+          <a:bodyPr wrap="none" rtlCol="0">
+            <a:spAutoFit/>
+          </a:bodyPr>
+          <a:lstStyle/>
+          <a:p>
+            <a:r>
+              <a:rPr lang="en-US" dirty="0">
+                <a:latin typeface="Arial" panose="020B0604020202020204" pitchFamily="34" charset="0"/>
+                <a:cs typeface="Arial" panose="020B0604020202020204" pitchFamily="34" charset="0"/>
+              </a:rPr>
+              <a:t>(Imbalanced labels)</a:t>
+            </a:r>
+          </a:p>
+        </p:txBody>
+      </p:sp>
+    </p:spTree>
+    <p:extLst>
+      <p:ext uri="{BB962C8B-B14F-4D97-AF65-F5344CB8AC3E}">
+        <p14:creationId xmlns:p14="http://schemas.microsoft.com/office/powerpoint/2010/main" val="1995432182"/>
+      </p:ext>
+    </p:extLst>
+  </p:cSld>
+  <p:clrMapOvr>
+    <a:masterClrMapping/>
+  </p:clrMapOvr>
+  <p:timing>
+    <p:tnLst>
+      <p:par>
+        <p:cTn id="1" dur="indefinite" restart="never" nodeType="tmRoot">
+          <p:childTnLst>
+            <p:seq concurrent="1" nextAc="seek">
+              <p:cTn id="2" dur="indefinite" nodeType="mainSeq">
+                <p:childTnLst>
+                  <p:par>
+                    <p:cTn id="3" fill="hold">
+                      <p:stCondLst>
+                        <p:cond delay="indefinite"/>
+                      </p:stCondLst>
+                      <p:childTnLst>
+                        <p:par>
+                          <p:cTn id="4" fill="hold">
+                            <p:stCondLst>
+                              <p:cond delay="0"/>
+                            </p:stCondLst>
+                            <p:childTnLst>
+                              <p:par>
+                                <p:cTn id="5" presetID="10" presetClass="entr" presetSubtype="0" fill="hold" nodeType="clickEffect">
+                                  <p:stCondLst>
+                                    <p:cond delay="0"/>
+                                  </p:stCondLst>
+                                  <p:childTnLst>
+                                    <p:set>
+                                      <p:cBhvr>
+                                        <p:cTn id="6" dur="1" fill="hold">
+                                          <p:stCondLst>
+                                            <p:cond delay="0"/>
+                                          </p:stCondLst>
+                                        </p:cTn>
+                                        <p:tgtEl>
+                                          <p:spTgt spid="4098"/>
+                                        </p:tgtEl>
+                                        <p:attrNameLst>
+                                          <p:attrName>style.visibility</p:attrName>
+                                        </p:attrNameLst>
+                                      </p:cBhvr>
+                                      <p:to>
+                                        <p:strVal val="visible"/>
+                                      </p:to>
+                                    </p:set>
+                                    <p:animEffect transition="in" filter="fade">
+                                      <p:cBhvr>
+                                        <p:cTn id="7" dur="500"/>
+                                        <p:tgtEl>
+                                          <p:spTgt spid="4098"/>
+                                        </p:tgtEl>
+                                      </p:cBhvr>
+                                    </p:animEffect>
+                                  </p:childTnLst>
+                                </p:cTn>
+                              </p:par>
+                              <p:par>
+                                <p:cTn id="8" presetID="10" presetClass="entr" presetSubtype="0" fill="hold" grpId="0" nodeType="withEffect">
+                                  <p:stCondLst>
+                                    <p:cond delay="0"/>
+                                  </p:stCondLst>
+                                  <p:childTnLst>
+                                    <p:set>
+                                      <p:cBhvr>
+                                        <p:cTn id="9" dur="1" fill="hold">
+                                          <p:stCondLst>
+                                            <p:cond delay="0"/>
+                                          </p:stCondLst>
+                                        </p:cTn>
+                                        <p:tgtEl>
+                                          <p:spTgt spid="14"/>
+                                        </p:tgtEl>
+                                        <p:attrNameLst>
+                                          <p:attrName>style.visibility</p:attrName>
+                                        </p:attrNameLst>
+                                      </p:cBhvr>
+                                      <p:to>
+                                        <p:strVal val="visible"/>
+                                      </p:to>
+                                    </p:set>
+                                    <p:animEffect transition="in" filter="fade">
+                                      <p:cBhvr>
+                                        <p:cTn id="10" dur="500"/>
+                                        <p:tgtEl>
+                                          <p:spTgt spid="14"/>
+                                        </p:tgtEl>
+                                      </p:cBhvr>
+                                    </p:animEffect>
+                                  </p:childTnLst>
+                                </p:cTn>
+                              </p:par>
+                            </p:childTnLst>
+                          </p:cTn>
+                        </p:par>
+                      </p:childTnLst>
+                    </p:cTn>
+                  </p:par>
+                </p:childTnLst>
+              </p:cTn>
+              <p:prevCondLst>
+                <p:cond evt="onPrev" delay="0">
+                  <p:tgtEl>
+                    <p:sldTgt/>
+                  </p:tgtEl>
+                </p:cond>
+              </p:prevCondLst>
+              <p:nextCondLst>
+                <p:cond evt="onNext" delay="0">
+                  <p:tgtEl>
+                    <p:sldTgt/>
+                  </p:tgtEl>
+                </p:cond>
+              </p:nextCondLst>
+            </p:seq>
+          </p:childTnLst>
+        </p:cTn>
+      </p:par>
+    </p:tnLst>
+    <p:bldLst>
+      <p:bldP spid="14" grpId="0"/>
+    </p:bldLst>
+  </p:timing>
+</p:sld>
+</file>
+
+<file path=ppt/slides/slide8.xml><?xml version="1.0" encoding="utf-8"?>
+<p:sld xmlns:a="http://schemas.openxmlformats.org/drawingml/2006/main" xmlns:r="http://schemas.openxmlformats.org/officeDocument/2006/relationships" xmlns:p="http://schemas.openxmlformats.org/presentationml/2006/main">
+  <p:cSld>
+    <p:spTree>
+      <p:nvGrpSpPr>
+        <p:cNvPr id="1" name=""/>
+        <p:cNvGrpSpPr/>
+        <p:nvPr/>
+      </p:nvGrpSpPr>
+      <p:grpSpPr>
+        <a:xfrm>
+          <a:off x="0" y="0"/>
+          <a:ext cx="0" cy="0"/>
+          <a:chOff x="0" y="0"/>
+          <a:chExt cx="0" cy="0"/>
+        </a:xfrm>
+      </p:grpSpPr>
+      <p:sp>
+        <p:nvSpPr>
+          <p:cNvPr id="2" name="Title 1">
+            <a:extLst>
+              <a:ext uri="{FF2B5EF4-FFF2-40B4-BE49-F238E27FC236}">
+                <a16:creationId xmlns:a16="http://schemas.microsoft.com/office/drawing/2014/main" id="{CED43029-57B7-4F54-8D82-D754DA00083E}"/>
+              </a:ext>
+            </a:extLst>
+          </p:cNvPr>
+          <p:cNvSpPr>
+            <a:spLocks noGrp="1"/>
+          </p:cNvSpPr>
+          <p:nvPr>
+            <p:ph type="title"/>
+          </p:nvPr>
+        </p:nvSpPr>
+        <p:spPr/>
+        <p:txBody>
+          <a:bodyPr/>
+          <a:lstStyle/>
+          <a:p>
+            <a:r>
+              <a:rPr lang="en-US" dirty="0"/>
+              <a:t>Feature engineering</a:t>
+            </a:r>
+          </a:p>
+        </p:txBody>
+      </p:sp>
+      <p:sp>
+        <p:nvSpPr>
+          <p:cNvPr id="3" name="Content Placeholder 2">
+            <a:extLst>
+              <a:ext uri="{FF2B5EF4-FFF2-40B4-BE49-F238E27FC236}">
+                <a16:creationId xmlns:a16="http://schemas.microsoft.com/office/drawing/2014/main" id="{2CCE4710-D3D4-4771-8DC8-510E9FF285F4}"/>
+              </a:ext>
+            </a:extLst>
+          </p:cNvPr>
+          <p:cNvSpPr>
+            <a:spLocks noGrp="1"/>
+          </p:cNvSpPr>
+          <p:nvPr>
+            <p:ph idx="1"/>
+          </p:nvPr>
+        </p:nvSpPr>
+        <p:spPr>
+          <a:xfrm>
+            <a:off x="838200" y="1825625"/>
+            <a:ext cx="5763601" cy="4351338"/>
+          </a:xfrm>
+        </p:spPr>
+        <p:txBody>
+          <a:bodyPr/>
+          <a:lstStyle/>
+          <a:p>
+            <a:r>
+              <a:rPr lang="en-US" dirty="0"/>
+              <a:t>Time &amp; frequency domain features</a:t>
+            </a:r>
+          </a:p>
+          <a:p>
+            <a:pPr lvl="1"/>
+            <a:r>
+              <a:rPr lang="en-US" dirty="0"/>
+              <a:t>Chunk statistics</a:t>
+            </a:r>
+          </a:p>
+          <a:p>
+            <a:pPr lvl="2"/>
+            <a:r>
+              <a:rPr lang="en-US" dirty="0"/>
+              <a:t>Min, max, mean, percentile, etc.</a:t>
+            </a:r>
+          </a:p>
+          <a:p>
+            <a:pPr lvl="1"/>
+            <a:r>
+              <a:rPr lang="en-US" dirty="0"/>
+              <a:t>Rolling statistics (rolling functions + statistics)</a:t>
+            </a:r>
+          </a:p>
+          <a:p>
+            <a:pPr lvl="1"/>
+            <a:r>
+              <a:rPr lang="en-US" dirty="0"/>
+              <a:t>Autocorrelation</a:t>
+            </a:r>
+          </a:p>
+          <a:p>
+            <a:pPr lvl="1"/>
+            <a:r>
+              <a:rPr lang="en-US" dirty="0"/>
+              <a:t>Rectified energy</a:t>
+            </a:r>
+          </a:p>
+          <a:p>
+            <a:pPr lvl="1"/>
+            <a:r>
+              <a:rPr lang="en-US" altLang="zh-CN" dirty="0"/>
+              <a:t>Spectrogram (windowed </a:t>
+            </a:r>
+            <a:r>
+              <a:rPr lang="en-US" altLang="zh-CN" dirty="0" err="1"/>
+              <a:t>fft</a:t>
+            </a:r>
+            <a:r>
+              <a:rPr lang="en-US" altLang="zh-CN" dirty="0"/>
+              <a:t>)</a:t>
+            </a:r>
+          </a:p>
+          <a:p>
+            <a:pPr lvl="2"/>
+            <a:r>
+              <a:rPr lang="en-US" dirty="0"/>
+              <a:t>Centroids &amp; bandwidth</a:t>
+            </a:r>
+          </a:p>
+        </p:txBody>
+      </p:sp>
+      <p:sp>
+        <p:nvSpPr>
+          <p:cNvPr id="4" name="Slide Number Placeholder 3">
+            <a:extLst>
+              <a:ext uri="{FF2B5EF4-FFF2-40B4-BE49-F238E27FC236}">
+                <a16:creationId xmlns:a16="http://schemas.microsoft.com/office/drawing/2014/main" id="{38D605DB-D7E3-4969-840C-367493B2C1F4}"/>
+              </a:ext>
+            </a:extLst>
+          </p:cNvPr>
+          <p:cNvSpPr>
+            <a:spLocks noGrp="1"/>
+          </p:cNvSpPr>
+          <p:nvPr>
+            <p:ph type="sldNum" sz="quarter" idx="12"/>
+          </p:nvPr>
+        </p:nvSpPr>
+        <p:spPr/>
+        <p:txBody>
+          <a:bodyPr/>
+          <a:lstStyle/>
+          <a:p>
+            <a:fld id="{49F5416C-8930-4BBD-885C-EB544461BEF4}" type="slidenum">
+              <a:rPr lang="en-US" smtClean="0"/>
+              <a:pPr/>
+              <a:t>8</a:t>
+            </a:fld>
+            <a:endParaRPr lang="en-US"/>
+          </a:p>
+        </p:txBody>
+      </p:sp>
+      <p:pic>
+        <p:nvPicPr>
+          <p:cNvPr id="9" name="Picture 8">
+            <a:extLst>
+              <a:ext uri="{FF2B5EF4-FFF2-40B4-BE49-F238E27FC236}">
+                <a16:creationId xmlns:a16="http://schemas.microsoft.com/office/drawing/2014/main" id="{083519CD-FC74-4949-AEF3-B01678101E52}"/>
+              </a:ext>
+            </a:extLst>
+          </p:cNvPr>
+          <p:cNvPicPr>
+            <a:picLocks noChangeAspect="1"/>
+          </p:cNvPicPr>
+          <p:nvPr/>
+        </p:nvPicPr>
+        <p:blipFill>
+          <a:blip r:embed="rId3"/>
+          <a:stretch>
+            <a:fillRect/>
+          </a:stretch>
+        </p:blipFill>
+        <p:spPr>
+          <a:xfrm>
+            <a:off x="6893956" y="602052"/>
+            <a:ext cx="4026181" cy="1648050"/>
+          </a:xfrm>
+          <a:prstGeom prst="rect">
+            <a:avLst/>
+          </a:prstGeom>
+        </p:spPr>
+      </p:pic>
+      <p:grpSp>
+        <p:nvGrpSpPr>
+          <p:cNvPr id="13" name="Group 12">
+            <a:extLst>
+              <a:ext uri="{FF2B5EF4-FFF2-40B4-BE49-F238E27FC236}">
+                <a16:creationId xmlns:a16="http://schemas.microsoft.com/office/drawing/2014/main" id="{50EEA1F8-5F85-4867-8C24-FDD1892FC040}"/>
+              </a:ext>
+            </a:extLst>
+          </p:cNvPr>
+          <p:cNvGrpSpPr/>
+          <p:nvPr/>
+        </p:nvGrpSpPr>
+        <p:grpSpPr>
+          <a:xfrm>
+            <a:off x="6804194" y="4774841"/>
+            <a:ext cx="3577020" cy="1764071"/>
+            <a:chOff x="6168422" y="3609664"/>
+            <a:chExt cx="3577020" cy="1764071"/>
+          </a:xfrm>
+        </p:grpSpPr>
+        <p:pic>
+          <p:nvPicPr>
+            <p:cNvPr id="7" name="Picture 6">
+              <a:extLst>
+                <a:ext uri="{FF2B5EF4-FFF2-40B4-BE49-F238E27FC236}">
+                  <a16:creationId xmlns:a16="http://schemas.microsoft.com/office/drawing/2014/main" id="{56DCDE13-1641-4A4B-A475-335FBE01BA25}"/>
+                </a:ext>
+              </a:extLst>
+            </p:cNvPr>
+            <p:cNvPicPr>
+              <a:picLocks noChangeAspect="1"/>
+            </p:cNvPicPr>
+            <p:nvPr/>
+          </p:nvPicPr>
+          <p:blipFill rotWithShape="1">
+            <a:blip r:embed="rId4"/>
+            <a:srcRect t="16943" b="46947"/>
+            <a:stretch/>
+          </p:blipFill>
+          <p:spPr>
+            <a:xfrm>
+              <a:off x="6168422" y="3714989"/>
+              <a:ext cx="3487258" cy="836691"/>
+            </a:xfrm>
+            <a:prstGeom prst="rect">
+              <a:avLst/>
+            </a:prstGeom>
+          </p:spPr>
+        </p:pic>
+        <p:sp>
+          <p:nvSpPr>
+            <p:cNvPr id="10" name="TextBox 9">
+              <a:extLst>
+                <a:ext uri="{FF2B5EF4-FFF2-40B4-BE49-F238E27FC236}">
+                  <a16:creationId xmlns:a16="http://schemas.microsoft.com/office/drawing/2014/main" id="{458463B2-44F9-4BA7-BEAC-ADD82825A060}"/>
+                </a:ext>
+              </a:extLst>
+            </p:cNvPr>
+            <p:cNvSpPr txBox="1"/>
+            <p:nvPr/>
+          </p:nvSpPr>
+          <p:spPr>
+            <a:xfrm>
+              <a:off x="7642853" y="3609664"/>
+              <a:ext cx="1573316" cy="369332"/>
+            </a:xfrm>
+            <a:prstGeom prst="rect">
+              <a:avLst/>
+            </a:prstGeom>
+            <a:noFill/>
+          </p:spPr>
+          <p:txBody>
+            <a:bodyPr wrap="none" rtlCol="0">
+              <a:spAutoFit/>
+            </a:bodyPr>
+            <a:lstStyle/>
+            <a:p>
+              <a:r>
+                <a:rPr lang="en-US" dirty="0"/>
+                <a:t>Raw waveform</a:t>
+              </a:r>
+            </a:p>
+          </p:txBody>
+        </p:sp>
+        <p:pic>
+          <p:nvPicPr>
+            <p:cNvPr id="11" name="Picture 10">
+              <a:extLst>
+                <a:ext uri="{FF2B5EF4-FFF2-40B4-BE49-F238E27FC236}">
+                  <a16:creationId xmlns:a16="http://schemas.microsoft.com/office/drawing/2014/main" id="{85698CBC-F940-4F1D-8BDA-096FF20DD903}"/>
+                </a:ext>
+              </a:extLst>
+            </p:cNvPr>
+            <p:cNvPicPr>
+              <a:picLocks noChangeAspect="1"/>
+            </p:cNvPicPr>
+            <p:nvPr/>
+          </p:nvPicPr>
+          <p:blipFill rotWithShape="1">
+            <a:blip r:embed="rId4"/>
+            <a:srcRect t="68430" b="-1"/>
+            <a:stretch/>
+          </p:blipFill>
+          <p:spPr>
+            <a:xfrm>
+              <a:off x="6258184" y="4642202"/>
+              <a:ext cx="3487258" cy="731533"/>
+            </a:xfrm>
+            <a:prstGeom prst="rect">
+              <a:avLst/>
+            </a:prstGeom>
+          </p:spPr>
+        </p:pic>
+        <p:sp>
+          <p:nvSpPr>
+            <p:cNvPr id="12" name="TextBox 11">
+              <a:extLst>
+                <a:ext uri="{FF2B5EF4-FFF2-40B4-BE49-F238E27FC236}">
+                  <a16:creationId xmlns:a16="http://schemas.microsoft.com/office/drawing/2014/main" id="{1E063C7C-5C54-412D-8243-CF5AE419889F}"/>
+                </a:ext>
+              </a:extLst>
+            </p:cNvPr>
+            <p:cNvSpPr txBox="1"/>
+            <p:nvPr/>
+          </p:nvSpPr>
+          <p:spPr>
+            <a:xfrm>
+              <a:off x="7642853" y="4472339"/>
+              <a:ext cx="1044197" cy="369332"/>
+            </a:xfrm>
+            <a:prstGeom prst="rect">
+              <a:avLst/>
+            </a:prstGeom>
+            <a:noFill/>
+          </p:spPr>
+          <p:txBody>
+            <a:bodyPr wrap="none" rtlCol="0">
+              <a:spAutoFit/>
+            </a:bodyPr>
+            <a:lstStyle/>
+            <a:p>
+              <a:r>
+                <a:rPr lang="en-US" dirty="0"/>
+                <a:t>Envelope</a:t>
+              </a:r>
+            </a:p>
+          </p:txBody>
+        </p:sp>
+      </p:grpSp>
+      <p:pic>
+        <p:nvPicPr>
+          <p:cNvPr id="14" name="Picture 13">
+            <a:extLst>
+              <a:ext uri="{FF2B5EF4-FFF2-40B4-BE49-F238E27FC236}">
+                <a16:creationId xmlns:a16="http://schemas.microsoft.com/office/drawing/2014/main" id="{E3B00663-7541-4288-B3C7-FC284DD738CB}"/>
+              </a:ext>
+            </a:extLst>
+          </p:cNvPr>
+          <p:cNvPicPr>
+            <a:picLocks noChangeAspect="1"/>
+          </p:cNvPicPr>
+          <p:nvPr/>
+        </p:nvPicPr>
+        <p:blipFill>
+          <a:blip r:embed="rId5"/>
+          <a:stretch>
+            <a:fillRect/>
+          </a:stretch>
+        </p:blipFill>
+        <p:spPr>
+          <a:xfrm>
+            <a:off x="6804194" y="2713186"/>
+            <a:ext cx="2570449" cy="1948085"/>
+          </a:xfrm>
+          <a:prstGeom prst="rect">
+            <a:avLst/>
+          </a:prstGeom>
+        </p:spPr>
+      </p:pic>
+      <p:sp>
+        <p:nvSpPr>
+          <p:cNvPr id="15" name="TextBox 14">
+            <a:extLst>
+              <a:ext uri="{FF2B5EF4-FFF2-40B4-BE49-F238E27FC236}">
+                <a16:creationId xmlns:a16="http://schemas.microsoft.com/office/drawing/2014/main" id="{DD4303C3-7819-47F4-8552-393C7F441CFB}"/>
+              </a:ext>
+            </a:extLst>
+          </p:cNvPr>
+          <p:cNvSpPr txBox="1"/>
+          <p:nvPr/>
+        </p:nvSpPr>
+        <p:spPr>
+          <a:xfrm>
+            <a:off x="9705887" y="3183574"/>
+            <a:ext cx="1967953" cy="646331"/>
+          </a:xfrm>
+          <a:prstGeom prst="rect">
+            <a:avLst/>
+          </a:prstGeom>
+          <a:noFill/>
+        </p:spPr>
+        <p:txBody>
+          <a:bodyPr wrap="square" rtlCol="0">
+            <a:spAutoFit/>
+          </a:bodyPr>
+          <a:lstStyle/>
+          <a:p>
+            <a:r>
+              <a:rPr lang="en-US" dirty="0">
+                <a:latin typeface="Arial" panose="020B0604020202020204" pitchFamily="34" charset="0"/>
+                <a:cs typeface="Arial" panose="020B0604020202020204" pitchFamily="34" charset="0"/>
+              </a:rPr>
+              <a:t>Trend following / Mean reversion</a:t>
+            </a:r>
+          </a:p>
+        </p:txBody>
+      </p:sp>
+      <p:sp>
+        <p:nvSpPr>
+          <p:cNvPr id="16" name="TextBox 15">
+            <a:extLst>
+              <a:ext uri="{FF2B5EF4-FFF2-40B4-BE49-F238E27FC236}">
+                <a16:creationId xmlns:a16="http://schemas.microsoft.com/office/drawing/2014/main" id="{A96F8ACF-4C73-4DFB-A884-34361F8F6C47}"/>
+              </a:ext>
+            </a:extLst>
+          </p:cNvPr>
+          <p:cNvSpPr txBox="1"/>
+          <p:nvPr/>
+        </p:nvSpPr>
+        <p:spPr>
+          <a:xfrm>
+            <a:off x="6618674" y="2189393"/>
+            <a:ext cx="5493812" cy="369332"/>
+          </a:xfrm>
+          <a:prstGeom prst="rect">
+            <a:avLst/>
+          </a:prstGeom>
+          <a:noFill/>
+        </p:spPr>
+        <p:txBody>
+          <a:bodyPr wrap="none" rtlCol="0">
+            <a:spAutoFit/>
+          </a:bodyPr>
+          <a:lstStyle/>
+          <a:p>
+            <a:r>
+              <a:rPr lang="en-US" dirty="0">
+                <a:latin typeface="Arial" panose="020B0604020202020204" pitchFamily="34" charset="0"/>
+                <a:cs typeface="Arial" panose="020B0604020202020204" pitchFamily="34" charset="0"/>
+              </a:rPr>
+              <a:t>Rolling statistics capture trend by suppressing noise</a:t>
+            </a:r>
+          </a:p>
+        </p:txBody>
+      </p:sp>
+    </p:spTree>
+    <p:extLst>
+      <p:ext uri="{BB962C8B-B14F-4D97-AF65-F5344CB8AC3E}">
+        <p14:creationId xmlns:p14="http://schemas.microsoft.com/office/powerpoint/2010/main" val="1979585473"/>
+      </p:ext>
+    </p:extLst>
+  </p:cSld>
+  <p:clrMapOvr>
+    <a:masterClrMapping/>
+  </p:clrMapOvr>
+</p:sld>
+</file>
+
+<file path=ppt/slides/slide9.xml><?xml version="1.0" encoding="utf-8"?>
+<p:sld xmlns:a="http://schemas.openxmlformats.org/drawingml/2006/main" xmlns:r="http://schemas.openxmlformats.org/officeDocument/2006/relationships" xmlns:p="http://schemas.openxmlformats.org/presentationml/2006/main">
+  <p:cSld>
+    <p:spTree>
+      <p:nvGrpSpPr>
+        <p:cNvPr id="1" name=""/>
+        <p:cNvGrpSpPr/>
+        <p:nvPr/>
+      </p:nvGrpSpPr>
+      <p:grpSpPr>
+        <a:xfrm>
+          <a:off x="0" y="0"/>
+          <a:ext cx="0" cy="0"/>
+          <a:chOff x="0" y="0"/>
+          <a:chExt cx="0" cy="0"/>
+        </a:xfrm>
+      </p:grpSpPr>
+      <p:sp>
+        <p:nvSpPr>
+          <p:cNvPr id="2" name="Title 1">
+            <a:extLst>
+              <a:ext uri="{FF2B5EF4-FFF2-40B4-BE49-F238E27FC236}">
+                <a16:creationId xmlns:a16="http://schemas.microsoft.com/office/drawing/2014/main" id="{FC33420B-D44F-48EF-98D7-BD21976A9B11}"/>
+              </a:ext>
+            </a:extLst>
+          </p:cNvPr>
+          <p:cNvSpPr>
+            <a:spLocks noGrp="1"/>
+          </p:cNvSpPr>
+          <p:nvPr>
+            <p:ph type="title"/>
+          </p:nvPr>
+        </p:nvSpPr>
+        <p:spPr/>
+        <p:txBody>
+          <a:bodyPr/>
+          <a:lstStyle/>
+          <a:p>
+            <a:r>
+              <a:rPr lang="en-US" dirty="0"/>
+              <a:t>Training Data</a:t>
+            </a:r>
+          </a:p>
+        </p:txBody>
+      </p:sp>
+      <p:sp>
+        <p:nvSpPr>
+          <p:cNvPr id="3" name="Content Placeholder 2">
+            <a:extLst>
+              <a:ext uri="{FF2B5EF4-FFF2-40B4-BE49-F238E27FC236}">
+                <a16:creationId xmlns:a16="http://schemas.microsoft.com/office/drawing/2014/main" id="{CC6F52FD-49F1-4421-836A-F6D2FE65C2FB}"/>
+              </a:ext>
+            </a:extLst>
+          </p:cNvPr>
+          <p:cNvSpPr>
+            <a:spLocks noGrp="1"/>
+          </p:cNvSpPr>
+          <p:nvPr>
+            <p:ph idx="1"/>
+          </p:nvPr>
+        </p:nvSpPr>
+        <p:spPr/>
+        <p:txBody>
+          <a:bodyPr/>
+          <a:lstStyle/>
+          <a:p>
+            <a:endParaRPr lang="en-US"/>
+          </a:p>
+        </p:txBody>
+      </p:sp>
+      <p:sp>
+        <p:nvSpPr>
+          <p:cNvPr id="4" name="Slide Number Placeholder 3">
+            <a:extLst>
+              <a:ext uri="{FF2B5EF4-FFF2-40B4-BE49-F238E27FC236}">
+                <a16:creationId xmlns:a16="http://schemas.microsoft.com/office/drawing/2014/main" id="{F5DCA2A0-EAE7-40CA-B30E-08EC4498DD23}"/>
+              </a:ext>
+            </a:extLst>
+          </p:cNvPr>
+          <p:cNvSpPr>
+            <a:spLocks noGrp="1"/>
+          </p:cNvSpPr>
+          <p:nvPr>
+            <p:ph type="sldNum" sz="quarter" idx="12"/>
+          </p:nvPr>
+        </p:nvSpPr>
+        <p:spPr/>
+        <p:txBody>
+          <a:bodyPr/>
+          <a:lstStyle/>
+          <a:p>
+            <a:fld id="{49F5416C-8930-4BBD-885C-EB544461BEF4}" type="slidenum">
+              <a:rPr lang="en-US" smtClean="0"/>
+              <a:pPr/>
+              <a:t>9</a:t>
+            </a:fld>
+            <a:endParaRPr lang="en-US"/>
+          </a:p>
+        </p:txBody>
+      </p:sp>
+      <p:pic>
+        <p:nvPicPr>
+          <p:cNvPr id="6146" name="Picture 2">
+            <a:extLst>
+              <a:ext uri="{FF2B5EF4-FFF2-40B4-BE49-F238E27FC236}">
+                <a16:creationId xmlns:a16="http://schemas.microsoft.com/office/drawing/2014/main" id="{57F69AB4-7E04-43CD-81A1-621F47F74570}"/>
+              </a:ext>
+            </a:extLst>
+          </p:cNvPr>
+          <p:cNvPicPr>
+            <a:picLocks noChangeAspect="1" noChangeArrowheads="1"/>
+          </p:cNvPicPr>
+          <p:nvPr/>
+        </p:nvPicPr>
+        <p:blipFill>
+          <a:blip r:embed="rId3">
+            <a:extLst>
+              <a:ext uri="{28A0092B-C50C-407E-A947-70E740481C1C}">
+                <a14:useLocalDpi xmlns:a14="http://schemas.microsoft.com/office/drawing/2010/main" val="0"/>
+              </a:ext>
+            </a:extLst>
+          </a:blip>
+          <a:srcRect/>
+          <a:stretch>
+            <a:fillRect/>
+          </a:stretch>
+        </p:blipFill>
+        <p:spPr bwMode="auto">
+          <a:xfrm>
+            <a:off x="838200" y="1825625"/>
+            <a:ext cx="5300107" cy="3937222"/>
+          </a:xfrm>
+          <a:prstGeom prst="rect">
+            <a:avLst/>
+          </a:prstGeom>
+          <a:noFill/>
+          <a:extLst>
+            <a:ext uri="{909E8E84-426E-40DD-AFC4-6F175D3DCCD1}">
+              <a14:hiddenFill xmlns:a14="http://schemas.microsoft.com/office/drawing/2010/main">
+                <a:solidFill>
+                  <a:srgbClr val="FFFFFF"/>
+                </a:solidFill>
+              </a14:hiddenFill>
+            </a:ext>
+          </a:extLst>
+        </p:spPr>
+      </p:pic>
+      <p:pic>
+        <p:nvPicPr>
+          <p:cNvPr id="5" name="Picture 4">
+            <a:extLst>
+              <a:ext uri="{FF2B5EF4-FFF2-40B4-BE49-F238E27FC236}">
+                <a16:creationId xmlns:a16="http://schemas.microsoft.com/office/drawing/2014/main" id="{333624D3-CC13-4388-B813-A11ABFE32516}"/>
+              </a:ext>
+            </a:extLst>
+          </p:cNvPr>
+          <p:cNvPicPr>
+            <a:picLocks noChangeAspect="1"/>
+          </p:cNvPicPr>
+          <p:nvPr/>
+        </p:nvPicPr>
+        <p:blipFill>
+          <a:blip r:embed="rId4"/>
+          <a:stretch>
+            <a:fillRect/>
+          </a:stretch>
+        </p:blipFill>
+        <p:spPr>
+          <a:xfrm>
+            <a:off x="6600826" y="2408273"/>
+            <a:ext cx="5591174" cy="2757487"/>
+          </a:xfrm>
+          <a:prstGeom prst="rect">
+            <a:avLst/>
+          </a:prstGeom>
+        </p:spPr>
+      </p:pic>
+      <p:sp>
+        <p:nvSpPr>
+          <p:cNvPr id="6" name="TextBox 5">
+            <a:extLst>
+              <a:ext uri="{FF2B5EF4-FFF2-40B4-BE49-F238E27FC236}">
+                <a16:creationId xmlns:a16="http://schemas.microsoft.com/office/drawing/2014/main" id="{382FB3FA-3D8B-409C-84A5-09E28AF8D483}"/>
+              </a:ext>
+            </a:extLst>
+          </p:cNvPr>
+          <p:cNvSpPr txBox="1"/>
+          <p:nvPr/>
+        </p:nvSpPr>
+        <p:spPr>
+          <a:xfrm>
+            <a:off x="2349795" y="5785239"/>
+            <a:ext cx="1697901" cy="369332"/>
+          </a:xfrm>
+          <a:prstGeom prst="rect">
+            <a:avLst/>
+          </a:prstGeom>
+          <a:noFill/>
+        </p:spPr>
+        <p:txBody>
+          <a:bodyPr wrap="none" rtlCol="0">
+            <a:spAutoFit/>
+          </a:bodyPr>
+          <a:lstStyle/>
+          <a:p>
+            <a:r>
+              <a:rPr lang="en-US" dirty="0">
+                <a:latin typeface="Arial" panose="020B0604020202020204" pitchFamily="34" charset="0"/>
+                <a:cs typeface="Arial" panose="020B0604020202020204" pitchFamily="34" charset="0"/>
+              </a:rPr>
+              <a:t>t-SNE analysis</a:t>
+            </a:r>
+          </a:p>
+        </p:txBody>
+      </p:sp>
+      <p:sp>
+        <p:nvSpPr>
+          <p:cNvPr id="8" name="TextBox 7">
+            <a:extLst>
+              <a:ext uri="{FF2B5EF4-FFF2-40B4-BE49-F238E27FC236}">
+                <a16:creationId xmlns:a16="http://schemas.microsoft.com/office/drawing/2014/main" id="{B6BD7D01-616F-420D-9704-7BF67AB87334}"/>
+              </a:ext>
+            </a:extLst>
+          </p:cNvPr>
+          <p:cNvSpPr txBox="1"/>
+          <p:nvPr/>
+        </p:nvSpPr>
+        <p:spPr>
+          <a:xfrm>
+            <a:off x="9116528" y="5415907"/>
+            <a:ext cx="659155" cy="369332"/>
+          </a:xfrm>
+          <a:prstGeom prst="rect">
+            <a:avLst/>
+          </a:prstGeom>
+          <a:noFill/>
+        </p:spPr>
+        <p:txBody>
+          <a:bodyPr wrap="none" rtlCol="0">
+            <a:spAutoFit/>
+          </a:bodyPr>
+          <a:lstStyle/>
+          <a:p>
+            <a:r>
+              <a:rPr lang="en-US" dirty="0">
+                <a:latin typeface="Arial" panose="020B0604020202020204" pitchFamily="34" charset="0"/>
+                <a:cs typeface="Arial" panose="020B0604020202020204" pitchFamily="34" charset="0"/>
+              </a:rPr>
+              <a:t>PCA</a:t>
+            </a:r>
+          </a:p>
+        </p:txBody>
+      </p:sp>
+      <p:sp>
+        <p:nvSpPr>
+          <p:cNvPr id="7" name="TextBox 6">
+            <a:extLst>
+              <a:ext uri="{FF2B5EF4-FFF2-40B4-BE49-F238E27FC236}">
+                <a16:creationId xmlns:a16="http://schemas.microsoft.com/office/drawing/2014/main" id="{6394698F-6983-4620-9E54-3D068CFD7D07}"/>
+              </a:ext>
+            </a:extLst>
+          </p:cNvPr>
+          <p:cNvSpPr txBox="1"/>
+          <p:nvPr/>
+        </p:nvSpPr>
+        <p:spPr>
+          <a:xfrm>
+            <a:off x="5454502" y="1646238"/>
+            <a:ext cx="377026" cy="369332"/>
+          </a:xfrm>
+          <a:prstGeom prst="rect">
+            <a:avLst/>
+          </a:prstGeom>
+          <a:noFill/>
+        </p:spPr>
+        <p:txBody>
+          <a:bodyPr wrap="none" rtlCol="0">
+            <a:spAutoFit/>
+          </a:bodyPr>
+          <a:lstStyle/>
+          <a:p>
+            <a:r>
+              <a:rPr lang="en-US" dirty="0" err="1">
+                <a:latin typeface="Arial" panose="020B0604020202020204" pitchFamily="34" charset="0"/>
+                <a:cs typeface="Arial" panose="020B0604020202020204" pitchFamily="34" charset="0"/>
+              </a:rPr>
+              <a:t>ttf</a:t>
+            </a:r>
+            <a:endParaRPr lang="en-US" dirty="0">
+              <a:latin typeface="Arial" panose="020B0604020202020204" pitchFamily="34" charset="0"/>
+              <a:cs typeface="Arial" panose="020B0604020202020204" pitchFamily="34" charset="0"/>
+            </a:endParaRPr>
+          </a:p>
+        </p:txBody>
+      </p:sp>
+    </p:spTree>
+    <p:extLst>
+      <p:ext uri="{BB962C8B-B14F-4D97-AF65-F5344CB8AC3E}">
+        <p14:creationId xmlns:p14="http://schemas.microsoft.com/office/powerpoint/2010/main" val="3285358474"/>
       </p:ext>
     </p:extLst>
   </p:cSld>
@@ -3683,4 +11866,299 @@
     </a:ext>
   </a:extLst>
 </a:theme>
+</file>
+
+<file path=ppt/theme/theme2.xml><?xml version="1.0" encoding="utf-8"?>
+<a:theme xmlns:a="http://schemas.openxmlformats.org/drawingml/2006/main" name="Office Theme">
+  <a:themeElements>
+    <a:clrScheme name="Office">
+      <a:dk1>
+        <a:sysClr val="windowText" lastClr="000000"/>
+      </a:dk1>
+      <a:lt1>
+        <a:sysClr val="window" lastClr="FFFFFF"/>
+      </a:lt1>
+      <a:dk2>
+        <a:srgbClr val="44546A"/>
+      </a:dk2>
+      <a:lt2>
+        <a:srgbClr val="E7E6E6"/>
+      </a:lt2>
+      <a:accent1>
+        <a:srgbClr val="4472C4"/>
+      </a:accent1>
+      <a:accent2>
+        <a:srgbClr val="ED7D31"/>
+      </a:accent2>
+      <a:accent3>
+        <a:srgbClr val="A5A5A5"/>
+      </a:accent3>
+      <a:accent4>
+        <a:srgbClr val="FFC000"/>
+      </a:accent4>
+      <a:accent5>
+        <a:srgbClr val="5B9BD5"/>
+      </a:accent5>
+      <a:accent6>
+        <a:srgbClr val="70AD47"/>
+      </a:accent6>
+      <a:hlink>
+        <a:srgbClr val="0563C1"/>
+      </a:hlink>
+      <a:folHlink>
+        <a:srgbClr val="954F72"/>
+      </a:folHlink>
+    </a:clrScheme>
+    <a:fontScheme name="Office">
+      <a:majorFont>
+        <a:latin typeface="Calibri Light" panose="020F0302020204030204"/>
+        <a:ea typeface=""/>
+        <a:cs typeface=""/>
+        <a:font script="Jpan" typeface="游ゴシック Light"/>
+        <a:font script="Hang" typeface="맑은 고딕"/>
+        <a:font script="Hans" typeface="等线 Light"/>
+        <a:font script="Hant" typeface="新細明體"/>
+        <a:font script="Arab" typeface="Times New Roman"/>
+        <a:font script="Hebr" typeface="Times New Roman"/>
+        <a:font script="Thai" typeface="Angsana New"/>
+        <a:font script="Ethi" typeface="Nyala"/>
+        <a:font script="Beng" typeface="Vrinda"/>
+        <a:font script="Gujr" typeface="Shruti"/>
+        <a:font script="Khmr" typeface="MoolBoran"/>
+        <a:font script="Knda" typeface="Tunga"/>
+        <a:font script="Guru" typeface="Raavi"/>
+        <a:font script="Cans" typeface="Euphemia"/>
+        <a:font script="Cher" typeface="Plantagenet Cherokee"/>
+        <a:font script="Yiii" typeface="Microsoft Yi Baiti"/>
+        <a:font script="Tibt" typeface="Microsoft Himalaya"/>
+        <a:font script="Thaa" typeface="MV Boli"/>
+        <a:font script="Deva" typeface="Mangal"/>
+        <a:font script="Telu" typeface="Gautami"/>
+        <a:font script="Taml" typeface="Latha"/>
+        <a:font script="Syrc" typeface="Estrangelo Edessa"/>
+        <a:font script="Orya" typeface="Kalinga"/>
+        <a:font script="Mlym" typeface="Kartika"/>
+        <a:font script="Laoo" typeface="DokChampa"/>
+        <a:font script="Sinh" typeface="Iskoola Pota"/>
+        <a:font script="Mong" typeface="Mongolian Baiti"/>
+        <a:font script="Viet" typeface="Times New Roman"/>
+        <a:font script="Uigh" typeface="Microsoft Uighur"/>
+        <a:font script="Geor" typeface="Sylfaen"/>
+        <a:font script="Armn" typeface="Arial"/>
+        <a:font script="Bugi" typeface="Leelawadee UI"/>
+        <a:font script="Bopo" typeface="Microsoft JhengHei"/>
+        <a:font script="Java" typeface="Javanese Text"/>
+        <a:font script="Lisu" typeface="Segoe UI"/>
+        <a:font script="Mymr" typeface="Myanmar Text"/>
+        <a:font script="Nkoo" typeface="Ebrima"/>
+        <a:font script="Olck" typeface="Nirmala UI"/>
+        <a:font script="Osma" typeface="Ebrima"/>
+        <a:font script="Phag" typeface="Phagspa"/>
+        <a:font script="Syrn" typeface="Estrangelo Edessa"/>
+        <a:font script="Syrj" typeface="Estrangelo Edessa"/>
+        <a:font script="Syre" typeface="Estrangelo Edessa"/>
+        <a:font script="Sora" typeface="Nirmala UI"/>
+        <a:font script="Tale" typeface="Microsoft Tai Le"/>
+        <a:font script="Talu" typeface="Microsoft New Tai Lue"/>
+        <a:font script="Tfng" typeface="Ebrima"/>
+      </a:majorFont>
+      <a:minorFont>
+        <a:latin typeface="Calibri" panose="020F0502020204030204"/>
+        <a:ea typeface=""/>
+        <a:cs typeface=""/>
+        <a:font script="Jpan" typeface="游ゴシック"/>
+        <a:font script="Hang" typeface="맑은 고딕"/>
+        <a:font script="Hans" typeface="等线"/>
+        <a:font script="Hant" typeface="新細明體"/>
+        <a:font script="Arab" typeface="Arial"/>
+        <a:font script="Hebr" typeface="Arial"/>
+        <a:font script="Thai" typeface="Cordia New"/>
+        <a:font script="Ethi" typeface="Nyala"/>
+        <a:font script="Beng" typeface="Vrinda"/>
+        <a:font script="Gujr" typeface="Shruti"/>
+        <a:font script="Khmr" typeface="DaunPenh"/>
+        <a:font script="Knda" typeface="Tunga"/>
+        <a:font script="Guru" typeface="Raavi"/>
+        <a:font script="Cans" typeface="Euphemia"/>
+        <a:font script="Cher" typeface="Plantagenet Cherokee"/>
+        <a:font script="Yiii" typeface="Microsoft Yi Baiti"/>
+        <a:font script="Tibt" typeface="Microsoft Himalaya"/>
+        <a:font script="Thaa" typeface="MV Boli"/>
+        <a:font script="Deva" typeface="Mangal"/>
+        <a:font script="Telu" typeface="Gautami"/>
+        <a:font script="Taml" typeface="Latha"/>
+        <a:font script="Syrc" typeface="Estrangelo Edessa"/>
+        <a:font script="Orya" typeface="Kalinga"/>
+        <a:font script="Mlym" typeface="Kartika"/>
+        <a:font script="Laoo" typeface="DokChampa"/>
+        <a:font script="Sinh" typeface="Iskoola Pota"/>
+        <a:font script="Mong" typeface="Mongolian Baiti"/>
+        <a:font script="Viet" typeface="Arial"/>
+        <a:font script="Uigh" typeface="Microsoft Uighur"/>
+        <a:font script="Geor" typeface="Sylfaen"/>
+        <a:font script="Armn" typeface="Arial"/>
+        <a:font script="Bugi" typeface="Leelawadee UI"/>
+        <a:font script="Bopo" typeface="Microsoft JhengHei"/>
+        <a:font script="Java" typeface="Javanese Text"/>
+        <a:font script="Lisu" typeface="Segoe UI"/>
+        <a:font script="Mymr" typeface="Myanmar Text"/>
+        <a:font script="Nkoo" typeface="Ebrima"/>
+        <a:font script="Olck" typeface="Nirmala UI"/>
+        <a:font script="Osma" typeface="Ebrima"/>
+        <a:font script="Phag" typeface="Phagspa"/>
+        <a:font script="Syrn" typeface="Estrangelo Edessa"/>
+        <a:font script="Syrj" typeface="Estrangelo Edessa"/>
+        <a:font script="Syre" typeface="Estrangelo Edessa"/>
+        <a:font script="Sora" typeface="Nirmala UI"/>
+        <a:font script="Tale" typeface="Microsoft Tai Le"/>
+        <a:font script="Talu" typeface="Microsoft New Tai Lue"/>
+        <a:font script="Tfng" typeface="Ebrima"/>
+      </a:minorFont>
+    </a:fontScheme>
+    <a:fmtScheme name="Office">
+      <a:fillStyleLst>
+        <a:solidFill>
+          <a:schemeClr val="phClr"/>
+        </a:solidFill>
+        <a:gradFill rotWithShape="1">
+          <a:gsLst>
+            <a:gs pos="0">
+              <a:schemeClr val="phClr">
+                <a:lumMod val="110000"/>
+                <a:satMod val="105000"/>
+                <a:tint val="67000"/>
+              </a:schemeClr>
+            </a:gs>
+            <a:gs pos="50000">
+              <a:schemeClr val="phClr">
+                <a:lumMod val="105000"/>
+                <a:satMod val="103000"/>
+                <a:tint val="73000"/>
+              </a:schemeClr>
+            </a:gs>
+            <a:gs pos="100000">
+              <a:schemeClr val="phClr">
+                <a:lumMod val="105000"/>
+                <a:satMod val="109000"/>
+                <a:tint val="81000"/>
+              </a:schemeClr>
+            </a:gs>
+          </a:gsLst>
+          <a:lin ang="5400000" scaled="0"/>
+        </a:gradFill>
+        <a:gradFill rotWithShape="1">
+          <a:gsLst>
+            <a:gs pos="0">
+              <a:schemeClr val="phClr">
+                <a:satMod val="103000"/>
+                <a:lumMod val="102000"/>
+                <a:tint val="94000"/>
+              </a:schemeClr>
+            </a:gs>
+            <a:gs pos="50000">
+              <a:schemeClr val="phClr">
+                <a:satMod val="110000"/>
+                <a:lumMod val="100000"/>
+                <a:shade val="100000"/>
+              </a:schemeClr>
+            </a:gs>
+            <a:gs pos="100000">
+              <a:schemeClr val="phClr">
+                <a:lumMod val="99000"/>
+                <a:satMod val="120000"/>
+                <a:shade val="78000"/>
+              </a:schemeClr>
+            </a:gs>
+          </a:gsLst>
+          <a:lin ang="5400000" scaled="0"/>
+        </a:gradFill>
+      </a:fillStyleLst>
+      <a:lnStyleLst>
+        <a:ln w="6350" cap="flat" cmpd="sng" algn="ctr">
+          <a:solidFill>
+            <a:schemeClr val="phClr"/>
+          </a:solidFill>
+          <a:prstDash val="solid"/>
+          <a:miter lim="800000"/>
+        </a:ln>
+        <a:ln w="12700" cap="flat" cmpd="sng" algn="ctr">
+          <a:solidFill>
+            <a:schemeClr val="phClr"/>
+          </a:solidFill>
+          <a:prstDash val="solid"/>
+          <a:miter lim="800000"/>
+        </a:ln>
+        <a:ln w="19050" cap="flat" cmpd="sng" algn="ctr">
+          <a:solidFill>
+            <a:schemeClr val="phClr"/>
+          </a:solidFill>
+          <a:prstDash val="solid"/>
+          <a:miter lim="800000"/>
+        </a:ln>
+      </a:lnStyleLst>
+      <a:effectStyleLst>
+        <a:effectStyle>
+          <a:effectLst/>
+        </a:effectStyle>
+        <a:effectStyle>
+          <a:effectLst/>
+        </a:effectStyle>
+        <a:effectStyle>
+          <a:effectLst>
+            <a:outerShdw blurRad="57150" dist="19050" dir="5400000" algn="ctr" rotWithShape="0">
+              <a:srgbClr val="000000">
+                <a:alpha val="63000"/>
+              </a:srgbClr>
+            </a:outerShdw>
+          </a:effectLst>
+        </a:effectStyle>
+      </a:effectStyleLst>
+      <a:bgFillStyleLst>
+        <a:solidFill>
+          <a:schemeClr val="phClr"/>
+        </a:solidFill>
+        <a:solidFill>
+          <a:schemeClr val="phClr">
+            <a:tint val="95000"/>
+            <a:satMod val="170000"/>
+          </a:schemeClr>
+        </a:solidFill>
+        <a:gradFill rotWithShape="1">
+          <a:gsLst>
+            <a:gs pos="0">
+              <a:schemeClr val="phClr">
+                <a:tint val="93000"/>
+                <a:satMod val="150000"/>
+                <a:shade val="98000"/>
+                <a:lumMod val="102000"/>
+              </a:schemeClr>
+            </a:gs>
+            <a:gs pos="50000">
+              <a:schemeClr val="phClr">
+                <a:tint val="98000"/>
+                <a:satMod val="130000"/>
+                <a:shade val="90000"/>
+                <a:lumMod val="103000"/>
+              </a:schemeClr>
+            </a:gs>
+            <a:gs pos="100000">
+              <a:schemeClr val="phClr">
+                <a:shade val="63000"/>
+                <a:satMod val="120000"/>
+              </a:schemeClr>
+            </a:gs>
+          </a:gsLst>
+          <a:lin ang="5400000" scaled="0"/>
+        </a:gradFill>
+      </a:bgFillStyleLst>
+    </a:fmtScheme>
+  </a:themeElements>
+  <a:objectDefaults/>
+  <a:extraClrSchemeLst/>
+  <a:extLst>
+    <a:ext uri="{05A4C25C-085E-4340-85A3-A5531E510DB2}">
+      <thm15:themeFamily xmlns:thm15="http://schemas.microsoft.com/office/thememl/2012/main" name="Office Theme" id="{62F939B6-93AF-4DB8-9C6B-D6C7DFDC589F}" vid="{4A3C46E8-61CC-4603-A589-7422A47A8E4A}"/>
+    </a:ext>
+  </a:extLst>
+</a:theme>
 </file>
--- a/Capstone_presentation_Laboratory Earthquake Prediction.pptx
+++ b/Capstone_presentation_Laboratory Earthquake Prediction.pptx
@@ -5,7 +5,7 @@
     <p:sldMasterId id="2147483648" r:id="rId1"/>
   </p:sldMasterIdLst>
   <p:notesMasterIdLst>
-    <p:notesMasterId r:id="rId21"/>
+    <p:notesMasterId r:id="rId22"/>
   </p:notesMasterIdLst>
   <p:sldIdLst>
     <p:sldId id="256" r:id="rId2"/>
@@ -23,10 +23,11 @@
     <p:sldId id="275" r:id="rId14"/>
     <p:sldId id="266" r:id="rId15"/>
     <p:sldId id="270" r:id="rId16"/>
-    <p:sldId id="271" r:id="rId17"/>
-    <p:sldId id="265" r:id="rId18"/>
-    <p:sldId id="268" r:id="rId19"/>
-    <p:sldId id="264" r:id="rId20"/>
+    <p:sldId id="276" r:id="rId17"/>
+    <p:sldId id="271" r:id="rId18"/>
+    <p:sldId id="265" r:id="rId19"/>
+    <p:sldId id="268" r:id="rId20"/>
+    <p:sldId id="264" r:id="rId21"/>
   </p:sldIdLst>
   <p:sldSz cx="12192000" cy="6858000"/>
   <p:notesSz cx="6858000" cy="9144000"/>
@@ -215,7 +216,7 @@
           <a:p>
             <a:fld id="{7FBEED9A-5CB8-4EF6-82CD-9891FBD08415}" type="datetimeFigureOut">
               <a:rPr lang="en-US" smtClean="0"/>
-              <a:t>10/4/2022</a:t>
+              <a:t>3/6/2023</a:t>
             </a:fld>
             <a:endParaRPr lang="en-US"/>
           </a:p>
@@ -526,155 +527,7 @@
           <a:bodyPr/>
           <a:lstStyle/>
           <a:p>
-            <a:pPr marL="228600" indent="-228600">
-              <a:buAutoNum type="arabicPeriod"/>
-            </a:pPr>
-            <a:r>
-              <a:rPr lang="en-US" dirty="0"/>
-              <a:t>Earthquake can cause severe damage. Geoscientists have been striving studying the earthquake physics and trying to predict when and how large a earthquake will occur. However, geologists society and earthquake scientists have never predicted a major earthquake. </a:t>
-            </a:r>
-          </a:p>
-          <a:p>
-            <a:pPr marL="228600" indent="-228600">
-              <a:buAutoNum type="arabicPeriod"/>
-            </a:pPr>
-            <a:r>
-              <a:rPr lang="en-US" dirty="0"/>
-              <a:t>Traditional methods generally look for trends or patterns that lead to </a:t>
-            </a:r>
-            <a:r>
-              <a:rPr lang="en-US" dirty="0" err="1"/>
-              <a:t>probablilistic</a:t>
-            </a:r>
-            <a:r>
-              <a:rPr lang="en-US" dirty="0"/>
-              <a:t> estimation of earthquake happening</a:t>
-            </a:r>
-          </a:p>
-          <a:p>
-            <a:r>
-              <a:rPr lang="en-US" b="0" i="0" dirty="0">
-                <a:solidFill>
-                  <a:srgbClr val="202122"/>
-                </a:solidFill>
-                <a:effectLst/>
-                <a:latin typeface="Arial" panose="020B0604020202020204" pitchFamily="34" charset="0"/>
-              </a:rPr>
-              <a:t>3. </a:t>
-            </a:r>
-            <a:r>
-              <a:rPr lang="en-US" b="0" i="0" dirty="0">
-                <a:solidFill>
-                  <a:srgbClr val="000000"/>
-                </a:solidFill>
-                <a:effectLst/>
-                <a:latin typeface="open sans" panose="020B0606030504020204" pitchFamily="34" charset="0"/>
-              </a:rPr>
-              <a:t>Discovered only in the last 20 years, slow earthquakes are still a seismic puzzle. This type of earthquake seems can be predicted</a:t>
-            </a:r>
-            <a:endParaRPr lang="en-US" b="0" i="0" dirty="0">
-              <a:solidFill>
-                <a:srgbClr val="202122"/>
-              </a:solidFill>
-              <a:effectLst/>
-              <a:latin typeface="Arial" panose="020B0604020202020204" pitchFamily="34" charset="0"/>
-            </a:endParaRPr>
-          </a:p>
-          <a:p>
-            <a:r>
-              <a:rPr lang="en-US" b="0" i="0" dirty="0">
-                <a:solidFill>
-                  <a:srgbClr val="202122"/>
-                </a:solidFill>
-                <a:effectLst/>
-                <a:latin typeface="Arial" panose="020B0604020202020204" pitchFamily="34" charset="0"/>
-              </a:rPr>
-              <a:t>A </a:t>
-            </a:r>
-            <a:r>
-              <a:rPr lang="en-US" b="1" i="0" dirty="0">
-                <a:solidFill>
-                  <a:srgbClr val="202122"/>
-                </a:solidFill>
-                <a:effectLst/>
-                <a:latin typeface="Arial" panose="020B0604020202020204" pitchFamily="34" charset="0"/>
-              </a:rPr>
-              <a:t>slow earthquake</a:t>
-            </a:r>
-            <a:r>
-              <a:rPr lang="en-US" b="0" i="0" dirty="0">
-                <a:solidFill>
-                  <a:srgbClr val="202122"/>
-                </a:solidFill>
-                <a:effectLst/>
-                <a:latin typeface="Arial" panose="020B0604020202020204" pitchFamily="34" charset="0"/>
-              </a:rPr>
-              <a:t> is a discontinuous, </a:t>
-            </a:r>
-            <a:r>
-              <a:rPr lang="en-US" b="0" i="0" u="none" strike="noStrike" dirty="0">
-                <a:solidFill>
-                  <a:srgbClr val="0645AD"/>
-                </a:solidFill>
-                <a:effectLst/>
-                <a:latin typeface="Arial" panose="020B0604020202020204" pitchFamily="34" charset="0"/>
-                <a:hlinkClick r:id="rId3" tooltip="Earthquake"/>
-              </a:rPr>
-              <a:t>earthquake</a:t>
-            </a:r>
-            <a:r>
-              <a:rPr lang="en-US" b="0" i="0" dirty="0">
-                <a:solidFill>
-                  <a:srgbClr val="202122"/>
-                </a:solidFill>
-                <a:effectLst/>
-                <a:latin typeface="Arial" panose="020B0604020202020204" pitchFamily="34" charset="0"/>
-              </a:rPr>
-              <a:t>-like event that releases energy over a period of hours to months, rather than the seconds to minutes characteristic of a typical earthquake.</a:t>
-            </a:r>
             <a:endParaRPr lang="en-US" dirty="0"/>
-          </a:p>
-          <a:p>
-            <a:r>
-              <a:rPr lang="en-US" b="0" i="0" dirty="0">
-                <a:solidFill>
-                  <a:srgbClr val="262626"/>
-                </a:solidFill>
-                <a:effectLst/>
-                <a:latin typeface="PT Serif" panose="020B0604020202020204" pitchFamily="18" charset="0"/>
-              </a:rPr>
-              <a:t>Slow earthquakes are characterized by a wide spectrum of fault slip behaviors and seismic radiation patterns that differ from those of traditional earthquakes. </a:t>
-            </a:r>
-            <a:r>
-              <a:rPr lang="en-US" b="0" i="0" dirty="0">
-                <a:solidFill>
-                  <a:srgbClr val="262626"/>
-                </a:solidFill>
-                <a:effectLst/>
-                <a:latin typeface="PT Serif" panose="020A0603040505020204" pitchFamily="18" charset="0"/>
-              </a:rPr>
-              <a:t>However, slow earthquakes and huge megathrust earthquakes can have common slip mechanisms and are located in neighboring regions of the </a:t>
-            </a:r>
-            <a:r>
-              <a:rPr lang="en-US" b="0" i="0" dirty="0" err="1">
-                <a:solidFill>
-                  <a:srgbClr val="262626"/>
-                </a:solidFill>
-                <a:effectLst/>
-                <a:latin typeface="PT Serif" panose="020A0603040505020204" pitchFamily="18" charset="0"/>
-              </a:rPr>
-              <a:t>seismogenic</a:t>
-            </a:r>
-            <a:r>
-              <a:rPr lang="en-US" b="0" i="0" dirty="0">
-                <a:solidFill>
-                  <a:srgbClr val="262626"/>
-                </a:solidFill>
-                <a:effectLst/>
-                <a:latin typeface="PT Serif" panose="020A0603040505020204" pitchFamily="18" charset="0"/>
-              </a:rPr>
-              <a:t> zone. The frequent occurrence of slow earthquakes may help to reveal the physics underlying megathrust events as useful analogs. Understanding the slow earthquakes helps to better predict the other earthquakes.</a:t>
-            </a:r>
           </a:p>
         </p:txBody>
       </p:sp>
@@ -695,7 +548,7 @@
           <a:p>
             <a:fld id="{D09B9B78-9CB7-4BB8-B8EA-7B060E3CCB98}" type="slidenum">
               <a:rPr lang="en-US" smtClean="0"/>
-              <a:t>2</a:t>
+              <a:t>1</a:t>
             </a:fld>
             <a:endParaRPr lang="en-US"/>
           </a:p>
@@ -704,7 +557,7 @@
     </p:spTree>
     <p:extLst>
       <p:ext uri="{BB962C8B-B14F-4D97-AF65-F5344CB8AC3E}">
-        <p14:creationId xmlns:p14="http://schemas.microsoft.com/office/powerpoint/2010/main" val="1568661478"/>
+        <p14:creationId xmlns:p14="http://schemas.microsoft.com/office/powerpoint/2010/main" val="4010564914"/>
       </p:ext>
     </p:extLst>
   </p:cSld>
@@ -776,268 +629,9 @@
               <a:defRPr/>
             </a:pPr>
             <a:r>
-              <a:rPr lang="en-US" b="1" i="0" dirty="0">
-                <a:solidFill>
-                  <a:srgbClr val="292929"/>
-                </a:solidFill>
-                <a:effectLst/>
-                <a:latin typeface="source-serif-pro"/>
-              </a:rPr>
-              <a:t>Bagging </a:t>
-            </a:r>
-            <a:r>
-              <a:rPr lang="en-US" b="0" i="0" dirty="0">
-                <a:solidFill>
-                  <a:srgbClr val="292929"/>
-                </a:solidFill>
-                <a:effectLst/>
-                <a:latin typeface="source-serif-pro"/>
-              </a:rPr>
-              <a:t>is a simple </a:t>
-            </a:r>
-            <a:r>
-              <a:rPr lang="en-US" b="0" i="0" dirty="0" err="1">
-                <a:solidFill>
-                  <a:srgbClr val="292929"/>
-                </a:solidFill>
-                <a:effectLst/>
-                <a:latin typeface="source-serif-pro"/>
-              </a:rPr>
-              <a:t>ensembling</a:t>
-            </a:r>
-            <a:r>
-              <a:rPr lang="en-US" b="0" i="0" dirty="0">
-                <a:solidFill>
-                  <a:srgbClr val="292929"/>
-                </a:solidFill>
-                <a:effectLst/>
-                <a:latin typeface="source-serif-pro"/>
-              </a:rPr>
-              <a:t> technique . </a:t>
-            </a:r>
-            <a:r>
-              <a:rPr lang="en-US" b="0" i="0" dirty="0">
-                <a:effectLst/>
-                <a:latin typeface="-apple-system"/>
-              </a:rPr>
-              <a:t>The Random Forest algorithm Generate bootstrap training samples and searches for the best feature among a random subset of features; </a:t>
-            </a:r>
-            <a:r>
-              <a:rPr lang="en-US" b="0" i="0" dirty="0">
-                <a:solidFill>
-                  <a:srgbClr val="292929"/>
-                </a:solidFill>
-                <a:effectLst/>
-                <a:latin typeface="source-serif-pro"/>
-              </a:rPr>
-              <a:t>Resample the data or features to train many tree models. Use model averaging, such as majority vote or </a:t>
-            </a:r>
-            <a:r>
-              <a:rPr lang="en-US" b="0" i="0" dirty="0" err="1">
-                <a:solidFill>
-                  <a:srgbClr val="292929"/>
-                </a:solidFill>
-                <a:effectLst/>
-                <a:latin typeface="source-serif-pro"/>
-              </a:rPr>
-              <a:t>nomal</a:t>
-            </a:r>
-            <a:r>
-              <a:rPr lang="en-US" b="0" i="0" dirty="0">
-                <a:solidFill>
-                  <a:srgbClr val="292929"/>
-                </a:solidFill>
-                <a:effectLst/>
-                <a:latin typeface="source-serif-pro"/>
-              </a:rPr>
-              <a:t> average. </a:t>
-            </a:r>
-            <a:r>
-              <a:rPr lang="en-US" b="0" i="0" dirty="0">
-                <a:effectLst/>
-                <a:latin typeface="-apple-system"/>
-              </a:rPr>
-              <a:t>This results in a greater tree diversity, which (once again) trades </a:t>
-            </a:r>
-            <a:r>
-              <a:rPr lang="en-US" b="1" i="0" dirty="0">
-                <a:effectLst/>
-                <a:latin typeface="-apple-system"/>
-              </a:rPr>
-              <a:t>a higher bias for a lower variance</a:t>
-            </a:r>
-            <a:r>
-              <a:rPr lang="en-US" b="0" i="0" dirty="0">
-                <a:effectLst/>
-                <a:latin typeface="-apple-system"/>
-              </a:rPr>
-              <a:t>, generally yielding an overall better model.</a:t>
-            </a:r>
-          </a:p>
-          <a:p>
-            <a:r>
-              <a:rPr lang="en-US" b="0" i="0" dirty="0">
-                <a:effectLst/>
-                <a:latin typeface="-apple-system"/>
-              </a:rPr>
-              <a:t>The popularity of random forest is primarily due to how well it performs in a multitude of data situations. It tends to handle highly correlated features well, where as a linear regression model would not. </a:t>
-            </a:r>
-          </a:p>
-          <a:p>
-            <a:r>
-              <a:rPr lang="en-US" b="0" i="0" dirty="0">
-                <a:solidFill>
-                  <a:srgbClr val="292929"/>
-                </a:solidFill>
-                <a:effectLst/>
-                <a:latin typeface="source-serif-pro"/>
-              </a:rPr>
-              <a:t> </a:t>
-            </a:r>
-            <a:endParaRPr lang="en-US" b="0" i="0" dirty="0">
-              <a:solidFill>
-                <a:srgbClr val="000000"/>
-              </a:solidFill>
-              <a:effectLst/>
-              <a:latin typeface="Roboto" panose="02000000000000000000" pitchFamily="2" charset="0"/>
-            </a:endParaRPr>
-          </a:p>
-          <a:p>
-            <a:r>
-              <a:rPr lang="en-US" b="0" i="0" dirty="0">
-                <a:solidFill>
-                  <a:srgbClr val="000000"/>
-                </a:solidFill>
-                <a:effectLst/>
-                <a:latin typeface="Roboto" panose="02000000000000000000" pitchFamily="2" charset="0"/>
-              </a:rPr>
-              <a:t>'Boosting' is the term for an ensemble method in which new models replace incorrect predecessors until no further improvements can be made. Gradient boosting, on the other hand, is a technique that makes new models to predict the error of previous ones, before collating the results for an ultimate prediction.</a:t>
-            </a:r>
-          </a:p>
-          <a:p>
-            <a:r>
-              <a:rPr lang="en-US" b="0" i="0" dirty="0">
-                <a:effectLst/>
-                <a:latin typeface="-apple-system"/>
-              </a:rPr>
-              <a:t>Gradient boosting: Each time we run a decision tree, we extract the residuals. Then we run a new decision tree, using those residuals as the outcome to be predicted. After reaching a stopping point, we add together the predicted values from all of the decision trees to create the final gradient boosted prediction.</a:t>
-            </a:r>
-          </a:p>
-          <a:p>
-            <a:pPr algn="l"/>
-            <a:r>
-              <a:rPr lang="en-US" b="1" i="0" u="none" strike="noStrike" dirty="0" err="1">
-                <a:effectLst/>
-                <a:latin typeface="-apple-system"/>
-                <a:hlinkClick r:id="rId3"/>
-              </a:rPr>
-              <a:t>LightGBM</a:t>
-            </a:r>
-            <a:r>
-              <a:rPr lang="en-US" b="1" i="0" dirty="0">
-                <a:effectLst/>
-                <a:latin typeface="-apple-system"/>
-              </a:rPr>
-              <a:t> is a gradient boosting framework that uses tree-based learning algorithms. It is designed to be distributed and efficient with the following advantages:</a:t>
-            </a:r>
-          </a:p>
-          <a:p>
-            <a:pPr algn="l">
-              <a:buFont typeface="Arial" panose="020B0604020202020204" pitchFamily="34" charset="0"/>
-              <a:buChar char="•"/>
-            </a:pPr>
-            <a:r>
-              <a:rPr lang="en-US" b="0" i="0" dirty="0">
-                <a:effectLst/>
-                <a:latin typeface="-apple-system"/>
-              </a:rPr>
-              <a:t>Faster training speed and higher efficiency.</a:t>
-            </a:r>
-          </a:p>
-          <a:p>
-            <a:pPr algn="l">
-              <a:buFont typeface="Arial" panose="020B0604020202020204" pitchFamily="34" charset="0"/>
-              <a:buChar char="•"/>
-            </a:pPr>
-            <a:r>
-              <a:rPr lang="en-US" b="0" i="0" dirty="0">
-                <a:effectLst/>
-                <a:latin typeface="-apple-system"/>
-              </a:rPr>
-              <a:t>Lower memory usage.</a:t>
-            </a:r>
-          </a:p>
-          <a:p>
-            <a:pPr algn="l">
-              <a:buFont typeface="Arial" panose="020B0604020202020204" pitchFamily="34" charset="0"/>
-              <a:buChar char="•"/>
-            </a:pPr>
-            <a:r>
-              <a:rPr lang="en-US" b="0" i="0" dirty="0">
-                <a:effectLst/>
-                <a:latin typeface="-apple-system"/>
-              </a:rPr>
-              <a:t>Better accuracy.</a:t>
-            </a:r>
-          </a:p>
-          <a:p>
-            <a:pPr algn="l">
-              <a:buFont typeface="Arial" panose="020B0604020202020204" pitchFamily="34" charset="0"/>
-              <a:buChar char="•"/>
-            </a:pPr>
-            <a:r>
-              <a:rPr lang="en-US" b="0" i="0" dirty="0">
-                <a:effectLst/>
-                <a:latin typeface="-apple-system"/>
-              </a:rPr>
-              <a:t>Support of parallel and GPU learning.</a:t>
-            </a:r>
-          </a:p>
-          <a:p>
-            <a:pPr algn="l">
-              <a:buFont typeface="Arial" panose="020B0604020202020204" pitchFamily="34" charset="0"/>
-              <a:buChar char="•"/>
-            </a:pPr>
-            <a:r>
-              <a:rPr lang="en-US" b="0" i="0" dirty="0">
-                <a:effectLst/>
-                <a:latin typeface="-apple-system"/>
-              </a:rPr>
-              <a:t>Capable of handling large-scale data.</a:t>
-            </a:r>
-          </a:p>
-          <a:p>
-            <a:pPr algn="l">
-              <a:buFont typeface="Arial" panose="020B0604020202020204" pitchFamily="34" charset="0"/>
-              <a:buNone/>
-            </a:pPr>
-            <a:endParaRPr lang="en-US" b="0" i="0" dirty="0">
-              <a:effectLst/>
-              <a:latin typeface="-apple-system"/>
-            </a:endParaRPr>
-          </a:p>
-          <a:p>
-            <a:r>
               <a:rPr lang="en-US" dirty="0"/>
-              <a:t>Tree based models</a:t>
-            </a:r>
-          </a:p>
-          <a:p>
-            <a:pPr lvl="1"/>
-            <a:r>
-              <a:rPr lang="en-US" dirty="0"/>
-              <a:t>Decision Trees: Fast to train (using only one feature at a time), intuitive, interpretable</a:t>
-            </a:r>
-          </a:p>
-          <a:p>
-            <a:pPr algn="l">
-              <a:buFont typeface="Arial" panose="020B0604020202020204" pitchFamily="34" charset="0"/>
-              <a:buNone/>
-            </a:pPr>
-            <a:endParaRPr lang="en-US" b="0" i="0" dirty="0">
-              <a:effectLst/>
-              <a:latin typeface="-apple-system"/>
-            </a:endParaRPr>
+              <a:t>Correlation between a single feature and the label ranges from –0.6 to 0.6</a:t>
+            </a:r>
           </a:p>
           <a:p>
             <a:endParaRPr lang="en-US" dirty="0"/>
@@ -1061,7 +655,7 @@
           <a:p>
             <a:fld id="{D09B9B78-9CB7-4BB8-B8EA-7B060E3CCB98}" type="slidenum">
               <a:rPr lang="en-US" smtClean="0"/>
-              <a:t>11</a:t>
+              <a:t>10</a:t>
             </a:fld>
             <a:endParaRPr lang="en-US"/>
           </a:p>
@@ -1070,7 +664,7 @@
     </p:spTree>
     <p:extLst>
       <p:ext uri="{BB962C8B-B14F-4D97-AF65-F5344CB8AC3E}">
-        <p14:creationId xmlns:p14="http://schemas.microsoft.com/office/powerpoint/2010/main" val="207163681"/>
+        <p14:creationId xmlns:p14="http://schemas.microsoft.com/office/powerpoint/2010/main" val="1546233132"/>
       </p:ext>
     </p:extLst>
   </p:cSld>
@@ -1124,14 +718,288 @@
           <a:bodyPr/>
           <a:lstStyle/>
           <a:p>
+            <a:pPr marL="0" marR="0" lvl="0" indent="0" algn="l" defTabSz="914400" rtl="0" eaLnBrk="1" fontAlgn="auto" latinLnBrk="0" hangingPunct="1">
+              <a:lnSpc>
+                <a:spcPct val="100000"/>
+              </a:lnSpc>
+              <a:spcBef>
+                <a:spcPts val="0"/>
+              </a:spcBef>
+              <a:spcAft>
+                <a:spcPts val="0"/>
+              </a:spcAft>
+              <a:buClrTx/>
+              <a:buSzTx/>
+              <a:buFontTx/>
+              <a:buNone/>
+              <a:tabLst/>
+              <a:defRPr/>
+            </a:pPr>
+            <a:r>
+              <a:rPr lang="en-US" b="1" i="0" dirty="0">
+                <a:solidFill>
+                  <a:srgbClr val="292929"/>
+                </a:solidFill>
+                <a:effectLst/>
+                <a:latin typeface="source-serif-pro"/>
+              </a:rPr>
+              <a:t>Bagging </a:t>
+            </a:r>
+            <a:r>
+              <a:rPr lang="en-US" b="0" i="0" dirty="0">
+                <a:solidFill>
+                  <a:srgbClr val="292929"/>
+                </a:solidFill>
+                <a:effectLst/>
+                <a:latin typeface="source-serif-pro"/>
+              </a:rPr>
+              <a:t>is a simple </a:t>
+            </a:r>
+            <a:r>
+              <a:rPr lang="en-US" b="0" i="0" dirty="0" err="1">
+                <a:solidFill>
+                  <a:srgbClr val="292929"/>
+                </a:solidFill>
+                <a:effectLst/>
+                <a:latin typeface="source-serif-pro"/>
+              </a:rPr>
+              <a:t>ensembling</a:t>
+            </a:r>
+            <a:r>
+              <a:rPr lang="en-US" b="0" i="0" dirty="0">
+                <a:solidFill>
+                  <a:srgbClr val="292929"/>
+                </a:solidFill>
+                <a:effectLst/>
+                <a:latin typeface="source-serif-pro"/>
+              </a:rPr>
+              <a:t> technique . </a:t>
+            </a:r>
+            <a:r>
+              <a:rPr lang="en-US" b="0" i="0" dirty="0">
+                <a:effectLst/>
+                <a:latin typeface="-apple-system"/>
+              </a:rPr>
+              <a:t>The Random Forest algorithm Generate bootstrap training samples and searches for the best feature among a random subset of features; </a:t>
+            </a:r>
+            <a:r>
+              <a:rPr lang="en-US" b="0" i="0" dirty="0">
+                <a:solidFill>
+                  <a:srgbClr val="292929"/>
+                </a:solidFill>
+                <a:effectLst/>
+                <a:latin typeface="source-serif-pro"/>
+              </a:rPr>
+              <a:t>Resample the data or features to train many tree models. Use model averaging, such as majority vote or </a:t>
+            </a:r>
+            <a:r>
+              <a:rPr lang="en-US" b="0" i="0" dirty="0" err="1">
+                <a:solidFill>
+                  <a:srgbClr val="292929"/>
+                </a:solidFill>
+                <a:effectLst/>
+                <a:latin typeface="source-serif-pro"/>
+              </a:rPr>
+              <a:t>nomal</a:t>
+            </a:r>
+            <a:r>
+              <a:rPr lang="en-US" b="0" i="0" dirty="0">
+                <a:solidFill>
+                  <a:srgbClr val="292929"/>
+                </a:solidFill>
+                <a:effectLst/>
+                <a:latin typeface="source-serif-pro"/>
+              </a:rPr>
+              <a:t> average. </a:t>
+            </a:r>
+            <a:r>
+              <a:rPr lang="en-US" b="0" i="0" dirty="0">
+                <a:effectLst/>
+                <a:latin typeface="-apple-system"/>
+              </a:rPr>
+              <a:t>This results in a greater tree diversity, which (once again) trades </a:t>
+            </a:r>
+            <a:r>
+              <a:rPr lang="en-US" b="1" i="0" dirty="0">
+                <a:effectLst/>
+                <a:latin typeface="-apple-system"/>
+              </a:rPr>
+              <a:t>a higher bias for a lower variance</a:t>
+            </a:r>
+            <a:r>
+              <a:rPr lang="en-US" b="0" i="0" dirty="0">
+                <a:effectLst/>
+                <a:latin typeface="-apple-system"/>
+              </a:rPr>
+              <a:t>, generally yielding an overall better model.</a:t>
+            </a:r>
+          </a:p>
+          <a:p>
+            <a:r>
+              <a:rPr lang="en-US" b="0" i="0" dirty="0">
+                <a:effectLst/>
+                <a:latin typeface="-apple-system"/>
+              </a:rPr>
+              <a:t>The popularity of random forest is primarily due to how well it performs in a multitude of data situations. It tends to handle highly correlated features well, where as a linear regression model would not. </a:t>
+            </a:r>
+          </a:p>
+          <a:p>
+            <a:r>
+              <a:rPr lang="en-US" b="0" i="0" dirty="0">
+                <a:solidFill>
+                  <a:srgbClr val="292929"/>
+                </a:solidFill>
+                <a:effectLst/>
+                <a:latin typeface="source-serif-pro"/>
+              </a:rPr>
+              <a:t> </a:t>
+            </a:r>
+            <a:endParaRPr lang="en-US" b="0" i="0" u="sng" dirty="0">
+              <a:solidFill>
+                <a:srgbClr val="000000"/>
+              </a:solidFill>
+              <a:effectLst/>
+              <a:latin typeface="Roboto" panose="02000000000000000000" pitchFamily="2" charset="0"/>
+            </a:endParaRPr>
+          </a:p>
+          <a:p>
+            <a:r>
+              <a:rPr lang="en-US" b="0" i="0" u="sng" dirty="0">
+                <a:solidFill>
+                  <a:srgbClr val="000000"/>
+                </a:solidFill>
+                <a:effectLst/>
+                <a:latin typeface="Roboto" panose="02000000000000000000" pitchFamily="2" charset="0"/>
+              </a:rPr>
+              <a:t>'Boosting' is the term for an ensemble method in which new models replace incorrect predecessors until no further improvements can be made. Gradient boosting, on the other hand, is a technique that makes new models to predict the error of previous ones, before collating the results for an ultimate prediction.</a:t>
+            </a:r>
+          </a:p>
+          <a:p>
+            <a:r>
+              <a:rPr lang="en-US" b="0" i="0" dirty="0">
+                <a:effectLst/>
+                <a:latin typeface="-apple-system"/>
+              </a:rPr>
+              <a:t>Gradient boosting: Each time we run a decision tree, we extract the residuals. Then we run a new decision tree, using those residuals as the outcome to be predicted. After reaching a stopping point, we add together the predicted values from all of the decision trees to create the final gradient boosted prediction.</a:t>
+            </a:r>
+          </a:p>
+          <a:p>
+            <a:pPr algn="l"/>
+            <a:r>
+              <a:rPr lang="en-US" b="1" i="0" u="none" strike="noStrike" dirty="0" err="1">
+                <a:effectLst/>
+                <a:latin typeface="-apple-system"/>
+                <a:hlinkClick r:id="rId3"/>
+              </a:rPr>
+              <a:t>LightGBM</a:t>
+            </a:r>
+            <a:r>
+              <a:rPr lang="en-US" b="1" i="0" dirty="0">
+                <a:effectLst/>
+                <a:latin typeface="-apple-system"/>
+              </a:rPr>
+              <a:t> is a gradient boosting framework that uses tree-based learning algorithms. It is designed to be distributed and efficient with the following advantages:</a:t>
+            </a:r>
+          </a:p>
+          <a:p>
+            <a:pPr algn="l">
+              <a:buFont typeface="Arial" panose="020B0604020202020204" pitchFamily="34" charset="0"/>
+              <a:buChar char="•"/>
+            </a:pPr>
+            <a:r>
+              <a:rPr lang="en-US" b="0" i="0" dirty="0">
+                <a:effectLst/>
+                <a:latin typeface="-apple-system"/>
+              </a:rPr>
+              <a:t>Faster training speed and higher efficiency.</a:t>
+            </a:r>
+          </a:p>
+          <a:p>
+            <a:pPr algn="l">
+              <a:buFont typeface="Arial" panose="020B0604020202020204" pitchFamily="34" charset="0"/>
+              <a:buChar char="•"/>
+            </a:pPr>
+            <a:r>
+              <a:rPr lang="en-US" b="0" i="0" dirty="0">
+                <a:effectLst/>
+                <a:latin typeface="-apple-system"/>
+              </a:rPr>
+              <a:t>Lower memory usage.</a:t>
+            </a:r>
+          </a:p>
+          <a:p>
+            <a:pPr algn="l">
+              <a:buFont typeface="Arial" panose="020B0604020202020204" pitchFamily="34" charset="0"/>
+              <a:buChar char="•"/>
+            </a:pPr>
+            <a:r>
+              <a:rPr lang="en-US" b="0" i="0" dirty="0">
+                <a:effectLst/>
+                <a:latin typeface="-apple-system"/>
+              </a:rPr>
+              <a:t>Better accuracy.</a:t>
+            </a:r>
+          </a:p>
+          <a:p>
+            <a:pPr algn="l">
+              <a:buFont typeface="Arial" panose="020B0604020202020204" pitchFamily="34" charset="0"/>
+              <a:buChar char="•"/>
+            </a:pPr>
+            <a:r>
+              <a:rPr lang="en-US" b="0" i="0" dirty="0">
+                <a:effectLst/>
+                <a:latin typeface="-apple-system"/>
+              </a:rPr>
+              <a:t>Support of parallel and GPU learning.</a:t>
+            </a:r>
+          </a:p>
+          <a:p>
+            <a:pPr algn="l">
+              <a:buFont typeface="Arial" panose="020B0604020202020204" pitchFamily="34" charset="0"/>
+              <a:buChar char="•"/>
+            </a:pPr>
+            <a:r>
+              <a:rPr lang="en-US" b="0" i="0" dirty="0">
+                <a:effectLst/>
+                <a:latin typeface="-apple-system"/>
+              </a:rPr>
+              <a:t>Capable of handling large-scale data.</a:t>
+            </a:r>
+          </a:p>
+          <a:p>
+            <a:pPr algn="l">
+              <a:buFont typeface="Arial" panose="020B0604020202020204" pitchFamily="34" charset="0"/>
+              <a:buNone/>
+            </a:pPr>
+            <a:endParaRPr lang="en-US" b="0" i="0" dirty="0">
+              <a:effectLst/>
+              <a:latin typeface="-apple-system"/>
+            </a:endParaRPr>
+          </a:p>
+          <a:p>
             <a:r>
               <a:rPr lang="en-US" dirty="0"/>
-              <a:t>Tuned </a:t>
-            </a:r>
-            <a:r>
-              <a:rPr lang="en-US" dirty="0" err="1"/>
-              <a:t>lightgbm</a:t>
-            </a:r>
+              <a:t>Tree based models</a:t>
+            </a:r>
+          </a:p>
+          <a:p>
+            <a:pPr lvl="1"/>
+            <a:r>
+              <a:rPr lang="en-US" dirty="0"/>
+              <a:t>Decision Trees: Fast to train (using only one feature at a time), intuitive, interpretable</a:t>
+            </a:r>
+          </a:p>
+          <a:p>
+            <a:pPr algn="l">
+              <a:buFont typeface="Arial" panose="020B0604020202020204" pitchFamily="34" charset="0"/>
+              <a:buNone/>
+            </a:pPr>
+            <a:endParaRPr lang="en-US" b="0" i="0" dirty="0">
+              <a:effectLst/>
+              <a:latin typeface="-apple-system"/>
+            </a:endParaRPr>
+          </a:p>
+          <a:p>
             <a:endParaRPr lang="en-US" dirty="0"/>
           </a:p>
         </p:txBody>
@@ -1153,7 +1021,7 @@
           <a:p>
             <a:fld id="{D09B9B78-9CB7-4BB8-B8EA-7B060E3CCB98}" type="slidenum">
               <a:rPr lang="en-US" smtClean="0"/>
-              <a:t>12</a:t>
+              <a:t>11</a:t>
             </a:fld>
             <a:endParaRPr lang="en-US"/>
           </a:p>
@@ -1162,7 +1030,7 @@
     </p:spTree>
     <p:extLst>
       <p:ext uri="{BB962C8B-B14F-4D97-AF65-F5344CB8AC3E}">
-        <p14:creationId xmlns:p14="http://schemas.microsoft.com/office/powerpoint/2010/main" val="2229974345"/>
+        <p14:creationId xmlns:p14="http://schemas.microsoft.com/office/powerpoint/2010/main" val="207163681"/>
       </p:ext>
     </p:extLst>
   </p:cSld>
@@ -1217,6 +1085,98 @@
           <a:lstStyle/>
           <a:p>
             <a:r>
+              <a:rPr lang="en-US" dirty="0"/>
+              <a:t>Tuned </a:t>
+            </a:r>
+            <a:r>
+              <a:rPr lang="en-US" dirty="0" err="1"/>
+              <a:t>lightgbm</a:t>
+            </a:r>
+            <a:endParaRPr lang="en-US" dirty="0"/>
+          </a:p>
+        </p:txBody>
+      </p:sp>
+      <p:sp>
+        <p:nvSpPr>
+          <p:cNvPr id="4" name="Slide Number Placeholder 3"/>
+          <p:cNvSpPr>
+            <a:spLocks noGrp="1"/>
+          </p:cNvSpPr>
+          <p:nvPr>
+            <p:ph type="sldNum" sz="quarter" idx="5"/>
+          </p:nvPr>
+        </p:nvSpPr>
+        <p:spPr/>
+        <p:txBody>
+          <a:bodyPr/>
+          <a:lstStyle/>
+          <a:p>
+            <a:fld id="{D09B9B78-9CB7-4BB8-B8EA-7B060E3CCB98}" type="slidenum">
+              <a:rPr lang="en-US" smtClean="0"/>
+              <a:t>12</a:t>
+            </a:fld>
+            <a:endParaRPr lang="en-US"/>
+          </a:p>
+        </p:txBody>
+      </p:sp>
+    </p:spTree>
+    <p:extLst>
+      <p:ext uri="{BB962C8B-B14F-4D97-AF65-F5344CB8AC3E}">
+        <p14:creationId xmlns:p14="http://schemas.microsoft.com/office/powerpoint/2010/main" val="2229974345"/>
+      </p:ext>
+    </p:extLst>
+  </p:cSld>
+  <p:clrMapOvr>
+    <a:masterClrMapping/>
+  </p:clrMapOvr>
+</p:notes>
+</file>
+
+<file path=ppt/notesSlides/notesSlide13.xml><?xml version="1.0" encoding="utf-8"?>
+<p:notes xmlns:a="http://schemas.openxmlformats.org/drawingml/2006/main" xmlns:r="http://schemas.openxmlformats.org/officeDocument/2006/relationships" xmlns:p="http://schemas.openxmlformats.org/presentationml/2006/main">
+  <p:cSld>
+    <p:spTree>
+      <p:nvGrpSpPr>
+        <p:cNvPr id="1" name=""/>
+        <p:cNvGrpSpPr/>
+        <p:nvPr/>
+      </p:nvGrpSpPr>
+      <p:grpSpPr>
+        <a:xfrm>
+          <a:off x="0" y="0"/>
+          <a:ext cx="0" cy="0"/>
+          <a:chOff x="0" y="0"/>
+          <a:chExt cx="0" cy="0"/>
+        </a:xfrm>
+      </p:grpSpPr>
+      <p:sp>
+        <p:nvSpPr>
+          <p:cNvPr id="2" name="Slide Image Placeholder 1"/>
+          <p:cNvSpPr>
+            <a:spLocks noGrp="1" noRot="1" noChangeAspect="1"/>
+          </p:cNvSpPr>
+          <p:nvPr>
+            <p:ph type="sldImg"/>
+          </p:nvPr>
+        </p:nvSpPr>
+        <p:spPr/>
+      </p:sp>
+      <p:sp>
+        <p:nvSpPr>
+          <p:cNvPr id="3" name="Notes Placeholder 2"/>
+          <p:cNvSpPr>
+            <a:spLocks noGrp="1"/>
+          </p:cNvSpPr>
+          <p:nvPr>
+            <p:ph type="body" idx="1"/>
+          </p:nvPr>
+        </p:nvSpPr>
+        <p:spPr/>
+        <p:txBody>
+          <a:bodyPr/>
+          <a:lstStyle/>
+          <a:p>
+            <a:r>
               <a:rPr lang="en-US" b="0" i="0" dirty="0">
                 <a:solidFill>
                   <a:srgbClr val="212529"/>
@@ -1266,7 +1226,7 @@
 </p:notes>
 </file>
 
-<file path=ppt/notesSlides/notesSlide13.xml><?xml version="1.0" encoding="utf-8"?>
+<file path=ppt/notesSlides/notesSlide14.xml><?xml version="1.0" encoding="utf-8"?>
 <p:notes xmlns:a="http://schemas.openxmlformats.org/drawingml/2006/main" xmlns:r="http://schemas.openxmlformats.org/officeDocument/2006/relationships" xmlns:p="http://schemas.openxmlformats.org/presentationml/2006/main">
   <p:cSld>
     <p:spTree>
@@ -1397,6 +1357,42 @@
           <a:bodyPr/>
           <a:lstStyle/>
           <a:p>
+            <a:pPr marL="228600" indent="-228600">
+              <a:buAutoNum type="arabicPeriod"/>
+            </a:pPr>
+            <a:r>
+              <a:rPr lang="en-US" dirty="0"/>
+              <a:t>Earthquake can cause severe damage. Geoscientists have been striving studying the earthquake physics and trying to predict when and how large of an earthquake. However, geologists society and earthquake scientists have never predicted a major earthquake. </a:t>
+            </a:r>
+          </a:p>
+          <a:p>
+            <a:pPr marL="228600" indent="-228600">
+              <a:buAutoNum type="arabicPeriod"/>
+            </a:pPr>
+            <a:r>
+              <a:rPr lang="en-US" dirty="0"/>
+              <a:t>Traditional methods generally look for trends or patterns that lead to </a:t>
+            </a:r>
+            <a:r>
+              <a:rPr lang="en-US" dirty="0" err="1"/>
+              <a:t>probablilistic</a:t>
+            </a:r>
+            <a:r>
+              <a:rPr lang="en-US" dirty="0"/>
+              <a:t> estimation of earthquake happening</a:t>
+            </a:r>
+          </a:p>
+          <a:p>
+            <a:r>
+              <a:rPr lang="en-US" b="0" i="0" dirty="0">
+                <a:solidFill>
+                  <a:srgbClr val="202122"/>
+                </a:solidFill>
+                <a:effectLst/>
+                <a:latin typeface="Arial" panose="020B0604020202020204" pitchFamily="34" charset="0"/>
+              </a:rPr>
+              <a:t>3. </a:t>
+            </a:r>
             <a:r>
               <a:rPr lang="en-US" b="0" i="0" dirty="0">
                 <a:solidFill>
@@ -1405,21 +1401,111 @@
                 <a:effectLst/>
                 <a:latin typeface="open sans" panose="020B0606030504020204" pitchFamily="34" charset="0"/>
               </a:rPr>
-              <a:t>two quieter earthquakes began slowly creeping along the Japan Trench toward the point where the massive, megathrust quake would erupt a month later.</a:t>
-            </a:r>
+              <a:t>Discovered only in the last 20 years, slow earthquakes are still a seismic puzzle. This type of earthquake seems can be predicted</a:t>
+            </a:r>
+            <a:endParaRPr lang="en-US" b="0" i="0" dirty="0">
+              <a:solidFill>
+                <a:srgbClr val="202122"/>
+              </a:solidFill>
+              <a:effectLst/>
+              <a:latin typeface="Arial" panose="020B0604020202020204" pitchFamily="34" charset="0"/>
+            </a:endParaRPr>
           </a:p>
           <a:p>
             <a:r>
               <a:rPr lang="en-US" b="0" i="0" dirty="0">
                 <a:solidFill>
-                  <a:srgbClr val="000000"/>
+                  <a:srgbClr val="202122"/>
                 </a:solidFill>
                 <a:effectLst/>
-                <a:latin typeface="open sans" panose="020B0606030504020204" pitchFamily="34" charset="0"/>
+                <a:latin typeface="Arial" panose="020B0604020202020204" pitchFamily="34" charset="0"/>
               </a:rPr>
-              <a:t>Image how many people’s lives and economic lost can be saved?</a:t>
+              <a:t>A </a:t>
+            </a:r>
+            <a:r>
+              <a:rPr lang="en-US" b="1" i="0" dirty="0">
+                <a:solidFill>
+                  <a:srgbClr val="202122"/>
+                </a:solidFill>
+                <a:effectLst/>
+                <a:latin typeface="Arial" panose="020B0604020202020204" pitchFamily="34" charset="0"/>
+              </a:rPr>
+              <a:t>slow earthquake</a:t>
+            </a:r>
+            <a:r>
+              <a:rPr lang="en-US" b="0" i="0" dirty="0">
+                <a:solidFill>
+                  <a:srgbClr val="202122"/>
+                </a:solidFill>
+                <a:effectLst/>
+                <a:latin typeface="Arial" panose="020B0604020202020204" pitchFamily="34" charset="0"/>
+              </a:rPr>
+              <a:t> is a discontinuous, </a:t>
+            </a:r>
+            <a:r>
+              <a:rPr lang="en-US" b="0" i="0" u="none" strike="noStrike" dirty="0">
+                <a:solidFill>
+                  <a:srgbClr val="0645AD"/>
+                </a:solidFill>
+                <a:effectLst/>
+                <a:latin typeface="Arial" panose="020B0604020202020204" pitchFamily="34" charset="0"/>
+                <a:hlinkClick r:id="rId3" tooltip="Earthquake"/>
+              </a:rPr>
+              <a:t>earthquake</a:t>
+            </a:r>
+            <a:r>
+              <a:rPr lang="en-US" b="0" i="0" dirty="0">
+                <a:solidFill>
+                  <a:srgbClr val="202122"/>
+                </a:solidFill>
+                <a:effectLst/>
+                <a:latin typeface="Arial" panose="020B0604020202020204" pitchFamily="34" charset="0"/>
+              </a:rPr>
+              <a:t>-like event that releases energy over a period of hours to months, rather than the seconds to minutes characteristic of a typical earthquake.</a:t>
             </a:r>
             <a:endParaRPr lang="en-US" dirty="0"/>
+          </a:p>
+          <a:p>
+            <a:r>
+              <a:rPr lang="en-US" b="0" i="0" dirty="0">
+                <a:solidFill>
+                  <a:srgbClr val="262626"/>
+                </a:solidFill>
+                <a:effectLst/>
+                <a:latin typeface="PT Serif" panose="020B0604020202020204" pitchFamily="18" charset="0"/>
+              </a:rPr>
+              <a:t>Slow earthquakes are characterized by a wide spectrum of fault slip behaviors and seismic radiation patterns that differ from those of traditional earthquakes. </a:t>
+            </a:r>
+            <a:r>
+              <a:rPr lang="en-US" b="0" i="0" dirty="0">
+                <a:solidFill>
+                  <a:srgbClr val="262626"/>
+                </a:solidFill>
+                <a:effectLst/>
+                <a:latin typeface="PT Serif" panose="020A0603040505020204" pitchFamily="18" charset="0"/>
+              </a:rPr>
+              <a:t>However, slow earthquakes and huge megathrust earthquakes can have common slip mechanisms and are located in neighboring regions of the </a:t>
+            </a:r>
+            <a:r>
+              <a:rPr lang="en-US" b="0" i="0" dirty="0" err="1">
+                <a:solidFill>
+                  <a:srgbClr val="262626"/>
+                </a:solidFill>
+                <a:effectLst/>
+                <a:latin typeface="PT Serif" panose="020A0603040505020204" pitchFamily="18" charset="0"/>
+              </a:rPr>
+              <a:t>seismogenic</a:t>
+            </a:r>
+            <a:r>
+              <a:rPr lang="en-US" b="0" i="0" dirty="0">
+                <a:solidFill>
+                  <a:srgbClr val="262626"/>
+                </a:solidFill>
+                <a:effectLst/>
+                <a:latin typeface="PT Serif" panose="020A0603040505020204" pitchFamily="18" charset="0"/>
+              </a:rPr>
+              <a:t> zone. The frequent occurrence of slow earthquakes may help to reveal the physics underlying megathrust events as useful analogs. Understanding the slow earthquakes helps to better predict the other earthquakes.</a:t>
+            </a:r>
           </a:p>
         </p:txBody>
       </p:sp>
@@ -1440,7 +1526,7 @@
           <a:p>
             <a:fld id="{D09B9B78-9CB7-4BB8-B8EA-7B060E3CCB98}" type="slidenum">
               <a:rPr lang="en-US" smtClean="0"/>
-              <a:t>3</a:t>
+              <a:t>2</a:t>
             </a:fld>
             <a:endParaRPr lang="en-US"/>
           </a:p>
@@ -1449,7 +1535,7 @@
     </p:spTree>
     <p:extLst>
       <p:ext uri="{BB962C8B-B14F-4D97-AF65-F5344CB8AC3E}">
-        <p14:creationId xmlns:p14="http://schemas.microsoft.com/office/powerpoint/2010/main" val="2495129362"/>
+        <p14:creationId xmlns:p14="http://schemas.microsoft.com/office/powerpoint/2010/main" val="1568661478"/>
       </p:ext>
     </p:extLst>
   </p:cSld>
@@ -1504,31 +1590,27 @@
           <a:lstStyle/>
           <a:p>
             <a:r>
-              <a:rPr lang="en-US" dirty="0"/>
-              <a:t>The map shows the global Earthquake belt, such as the pacific rim. There exist large amounts of population and heavy economic activity, such as California, Japan, and Indonesia.</a:t>
-            </a:r>
-          </a:p>
-          <a:p>
-            <a:r>
-              <a:rPr lang="en-US" dirty="0"/>
-              <a:t>an earthquake costs huge damage in people’s property, health and lives.. Due to the long-period earth’s activity and complex geomaterials’ properties.</a:t>
-            </a:r>
-          </a:p>
-          <a:p>
-            <a:r>
-              <a:rPr lang="en-US" dirty="0"/>
-              <a:t>With the rapid development in </a:t>
-            </a:r>
-            <a:r>
-              <a:rPr lang="en-US" dirty="0" err="1"/>
-              <a:t>machin</a:t>
-            </a:r>
-            <a:r>
-              <a:rPr lang="en-US" dirty="0"/>
-              <a:t> learning and data science, forecasting a specific mechanism-related earthquake, becomes possible. </a:t>
-            </a:r>
-          </a:p>
-          <a:p>
+              <a:rPr lang="en-US" b="0" i="0" dirty="0">
+                <a:solidFill>
+                  <a:srgbClr val="000000"/>
+                </a:solidFill>
+                <a:effectLst/>
+                <a:latin typeface="open sans" panose="020B0606030504020204" pitchFamily="34" charset="0"/>
+              </a:rPr>
+              <a:t>two quieter earthquakes began slowly creeping along the Japan Trench toward the point where the massive, megathrust quake would erupt a month later.</a:t>
+            </a:r>
+          </a:p>
+          <a:p>
+            <a:r>
+              <a:rPr lang="en-US" b="0" i="0" dirty="0">
+                <a:solidFill>
+                  <a:srgbClr val="000000"/>
+                </a:solidFill>
+                <a:effectLst/>
+                <a:latin typeface="open sans" panose="020B0606030504020204" pitchFamily="34" charset="0"/>
+              </a:rPr>
+              <a:t>Image how many people’s lives and economic lost can be saved?</a:t>
+            </a:r>
             <a:endParaRPr lang="en-US" dirty="0"/>
           </a:p>
         </p:txBody>
@@ -1550,7 +1632,7 @@
           <a:p>
             <a:fld id="{D09B9B78-9CB7-4BB8-B8EA-7B060E3CCB98}" type="slidenum">
               <a:rPr lang="en-US" smtClean="0"/>
-              <a:t>4</a:t>
+              <a:t>3</a:t>
             </a:fld>
             <a:endParaRPr lang="en-US"/>
           </a:p>
@@ -1559,7 +1641,7 @@
     </p:spTree>
     <p:extLst>
       <p:ext uri="{BB962C8B-B14F-4D97-AF65-F5344CB8AC3E}">
-        <p14:creationId xmlns:p14="http://schemas.microsoft.com/office/powerpoint/2010/main" val="2119860865"/>
+        <p14:creationId xmlns:p14="http://schemas.microsoft.com/office/powerpoint/2010/main" val="2495129362"/>
       </p:ext>
     </p:extLst>
   </p:cSld>
@@ -1614,15 +1696,31 @@
           <a:lstStyle/>
           <a:p>
             <a:r>
-              <a:rPr lang="en-US" b="0" i="0" dirty="0">
-                <a:solidFill>
-                  <a:srgbClr val="202122"/>
-                </a:solidFill>
-                <a:effectLst/>
-                <a:latin typeface="Arial" panose="020B0604020202020204" pitchFamily="34" charset="0"/>
-              </a:rPr>
-              <a:t>previously assumed to be statistical noise, reflects the increasing emission of energy before its sudden release during a slip event. </a:t>
-            </a:r>
+              <a:rPr lang="en-US" dirty="0"/>
+              <a:t>The map shows the global Earthquake belt, such as the pacific rim. There exist large amounts of population and heavy economic activity, such as California, Japan, and Indonesia.</a:t>
+            </a:r>
+          </a:p>
+          <a:p>
+            <a:r>
+              <a:rPr lang="en-US" dirty="0"/>
+              <a:t>an earthquake costs huge damage in people’s property, health and lives.. Due to the long-period earth’s activity and complex geomaterials’ properties.</a:t>
+            </a:r>
+          </a:p>
+          <a:p>
+            <a:r>
+              <a:rPr lang="en-US" dirty="0"/>
+              <a:t>With the rapid development in </a:t>
+            </a:r>
+            <a:r>
+              <a:rPr lang="en-US" dirty="0" err="1"/>
+              <a:t>machin</a:t>
+            </a:r>
+            <a:r>
+              <a:rPr lang="en-US" dirty="0"/>
+              <a:t> learning and data science, forecasting a specific mechanism-related earthquake, becomes possible. </a:t>
+            </a:r>
+          </a:p>
+          <a:p>
             <a:endParaRPr lang="en-US" dirty="0"/>
           </a:p>
         </p:txBody>
@@ -1644,7 +1742,7 @@
           <a:p>
             <a:fld id="{D09B9B78-9CB7-4BB8-B8EA-7B060E3CCB98}" type="slidenum">
               <a:rPr lang="en-US" smtClean="0"/>
-              <a:t>5</a:t>
+              <a:t>4</a:t>
             </a:fld>
             <a:endParaRPr lang="en-US"/>
           </a:p>
@@ -1653,7 +1751,7 @@
     </p:spTree>
     <p:extLst>
       <p:ext uri="{BB962C8B-B14F-4D97-AF65-F5344CB8AC3E}">
-        <p14:creationId xmlns:p14="http://schemas.microsoft.com/office/powerpoint/2010/main" val="3271061074"/>
+        <p14:creationId xmlns:p14="http://schemas.microsoft.com/office/powerpoint/2010/main" val="2119860865"/>
       </p:ext>
     </p:extLst>
   </p:cSld>
@@ -1715,156 +1813,8 @@
                 <a:effectLst/>
                 <a:latin typeface="Arial" panose="020B0604020202020204" pitchFamily="34" charset="0"/>
               </a:rPr>
-              <a:t>slow earthquakes are caused by a variety of </a:t>
-            </a:r>
-            <a:r>
-              <a:rPr lang="en-US" b="0" i="0" u="none" strike="noStrike" dirty="0">
-                <a:solidFill>
-                  <a:srgbClr val="0645AD"/>
-                </a:solidFill>
-                <a:effectLst/>
-                <a:latin typeface="Arial" panose="020B0604020202020204" pitchFamily="34" charset="0"/>
-                <a:hlinkClick r:id="rId3" tooltip="Stick-slip phenomenon"/>
-              </a:rPr>
-              <a:t>stick-slip</a:t>
-            </a:r>
-            <a:r>
-              <a:rPr lang="en-US" b="0" i="0" dirty="0">
-                <a:solidFill>
-                  <a:srgbClr val="202122"/>
-                </a:solidFill>
-                <a:effectLst/>
-                <a:latin typeface="Arial" panose="020B0604020202020204" pitchFamily="34" charset="0"/>
-              </a:rPr>
-              <a:t> and creep processes intermediated between asperity-controlled </a:t>
-            </a:r>
-            <a:r>
-              <a:rPr lang="en-US" b="0" i="0" u="none" strike="noStrike" dirty="0">
-                <a:solidFill>
-                  <a:srgbClr val="0645AD"/>
-                </a:solidFill>
-                <a:effectLst/>
-                <a:latin typeface="Arial" panose="020B0604020202020204" pitchFamily="34" charset="0"/>
-                <a:hlinkClick r:id="rId4" tooltip="Fracture (geology)"/>
-              </a:rPr>
-              <a:t>brittle and ductile fracture</a:t>
-            </a:r>
-            <a:r>
-              <a:rPr lang="en-US" b="0" i="0" dirty="0">
-                <a:solidFill>
-                  <a:srgbClr val="202122"/>
-                </a:solidFill>
-                <a:effectLst/>
-                <a:latin typeface="Arial" panose="020B0604020202020204" pitchFamily="34" charset="0"/>
-              </a:rPr>
-              <a:t>.</a:t>
-            </a:r>
-            <a:r>
-              <a:rPr lang="en-US" b="0" i="0" baseline="30000" dirty="0">
-                <a:solidFill>
-                  <a:srgbClr val="202122"/>
-                </a:solidFill>
-                <a:effectLst/>
-                <a:latin typeface="Arial" panose="020B0604020202020204" pitchFamily="34" charset="0"/>
-              </a:rPr>
-              <a:t>[</a:t>
-            </a:r>
-            <a:r>
-              <a:rPr lang="en-US" b="0" i="0" u="none" strike="noStrike" dirty="0">
-                <a:solidFill>
-                  <a:srgbClr val="0645AD"/>
-                </a:solidFill>
-                <a:effectLst/>
-                <a:latin typeface="Arial" panose="020B0604020202020204" pitchFamily="34" charset="0"/>
-                <a:hlinkClick r:id="rId5" tooltip="Asperity (materials science)"/>
-              </a:rPr>
-              <a:t>Asperities</a:t>
-            </a:r>
-            <a:r>
-              <a:rPr lang="en-US" b="0" i="0" dirty="0">
-                <a:solidFill>
-                  <a:srgbClr val="202122"/>
-                </a:solidFill>
-                <a:effectLst/>
-                <a:latin typeface="Arial" panose="020B0604020202020204" pitchFamily="34" charset="0"/>
-              </a:rPr>
-              <a:t> are tiny bumps and protrusions along the faces of fractures. They are best documented from intermediate crustal levels of certain </a:t>
-            </a:r>
-            <a:r>
-              <a:rPr lang="en-US" b="0" i="0" u="none" strike="noStrike" dirty="0">
-                <a:solidFill>
-                  <a:srgbClr val="0645AD"/>
-                </a:solidFill>
-                <a:effectLst/>
-                <a:latin typeface="Arial" panose="020B0604020202020204" pitchFamily="34" charset="0"/>
-                <a:hlinkClick r:id="rId6" tooltip="Subduction zones"/>
-              </a:rPr>
-              <a:t>subduction zones</a:t>
-            </a:r>
-            <a:r>
-              <a:rPr lang="en-US" b="0" i="0" dirty="0">
-                <a:solidFill>
-                  <a:srgbClr val="202122"/>
-                </a:solidFill>
-                <a:effectLst/>
-                <a:latin typeface="Arial" panose="020B0604020202020204" pitchFamily="34" charset="0"/>
-              </a:rPr>
-              <a:t> (especially those that dip shallowly — SW Japan, Cascadia,</a:t>
-            </a:r>
-            <a:r>
-              <a:rPr lang="en-US" b="0" i="0" u="none" strike="noStrike" baseline="30000" dirty="0">
-                <a:solidFill>
-                  <a:srgbClr val="0645AD"/>
-                </a:solidFill>
-                <a:effectLst/>
-                <a:latin typeface="Arial" panose="020B0604020202020204" pitchFamily="34" charset="0"/>
-                <a:hlinkClick r:id="rId7"/>
-              </a:rPr>
-              <a:t>[6]</a:t>
-            </a:r>
-            <a:r>
-              <a:rPr lang="en-US" b="0" i="0" dirty="0">
-                <a:solidFill>
-                  <a:srgbClr val="202122"/>
-                </a:solidFill>
-                <a:effectLst/>
-                <a:latin typeface="Arial" panose="020B0604020202020204" pitchFamily="34" charset="0"/>
-              </a:rPr>
-              <a:t> Chile)</a:t>
-            </a:r>
-          </a:p>
-          <a:p>
-            <a:pPr marL="0" marR="0" lvl="0" indent="0" algn="l" defTabSz="914400" rtl="0" eaLnBrk="1" fontAlgn="auto" latinLnBrk="0" hangingPunct="1">
-              <a:lnSpc>
-                <a:spcPct val="100000"/>
-              </a:lnSpc>
-              <a:spcBef>
-                <a:spcPts val="0"/>
-              </a:spcBef>
-              <a:spcAft>
-                <a:spcPts val="0"/>
-              </a:spcAft>
-              <a:buClrTx/>
-              <a:buSzTx/>
-              <a:buFontTx/>
-              <a:buNone/>
-              <a:tabLst/>
-              <a:defRPr/>
-            </a:pPr>
-            <a:r>
-              <a:rPr lang="en-US" b="0" i="0" dirty="0">
-                <a:effectLst/>
-                <a:latin typeface="Arial" panose="020B0604020202020204" pitchFamily="34" charset="0"/>
-                <a:cs typeface="Arial" panose="020B0604020202020204" pitchFamily="34" charset="0"/>
-              </a:rPr>
-              <a:t>Two fault gouge layers are sheared simultaneously while subjected to a constant normal load and a prescribed shear velocity. The laboratory faults fail in repetitive cycles of stick and slip that is meant to mimic the cycle of loading and failure on tectonic faults.</a:t>
-            </a:r>
-            <a:endParaRPr lang="en-US" dirty="0">
-              <a:latin typeface="Arial" panose="020B0604020202020204" pitchFamily="34" charset="0"/>
-              <a:cs typeface="Arial" panose="020B0604020202020204" pitchFamily="34" charset="0"/>
-            </a:endParaRPr>
-          </a:p>
-          <a:p>
+              <a:t>previously assumed to be statistical noise, reflects the increasing emission of energy before its sudden release during a slip event. </a:t>
+            </a:r>
             <a:endParaRPr lang="en-US" dirty="0"/>
           </a:p>
         </p:txBody>
@@ -1886,7 +1836,7 @@
           <a:p>
             <a:fld id="{D09B9B78-9CB7-4BB8-B8EA-7B060E3CCB98}" type="slidenum">
               <a:rPr lang="en-US" smtClean="0"/>
-              <a:t>6</a:t>
+              <a:t>5</a:t>
             </a:fld>
             <a:endParaRPr lang="en-US"/>
           </a:p>
@@ -1895,7 +1845,7 @@
     </p:spTree>
     <p:extLst>
       <p:ext uri="{BB962C8B-B14F-4D97-AF65-F5344CB8AC3E}">
-        <p14:creationId xmlns:p14="http://schemas.microsoft.com/office/powerpoint/2010/main" val="1324703995"/>
+        <p14:creationId xmlns:p14="http://schemas.microsoft.com/office/powerpoint/2010/main" val="3271061074"/>
       </p:ext>
     </p:extLst>
   </p:cSld>
@@ -1950,21 +1900,164 @@
           <a:lstStyle/>
           <a:p>
             <a:r>
-              <a:rPr lang="en-US" dirty="0"/>
-              <a:t>We need to split the single file into </a:t>
-            </a:r>
-          </a:p>
-          <a:p>
-            <a:r>
-              <a:rPr lang="en-US" dirty="0"/>
-              <a:t>After split the dataset, we create about 8400 labels, </a:t>
-            </a:r>
-          </a:p>
-          <a:p>
-            <a:r>
-              <a:rPr lang="en-US" dirty="0"/>
-              <a:t>Assume each label is irrelevant, shuffle.</a:t>
-            </a:r>
+              <a:rPr lang="en-US" b="0" i="0" dirty="0">
+                <a:solidFill>
+                  <a:srgbClr val="202122"/>
+                </a:solidFill>
+                <a:effectLst/>
+                <a:latin typeface="Arial" panose="020B0604020202020204" pitchFamily="34" charset="0"/>
+              </a:rPr>
+              <a:t>slow earthquakes are caused by a variety of </a:t>
+            </a:r>
+            <a:r>
+              <a:rPr lang="en-US" b="0" i="0" u="none" strike="noStrike" dirty="0">
+                <a:solidFill>
+                  <a:srgbClr val="0645AD"/>
+                </a:solidFill>
+                <a:effectLst/>
+                <a:latin typeface="Arial" panose="020B0604020202020204" pitchFamily="34" charset="0"/>
+                <a:hlinkClick r:id="rId3" tooltip="Stick-slip phenomenon"/>
+              </a:rPr>
+              <a:t>stick-slip</a:t>
+            </a:r>
+            <a:r>
+              <a:rPr lang="en-US" b="0" i="0" dirty="0">
+                <a:solidFill>
+                  <a:srgbClr val="202122"/>
+                </a:solidFill>
+                <a:effectLst/>
+                <a:latin typeface="Arial" panose="020B0604020202020204" pitchFamily="34" charset="0"/>
+              </a:rPr>
+              <a:t> and creep processes intermediated between asperity-controlled </a:t>
+            </a:r>
+            <a:r>
+              <a:rPr lang="en-US" b="0" i="0" u="none" strike="noStrike" dirty="0">
+                <a:solidFill>
+                  <a:srgbClr val="0645AD"/>
+                </a:solidFill>
+                <a:effectLst/>
+                <a:latin typeface="Arial" panose="020B0604020202020204" pitchFamily="34" charset="0"/>
+                <a:hlinkClick r:id="rId4" tooltip="Fracture (geology)"/>
+              </a:rPr>
+              <a:t>brittle and ductile fracture</a:t>
+            </a:r>
+            <a:r>
+              <a:rPr lang="en-US" b="0" i="0" dirty="0">
+                <a:solidFill>
+                  <a:srgbClr val="202122"/>
+                </a:solidFill>
+                <a:effectLst/>
+                <a:latin typeface="Arial" panose="020B0604020202020204" pitchFamily="34" charset="0"/>
+              </a:rPr>
+              <a:t>.</a:t>
+            </a:r>
+            <a:r>
+              <a:rPr lang="en-US" b="0" i="0" baseline="30000" dirty="0">
+                <a:solidFill>
+                  <a:srgbClr val="202122"/>
+                </a:solidFill>
+                <a:effectLst/>
+                <a:latin typeface="Arial" panose="020B0604020202020204" pitchFamily="34" charset="0"/>
+              </a:rPr>
+              <a:t>[</a:t>
+            </a:r>
+            <a:r>
+              <a:rPr lang="en-US" b="0" i="0" u="none" strike="noStrike" dirty="0">
+                <a:solidFill>
+                  <a:srgbClr val="0645AD"/>
+                </a:solidFill>
+                <a:effectLst/>
+                <a:latin typeface="Arial" panose="020B0604020202020204" pitchFamily="34" charset="0"/>
+                <a:hlinkClick r:id="rId5" tooltip="Asperity (materials science)"/>
+              </a:rPr>
+              <a:t>Asperities</a:t>
+            </a:r>
+            <a:r>
+              <a:rPr lang="en-US" b="0" i="0" dirty="0">
+                <a:solidFill>
+                  <a:srgbClr val="202122"/>
+                </a:solidFill>
+                <a:effectLst/>
+                <a:latin typeface="Arial" panose="020B0604020202020204" pitchFamily="34" charset="0"/>
+              </a:rPr>
+              <a:t> are tiny bumps and protrusions along the faces of fractures. They are best documented from intermediate crustal levels of certain </a:t>
+            </a:r>
+            <a:r>
+              <a:rPr lang="en-US" b="0" i="0" u="none" strike="noStrike" dirty="0">
+                <a:solidFill>
+                  <a:srgbClr val="0645AD"/>
+                </a:solidFill>
+                <a:effectLst/>
+                <a:latin typeface="Arial" panose="020B0604020202020204" pitchFamily="34" charset="0"/>
+                <a:hlinkClick r:id="rId6" tooltip="Subduction zones"/>
+              </a:rPr>
+              <a:t>subduction zones</a:t>
+            </a:r>
+            <a:r>
+              <a:rPr lang="en-US" b="0" i="0" dirty="0">
+                <a:solidFill>
+                  <a:srgbClr val="202122"/>
+                </a:solidFill>
+                <a:effectLst/>
+                <a:latin typeface="Arial" panose="020B0604020202020204" pitchFamily="34" charset="0"/>
+              </a:rPr>
+              <a:t> (especially those that dip shallowly — SW Japan, Cascadia,</a:t>
+            </a:r>
+            <a:r>
+              <a:rPr lang="en-US" b="0" i="0" u="none" strike="noStrike" baseline="30000" dirty="0">
+                <a:solidFill>
+                  <a:srgbClr val="0645AD"/>
+                </a:solidFill>
+                <a:effectLst/>
+                <a:latin typeface="Arial" panose="020B0604020202020204" pitchFamily="34" charset="0"/>
+                <a:hlinkClick r:id="rId7"/>
+              </a:rPr>
+              <a:t>[6]</a:t>
+            </a:r>
+            <a:r>
+              <a:rPr lang="en-US" b="0" i="0" dirty="0">
+                <a:solidFill>
+                  <a:srgbClr val="202122"/>
+                </a:solidFill>
+                <a:effectLst/>
+                <a:latin typeface="Arial" panose="020B0604020202020204" pitchFamily="34" charset="0"/>
+              </a:rPr>
+              <a:t> Chile)</a:t>
+            </a:r>
+          </a:p>
+          <a:p>
+            <a:pPr marL="0" marR="0" lvl="0" indent="0" algn="l" defTabSz="914400" rtl="0" eaLnBrk="1" fontAlgn="auto" latinLnBrk="0" hangingPunct="1">
+              <a:lnSpc>
+                <a:spcPct val="100000"/>
+              </a:lnSpc>
+              <a:spcBef>
+                <a:spcPts val="0"/>
+              </a:spcBef>
+              <a:spcAft>
+                <a:spcPts val="0"/>
+              </a:spcAft>
+              <a:buClrTx/>
+              <a:buSzTx/>
+              <a:buFontTx/>
+              <a:buNone/>
+              <a:tabLst/>
+              <a:defRPr/>
+            </a:pPr>
+            <a:r>
+              <a:rPr lang="en-US" b="0" i="0" dirty="0">
+                <a:effectLst/>
+                <a:latin typeface="Arial" panose="020B0604020202020204" pitchFamily="34" charset="0"/>
+                <a:cs typeface="Arial" panose="020B0604020202020204" pitchFamily="34" charset="0"/>
+              </a:rPr>
+              <a:t>Two fault gouge layers are sheared simultaneously while subjected to a constant normal load and a prescribed shear velocity. The laboratory faults fail in repetitive cycles of stick and slip that is meant to mimic the cycle of loading and failure on tectonic faults.</a:t>
+            </a:r>
+            <a:endParaRPr lang="en-US" dirty="0">
+              <a:latin typeface="Arial" panose="020B0604020202020204" pitchFamily="34" charset="0"/>
+              <a:cs typeface="Arial" panose="020B0604020202020204" pitchFamily="34" charset="0"/>
+            </a:endParaRPr>
+          </a:p>
+          <a:p>
+            <a:endParaRPr lang="en-US" dirty="0"/>
           </a:p>
         </p:txBody>
       </p:sp>
@@ -1985,7 +2078,7 @@
           <a:p>
             <a:fld id="{D09B9B78-9CB7-4BB8-B8EA-7B060E3CCB98}" type="slidenum">
               <a:rPr lang="en-US" smtClean="0"/>
-              <a:t>7</a:t>
+              <a:t>6</a:t>
             </a:fld>
             <a:endParaRPr lang="en-US"/>
           </a:p>
@@ -1994,7 +2087,7 @@
     </p:spTree>
     <p:extLst>
       <p:ext uri="{BB962C8B-B14F-4D97-AF65-F5344CB8AC3E}">
-        <p14:creationId xmlns:p14="http://schemas.microsoft.com/office/powerpoint/2010/main" val="3940045733"/>
+        <p14:creationId xmlns:p14="http://schemas.microsoft.com/office/powerpoint/2010/main" val="1324703995"/>
       </p:ext>
     </p:extLst>
   </p:cSld>
@@ -2050,24 +2143,20 @@
           <a:p>
             <a:r>
               <a:rPr lang="en-US" dirty="0"/>
-              <a:t>Using a series features to represent 150 k points of signal in time-domain.</a:t>
-            </a:r>
-          </a:p>
-          <a:p>
-            <a:endParaRPr lang="en-US" dirty="0"/>
-          </a:p>
-          <a:p>
-            <a:r>
-              <a:rPr lang="en-US" b="0" i="0" dirty="0">
-                <a:solidFill>
-                  <a:srgbClr val="202124"/>
-                </a:solidFill>
-                <a:effectLst/>
-                <a:latin typeface="Roboto" panose="02000000000000000000" pitchFamily="2" charset="0"/>
-              </a:rPr>
-              <a:t>refers to the degree of correlation of the same variables between two successive time intervals.</a:t>
-            </a:r>
-            <a:endParaRPr lang="en-US" dirty="0"/>
+              <a:t>We need to split the single file into </a:t>
+            </a:r>
+          </a:p>
+          <a:p>
+            <a:r>
+              <a:rPr lang="en-US" dirty="0"/>
+              <a:t>After split the dataset, we create about 8400 labels, </a:t>
+            </a:r>
+          </a:p>
+          <a:p>
+            <a:r>
+              <a:rPr lang="en-US" dirty="0"/>
+              <a:t>Assume each label is irrelevant, shuffle.</a:t>
+            </a:r>
           </a:p>
         </p:txBody>
       </p:sp>
@@ -2088,7 +2177,7 @@
           <a:p>
             <a:fld id="{D09B9B78-9CB7-4BB8-B8EA-7B060E3CCB98}" type="slidenum">
               <a:rPr lang="en-US" smtClean="0"/>
-              <a:t>8</a:t>
+              <a:t>7</a:t>
             </a:fld>
             <a:endParaRPr lang="en-US"/>
           </a:p>
@@ -2097,7 +2186,7 @@
     </p:spTree>
     <p:extLst>
       <p:ext uri="{BB962C8B-B14F-4D97-AF65-F5344CB8AC3E}">
-        <p14:creationId xmlns:p14="http://schemas.microsoft.com/office/powerpoint/2010/main" val="3698136240"/>
+        <p14:creationId xmlns:p14="http://schemas.microsoft.com/office/powerpoint/2010/main" val="3940045733"/>
       </p:ext>
     </p:extLst>
   </p:cSld>
@@ -2153,8 +2242,24 @@
           <a:p>
             <a:r>
               <a:rPr lang="en-US" dirty="0"/>
-              <a:t>blender</a:t>
-            </a:r>
+              <a:t>Using a series features to represent 150 k points of signal in time-domain.</a:t>
+            </a:r>
+          </a:p>
+          <a:p>
+            <a:endParaRPr lang="en-US" dirty="0"/>
+          </a:p>
+          <a:p>
+            <a:r>
+              <a:rPr lang="en-US" b="0" i="0" dirty="0">
+                <a:solidFill>
+                  <a:srgbClr val="202124"/>
+                </a:solidFill>
+                <a:effectLst/>
+                <a:latin typeface="Roboto" panose="02000000000000000000" pitchFamily="2" charset="0"/>
+              </a:rPr>
+              <a:t>refers to the degree of correlation of the same variables between two successive time intervals.</a:t>
+            </a:r>
+            <a:endParaRPr lang="en-US" dirty="0"/>
           </a:p>
         </p:txBody>
       </p:sp>
@@ -2175,7 +2280,7 @@
           <a:p>
             <a:fld id="{D09B9B78-9CB7-4BB8-B8EA-7B060E3CCB98}" type="slidenum">
               <a:rPr lang="en-US" smtClean="0"/>
-              <a:t>9</a:t>
+              <a:t>8</a:t>
             </a:fld>
             <a:endParaRPr lang="en-US"/>
           </a:p>
@@ -2184,7 +2289,7 @@
     </p:spTree>
     <p:extLst>
       <p:ext uri="{BB962C8B-B14F-4D97-AF65-F5344CB8AC3E}">
-        <p14:creationId xmlns:p14="http://schemas.microsoft.com/office/powerpoint/2010/main" val="3615708672"/>
+        <p14:creationId xmlns:p14="http://schemas.microsoft.com/office/powerpoint/2010/main" val="3698136240"/>
       </p:ext>
     </p:extLst>
   </p:cSld>
@@ -2238,6 +2343,12 @@
           <a:bodyPr/>
           <a:lstStyle/>
           <a:p>
+            <a:r>
+              <a:rPr lang="en-US" dirty="0"/>
+              <a:t>Blender</a:t>
+            </a:r>
+          </a:p>
+          <a:p>
             <a:pPr marL="0" marR="0" lvl="0" indent="0" algn="l" defTabSz="914400" rtl="0" eaLnBrk="1" fontAlgn="auto" latinLnBrk="0" hangingPunct="1">
               <a:lnSpc>
                 <a:spcPct val="100000"/>
@@ -2256,8 +2367,15 @@
               <a:defRPr/>
             </a:pPr>
             <a:r>
-              <a:rPr lang="en-US" dirty="0"/>
-              <a:t>Correlation between a single feature and the label ranges from –0.6 to 0.6</a:t>
+              <a:rPr lang="en-US" b="0" i="0" u="none" strike="noStrike" dirty="0">
+                <a:solidFill>
+                  <a:srgbClr val="1A0DAB"/>
+                </a:solidFill>
+                <a:effectLst/>
+                <a:latin typeface="Roboto" panose="02000000000000000000" pitchFamily="2" charset="0"/>
+                <a:hlinkClick r:id="rId3"/>
+              </a:rPr>
+              <a:t>t-distributed stochastic neighbor embedding</a:t>
             </a:r>
           </a:p>
           <a:p>
@@ -2282,7 +2400,7 @@
           <a:p>
             <a:fld id="{D09B9B78-9CB7-4BB8-B8EA-7B060E3CCB98}" type="slidenum">
               <a:rPr lang="en-US" smtClean="0"/>
-              <a:t>10</a:t>
+              <a:t>9</a:t>
             </a:fld>
             <a:endParaRPr lang="en-US"/>
           </a:p>
@@ -2291,7 +2409,7 @@
     </p:spTree>
     <p:extLst>
       <p:ext uri="{BB962C8B-B14F-4D97-AF65-F5344CB8AC3E}">
-        <p14:creationId xmlns:p14="http://schemas.microsoft.com/office/powerpoint/2010/main" val="1546233132"/>
+        <p14:creationId xmlns:p14="http://schemas.microsoft.com/office/powerpoint/2010/main" val="3615708672"/>
       </p:ext>
     </p:extLst>
   </p:cSld>
@@ -2448,7 +2566,7 @@
           <a:p>
             <a:fld id="{BF8A6F9E-1D50-4216-BCC6-681CDBB3D516}" type="datetime1">
               <a:rPr lang="en-US" smtClean="0"/>
-              <a:t>10/4/2022</a:t>
+              <a:t>3/6/2023</a:t>
             </a:fld>
             <a:endParaRPr lang="en-US"/>
           </a:p>
@@ -2646,7 +2764,7 @@
           <a:p>
             <a:fld id="{6CBFA9DE-870D-41F3-94F4-323830A26413}" type="datetime1">
               <a:rPr lang="en-US" smtClean="0"/>
-              <a:t>10/4/2022</a:t>
+              <a:t>3/6/2023</a:t>
             </a:fld>
             <a:endParaRPr lang="en-US"/>
           </a:p>
@@ -2854,7 +2972,7 @@
           <a:p>
             <a:fld id="{53538E60-54A6-4A23-84A6-612AE560DAF1}" type="datetime1">
               <a:rPr lang="en-US" smtClean="0"/>
-              <a:t>10/4/2022</a:t>
+              <a:t>3/6/2023</a:t>
             </a:fld>
             <a:endParaRPr lang="en-US"/>
           </a:p>
@@ -3097,7 +3215,7 @@
           <a:p>
             <a:fld id="{A626FA12-7B62-44C2-AD05-C1EBBCF7C357}" type="datetime1">
               <a:rPr lang="en-US" smtClean="0"/>
-              <a:t>10/4/2022</a:t>
+              <a:t>3/6/2023</a:t>
             </a:fld>
             <a:endParaRPr lang="en-US"/>
           </a:p>
@@ -3387,7 +3505,7 @@
           <a:p>
             <a:fld id="{9B93A993-C215-41E9-8C4F-02E398E181A0}" type="datetime1">
               <a:rPr lang="en-US" smtClean="0"/>
-              <a:t>10/4/2022</a:t>
+              <a:t>3/6/2023</a:t>
             </a:fld>
             <a:endParaRPr lang="en-US"/>
           </a:p>
@@ -3652,7 +3770,7 @@
           <a:p>
             <a:fld id="{5093AF4E-D3A1-46A3-BEA3-760A8E479379}" type="datetime1">
               <a:rPr lang="en-US" smtClean="0"/>
-              <a:t>10/4/2022</a:t>
+              <a:t>3/6/2023</a:t>
             </a:fld>
             <a:endParaRPr lang="en-US"/>
           </a:p>
@@ -4064,7 +4182,7 @@
           <a:p>
             <a:fld id="{459D1ABA-3FFC-4D22-BDB3-72919F00C409}" type="datetime1">
               <a:rPr lang="en-US" smtClean="0"/>
-              <a:t>10/4/2022</a:t>
+              <a:t>3/6/2023</a:t>
             </a:fld>
             <a:endParaRPr lang="en-US"/>
           </a:p>
@@ -4205,7 +4323,7 @@
           <a:p>
             <a:fld id="{DB3B2D57-C699-4F04-B976-88AD9572EA47}" type="datetime1">
               <a:rPr lang="en-US" smtClean="0"/>
-              <a:t>10/4/2022</a:t>
+              <a:t>3/6/2023</a:t>
             </a:fld>
             <a:endParaRPr lang="en-US"/>
           </a:p>
@@ -4318,7 +4436,7 @@
           <a:p>
             <a:fld id="{B8126837-E981-4FEA-8F2F-C0E59F6F29CB}" type="datetime1">
               <a:rPr lang="en-US" smtClean="0"/>
-              <a:t>10/4/2022</a:t>
+              <a:t>3/6/2023</a:t>
             </a:fld>
             <a:endParaRPr lang="en-US"/>
           </a:p>
@@ -4629,7 +4747,7 @@
           <a:p>
             <a:fld id="{8B455284-9BE5-49DA-8FF2-EE450A1531B9}" type="datetime1">
               <a:rPr lang="en-US" smtClean="0"/>
-              <a:t>10/4/2022</a:t>
+              <a:t>3/6/2023</a:t>
             </a:fld>
             <a:endParaRPr lang="en-US"/>
           </a:p>
@@ -4917,7 +5035,7 @@
           <a:p>
             <a:fld id="{BBF9386C-6855-4E79-83CF-F8D5192A6690}" type="datetime1">
               <a:rPr lang="en-US" smtClean="0"/>
-              <a:t>10/4/2022</a:t>
+              <a:t>3/6/2023</a:t>
             </a:fld>
             <a:endParaRPr lang="en-US"/>
           </a:p>
@@ -5158,7 +5276,7 @@
           <a:p>
             <a:fld id="{E5505A47-A0AB-4343-9568-1058AF8E1321}" type="datetime1">
               <a:rPr lang="en-US" smtClean="0"/>
-              <a:t>10/4/2022</a:t>
+              <a:t>3/6/2023</a:t>
             </a:fld>
             <a:endParaRPr lang="en-US"/>
           </a:p>
@@ -7486,7 +7604,7 @@
           <a:p>
             <a:r>
               <a:rPr lang="en-US" dirty="0"/>
-              <a:t>Errors</a:t>
+              <a:t>Errors on testing set</a:t>
             </a:r>
           </a:p>
         </p:txBody>
@@ -7711,7 +7829,7 @@
           <p:cNvPr id="2" name="Title 1">
             <a:extLst>
               <a:ext uri="{FF2B5EF4-FFF2-40B4-BE49-F238E27FC236}">
-                <a16:creationId xmlns:a16="http://schemas.microsoft.com/office/drawing/2014/main" id="{FEECFF2B-5B29-48D9-B2ED-38C67F117607}"/>
+                <a16:creationId xmlns:a16="http://schemas.microsoft.com/office/drawing/2014/main" id="{16575E58-EC17-4BF6-B9DF-D5AD5F48A74E}"/>
               </a:ext>
             </a:extLst>
           </p:cNvPr>
@@ -7729,7 +7847,7 @@
           <a:p>
             <a:r>
               <a:rPr lang="en-US" dirty="0"/>
-              <a:t>Future work</a:t>
+              <a:t>Kaggle ranking</a:t>
             </a:r>
           </a:p>
         </p:txBody>
@@ -7739,7 +7857,7 @@
           <p:cNvPr id="3" name="Content Placeholder 2">
             <a:extLst>
               <a:ext uri="{FF2B5EF4-FFF2-40B4-BE49-F238E27FC236}">
-                <a16:creationId xmlns:a16="http://schemas.microsoft.com/office/drawing/2014/main" id="{895CFE86-4CE3-4459-B124-316B013C995C}"/>
+                <a16:creationId xmlns:a16="http://schemas.microsoft.com/office/drawing/2014/main" id="{D2F78418-EFAD-4341-9EF9-18D6E3EE91A3}"/>
               </a:ext>
             </a:extLst>
           </p:cNvPr>
@@ -7755,48 +7873,7 @@
           <a:bodyPr/>
           <a:lstStyle/>
           <a:p>
-            <a:r>
-              <a:rPr lang="en-US" dirty="0"/>
-              <a:t>Improve feature engineering</a:t>
-            </a:r>
-          </a:p>
-          <a:p>
-            <a:r>
-              <a:rPr lang="en-US" dirty="0"/>
-              <a:t>Deep/Recurrent neural network</a:t>
-            </a:r>
-          </a:p>
-          <a:p>
-            <a:r>
-              <a:rPr lang="en-US" dirty="0"/>
-              <a:t>Potential application</a:t>
-            </a:r>
-          </a:p>
-          <a:p>
-            <a:pPr lvl="1"/>
-            <a:r>
-              <a:rPr lang="en-US" dirty="0"/>
-              <a:t>Cell phone app for the science lovers</a:t>
-            </a:r>
-          </a:p>
-          <a:p>
-            <a:pPr lvl="1"/>
-            <a:r>
-              <a:rPr lang="en-US" dirty="0"/>
-              <a:t>Monitor storage site safety: nuclear waste, CO</a:t>
-            </a:r>
-            <a:r>
-              <a:rPr lang="en-US" baseline="-25000" dirty="0"/>
-              <a:t>2</a:t>
-            </a:r>
-            <a:r>
-              <a:rPr lang="en-US" dirty="0"/>
-              <a:t> reservoir</a:t>
-            </a:r>
-          </a:p>
-          <a:p>
-            <a:pPr lvl="1"/>
-            <a:endParaRPr lang="en-US" dirty="0"/>
+            <a:endParaRPr lang="en-US"/>
           </a:p>
         </p:txBody>
       </p:sp>
@@ -7805,7 +7882,7 @@
           <p:cNvPr id="4" name="Slide Number Placeholder 3">
             <a:extLst>
               <a:ext uri="{FF2B5EF4-FFF2-40B4-BE49-F238E27FC236}">
-                <a16:creationId xmlns:a16="http://schemas.microsoft.com/office/drawing/2014/main" id="{5440C170-1DE6-4C05-8881-B8C7D45DCF2C}"/>
+                <a16:creationId xmlns:a16="http://schemas.microsoft.com/office/drawing/2014/main" id="{5C28FD32-977D-44B5-B59B-41A6643E902F}"/>
               </a:ext>
             </a:extLst>
           </p:cNvPr>
@@ -7830,10 +7907,162 @@
           </a:p>
         </p:txBody>
       </p:sp>
+      <p:pic>
+        <p:nvPicPr>
+          <p:cNvPr id="6" name="Picture 5">
+            <a:extLst>
+              <a:ext uri="{FF2B5EF4-FFF2-40B4-BE49-F238E27FC236}">
+                <a16:creationId xmlns:a16="http://schemas.microsoft.com/office/drawing/2014/main" id="{8EE50620-F648-4B22-B7C2-55B403674C94}"/>
+              </a:ext>
+            </a:extLst>
+          </p:cNvPr>
+          <p:cNvPicPr>
+            <a:picLocks noChangeAspect="1"/>
+          </p:cNvPicPr>
+          <p:nvPr/>
+        </p:nvPicPr>
+        <p:blipFill>
+          <a:blip r:embed="rId2"/>
+          <a:stretch>
+            <a:fillRect/>
+          </a:stretch>
+        </p:blipFill>
+        <p:spPr>
+          <a:xfrm>
+            <a:off x="838200" y="1825625"/>
+            <a:ext cx="10506075" cy="1543050"/>
+          </a:xfrm>
+          <a:prstGeom prst="rect">
+            <a:avLst/>
+          </a:prstGeom>
+        </p:spPr>
+      </p:pic>
+      <p:pic>
+        <p:nvPicPr>
+          <p:cNvPr id="8" name="Picture 7">
+            <a:extLst>
+              <a:ext uri="{FF2B5EF4-FFF2-40B4-BE49-F238E27FC236}">
+                <a16:creationId xmlns:a16="http://schemas.microsoft.com/office/drawing/2014/main" id="{FB878F1A-E576-4718-AFD4-CB15911A14A4}"/>
+              </a:ext>
+            </a:extLst>
+          </p:cNvPr>
+          <p:cNvPicPr>
+            <a:picLocks noChangeAspect="1"/>
+          </p:cNvPicPr>
+          <p:nvPr/>
+        </p:nvPicPr>
+        <p:blipFill>
+          <a:blip r:embed="rId3"/>
+          <a:stretch>
+            <a:fillRect/>
+          </a:stretch>
+        </p:blipFill>
+        <p:spPr>
+          <a:xfrm>
+            <a:off x="838200" y="3886994"/>
+            <a:ext cx="10639425" cy="1771650"/>
+          </a:xfrm>
+          <a:prstGeom prst="rect">
+            <a:avLst/>
+          </a:prstGeom>
+        </p:spPr>
+      </p:pic>
+      <p:sp>
+        <p:nvSpPr>
+          <p:cNvPr id="9" name="TextBox 8">
+            <a:extLst>
+              <a:ext uri="{FF2B5EF4-FFF2-40B4-BE49-F238E27FC236}">
+                <a16:creationId xmlns:a16="http://schemas.microsoft.com/office/drawing/2014/main" id="{CDE7BB11-C53D-43B5-9F3C-34B15699DD6D}"/>
+              </a:ext>
+            </a:extLst>
+          </p:cNvPr>
+          <p:cNvSpPr txBox="1"/>
+          <p:nvPr/>
+        </p:nvSpPr>
+        <p:spPr>
+          <a:xfrm>
+            <a:off x="5434587" y="5759639"/>
+            <a:ext cx="5981125" cy="369332"/>
+          </a:xfrm>
+          <a:prstGeom prst="rect">
+            <a:avLst/>
+          </a:prstGeom>
+          <a:noFill/>
+        </p:spPr>
+        <p:txBody>
+          <a:bodyPr wrap="none" rtlCol="0">
+            <a:spAutoFit/>
+          </a:bodyPr>
+          <a:lstStyle/>
+          <a:p>
+            <a:r>
+              <a:rPr lang="en-US" dirty="0">
+                <a:latin typeface="Arial" panose="020B0604020202020204" pitchFamily="34" charset="0"/>
+                <a:cs typeface="Arial" panose="020B0604020202020204" pitchFamily="34" charset="0"/>
+              </a:rPr>
+              <a:t>(Better than 3% of private score Leaderboard on Kaggle)</a:t>
+            </a:r>
+          </a:p>
+        </p:txBody>
+      </p:sp>
+      <p:sp>
+        <p:nvSpPr>
+          <p:cNvPr id="10" name="Rectangle: Rounded Corners 9">
+            <a:extLst>
+              <a:ext uri="{FF2B5EF4-FFF2-40B4-BE49-F238E27FC236}">
+                <a16:creationId xmlns:a16="http://schemas.microsoft.com/office/drawing/2014/main" id="{ECAF77D3-0DD5-4C01-8417-AF656417EC37}"/>
+              </a:ext>
+            </a:extLst>
+          </p:cNvPr>
+          <p:cNvSpPr/>
+          <p:nvPr/>
+        </p:nvSpPr>
+        <p:spPr>
+          <a:xfrm>
+            <a:off x="2681654" y="3094892"/>
+            <a:ext cx="2206869" cy="273783"/>
+          </a:xfrm>
+          <a:prstGeom prst="roundRect">
+            <a:avLst/>
+          </a:prstGeom>
+          <a:solidFill>
+            <a:schemeClr val="bg1"/>
+          </a:solidFill>
+          <a:ln>
+            <a:solidFill>
+              <a:schemeClr val="bg1"/>
+            </a:solidFill>
+          </a:ln>
+        </p:spPr>
+        <p:style>
+          <a:lnRef idx="2">
+            <a:schemeClr val="accent1">
+              <a:shade val="50000"/>
+            </a:schemeClr>
+          </a:lnRef>
+          <a:fillRef idx="1">
+            <a:schemeClr val="accent1"/>
+          </a:fillRef>
+          <a:effectRef idx="0">
+            <a:schemeClr val="accent1"/>
+          </a:effectRef>
+          <a:fontRef idx="minor">
+            <a:schemeClr val="lt1"/>
+          </a:fontRef>
+        </p:style>
+        <p:txBody>
+          <a:bodyPr rtlCol="0" anchor="ctr"/>
+          <a:lstStyle/>
+          <a:p>
+            <a:pPr algn="ctr"/>
+            <a:endParaRPr lang="en-US"/>
+          </a:p>
+        </p:txBody>
+      </p:sp>
     </p:spTree>
     <p:extLst>
       <p:ext uri="{BB962C8B-B14F-4D97-AF65-F5344CB8AC3E}">
-        <p14:creationId xmlns:p14="http://schemas.microsoft.com/office/powerpoint/2010/main" val="3494109170"/>
+        <p14:creationId xmlns:p14="http://schemas.microsoft.com/office/powerpoint/2010/main" val="1061620391"/>
       </p:ext>
     </p:extLst>
   </p:cSld>
@@ -7865,7 +8094,7 @@
           <p:cNvPr id="2" name="Title 1">
             <a:extLst>
               <a:ext uri="{FF2B5EF4-FFF2-40B4-BE49-F238E27FC236}">
-                <a16:creationId xmlns:a16="http://schemas.microsoft.com/office/drawing/2014/main" id="{0BC0547C-B14A-408C-8CF2-4607049B1F24}"/>
+                <a16:creationId xmlns:a16="http://schemas.microsoft.com/office/drawing/2014/main" id="{FEECFF2B-5B29-48D9-B2ED-38C67F117607}"/>
               </a:ext>
             </a:extLst>
           </p:cNvPr>
@@ -7883,7 +8112,7 @@
           <a:p>
             <a:r>
               <a:rPr lang="en-US" dirty="0"/>
-              <a:t>Conclusions</a:t>
+              <a:t>Future work</a:t>
             </a:r>
           </a:p>
         </p:txBody>
@@ -7893,7 +8122,7 @@
           <p:cNvPr id="3" name="Content Placeholder 2">
             <a:extLst>
               <a:ext uri="{FF2B5EF4-FFF2-40B4-BE49-F238E27FC236}">
-                <a16:creationId xmlns:a16="http://schemas.microsoft.com/office/drawing/2014/main" id="{FF574E90-8DA5-4829-A940-8986E3C44CDD}"/>
+                <a16:creationId xmlns:a16="http://schemas.microsoft.com/office/drawing/2014/main" id="{895CFE86-4CE3-4459-B124-316B013C995C}"/>
               </a:ext>
             </a:extLst>
           </p:cNvPr>
@@ -7911,44 +8140,52 @@
           <a:p>
             <a:r>
               <a:rPr lang="en-US" dirty="0"/>
-              <a:t>Engineered data from the acoustic data assist the prediction of the upcoming laboratory earthquake</a:t>
+              <a:t>Improve feature engineering</a:t>
             </a:r>
           </a:p>
           <a:p>
             <a:r>
               <a:rPr lang="en-US" dirty="0"/>
-              <a:t>Tree-based model and ensemble methods predict the trend of time-to-failure with a mean </a:t>
-            </a:r>
-            <a:r>
-              <a:rPr lang="en-US" i="1" dirty="0"/>
-              <a:t>MAE</a:t>
-            </a:r>
+              <a:t>Employee the systematic error in validation</a:t>
+            </a:r>
+          </a:p>
+          <a:p>
             <a:r>
               <a:rPr lang="en-US" dirty="0"/>
-              <a:t> of 1.970 s through learning the nonlinear relationship between the features and targets</a:t>
+              <a:t>Deep/Recurrent neural network</a:t>
             </a:r>
           </a:p>
           <a:p>
             <a:r>
               <a:rPr lang="en-US" dirty="0"/>
-              <a:t>Blending regressor further improve the tested </a:t>
-            </a:r>
-            <a:r>
-              <a:rPr lang="en-US" i="1" dirty="0"/>
-              <a:t>MAE</a:t>
-            </a:r>
+              <a:t>Potential application</a:t>
+            </a:r>
+          </a:p>
+          <a:p>
+            <a:pPr lvl="1"/>
             <a:r>
               <a:rPr lang="en-US" dirty="0"/>
-              <a:t> and </a:t>
-            </a:r>
-            <a:r>
-              <a:rPr lang="en-US" i="1" dirty="0"/>
-              <a:t>R</a:t>
-            </a:r>
-            <a:r>
-              <a:rPr lang="en-US" i="1" baseline="30000" dirty="0"/>
+              <a:t>Cell phone app for the science lovers</a:t>
+            </a:r>
+          </a:p>
+          <a:p>
+            <a:pPr lvl="1"/>
+            <a:r>
+              <a:rPr lang="en-US" dirty="0"/>
+              <a:t>Monitor storage site safety: nuclear waste, CO</a:t>
+            </a:r>
+            <a:r>
+              <a:rPr lang="en-US" baseline="-25000" dirty="0"/>
               <a:t>2</a:t>
             </a:r>
+            <a:r>
+              <a:rPr lang="en-US" dirty="0"/>
+              <a:t> reservoir</a:t>
+            </a:r>
+          </a:p>
+          <a:p>
+            <a:pPr lvl="1"/>
+            <a:endParaRPr lang="en-US" dirty="0"/>
           </a:p>
         </p:txBody>
       </p:sp>
@@ -7957,7 +8194,7 @@
           <p:cNvPr id="4" name="Slide Number Placeholder 3">
             <a:extLst>
               <a:ext uri="{FF2B5EF4-FFF2-40B4-BE49-F238E27FC236}">
-                <a16:creationId xmlns:a16="http://schemas.microsoft.com/office/drawing/2014/main" id="{DEE97015-DDF5-4971-8F67-A2ED252915E2}"/>
+                <a16:creationId xmlns:a16="http://schemas.microsoft.com/office/drawing/2014/main" id="{5440C170-1DE6-4C05-8881-B8C7D45DCF2C}"/>
               </a:ext>
             </a:extLst>
           </p:cNvPr>
@@ -7985,7 +8222,7 @@
     </p:spTree>
     <p:extLst>
       <p:ext uri="{BB962C8B-B14F-4D97-AF65-F5344CB8AC3E}">
-        <p14:creationId xmlns:p14="http://schemas.microsoft.com/office/powerpoint/2010/main" val="763533692"/>
+        <p14:creationId xmlns:p14="http://schemas.microsoft.com/office/powerpoint/2010/main" val="3494109170"/>
       </p:ext>
     </p:extLst>
   </p:cSld>
@@ -8017,7 +8254,7 @@
           <p:cNvPr id="2" name="Title 1">
             <a:extLst>
               <a:ext uri="{FF2B5EF4-FFF2-40B4-BE49-F238E27FC236}">
-                <a16:creationId xmlns:a16="http://schemas.microsoft.com/office/drawing/2014/main" id="{495DD602-D6BC-4A03-90C9-EBCE1CF65827}"/>
+                <a16:creationId xmlns:a16="http://schemas.microsoft.com/office/drawing/2014/main" id="{0BC0547C-B14A-408C-8CF2-4607049B1F24}"/>
               </a:ext>
             </a:extLst>
           </p:cNvPr>
@@ -8035,7 +8272,7 @@
           <a:p>
             <a:r>
               <a:rPr lang="en-US" dirty="0"/>
-              <a:t>Acknowledgements</a:t>
+              <a:t>Conclusions</a:t>
             </a:r>
           </a:p>
         </p:txBody>
@@ -8045,7 +8282,7 @@
           <p:cNvPr id="3" name="Content Placeholder 2">
             <a:extLst>
               <a:ext uri="{FF2B5EF4-FFF2-40B4-BE49-F238E27FC236}">
-                <a16:creationId xmlns:a16="http://schemas.microsoft.com/office/drawing/2014/main" id="{6E58903D-216E-4285-BAD8-91BD2DC6EA48}"/>
+                <a16:creationId xmlns:a16="http://schemas.microsoft.com/office/drawing/2014/main" id="{FF574E90-8DA5-4829-A940-8986E3C44CDD}"/>
               </a:ext>
             </a:extLst>
           </p:cNvPr>
@@ -8063,13 +8300,43 @@
           <a:p>
             <a:r>
               <a:rPr lang="en-US" dirty="0"/>
-              <a:t>Los Alamos National Laboratory</a:t>
+              <a:t>Engineered data from the acoustic data assist the prediction of the upcoming laboratory earthquake</a:t>
             </a:r>
           </a:p>
           <a:p>
             <a:r>
               <a:rPr lang="en-US" dirty="0"/>
-              <a:t>Kaggle platform</a:t>
+              <a:t>Tree-based model and ensemble methods predict the trend of time-to-failure with a </a:t>
+            </a:r>
+            <a:r>
+              <a:rPr lang="en-US" i="1" dirty="0"/>
+              <a:t>MAE</a:t>
+            </a:r>
+            <a:r>
+              <a:rPr lang="en-US" dirty="0"/>
+              <a:t> of 1.970 s through learning the nonlinear relationship between the features and targets</a:t>
+            </a:r>
+          </a:p>
+          <a:p>
+            <a:r>
+              <a:rPr lang="en-US" dirty="0"/>
+              <a:t>Blending regressor further improves the tested </a:t>
+            </a:r>
+            <a:r>
+              <a:rPr lang="en-US" i="1" dirty="0"/>
+              <a:t>MAE</a:t>
+            </a:r>
+            <a:r>
+              <a:rPr lang="en-US" dirty="0"/>
+              <a:t> and </a:t>
+            </a:r>
+            <a:r>
+              <a:rPr lang="en-US" i="1" dirty="0"/>
+              <a:t>R</a:t>
+            </a:r>
+            <a:r>
+              <a:rPr lang="en-US" i="1" baseline="30000" dirty="0"/>
+              <a:t>2</a:t>
             </a:r>
           </a:p>
         </p:txBody>
@@ -8079,7 +8346,7 @@
           <p:cNvPr id="4" name="Slide Number Placeholder 3">
             <a:extLst>
               <a:ext uri="{FF2B5EF4-FFF2-40B4-BE49-F238E27FC236}">
-                <a16:creationId xmlns:a16="http://schemas.microsoft.com/office/drawing/2014/main" id="{5A3367DD-768B-49A0-80C2-901BBF7B72C0}"/>
+                <a16:creationId xmlns:a16="http://schemas.microsoft.com/office/drawing/2014/main" id="{DEE97015-DDF5-4971-8F67-A2ED252915E2}"/>
               </a:ext>
             </a:extLst>
           </p:cNvPr>
@@ -8099,6 +8366,128 @@
               <a:rPr lang="en-US" smtClean="0"/>
               <a:pPr/>
               <a:t>18</a:t>
+            </a:fld>
+            <a:endParaRPr lang="en-US"/>
+          </a:p>
+        </p:txBody>
+      </p:sp>
+    </p:spTree>
+    <p:extLst>
+      <p:ext uri="{BB962C8B-B14F-4D97-AF65-F5344CB8AC3E}">
+        <p14:creationId xmlns:p14="http://schemas.microsoft.com/office/powerpoint/2010/main" val="763533692"/>
+      </p:ext>
+    </p:extLst>
+  </p:cSld>
+  <p:clrMapOvr>
+    <a:masterClrMapping/>
+  </p:clrMapOvr>
+</p:sld>
+</file>
+
+<file path=ppt/slides/slide19.xml><?xml version="1.0" encoding="utf-8"?>
+<p:sld xmlns:a="http://schemas.openxmlformats.org/drawingml/2006/main" xmlns:r="http://schemas.openxmlformats.org/officeDocument/2006/relationships" xmlns:p="http://schemas.openxmlformats.org/presentationml/2006/main">
+  <p:cSld>
+    <p:spTree>
+      <p:nvGrpSpPr>
+        <p:cNvPr id="1" name=""/>
+        <p:cNvGrpSpPr/>
+        <p:nvPr/>
+      </p:nvGrpSpPr>
+      <p:grpSpPr>
+        <a:xfrm>
+          <a:off x="0" y="0"/>
+          <a:ext cx="0" cy="0"/>
+          <a:chOff x="0" y="0"/>
+          <a:chExt cx="0" cy="0"/>
+        </a:xfrm>
+      </p:grpSpPr>
+      <p:sp>
+        <p:nvSpPr>
+          <p:cNvPr id="2" name="Title 1">
+            <a:extLst>
+              <a:ext uri="{FF2B5EF4-FFF2-40B4-BE49-F238E27FC236}">
+                <a16:creationId xmlns:a16="http://schemas.microsoft.com/office/drawing/2014/main" id="{495DD602-D6BC-4A03-90C9-EBCE1CF65827}"/>
+              </a:ext>
+            </a:extLst>
+          </p:cNvPr>
+          <p:cNvSpPr>
+            <a:spLocks noGrp="1"/>
+          </p:cNvSpPr>
+          <p:nvPr>
+            <p:ph type="title"/>
+          </p:nvPr>
+        </p:nvSpPr>
+        <p:spPr/>
+        <p:txBody>
+          <a:bodyPr/>
+          <a:lstStyle/>
+          <a:p>
+            <a:r>
+              <a:rPr lang="en-US" dirty="0"/>
+              <a:t>Acknowledgements</a:t>
+            </a:r>
+          </a:p>
+        </p:txBody>
+      </p:sp>
+      <p:sp>
+        <p:nvSpPr>
+          <p:cNvPr id="3" name="Content Placeholder 2">
+            <a:extLst>
+              <a:ext uri="{FF2B5EF4-FFF2-40B4-BE49-F238E27FC236}">
+                <a16:creationId xmlns:a16="http://schemas.microsoft.com/office/drawing/2014/main" id="{6E58903D-216E-4285-BAD8-91BD2DC6EA48}"/>
+              </a:ext>
+            </a:extLst>
+          </p:cNvPr>
+          <p:cNvSpPr>
+            <a:spLocks noGrp="1"/>
+          </p:cNvSpPr>
+          <p:nvPr>
+            <p:ph idx="1"/>
+          </p:nvPr>
+        </p:nvSpPr>
+        <p:spPr/>
+        <p:txBody>
+          <a:bodyPr/>
+          <a:lstStyle/>
+          <a:p>
+            <a:r>
+              <a:rPr lang="en-US" dirty="0"/>
+              <a:t>Los Alamos National Laboratory</a:t>
+            </a:r>
+          </a:p>
+          <a:p>
+            <a:r>
+              <a:rPr lang="en-US" dirty="0"/>
+              <a:t>Kaggle platform</a:t>
+            </a:r>
+          </a:p>
+        </p:txBody>
+      </p:sp>
+      <p:sp>
+        <p:nvSpPr>
+          <p:cNvPr id="4" name="Slide Number Placeholder 3">
+            <a:extLst>
+              <a:ext uri="{FF2B5EF4-FFF2-40B4-BE49-F238E27FC236}">
+                <a16:creationId xmlns:a16="http://schemas.microsoft.com/office/drawing/2014/main" id="{5A3367DD-768B-49A0-80C2-901BBF7B72C0}"/>
+              </a:ext>
+            </a:extLst>
+          </p:cNvPr>
+          <p:cNvSpPr>
+            <a:spLocks noGrp="1"/>
+          </p:cNvSpPr>
+          <p:nvPr>
+            <p:ph type="sldNum" sz="quarter" idx="12"/>
+          </p:nvPr>
+        </p:nvSpPr>
+        <p:spPr/>
+        <p:txBody>
+          <a:bodyPr/>
+          <a:lstStyle/>
+          <a:p>
+            <a:fld id="{49F5416C-8930-4BBD-885C-EB544461BEF4}" type="slidenum">
+              <a:rPr lang="en-US" smtClean="0"/>
+              <a:pPr/>
+              <a:t>19</a:t>
             </a:fld>
             <a:endParaRPr lang="en-US"/>
           </a:p>
@@ -8117,7 +8506,236 @@
 </p:sld>
 </file>
 
-<file path=ppt/slides/slide19.xml><?xml version="1.0" encoding="utf-8"?>
+<file path=ppt/slides/slide2.xml><?xml version="1.0" encoding="utf-8"?>
+<p:sld xmlns:a="http://schemas.openxmlformats.org/drawingml/2006/main" xmlns:r="http://schemas.openxmlformats.org/officeDocument/2006/relationships" xmlns:p="http://schemas.openxmlformats.org/presentationml/2006/main">
+  <p:cSld>
+    <p:spTree>
+      <p:nvGrpSpPr>
+        <p:cNvPr id="1" name=""/>
+        <p:cNvGrpSpPr/>
+        <p:nvPr/>
+      </p:nvGrpSpPr>
+      <p:grpSpPr>
+        <a:xfrm>
+          <a:off x="0" y="0"/>
+          <a:ext cx="0" cy="0"/>
+          <a:chOff x="0" y="0"/>
+          <a:chExt cx="0" cy="0"/>
+        </a:xfrm>
+      </p:grpSpPr>
+      <p:sp>
+        <p:nvSpPr>
+          <p:cNvPr id="2" name="Title 1">
+            <a:extLst>
+              <a:ext uri="{FF2B5EF4-FFF2-40B4-BE49-F238E27FC236}">
+                <a16:creationId xmlns:a16="http://schemas.microsoft.com/office/drawing/2014/main" id="{734ABD27-F5EF-43E0-8602-596865853C78}"/>
+              </a:ext>
+            </a:extLst>
+          </p:cNvPr>
+          <p:cNvSpPr>
+            <a:spLocks noGrp="1"/>
+          </p:cNvSpPr>
+          <p:nvPr>
+            <p:ph type="title"/>
+          </p:nvPr>
+        </p:nvSpPr>
+        <p:spPr/>
+        <p:txBody>
+          <a:bodyPr/>
+          <a:lstStyle/>
+          <a:p>
+            <a:r>
+              <a:rPr lang="en-US" dirty="0"/>
+              <a:t>Background</a:t>
+            </a:r>
+          </a:p>
+        </p:txBody>
+      </p:sp>
+      <p:sp>
+        <p:nvSpPr>
+          <p:cNvPr id="3" name="Content Placeholder 2">
+            <a:extLst>
+              <a:ext uri="{FF2B5EF4-FFF2-40B4-BE49-F238E27FC236}">
+                <a16:creationId xmlns:a16="http://schemas.microsoft.com/office/drawing/2014/main" id="{5A0F386B-6AAF-45FD-AA7C-013C760BADE3}"/>
+              </a:ext>
+            </a:extLst>
+          </p:cNvPr>
+          <p:cNvSpPr>
+            <a:spLocks noGrp="1"/>
+          </p:cNvSpPr>
+          <p:nvPr>
+            <p:ph idx="1"/>
+          </p:nvPr>
+        </p:nvSpPr>
+        <p:spPr>
+          <a:xfrm>
+            <a:off x="838200" y="1825625"/>
+            <a:ext cx="6172200" cy="4351338"/>
+          </a:xfrm>
+        </p:spPr>
+        <p:txBody>
+          <a:bodyPr/>
+          <a:lstStyle/>
+          <a:p>
+            <a:r>
+              <a:rPr lang="en-US" dirty="0"/>
+              <a:t>Earthquake forecast is difficult</a:t>
+            </a:r>
+          </a:p>
+          <a:p>
+            <a:r>
+              <a:rPr lang="en-US" dirty="0"/>
+              <a:t>Empirical analysis versus physical principles</a:t>
+            </a:r>
+          </a:p>
+          <a:p>
+            <a:r>
+              <a:rPr lang="en-US" dirty="0"/>
+              <a:t>Slow earthquake</a:t>
+            </a:r>
+          </a:p>
+          <a:p>
+            <a:pPr lvl="1"/>
+            <a:r>
+              <a:rPr lang="en-US" dirty="0"/>
+              <a:t>Found in recent twenty years</a:t>
+            </a:r>
+          </a:p>
+          <a:p>
+            <a:pPr lvl="1"/>
+            <a:r>
+              <a:rPr lang="en-US" dirty="0"/>
+              <a:t>Releasing energy slowly</a:t>
+            </a:r>
+          </a:p>
+          <a:p>
+            <a:pPr lvl="1"/>
+            <a:r>
+              <a:rPr lang="en-US" dirty="0"/>
+              <a:t>A wide spectrum of stick-slip </a:t>
+            </a:r>
+          </a:p>
+          <a:p>
+            <a:pPr lvl="1"/>
+            <a:r>
+              <a:rPr lang="en-US" dirty="0"/>
+              <a:t>Providing insights into traditional earthquakes</a:t>
+            </a:r>
+          </a:p>
+        </p:txBody>
+      </p:sp>
+      <p:sp>
+        <p:nvSpPr>
+          <p:cNvPr id="14" name="Slide Number Placeholder 13">
+            <a:extLst>
+              <a:ext uri="{FF2B5EF4-FFF2-40B4-BE49-F238E27FC236}">
+                <a16:creationId xmlns:a16="http://schemas.microsoft.com/office/drawing/2014/main" id="{C2551F39-AE29-48BD-A8C9-50D69832C169}"/>
+              </a:ext>
+            </a:extLst>
+          </p:cNvPr>
+          <p:cNvSpPr>
+            <a:spLocks noGrp="1"/>
+          </p:cNvSpPr>
+          <p:nvPr>
+            <p:ph type="sldNum" sz="quarter" idx="12"/>
+          </p:nvPr>
+        </p:nvSpPr>
+        <p:spPr/>
+        <p:txBody>
+          <a:bodyPr/>
+          <a:lstStyle/>
+          <a:p>
+            <a:fld id="{49F5416C-8930-4BBD-885C-EB544461BEF4}" type="slidenum">
+              <a:rPr lang="en-US" smtClean="0"/>
+              <a:pPr/>
+              <a:t>2</a:t>
+            </a:fld>
+            <a:endParaRPr lang="en-US" dirty="0"/>
+          </a:p>
+        </p:txBody>
+      </p:sp>
+      <p:pic>
+        <p:nvPicPr>
+          <p:cNvPr id="19" name="Picture 18">
+            <a:extLst>
+              <a:ext uri="{FF2B5EF4-FFF2-40B4-BE49-F238E27FC236}">
+                <a16:creationId xmlns:a16="http://schemas.microsoft.com/office/drawing/2014/main" id="{7D6FAF4D-A634-4AC6-B340-561C0747C064}"/>
+              </a:ext>
+            </a:extLst>
+          </p:cNvPr>
+          <p:cNvPicPr>
+            <a:picLocks noChangeAspect="1"/>
+          </p:cNvPicPr>
+          <p:nvPr/>
+        </p:nvPicPr>
+        <p:blipFill>
+          <a:blip r:embed="rId3"/>
+          <a:stretch>
+            <a:fillRect/>
+          </a:stretch>
+        </p:blipFill>
+        <p:spPr>
+          <a:xfrm>
+            <a:off x="7010400" y="2281238"/>
+            <a:ext cx="4858738" cy="2733040"/>
+          </a:xfrm>
+          <a:prstGeom prst="rect">
+            <a:avLst/>
+          </a:prstGeom>
+        </p:spPr>
+      </p:pic>
+      <p:sp>
+        <p:nvSpPr>
+          <p:cNvPr id="20" name="TextBox 19">
+            <a:extLst>
+              <a:ext uri="{FF2B5EF4-FFF2-40B4-BE49-F238E27FC236}">
+                <a16:creationId xmlns:a16="http://schemas.microsoft.com/office/drawing/2014/main" id="{C63FC3B2-D6B1-4526-B139-97918594CE07}"/>
+              </a:ext>
+            </a:extLst>
+          </p:cNvPr>
+          <p:cNvSpPr txBox="1"/>
+          <p:nvPr/>
+        </p:nvSpPr>
+        <p:spPr>
+          <a:xfrm>
+            <a:off x="8229600" y="5041622"/>
+            <a:ext cx="2005677" cy="369332"/>
+          </a:xfrm>
+          <a:prstGeom prst="rect">
+            <a:avLst/>
+          </a:prstGeom>
+          <a:noFill/>
+        </p:spPr>
+        <p:txBody>
+          <a:bodyPr wrap="none" rtlCol="0">
+            <a:spAutoFit/>
+          </a:bodyPr>
+          <a:lstStyle/>
+          <a:p>
+            <a:r>
+              <a:rPr lang="en-US" dirty="0">
+                <a:latin typeface="Arial" panose="020B0604020202020204" pitchFamily="34" charset="0"/>
+                <a:cs typeface="Arial" panose="020B0604020202020204" pitchFamily="34" charset="0"/>
+              </a:rPr>
+              <a:t>So hard to predict</a:t>
+            </a:r>
+          </a:p>
+        </p:txBody>
+      </p:sp>
+    </p:spTree>
+    <p:extLst>
+      <p:ext uri="{BB962C8B-B14F-4D97-AF65-F5344CB8AC3E}">
+        <p14:creationId xmlns:p14="http://schemas.microsoft.com/office/powerpoint/2010/main" val="1227073797"/>
+      </p:ext>
+    </p:extLst>
+  </p:cSld>
+  <p:clrMapOvr>
+    <a:masterClrMapping/>
+  </p:clrMapOvr>
+</p:sld>
+</file>
+
+<file path=ppt/slides/slide20.xml><?xml version="1.0" encoding="utf-8"?>
 <p:sld xmlns:a="http://schemas.openxmlformats.org/drawingml/2006/main" xmlns:r="http://schemas.openxmlformats.org/officeDocument/2006/relationships" xmlns:p="http://schemas.openxmlformats.org/presentationml/2006/main" show="0">
   <p:cSld>
     <p:spTree>
@@ -8246,7 +8864,7 @@
             <a:fld id="{49F5416C-8930-4BBD-885C-EB544461BEF4}" type="slidenum">
               <a:rPr lang="en-US" smtClean="0"/>
               <a:pPr/>
-              <a:t>19</a:t>
+              <a:t>20</a:t>
             </a:fld>
             <a:endParaRPr lang="en-US"/>
           </a:p>
@@ -8372,235 +8990,6 @@
 </p:sld>
 </file>
 
-<file path=ppt/slides/slide2.xml><?xml version="1.0" encoding="utf-8"?>
-<p:sld xmlns:a="http://schemas.openxmlformats.org/drawingml/2006/main" xmlns:r="http://schemas.openxmlformats.org/officeDocument/2006/relationships" xmlns:p="http://schemas.openxmlformats.org/presentationml/2006/main">
-  <p:cSld>
-    <p:spTree>
-      <p:nvGrpSpPr>
-        <p:cNvPr id="1" name=""/>
-        <p:cNvGrpSpPr/>
-        <p:nvPr/>
-      </p:nvGrpSpPr>
-      <p:grpSpPr>
-        <a:xfrm>
-          <a:off x="0" y="0"/>
-          <a:ext cx="0" cy="0"/>
-          <a:chOff x="0" y="0"/>
-          <a:chExt cx="0" cy="0"/>
-        </a:xfrm>
-      </p:grpSpPr>
-      <p:sp>
-        <p:nvSpPr>
-          <p:cNvPr id="2" name="Title 1">
-            <a:extLst>
-              <a:ext uri="{FF2B5EF4-FFF2-40B4-BE49-F238E27FC236}">
-                <a16:creationId xmlns:a16="http://schemas.microsoft.com/office/drawing/2014/main" id="{734ABD27-F5EF-43E0-8602-596865853C78}"/>
-              </a:ext>
-            </a:extLst>
-          </p:cNvPr>
-          <p:cNvSpPr>
-            <a:spLocks noGrp="1"/>
-          </p:cNvSpPr>
-          <p:nvPr>
-            <p:ph type="title"/>
-          </p:nvPr>
-        </p:nvSpPr>
-        <p:spPr/>
-        <p:txBody>
-          <a:bodyPr/>
-          <a:lstStyle/>
-          <a:p>
-            <a:r>
-              <a:rPr lang="en-US" dirty="0"/>
-              <a:t>Background</a:t>
-            </a:r>
-          </a:p>
-        </p:txBody>
-      </p:sp>
-      <p:sp>
-        <p:nvSpPr>
-          <p:cNvPr id="3" name="Content Placeholder 2">
-            <a:extLst>
-              <a:ext uri="{FF2B5EF4-FFF2-40B4-BE49-F238E27FC236}">
-                <a16:creationId xmlns:a16="http://schemas.microsoft.com/office/drawing/2014/main" id="{5A0F386B-6AAF-45FD-AA7C-013C760BADE3}"/>
-              </a:ext>
-            </a:extLst>
-          </p:cNvPr>
-          <p:cNvSpPr>
-            <a:spLocks noGrp="1"/>
-          </p:cNvSpPr>
-          <p:nvPr>
-            <p:ph idx="1"/>
-          </p:nvPr>
-        </p:nvSpPr>
-        <p:spPr>
-          <a:xfrm>
-            <a:off x="838200" y="1825625"/>
-            <a:ext cx="6172200" cy="4351338"/>
-          </a:xfrm>
-        </p:spPr>
-        <p:txBody>
-          <a:bodyPr/>
-          <a:lstStyle/>
-          <a:p>
-            <a:r>
-              <a:rPr lang="en-US" dirty="0"/>
-              <a:t>Earthquake forecast is difficult</a:t>
-            </a:r>
-          </a:p>
-          <a:p>
-            <a:r>
-              <a:rPr lang="en-US" dirty="0"/>
-              <a:t>Empirical analysis versus physical principles</a:t>
-            </a:r>
-          </a:p>
-          <a:p>
-            <a:r>
-              <a:rPr lang="en-US" dirty="0"/>
-              <a:t>Slow earthquake</a:t>
-            </a:r>
-          </a:p>
-          <a:p>
-            <a:pPr lvl="1"/>
-            <a:r>
-              <a:rPr lang="en-US" dirty="0"/>
-              <a:t>Found in recent twenty years</a:t>
-            </a:r>
-          </a:p>
-          <a:p>
-            <a:pPr lvl="1"/>
-            <a:r>
-              <a:rPr lang="en-US" dirty="0"/>
-              <a:t>Releasing energy slowly</a:t>
-            </a:r>
-          </a:p>
-          <a:p>
-            <a:pPr lvl="1"/>
-            <a:r>
-              <a:rPr lang="en-US" dirty="0"/>
-              <a:t>A wide spectrum of stick-slip </a:t>
-            </a:r>
-          </a:p>
-          <a:p>
-            <a:pPr lvl="1"/>
-            <a:r>
-              <a:rPr lang="en-US" dirty="0"/>
-              <a:t>Providing insights into traditional earthquakes</a:t>
-            </a:r>
-          </a:p>
-        </p:txBody>
-      </p:sp>
-      <p:sp>
-        <p:nvSpPr>
-          <p:cNvPr id="14" name="Slide Number Placeholder 13">
-            <a:extLst>
-              <a:ext uri="{FF2B5EF4-FFF2-40B4-BE49-F238E27FC236}">
-                <a16:creationId xmlns:a16="http://schemas.microsoft.com/office/drawing/2014/main" id="{C2551F39-AE29-48BD-A8C9-50D69832C169}"/>
-              </a:ext>
-            </a:extLst>
-          </p:cNvPr>
-          <p:cNvSpPr>
-            <a:spLocks noGrp="1"/>
-          </p:cNvSpPr>
-          <p:nvPr>
-            <p:ph type="sldNum" sz="quarter" idx="12"/>
-          </p:nvPr>
-        </p:nvSpPr>
-        <p:spPr/>
-        <p:txBody>
-          <a:bodyPr/>
-          <a:lstStyle/>
-          <a:p>
-            <a:fld id="{49F5416C-8930-4BBD-885C-EB544461BEF4}" type="slidenum">
-              <a:rPr lang="en-US" smtClean="0"/>
-              <a:pPr/>
-              <a:t>2</a:t>
-            </a:fld>
-            <a:endParaRPr lang="en-US" dirty="0"/>
-          </a:p>
-        </p:txBody>
-      </p:sp>
-      <p:pic>
-        <p:nvPicPr>
-          <p:cNvPr id="19" name="Picture 18">
-            <a:extLst>
-              <a:ext uri="{FF2B5EF4-FFF2-40B4-BE49-F238E27FC236}">
-                <a16:creationId xmlns:a16="http://schemas.microsoft.com/office/drawing/2014/main" id="{7D6FAF4D-A634-4AC6-B340-561C0747C064}"/>
-              </a:ext>
-            </a:extLst>
-          </p:cNvPr>
-          <p:cNvPicPr>
-            <a:picLocks noChangeAspect="1"/>
-          </p:cNvPicPr>
-          <p:nvPr/>
-        </p:nvPicPr>
-        <p:blipFill>
-          <a:blip r:embed="rId3"/>
-          <a:stretch>
-            <a:fillRect/>
-          </a:stretch>
-        </p:blipFill>
-        <p:spPr>
-          <a:xfrm>
-            <a:off x="7010400" y="2281238"/>
-            <a:ext cx="4858738" cy="2733040"/>
-          </a:xfrm>
-          <a:prstGeom prst="rect">
-            <a:avLst/>
-          </a:prstGeom>
-        </p:spPr>
-      </p:pic>
-      <p:sp>
-        <p:nvSpPr>
-          <p:cNvPr id="20" name="TextBox 19">
-            <a:extLst>
-              <a:ext uri="{FF2B5EF4-FFF2-40B4-BE49-F238E27FC236}">
-                <a16:creationId xmlns:a16="http://schemas.microsoft.com/office/drawing/2014/main" id="{C63FC3B2-D6B1-4526-B139-97918594CE07}"/>
-              </a:ext>
-            </a:extLst>
-          </p:cNvPr>
-          <p:cNvSpPr txBox="1"/>
-          <p:nvPr/>
-        </p:nvSpPr>
-        <p:spPr>
-          <a:xfrm>
-            <a:off x="8229600" y="5041622"/>
-            <a:ext cx="2005677" cy="369332"/>
-          </a:xfrm>
-          <a:prstGeom prst="rect">
-            <a:avLst/>
-          </a:prstGeom>
-          <a:noFill/>
-        </p:spPr>
-        <p:txBody>
-          <a:bodyPr wrap="none" rtlCol="0">
-            <a:spAutoFit/>
-          </a:bodyPr>
-          <a:lstStyle/>
-          <a:p>
-            <a:r>
-              <a:rPr lang="en-US" dirty="0">
-                <a:latin typeface="Arial" panose="020B0604020202020204" pitchFamily="34" charset="0"/>
-                <a:cs typeface="Arial" panose="020B0604020202020204" pitchFamily="34" charset="0"/>
-              </a:rPr>
-              <a:t>So hard to predict</a:t>
-            </a:r>
-          </a:p>
-        </p:txBody>
-      </p:sp>
-    </p:spTree>
-    <p:extLst>
-      <p:ext uri="{BB962C8B-B14F-4D97-AF65-F5344CB8AC3E}">
-        <p14:creationId xmlns:p14="http://schemas.microsoft.com/office/powerpoint/2010/main" val="1227073797"/>
-      </p:ext>
-    </p:extLst>
-  </p:cSld>
-  <p:clrMapOvr>
-    <a:masterClrMapping/>
-  </p:clrMapOvr>
-</p:sld>
-</file>
-
 <file path=ppt/slides/slide3.xml><?xml version="1.0" encoding="utf-8"?>
 <p:sld xmlns:a="http://schemas.openxmlformats.org/drawingml/2006/main" xmlns:r="http://schemas.openxmlformats.org/officeDocument/2006/relationships" xmlns:p="http://schemas.openxmlformats.org/presentationml/2006/main">
   <p:cSld>
@@ -8939,6 +9328,92 @@
   <p:clrMapOvr>
     <a:masterClrMapping/>
   </p:clrMapOvr>
+  <p:timing>
+    <p:tnLst>
+      <p:par>
+        <p:cTn id="1" dur="indefinite" restart="never" nodeType="tmRoot">
+          <p:childTnLst>
+            <p:seq concurrent="1" nextAc="seek">
+              <p:cTn id="2" dur="indefinite" nodeType="mainSeq">
+                <p:childTnLst>
+                  <p:par>
+                    <p:cTn id="3" fill="hold">
+                      <p:stCondLst>
+                        <p:cond delay="indefinite"/>
+                      </p:stCondLst>
+                      <p:childTnLst>
+                        <p:par>
+                          <p:cTn id="4" fill="hold">
+                            <p:stCondLst>
+                              <p:cond delay="0"/>
+                            </p:stCondLst>
+                            <p:childTnLst>
+                              <p:par>
+                                <p:cTn id="5" presetID="10" presetClass="entr" presetSubtype="0" fill="hold" grpId="0" nodeType="clickEffect">
+                                  <p:stCondLst>
+                                    <p:cond delay="0"/>
+                                  </p:stCondLst>
+                                  <p:childTnLst>
+                                    <p:set>
+                                      <p:cBhvr>
+                                        <p:cTn id="6" dur="1" fill="hold">
+                                          <p:stCondLst>
+                                            <p:cond delay="0"/>
+                                          </p:stCondLst>
+                                        </p:cTn>
+                                        <p:tgtEl>
+                                          <p:spTgt spid="8"/>
+                                        </p:tgtEl>
+                                        <p:attrNameLst>
+                                          <p:attrName>style.visibility</p:attrName>
+                                        </p:attrNameLst>
+                                      </p:cBhvr>
+                                      <p:to>
+                                        <p:strVal val="visible"/>
+                                      </p:to>
+                                    </p:set>
+                                    <p:animEffect transition="in" filter="fade">
+                                      <p:cBhvr>
+                                        <p:cTn id="7" dur="500"/>
+                                        <p:tgtEl>
+                                          <p:spTgt spid="8"/>
+                                        </p:tgtEl>
+                                      </p:cBhvr>
+                                    </p:animEffect>
+                                  </p:childTnLst>
+                                </p:cTn>
+                              </p:par>
+                            </p:childTnLst>
+                          </p:cTn>
+                        </p:par>
+                      </p:childTnLst>
+                    </p:cTn>
+                  </p:par>
+                </p:childTnLst>
+              </p:cTn>
+              <p:prevCondLst>
+                <p:cond evt="onPrev" delay="0">
+                  <p:tgtEl>
+                    <p:sldTgt/>
+                  </p:tgtEl>
+                </p:cond>
+              </p:prevCondLst>
+              <p:nextCondLst>
+                <p:cond evt="onNext" delay="0">
+                  <p:tgtEl>
+                    <p:sldTgt/>
+                  </p:tgtEl>
+                </p:cond>
+              </p:nextCondLst>
+            </p:seq>
+          </p:childTnLst>
+        </p:cTn>
+      </p:par>
+    </p:tnLst>
+    <p:bldLst>
+      <p:bldP spid="8" grpId="0"/>
+    </p:bldLst>
+  </p:timing>
 </p:sld>
 </file>
 
@@ -10889,11 +11364,19 @@
             <a:pPr lvl="2"/>
             <a:r>
               <a:rPr lang="en-US" dirty="0"/>
-              <a:t>Min, max, mean, percentile, etc.</a:t>
-            </a:r>
-          </a:p>
-          <a:p>
-            <a:pPr lvl="1"/>
+              <a:t>Min, max, mean, </a:t>
+            </a:r>
+            <a:r>
+              <a:rPr lang="en-US" dirty="0" err="1"/>
+              <a:t>kurt</a:t>
+            </a:r>
+            <a:r>
+              <a:rPr lang="en-US" dirty="0"/>
+              <a:t>, skew, percentile</a:t>
+            </a:r>
+          </a:p>
+          <a:p>
+            <a:pPr lvl="2"/>
             <a:r>
               <a:rPr lang="en-US" dirty="0"/>
               <a:t>Rolling statistics (rolling functions + statistics)</a:t>
@@ -11331,7 +11814,7 @@
           <a:bodyPr/>
           <a:lstStyle/>
           <a:p>
-            <a:endParaRPr lang="en-US"/>
+            <a:endParaRPr lang="en-US" dirty="0"/>
           </a:p>
         </p:txBody>
       </p:sp>
@@ -11412,12 +11895,130 @@
           </a:extLst>
         </p:spPr>
       </p:pic>
+      <p:sp>
+        <p:nvSpPr>
+          <p:cNvPr id="6" name="TextBox 5">
+            <a:extLst>
+              <a:ext uri="{FF2B5EF4-FFF2-40B4-BE49-F238E27FC236}">
+                <a16:creationId xmlns:a16="http://schemas.microsoft.com/office/drawing/2014/main" id="{382FB3FA-3D8B-409C-84A5-09E28AF8D483}"/>
+              </a:ext>
+            </a:extLst>
+          </p:cNvPr>
+          <p:cNvSpPr txBox="1"/>
+          <p:nvPr/>
+        </p:nvSpPr>
+        <p:spPr>
+          <a:xfrm>
+            <a:off x="2349795" y="5785239"/>
+            <a:ext cx="1697901" cy="369332"/>
+          </a:xfrm>
+          <a:prstGeom prst="rect">
+            <a:avLst/>
+          </a:prstGeom>
+          <a:noFill/>
+        </p:spPr>
+        <p:txBody>
+          <a:bodyPr wrap="none" rtlCol="0">
+            <a:spAutoFit/>
+          </a:bodyPr>
+          <a:lstStyle/>
+          <a:p>
+            <a:r>
+              <a:rPr lang="en-US" dirty="0">
+                <a:latin typeface="Arial" panose="020B0604020202020204" pitchFamily="34" charset="0"/>
+                <a:cs typeface="Arial" panose="020B0604020202020204" pitchFamily="34" charset="0"/>
+              </a:rPr>
+              <a:t>t-SNE analysis</a:t>
+            </a:r>
+          </a:p>
+        </p:txBody>
+      </p:sp>
+      <p:sp>
+        <p:nvSpPr>
+          <p:cNvPr id="8" name="TextBox 7">
+            <a:extLst>
+              <a:ext uri="{FF2B5EF4-FFF2-40B4-BE49-F238E27FC236}">
+                <a16:creationId xmlns:a16="http://schemas.microsoft.com/office/drawing/2014/main" id="{B6BD7D01-616F-420D-9704-7BF67AB87334}"/>
+              </a:ext>
+            </a:extLst>
+          </p:cNvPr>
+          <p:cNvSpPr txBox="1"/>
+          <p:nvPr/>
+        </p:nvSpPr>
+        <p:spPr>
+          <a:xfrm>
+            <a:off x="9116528" y="5415907"/>
+            <a:ext cx="659155" cy="369332"/>
+          </a:xfrm>
+          <a:prstGeom prst="rect">
+            <a:avLst/>
+          </a:prstGeom>
+          <a:noFill/>
+        </p:spPr>
+        <p:txBody>
+          <a:bodyPr wrap="none" rtlCol="0">
+            <a:spAutoFit/>
+          </a:bodyPr>
+          <a:lstStyle/>
+          <a:p>
+            <a:r>
+              <a:rPr lang="en-US" dirty="0">
+                <a:latin typeface="Arial" panose="020B0604020202020204" pitchFamily="34" charset="0"/>
+                <a:cs typeface="Arial" panose="020B0604020202020204" pitchFamily="34" charset="0"/>
+              </a:rPr>
+              <a:t>PCA</a:t>
+            </a:r>
+          </a:p>
+        </p:txBody>
+      </p:sp>
+      <p:sp>
+        <p:nvSpPr>
+          <p:cNvPr id="7" name="TextBox 6">
+            <a:extLst>
+              <a:ext uri="{FF2B5EF4-FFF2-40B4-BE49-F238E27FC236}">
+                <a16:creationId xmlns:a16="http://schemas.microsoft.com/office/drawing/2014/main" id="{6394698F-6983-4620-9E54-3D068CFD7D07}"/>
+              </a:ext>
+            </a:extLst>
+          </p:cNvPr>
+          <p:cNvSpPr txBox="1"/>
+          <p:nvPr/>
+        </p:nvSpPr>
+        <p:spPr>
+          <a:xfrm>
+            <a:off x="5454502" y="1646238"/>
+            <a:ext cx="377026" cy="369332"/>
+          </a:xfrm>
+          <a:prstGeom prst="rect">
+            <a:avLst/>
+          </a:prstGeom>
+          <a:noFill/>
+        </p:spPr>
+        <p:txBody>
+          <a:bodyPr wrap="none" rtlCol="0">
+            <a:spAutoFit/>
+          </a:bodyPr>
+          <a:lstStyle/>
+          <a:p>
+            <a:r>
+              <a:rPr lang="en-US" dirty="0" err="1">
+                <a:latin typeface="Arial" panose="020B0604020202020204" pitchFamily="34" charset="0"/>
+                <a:cs typeface="Arial" panose="020B0604020202020204" pitchFamily="34" charset="0"/>
+              </a:rPr>
+              <a:t>ttf</a:t>
+            </a:r>
+            <a:endParaRPr lang="en-US" dirty="0">
+              <a:latin typeface="Arial" panose="020B0604020202020204" pitchFamily="34" charset="0"/>
+              <a:cs typeface="Arial" panose="020B0604020202020204" pitchFamily="34" charset="0"/>
+            </a:endParaRPr>
+          </a:p>
+        </p:txBody>
+      </p:sp>
       <p:pic>
         <p:nvPicPr>
-          <p:cNvPr id="5" name="Picture 4">
-            <a:extLst>
-              <a:ext uri="{FF2B5EF4-FFF2-40B4-BE49-F238E27FC236}">
-                <a16:creationId xmlns:a16="http://schemas.microsoft.com/office/drawing/2014/main" id="{333624D3-CC13-4388-B813-A11ABFE32516}"/>
+          <p:cNvPr id="9" name="Picture 8">
+            <a:extLst>
+              <a:ext uri="{FF2B5EF4-FFF2-40B4-BE49-F238E27FC236}">
+                <a16:creationId xmlns:a16="http://schemas.microsoft.com/office/drawing/2014/main" id="{27F6A6E0-6AD2-97FA-61A7-62DE9A2BDEAF}"/>
               </a:ext>
             </a:extLst>
           </p:cNvPr>
@@ -11434,132 +12035,14 @@
         </p:blipFill>
         <p:spPr>
           <a:xfrm>
-            <a:off x="6600826" y="2408273"/>
-            <a:ext cx="5591174" cy="2757487"/>
+            <a:off x="6458356" y="2111903"/>
+            <a:ext cx="5486400" cy="3169067"/>
           </a:xfrm>
           <a:prstGeom prst="rect">
             <a:avLst/>
           </a:prstGeom>
         </p:spPr>
       </p:pic>
-      <p:sp>
-        <p:nvSpPr>
-          <p:cNvPr id="6" name="TextBox 5">
-            <a:extLst>
-              <a:ext uri="{FF2B5EF4-FFF2-40B4-BE49-F238E27FC236}">
-                <a16:creationId xmlns:a16="http://schemas.microsoft.com/office/drawing/2014/main" id="{382FB3FA-3D8B-409C-84A5-09E28AF8D483}"/>
-              </a:ext>
-            </a:extLst>
-          </p:cNvPr>
-          <p:cNvSpPr txBox="1"/>
-          <p:nvPr/>
-        </p:nvSpPr>
-        <p:spPr>
-          <a:xfrm>
-            <a:off x="2349795" y="5785239"/>
-            <a:ext cx="1697901" cy="369332"/>
-          </a:xfrm>
-          <a:prstGeom prst="rect">
-            <a:avLst/>
-          </a:prstGeom>
-          <a:noFill/>
-        </p:spPr>
-        <p:txBody>
-          <a:bodyPr wrap="none" rtlCol="0">
-            <a:spAutoFit/>
-          </a:bodyPr>
-          <a:lstStyle/>
-          <a:p>
-            <a:r>
-              <a:rPr lang="en-US" dirty="0">
-                <a:latin typeface="Arial" panose="020B0604020202020204" pitchFamily="34" charset="0"/>
-                <a:cs typeface="Arial" panose="020B0604020202020204" pitchFamily="34" charset="0"/>
-              </a:rPr>
-              <a:t>t-SNE analysis</a:t>
-            </a:r>
-          </a:p>
-        </p:txBody>
-      </p:sp>
-      <p:sp>
-        <p:nvSpPr>
-          <p:cNvPr id="8" name="TextBox 7">
-            <a:extLst>
-              <a:ext uri="{FF2B5EF4-FFF2-40B4-BE49-F238E27FC236}">
-                <a16:creationId xmlns:a16="http://schemas.microsoft.com/office/drawing/2014/main" id="{B6BD7D01-616F-420D-9704-7BF67AB87334}"/>
-              </a:ext>
-            </a:extLst>
-          </p:cNvPr>
-          <p:cNvSpPr txBox="1"/>
-          <p:nvPr/>
-        </p:nvSpPr>
-        <p:spPr>
-          <a:xfrm>
-            <a:off x="9116528" y="5415907"/>
-            <a:ext cx="659155" cy="369332"/>
-          </a:xfrm>
-          <a:prstGeom prst="rect">
-            <a:avLst/>
-          </a:prstGeom>
-          <a:noFill/>
-        </p:spPr>
-        <p:txBody>
-          <a:bodyPr wrap="none" rtlCol="0">
-            <a:spAutoFit/>
-          </a:bodyPr>
-          <a:lstStyle/>
-          <a:p>
-            <a:r>
-              <a:rPr lang="en-US" dirty="0">
-                <a:latin typeface="Arial" panose="020B0604020202020204" pitchFamily="34" charset="0"/>
-                <a:cs typeface="Arial" panose="020B0604020202020204" pitchFamily="34" charset="0"/>
-              </a:rPr>
-              <a:t>PCA</a:t>
-            </a:r>
-          </a:p>
-        </p:txBody>
-      </p:sp>
-      <p:sp>
-        <p:nvSpPr>
-          <p:cNvPr id="7" name="TextBox 6">
-            <a:extLst>
-              <a:ext uri="{FF2B5EF4-FFF2-40B4-BE49-F238E27FC236}">
-                <a16:creationId xmlns:a16="http://schemas.microsoft.com/office/drawing/2014/main" id="{6394698F-6983-4620-9E54-3D068CFD7D07}"/>
-              </a:ext>
-            </a:extLst>
-          </p:cNvPr>
-          <p:cNvSpPr txBox="1"/>
-          <p:nvPr/>
-        </p:nvSpPr>
-        <p:spPr>
-          <a:xfrm>
-            <a:off x="5454502" y="1646238"/>
-            <a:ext cx="377026" cy="369332"/>
-          </a:xfrm>
-          <a:prstGeom prst="rect">
-            <a:avLst/>
-          </a:prstGeom>
-          <a:noFill/>
-        </p:spPr>
-        <p:txBody>
-          <a:bodyPr wrap="none" rtlCol="0">
-            <a:spAutoFit/>
-          </a:bodyPr>
-          <a:lstStyle/>
-          <a:p>
-            <a:r>
-              <a:rPr lang="en-US" dirty="0" err="1">
-                <a:latin typeface="Arial" panose="020B0604020202020204" pitchFamily="34" charset="0"/>
-                <a:cs typeface="Arial" panose="020B0604020202020204" pitchFamily="34" charset="0"/>
-              </a:rPr>
-              <a:t>ttf</a:t>
-            </a:r>
-            <a:endParaRPr lang="en-US" dirty="0">
-              <a:latin typeface="Arial" panose="020B0604020202020204" pitchFamily="34" charset="0"/>
-              <a:cs typeface="Arial" panose="020B0604020202020204" pitchFamily="34" charset="0"/>
-            </a:endParaRPr>
-          </a:p>
-        </p:txBody>
-      </p:sp>
     </p:spTree>
     <p:extLst>
       <p:ext uri="{BB962C8B-B14F-4D97-AF65-F5344CB8AC3E}">
